--- a/Assets/Class/Photon Server/PPT Data/Photon Game.pptx
+++ b/Assets/Class/Photon Server/PPT Data/Photon Game.pptx
@@ -2,7 +2,7 @@
 <file path=ppt/presentation.xml><?xml version="1.0" encoding="utf-8"?>
 <p:presentation xmlns:a="http://schemas.openxmlformats.org/drawingml/2006/main" xmlns:r="http://schemas.openxmlformats.org/officeDocument/2006/relationships" xmlns:p="http://schemas.openxmlformats.org/presentationml/2006/main" xmlns:p14="http://schemas.microsoft.com/office/powerpoint/2010/main" saveSubsetFonts="1" firstSlideNum="0">
   <p:sldMasterIdLst>
-    <p:sldMasterId id="2147486940" r:id="rId12"/>
+    <p:sldMasterId id="2147486978" r:id="rId12"/>
   </p:sldMasterIdLst>
   <p:notesMasterIdLst>
     <p:notesMasterId r:id="rId14"/>
@@ -13,11 +13,15 @@
     <p:sldId id="327" r:id="rId20"/>
     <p:sldId id="326" r:id="rId22"/>
     <p:sldId id="320" r:id="rId24"/>
-    <p:sldId id="328" r:id="rId26"/>
-    <p:sldId id="321" r:id="rId28"/>
+    <p:sldId id="328" r:id="rId25"/>
+    <p:sldId id="321" r:id="rId27"/>
     <p:sldId id="329" r:id="rId29"/>
-    <p:sldId id="322" r:id="rId30"/>
-    <p:sldId id="324" r:id="rId31"/>
+    <p:sldId id="322" r:id="rId31"/>
+    <p:sldId id="330" r:id="rId33"/>
+    <p:sldId id="331" r:id="rId35"/>
+    <p:sldId id="332" r:id="rId37"/>
+    <p:sldId id="333" r:id="rId38"/>
+    <p:sldId id="334" r:id="rId39"/>
   </p:sldIdLst>
   <p:sldSz cx="12192000" cy="6858000"/>
   <p:notesSz cx="6858000" cy="9144000"/>
@@ -760,6 +764,574 @@
 </p:notes>
 </file>
 
+<file path=ppt/notesSlides/notesSlide11.xml><?xml version="1.0" encoding="utf-8"?>
+<p:notes xmlns:a="http://schemas.openxmlformats.org/drawingml/2006/main" xmlns:r="http://schemas.openxmlformats.org/officeDocument/2006/relationships" xmlns:p="http://schemas.openxmlformats.org/presentationml/2006/main">
+  <p:cSld>
+    <p:spTree>
+      <p:nvGrpSpPr>
+        <p:cNvPr id="1" name=""/>
+        <p:cNvGrpSpPr/>
+        <p:nvPr/>
+      </p:nvGrpSpPr>
+      <p:grpSpPr>
+        <a:xfrm>
+          <a:off x="0" y="0"/>
+          <a:ext cx="0" cy="0"/>
+          <a:chOff x="0" y="0"/>
+          <a:chExt cx="0" cy="0"/>
+        </a:xfrm>
+      </p:grpSpPr>
+      <p:sp>
+        <p:nvSpPr>
+          <p:cNvPr id="2" name="슬라이드 이미지 개체 틀 3"/>
+          <p:cNvSpPr>
+            <a:spLocks noChangeAspect="1"/>
+          </p:cNvSpPr>
+          <p:nvPr>
+            <p:ph type="sldImg" idx="2"/>
+          </p:nvPr>
+        </p:nvSpPr>
+        <p:spPr>
+          <a:xfrm rot="0">
+            <a:off x="685800" y="1143000"/>
+            <a:ext cx="5494655" cy="3094355"/>
+          </a:xfrm>
+          <a:prstGeom prst="rect"/>
+          <a:noFill/>
+          <a:ln w="12700" cap="flat" cmpd="sng">
+            <a:solidFill>
+              <a:srgbClr val="000000">
+                <a:alpha val="100000"/>
+              </a:srgbClr>
+            </a:solidFill>
+            <a:prstDash val="solid"/>
+          </a:ln>
+        </p:spPr>
+        <p:txBody>
+          <a:bodyPr wrap="square" lIns="91440" tIns="45720" rIns="91440" bIns="45720" numCol="1" vert="horz" anchor="ctr">
+            <a:noAutofit/>
+          </a:bodyPr>
+          <a:lstStyle/>
+          <a:p>
+            <a:pPr marL="0" indent="0" latinLnBrk="0">
+              <a:buFontTx/>
+              <a:buNone/>
+            </a:pPr>
+          </a:p>
+        </p:txBody>
+      </p:sp>
+      <p:sp>
+        <p:nvSpPr>
+          <p:cNvPr id="3" name="슬라이드 노트 개체 틀 4"/>
+          <p:cNvSpPr txBox="1">
+            <a:spLocks/>
+          </p:cNvSpPr>
+          <p:nvPr>
+            <p:ph type="body" idx="3"/>
+          </p:nvPr>
+        </p:nvSpPr>
+        <p:spPr>
+          <a:xfrm rot="0">
+            <a:off x="685800" y="4400550"/>
+            <a:ext cx="5494655" cy="3608705"/>
+          </a:xfrm>
+          <a:prstGeom prst="rect"/>
+        </p:spPr>
+        <p:txBody>
+          <a:bodyPr wrap="square" lIns="91440" tIns="45720" rIns="91440" bIns="45720" numCol="1" vert="horz" anchor="t">
+            <a:noAutofit/>
+          </a:bodyPr>
+          <a:lstStyle/>
+          <a:p>
+            <a:pPr marL="0" indent="0" latinLnBrk="0">
+              <a:buFontTx/>
+              <a:buNone/>
+            </a:pPr>
+          </a:p>
+        </p:txBody>
+      </p:sp>
+      <p:sp>
+        <p:nvSpPr>
+          <p:cNvPr id="4" name="슬라이드 번호 개체 틀 6"/>
+          <p:cNvSpPr txBox="1">
+            <a:spLocks/>
+          </p:cNvSpPr>
+          <p:nvPr>
+            <p:ph type="sldNum" idx="5"/>
+          </p:nvPr>
+        </p:nvSpPr>
+        <p:spPr>
+          <a:xfrm rot="0">
+            <a:off x="3884930" y="8685530"/>
+            <a:ext cx="2980055" cy="466725"/>
+          </a:xfrm>
+          <a:prstGeom prst="rect"/>
+        </p:spPr>
+        <p:txBody>
+          <a:bodyPr wrap="square" lIns="91440" tIns="45720" rIns="91440" bIns="45720" numCol="1" vert="horz" anchor="b">
+            <a:noAutofit/>
+          </a:bodyPr>
+          <a:lstStyle>
+            <a:lvl1pPr marL="0" indent="0" algn="r" latinLnBrk="0">
+              <a:buFontTx/>
+              <a:buNone/>
+              <a:defRPr lang="en-GB" altLang="en-US" sz="1200"/>
+            </a:lvl1pPr>
+          </a:lstStyle>
+          <a:p>
+            <a:pPr marL="0" indent="0" latinLnBrk="0">
+              <a:buFontTx/>
+              <a:buNone/>
+            </a:pPr>
+            <a:fld id="{B9320F77-B9A0-41C5-862A-B4B631284C64}" type="slidenum">
+              <a:rPr lang="ko-KR" altLang="en-US"/>
+              <a:t>‹#›</a:t>
+            </a:fld>
+          </a:p>
+        </p:txBody>
+      </p:sp>
+    </p:spTree>
+  </p:cSld>
+  <p:clrMapOvr>
+    <a:masterClrMapping/>
+  </p:clrMapOvr>
+  <mc:AlternateContent xmlns:mc="http://schemas.openxmlformats.org/markup-compatibility/2006">
+    <mc:Choice xmlns:p14="http://schemas.microsoft.com/office/powerpoint/2010/main" Requires="p14">
+      <p:transition spd="slow" p14:dur="0"/>
+    </mc:Choice>
+    <mc:Fallback>
+      <p:transition spd="slow"/>
+    </mc:Fallback>
+  </mc:AlternateContent>
+</p:notes>
+</file>
+
+<file path=ppt/notesSlides/notesSlide12.xml><?xml version="1.0" encoding="utf-8"?>
+<p:notes xmlns:a="http://schemas.openxmlformats.org/drawingml/2006/main" xmlns:r="http://schemas.openxmlformats.org/officeDocument/2006/relationships" xmlns:p="http://schemas.openxmlformats.org/presentationml/2006/main">
+  <p:cSld>
+    <p:spTree>
+      <p:nvGrpSpPr>
+        <p:cNvPr id="1" name=""/>
+        <p:cNvGrpSpPr/>
+        <p:nvPr/>
+      </p:nvGrpSpPr>
+      <p:grpSpPr>
+        <a:xfrm>
+          <a:off x="0" y="0"/>
+          <a:ext cx="0" cy="0"/>
+          <a:chOff x="0" y="0"/>
+          <a:chExt cx="0" cy="0"/>
+        </a:xfrm>
+      </p:grpSpPr>
+      <p:sp>
+        <p:nvSpPr>
+          <p:cNvPr id="2" name="슬라이드 이미지 개체 틀 3"/>
+          <p:cNvSpPr>
+            <a:spLocks noChangeAspect="1"/>
+          </p:cNvSpPr>
+          <p:nvPr>
+            <p:ph type="sldImg" idx="2"/>
+          </p:nvPr>
+        </p:nvSpPr>
+        <p:spPr>
+          <a:xfrm rot="0">
+            <a:off x="685800" y="1143000"/>
+            <a:ext cx="5494655" cy="3094355"/>
+          </a:xfrm>
+          <a:prstGeom prst="rect"/>
+          <a:noFill/>
+          <a:ln w="12700" cap="flat" cmpd="sng">
+            <a:solidFill>
+              <a:srgbClr val="000000">
+                <a:alpha val="100000"/>
+              </a:srgbClr>
+            </a:solidFill>
+            <a:prstDash val="solid"/>
+          </a:ln>
+        </p:spPr>
+        <p:txBody>
+          <a:bodyPr wrap="square" lIns="91440" tIns="45720" rIns="91440" bIns="45720" numCol="1" vert="horz" anchor="ctr">
+            <a:noAutofit/>
+          </a:bodyPr>
+          <a:lstStyle/>
+          <a:p>
+            <a:pPr marL="0" indent="0" latinLnBrk="0">
+              <a:buFontTx/>
+              <a:buNone/>
+            </a:pPr>
+          </a:p>
+        </p:txBody>
+      </p:sp>
+      <p:sp>
+        <p:nvSpPr>
+          <p:cNvPr id="3" name="슬라이드 노트 개체 틀 4"/>
+          <p:cNvSpPr txBox="1">
+            <a:spLocks/>
+          </p:cNvSpPr>
+          <p:nvPr>
+            <p:ph type="body" idx="3"/>
+          </p:nvPr>
+        </p:nvSpPr>
+        <p:spPr>
+          <a:xfrm rot="0">
+            <a:off x="685800" y="4400550"/>
+            <a:ext cx="5494655" cy="3608705"/>
+          </a:xfrm>
+          <a:prstGeom prst="rect"/>
+        </p:spPr>
+        <p:txBody>
+          <a:bodyPr wrap="square" lIns="91440" tIns="45720" rIns="91440" bIns="45720" numCol="1" vert="horz" anchor="t">
+            <a:noAutofit/>
+          </a:bodyPr>
+          <a:lstStyle/>
+          <a:p>
+            <a:pPr marL="0" indent="0" latinLnBrk="0">
+              <a:buFontTx/>
+              <a:buNone/>
+            </a:pPr>
+          </a:p>
+        </p:txBody>
+      </p:sp>
+      <p:sp>
+        <p:nvSpPr>
+          <p:cNvPr id="4" name="슬라이드 번호 개체 틀 6"/>
+          <p:cNvSpPr txBox="1">
+            <a:spLocks/>
+          </p:cNvSpPr>
+          <p:nvPr>
+            <p:ph type="sldNum" idx="5"/>
+          </p:nvPr>
+        </p:nvSpPr>
+        <p:spPr>
+          <a:xfrm rot="0">
+            <a:off x="3884930" y="8685530"/>
+            <a:ext cx="2980055" cy="466725"/>
+          </a:xfrm>
+          <a:prstGeom prst="rect"/>
+        </p:spPr>
+        <p:txBody>
+          <a:bodyPr wrap="square" lIns="91440" tIns="45720" rIns="91440" bIns="45720" numCol="1" vert="horz" anchor="b">
+            <a:noAutofit/>
+          </a:bodyPr>
+          <a:lstStyle>
+            <a:lvl1pPr marL="0" indent="0" algn="r" latinLnBrk="0">
+              <a:buFontTx/>
+              <a:buNone/>
+              <a:defRPr lang="en-GB" altLang="en-US" sz="1200"/>
+            </a:lvl1pPr>
+          </a:lstStyle>
+          <a:p>
+            <a:pPr marL="0" indent="0" latinLnBrk="0">
+              <a:buFontTx/>
+              <a:buNone/>
+            </a:pPr>
+            <a:fld id="{B9320F77-B9A0-41C5-862A-B4B631284C64}" type="slidenum">
+              <a:rPr lang="ko-KR" altLang="en-US"/>
+              <a:t>‹#›</a:t>
+            </a:fld>
+          </a:p>
+        </p:txBody>
+      </p:sp>
+    </p:spTree>
+  </p:cSld>
+  <p:clrMapOvr>
+    <a:masterClrMapping/>
+  </p:clrMapOvr>
+  <mc:AlternateContent xmlns:mc="http://schemas.openxmlformats.org/markup-compatibility/2006">
+    <mc:Choice xmlns:p14="http://schemas.microsoft.com/office/powerpoint/2010/main" Requires="p14">
+      <p:transition spd="slow" p14:dur="0"/>
+    </mc:Choice>
+    <mc:Fallback>
+      <p:transition spd="slow"/>
+    </mc:Fallback>
+  </mc:AlternateContent>
+</p:notes>
+</file>
+
+<file path=ppt/notesSlides/notesSlide13.xml><?xml version="1.0" encoding="utf-8"?>
+<p:notes xmlns:a="http://schemas.openxmlformats.org/drawingml/2006/main" xmlns:r="http://schemas.openxmlformats.org/officeDocument/2006/relationships" xmlns:p="http://schemas.openxmlformats.org/presentationml/2006/main">
+  <p:cSld>
+    <p:spTree>
+      <p:nvGrpSpPr>
+        <p:cNvPr id="1" name=""/>
+        <p:cNvGrpSpPr/>
+        <p:nvPr/>
+      </p:nvGrpSpPr>
+      <p:grpSpPr>
+        <a:xfrm>
+          <a:off x="0" y="0"/>
+          <a:ext cx="0" cy="0"/>
+          <a:chOff x="0" y="0"/>
+          <a:chExt cx="0" cy="0"/>
+        </a:xfrm>
+      </p:grpSpPr>
+      <p:sp>
+        <p:nvSpPr>
+          <p:cNvPr id="2" name="슬라이드 이미지 개체 틀 3"/>
+          <p:cNvSpPr>
+            <a:spLocks noChangeAspect="1"/>
+          </p:cNvSpPr>
+          <p:nvPr>
+            <p:ph type="sldImg" idx="2"/>
+          </p:nvPr>
+        </p:nvSpPr>
+        <p:spPr>
+          <a:xfrm rot="0">
+            <a:off x="685800" y="1143000"/>
+            <a:ext cx="5495290" cy="3094990"/>
+          </a:xfrm>
+          <a:prstGeom prst="rect"/>
+          <a:noFill/>
+          <a:ln w="12700" cap="flat" cmpd="sng">
+            <a:solidFill>
+              <a:srgbClr val="000000">
+                <a:alpha val="100000"/>
+              </a:srgbClr>
+            </a:solidFill>
+            <a:prstDash val="solid"/>
+          </a:ln>
+        </p:spPr>
+        <p:txBody>
+          <a:bodyPr wrap="square" lIns="91440" tIns="45720" rIns="91440" bIns="45720" numCol="1" vert="horz" anchor="ctr">
+            <a:noAutofit/>
+          </a:bodyPr>
+          <a:lstStyle/>
+          <a:p>
+            <a:pPr marL="0" indent="0" latinLnBrk="0">
+              <a:buFontTx/>
+              <a:buNone/>
+            </a:pPr>
+          </a:p>
+        </p:txBody>
+      </p:sp>
+      <p:sp>
+        <p:nvSpPr>
+          <p:cNvPr id="3" name="슬라이드 노트 개체 틀 4"/>
+          <p:cNvSpPr txBox="1">
+            <a:spLocks/>
+          </p:cNvSpPr>
+          <p:nvPr>
+            <p:ph type="body" idx="3"/>
+          </p:nvPr>
+        </p:nvSpPr>
+        <p:spPr>
+          <a:xfrm rot="0">
+            <a:off x="685800" y="4400550"/>
+            <a:ext cx="5495290" cy="3609340"/>
+          </a:xfrm>
+          <a:prstGeom prst="rect"/>
+        </p:spPr>
+        <p:txBody>
+          <a:bodyPr wrap="square" lIns="91440" tIns="45720" rIns="91440" bIns="45720" numCol="1" vert="horz" anchor="t">
+            <a:noAutofit/>
+          </a:bodyPr>
+          <a:lstStyle/>
+          <a:p>
+            <a:pPr marL="0" indent="0" latinLnBrk="0">
+              <a:buFontTx/>
+              <a:buNone/>
+            </a:pPr>
+          </a:p>
+        </p:txBody>
+      </p:sp>
+      <p:sp>
+        <p:nvSpPr>
+          <p:cNvPr id="4" name="슬라이드 번호 개체 틀 6"/>
+          <p:cNvSpPr txBox="1">
+            <a:spLocks/>
+          </p:cNvSpPr>
+          <p:nvPr>
+            <p:ph type="sldNum" idx="5"/>
+          </p:nvPr>
+        </p:nvSpPr>
+        <p:spPr>
+          <a:xfrm rot="0">
+            <a:off x="3884930" y="8685530"/>
+            <a:ext cx="2980690" cy="467360"/>
+          </a:xfrm>
+          <a:prstGeom prst="rect"/>
+        </p:spPr>
+        <p:txBody>
+          <a:bodyPr wrap="square" lIns="91440" tIns="45720" rIns="91440" bIns="45720" numCol="1" vert="horz" anchor="b">
+            <a:noAutofit/>
+          </a:bodyPr>
+          <a:lstStyle>
+            <a:lvl1pPr marL="0" indent="0" algn="r" latinLnBrk="0">
+              <a:buFontTx/>
+              <a:buNone/>
+              <a:defRPr lang="en-GB" altLang="en-US" sz="1200"/>
+            </a:lvl1pPr>
+          </a:lstStyle>
+          <a:p>
+            <a:pPr marL="0" indent="0" latinLnBrk="0">
+              <a:buFontTx/>
+              <a:buNone/>
+            </a:pPr>
+            <a:fld id="{B9320F77-B9A0-41C5-862A-B4B631284C64}" type="slidenum">
+              <a:rPr lang="ko-KR" altLang="en-US"/>
+              <a:t>‹#›</a:t>
+            </a:fld>
+          </a:p>
+        </p:txBody>
+      </p:sp>
+    </p:spTree>
+  </p:cSld>
+  <p:clrMapOvr>
+    <a:masterClrMapping/>
+  </p:clrMapOvr>
+  <mc:AlternateContent xmlns:mc="http://schemas.openxmlformats.org/markup-compatibility/2006">
+    <mc:Choice xmlns:p14="http://schemas.microsoft.com/office/powerpoint/2010/main" Requires="p14">
+      <p:transition spd="slow" p14:dur="0"/>
+    </mc:Choice>
+    <mc:Fallback>
+      <p:transition spd="slow"/>
+    </mc:Fallback>
+  </mc:AlternateContent>
+</p:notes>
+</file>
+
+<file path=ppt/notesSlides/notesSlide14.xml><?xml version="1.0" encoding="utf-8"?>
+<p:notes xmlns:a="http://schemas.openxmlformats.org/drawingml/2006/main" xmlns:r="http://schemas.openxmlformats.org/officeDocument/2006/relationships" xmlns:p="http://schemas.openxmlformats.org/presentationml/2006/main">
+  <p:cSld>
+    <p:spTree>
+      <p:nvGrpSpPr>
+        <p:cNvPr id="1" name=""/>
+        <p:cNvGrpSpPr/>
+        <p:nvPr/>
+      </p:nvGrpSpPr>
+      <p:grpSpPr>
+        <a:xfrm>
+          <a:off x="0" y="0"/>
+          <a:ext cx="0" cy="0"/>
+          <a:chOff x="0" y="0"/>
+          <a:chExt cx="0" cy="0"/>
+        </a:xfrm>
+      </p:grpSpPr>
+      <p:sp>
+        <p:nvSpPr>
+          <p:cNvPr id="2" name="슬라이드 이미지 개체 틀 3"/>
+          <p:cNvSpPr>
+            <a:spLocks noChangeAspect="1"/>
+          </p:cNvSpPr>
+          <p:nvPr>
+            <p:ph type="sldImg" idx="2"/>
+          </p:nvPr>
+        </p:nvSpPr>
+        <p:spPr>
+          <a:xfrm rot="0">
+            <a:off x="685800" y="1143000"/>
+            <a:ext cx="5495290" cy="3094990"/>
+          </a:xfrm>
+          <a:prstGeom prst="rect"/>
+          <a:noFill/>
+          <a:ln w="12700" cap="flat" cmpd="sng">
+            <a:solidFill>
+              <a:srgbClr val="000000">
+                <a:alpha val="100000"/>
+              </a:srgbClr>
+            </a:solidFill>
+            <a:prstDash val="solid"/>
+          </a:ln>
+        </p:spPr>
+        <p:txBody>
+          <a:bodyPr wrap="square" lIns="91440" tIns="45720" rIns="91440" bIns="45720" numCol="1" vert="horz" anchor="ctr">
+            <a:noAutofit/>
+          </a:bodyPr>
+          <a:lstStyle/>
+          <a:p>
+            <a:pPr marL="0" indent="0" latinLnBrk="0">
+              <a:buFontTx/>
+              <a:buNone/>
+            </a:pPr>
+          </a:p>
+        </p:txBody>
+      </p:sp>
+      <p:sp>
+        <p:nvSpPr>
+          <p:cNvPr id="3" name="슬라이드 노트 개체 틀 4"/>
+          <p:cNvSpPr txBox="1">
+            <a:spLocks/>
+          </p:cNvSpPr>
+          <p:nvPr>
+            <p:ph type="body" idx="3"/>
+          </p:nvPr>
+        </p:nvSpPr>
+        <p:spPr>
+          <a:xfrm rot="0">
+            <a:off x="685800" y="4400550"/>
+            <a:ext cx="5495290" cy="3609340"/>
+          </a:xfrm>
+          <a:prstGeom prst="rect"/>
+        </p:spPr>
+        <p:txBody>
+          <a:bodyPr wrap="square" lIns="91440" tIns="45720" rIns="91440" bIns="45720" numCol="1" vert="horz" anchor="t">
+            <a:noAutofit/>
+          </a:bodyPr>
+          <a:lstStyle/>
+          <a:p>
+            <a:pPr marL="0" indent="0" latinLnBrk="0">
+              <a:buFontTx/>
+              <a:buNone/>
+            </a:pPr>
+          </a:p>
+        </p:txBody>
+      </p:sp>
+      <p:sp>
+        <p:nvSpPr>
+          <p:cNvPr id="4" name="슬라이드 번호 개체 틀 6"/>
+          <p:cNvSpPr txBox="1">
+            <a:spLocks/>
+          </p:cNvSpPr>
+          <p:nvPr>
+            <p:ph type="sldNum" idx="5"/>
+          </p:nvPr>
+        </p:nvSpPr>
+        <p:spPr>
+          <a:xfrm rot="0">
+            <a:off x="3884930" y="8685530"/>
+            <a:ext cx="2980690" cy="467360"/>
+          </a:xfrm>
+          <a:prstGeom prst="rect"/>
+        </p:spPr>
+        <p:txBody>
+          <a:bodyPr wrap="square" lIns="91440" tIns="45720" rIns="91440" bIns="45720" numCol="1" vert="horz" anchor="b">
+            <a:noAutofit/>
+          </a:bodyPr>
+          <a:lstStyle>
+            <a:lvl1pPr marL="0" indent="0" algn="r" latinLnBrk="0">
+              <a:buFontTx/>
+              <a:buNone/>
+              <a:defRPr lang="en-GB" altLang="en-US" sz="1200"/>
+            </a:lvl1pPr>
+          </a:lstStyle>
+          <a:p>
+            <a:pPr marL="0" indent="0" latinLnBrk="0">
+              <a:buFontTx/>
+              <a:buNone/>
+            </a:pPr>
+            <a:fld id="{B9320F77-B9A0-41C5-862A-B4B631284C64}" type="slidenum">
+              <a:rPr lang="ko-KR" altLang="en-US"/>
+              <a:t>‹#›</a:t>
+            </a:fld>
+          </a:p>
+        </p:txBody>
+      </p:sp>
+    </p:spTree>
+  </p:cSld>
+  <p:clrMapOvr>
+    <a:masterClrMapping/>
+  </p:clrMapOvr>
+  <mc:AlternateContent xmlns:mc="http://schemas.openxmlformats.org/markup-compatibility/2006">
+    <mc:Choice xmlns:p14="http://schemas.microsoft.com/office/powerpoint/2010/main" Requires="p14">
+      <p:transition spd="slow" p14:dur="0"/>
+    </mc:Choice>
+    <mc:Fallback>
+      <p:transition spd="slow"/>
+    </mc:Fallback>
+  </mc:AlternateContent>
+</p:notes>
+</file>
+
 <file path=ppt/notesSlides/notesSlide2.xml><?xml version="1.0" encoding="utf-8"?>
 <p:notes xmlns:a="http://schemas.openxmlformats.org/drawingml/2006/main" xmlns:r="http://schemas.openxmlformats.org/officeDocument/2006/relationships" xmlns:p="http://schemas.openxmlformats.org/presentationml/2006/main">
   <p:cSld>
@@ -7636,6 +8208,1490 @@
 </file>
 
 <file path=ppt/slides/slide10.xml><?xml version="1.0" encoding="utf-8"?>
+<p:sld xmlns:a="http://schemas.openxmlformats.org/drawingml/2006/main" xmlns:r="http://schemas.openxmlformats.org/officeDocument/2006/relationships" xmlns:p="http://schemas.openxmlformats.org/presentationml/2006/main">
+  <p:cSld>
+    <p:spTree>
+      <p:nvGrpSpPr>
+        <p:cNvPr id="1" name=""/>
+        <p:cNvGrpSpPr/>
+        <p:nvPr/>
+      </p:nvGrpSpPr>
+      <p:grpSpPr>
+        <a:xfrm>
+          <a:off x="0" y="0"/>
+          <a:ext cx="0" cy="0"/>
+          <a:chOff x="0" y="0"/>
+          <a:chExt cx="0" cy="0"/>
+        </a:xfrm>
+      </p:grpSpPr>
+      <p:sp>
+        <p:nvSpPr>
+          <p:cNvPr id="27" name="Rect 0"/>
+          <p:cNvSpPr txBox="1">
+            <a:spLocks/>
+          </p:cNvSpPr>
+          <p:nvPr/>
+        </p:nvSpPr>
+        <p:spPr>
+          <a:xfrm rot="0">
+            <a:off x="4101465" y="407035"/>
+            <a:ext cx="3987165" cy="478155"/>
+          </a:xfrm>
+          <a:prstGeom prst="rect"/>
+          <a:noFill/>
+          <a:ln w="0">
+            <a:noFill/>
+            <a:prstDash/>
+          </a:ln>
+        </p:spPr>
+        <p:txBody>
+          <a:bodyPr wrap="square" lIns="89535" tIns="46355" rIns="89535" bIns="46355" numCol="1" vert="horz" anchor="t">
+            <a:spAutoFit/>
+          </a:bodyPr>
+          <a:lstStyle/>
+          <a:p>
+            <a:pPr marL="0" indent="0" algn="ctr" latinLnBrk="0" hangingPunct="1">
+              <a:buFontTx/>
+              <a:buNone/>
+            </a:pPr>
+            <a:r>
+              <a:rPr lang="ko-KR" sz="2500" b="1">
+                <a:latin typeface="나눔바른고딕" charset="0"/>
+                <a:ea typeface="나눔바른고딕" charset="0"/>
+              </a:rPr>
+              <a:t>열</a:t>
+            </a:r>
+            <a:r>
+              <a:rPr lang="ko-KR" sz="2500" b="1">
+                <a:latin typeface="나눔바른고딕" charset="0"/>
+                <a:ea typeface="나눔바른고딕" charset="0"/>
+              </a:rPr>
+              <a:t> 번째 튜토리얼</a:t>
+            </a:r>
+            <a:endParaRPr lang="ko-KR" altLang="en-US" sz="2500" b="1">
+              <a:latin typeface="나눔바른고딕" charset="0"/>
+              <a:ea typeface="나눔바른고딕" charset="0"/>
+            </a:endParaRPr>
+          </a:p>
+        </p:txBody>
+      </p:sp>
+      <p:sp>
+        <p:nvSpPr>
+          <p:cNvPr id="81" name="Rect 0"/>
+          <p:cNvSpPr txBox="1">
+            <a:spLocks/>
+          </p:cNvSpPr>
+          <p:nvPr/>
+        </p:nvSpPr>
+        <p:spPr>
+          <a:xfrm rot="0">
+            <a:off x="1238885" y="5444490"/>
+            <a:ext cx="4137025" cy="677545"/>
+          </a:xfrm>
+          <a:prstGeom prst="rect"/>
+          <a:noFill/>
+          <a:ln w="0">
+            <a:noFill/>
+            <a:prstDash/>
+          </a:ln>
+        </p:spPr>
+        <p:txBody>
+          <a:bodyPr wrap="square" lIns="89535" tIns="46355" rIns="89535" bIns="46355" numCol="1" vert="horz" anchor="t">
+            <a:spAutoFit/>
+          </a:bodyPr>
+          <a:lstStyle/>
+          <a:p>
+            <a:pPr marL="0" indent="0" rtl="0" algn="l" defTabSz="914400" eaLnBrk="1" latinLnBrk="0" hangingPunct="1">
+              <a:buFontTx/>
+              <a:buNone/>
+            </a:pPr>
+            <a:r>
+              <a:rPr lang="ko-KR" sz="2000" b="1">
+                <a:solidFill>
+                  <a:srgbClr val="0611F2"/>
+                </a:solidFill>
+                <a:latin typeface="맑은 고딕" charset="0"/>
+                <a:ea typeface="맑은 고딕" charset="0"/>
+              </a:rPr>
+              <a:t>28</a:t>
+            </a:r>
+            <a:r>
+              <a:rPr sz="2000" b="1">
+                <a:solidFill>
+                  <a:srgbClr val="0611F2"/>
+                </a:solidFill>
+                <a:latin typeface="맑은 고딕" charset="0"/>
+                <a:ea typeface="맑은 고딕" charset="0"/>
+              </a:rPr>
+              <a:t>.</a:t>
+            </a:r>
+            <a:r>
+              <a:rPr sz="2000" b="1">
+                <a:solidFill>
+                  <a:srgbClr val="0611F2"/>
+                </a:solidFill>
+                <a:latin typeface="맑은 고딕" charset="0"/>
+                <a:ea typeface="맑은 고딕" charset="0"/>
+              </a:rPr>
+              <a:t> </a:t>
+            </a:r>
+            <a:r>
+              <a:rPr sz="1800">
+                <a:latin typeface="맑은 고딕" charset="0"/>
+                <a:ea typeface="맑은 고딕" charset="0"/>
+              </a:rPr>
+              <a:t>이제 Character 라는 태그 이름을 </a:t>
+            </a:r>
+            <a:r>
+              <a:rPr sz="1800">
+                <a:latin typeface="맑은 고딕" charset="0"/>
+                <a:ea typeface="맑은 고딕" charset="0"/>
+              </a:rPr>
+              <a:t>정의</a:t>
+            </a:r>
+            <a:r>
+              <a:rPr sz="1800">
+                <a:latin typeface="맑은 고딕" charset="0"/>
+                <a:ea typeface="맑은 고딕" charset="0"/>
+              </a:rPr>
+              <a:t>하</a:t>
+            </a:r>
+            <a:r>
+              <a:rPr lang="ko-KR" sz="1800">
+                <a:latin typeface="맑은 고딕" charset="0"/>
+                <a:ea typeface="맑은 고딕" charset="0"/>
+              </a:rPr>
+              <a:t>고</a:t>
+            </a:r>
+            <a:r>
+              <a:rPr lang="ko-KR" sz="1800">
+                <a:latin typeface="맑은 고딕" charset="0"/>
+                <a:ea typeface="맑은 고딕" charset="0"/>
+              </a:rPr>
+              <a:t> </a:t>
+            </a:r>
+            <a:r>
+              <a:rPr lang="ko-KR" sz="1800">
+                <a:latin typeface="맑은 고딕" charset="0"/>
+                <a:ea typeface="맑은 고딕" charset="0"/>
+              </a:rPr>
+              <a:t>저장합니다</a:t>
+            </a:r>
+            <a:r>
+              <a:rPr sz="1800">
+                <a:latin typeface="맑은 고딕" charset="0"/>
+                <a:ea typeface="맑은 고딕" charset="0"/>
+              </a:rPr>
+              <a:t>.</a:t>
+            </a:r>
+            <a:endParaRPr lang="ko-KR" altLang="en-US" sz="1800">
+              <a:latin typeface="맑은 고딕" charset="0"/>
+              <a:ea typeface="맑은 고딕" charset="0"/>
+            </a:endParaRPr>
+          </a:p>
+        </p:txBody>
+      </p:sp>
+      <p:sp>
+        <p:nvSpPr>
+          <p:cNvPr id="85" name="Rect 0"/>
+          <p:cNvSpPr txBox="1">
+            <a:spLocks/>
+          </p:cNvSpPr>
+          <p:nvPr/>
+        </p:nvSpPr>
+        <p:spPr>
+          <a:xfrm rot="0">
+            <a:off x="1232535" y="3517900"/>
+            <a:ext cx="4146550" cy="677545"/>
+          </a:xfrm>
+          <a:prstGeom prst="rect"/>
+          <a:noFill/>
+          <a:ln w="0">
+            <a:noFill/>
+            <a:prstDash/>
+          </a:ln>
+        </p:spPr>
+        <p:txBody>
+          <a:bodyPr wrap="square" lIns="89535" tIns="46355" rIns="89535" bIns="46355" numCol="1" vert="horz" anchor="t">
+            <a:spAutoFit/>
+          </a:bodyPr>
+          <a:lstStyle/>
+          <a:p>
+            <a:pPr marL="0" indent="0" rtl="0" algn="l" defTabSz="914400" eaLnBrk="1" latinLnBrk="0" hangingPunct="1">
+              <a:buFontTx/>
+              <a:buNone/>
+            </a:pPr>
+            <a:r>
+              <a:rPr lang="ko-KR" sz="2000" b="1">
+                <a:solidFill>
+                  <a:srgbClr val="0611F2"/>
+                </a:solidFill>
+                <a:latin typeface="맑은 고딕" charset="0"/>
+                <a:ea typeface="맑은 고딕" charset="0"/>
+              </a:rPr>
+              <a:t>27</a:t>
+            </a:r>
+            <a:r>
+              <a:rPr sz="2000" b="1">
+                <a:solidFill>
+                  <a:srgbClr val="0611F2"/>
+                </a:solidFill>
+                <a:latin typeface="맑은 고딕" charset="0"/>
+                <a:ea typeface="맑은 고딕" charset="0"/>
+              </a:rPr>
+              <a:t>.</a:t>
+            </a:r>
+            <a:r>
+              <a:rPr sz="2000" b="1">
+                <a:solidFill>
+                  <a:srgbClr val="0611F2"/>
+                </a:solidFill>
+                <a:latin typeface="맑은 고딕" charset="0"/>
+                <a:ea typeface="맑은 고딕" charset="0"/>
+              </a:rPr>
+              <a:t> </a:t>
+            </a:r>
+            <a:r>
+              <a:rPr sz="1800">
+                <a:latin typeface="맑은 고딕" charset="0"/>
+                <a:ea typeface="맑은 고딕" charset="0"/>
+              </a:rPr>
+              <a:t>그러고 나서 Tags에 태그를 </a:t>
+            </a:r>
+            <a:r>
+              <a:rPr sz="1800">
+                <a:latin typeface="맑은 고딕" charset="0"/>
+                <a:ea typeface="맑은 고딕" charset="0"/>
+              </a:rPr>
+              <a:t>추가</a:t>
+            </a:r>
+            <a:r>
+              <a:rPr lang="ko-KR" sz="1800">
+                <a:latin typeface="맑은 고딕" charset="0"/>
+                <a:ea typeface="맑은 고딕" charset="0"/>
+              </a:rPr>
+              <a:t>합니다.</a:t>
+            </a:r>
+            <a:endParaRPr lang="ko-KR" altLang="en-US" sz="1800">
+              <a:latin typeface="맑은 고딕" charset="0"/>
+              <a:ea typeface="맑은 고딕" charset="0"/>
+            </a:endParaRPr>
+          </a:p>
+        </p:txBody>
+      </p:sp>
+      <p:pic>
+        <p:nvPicPr>
+          <p:cNvPr id="90" name="Picture " descr="C:/Users/Admin1/AppData/Roaming/PolarisOffice/ETemp/4640_5818368/fImage109092446500.png"/>
+          <p:cNvPicPr>
+            <a:picLocks noChangeAspect="1"/>
+          </p:cNvPicPr>
+          <p:nvPr/>
+        </p:nvPicPr>
+        <p:blipFill rotWithShape="1">
+          <a:blip r:embed="rId2" cstate="print">
+            <a:extLst>
+              <a:ext uri="{28A0092B-C50C-407E-A947-70E740481C1C}">
+                <a14:useLocalDpi xmlns:a14="http://schemas.microsoft.com/office/drawing/2010/main" val="0"/>
+              </a:ext>
+            </a:extLst>
+          </a:blip>
+          <a:stretch>
+            <a:fillRect/>
+          </a:stretch>
+        </p:blipFill>
+        <p:spPr>
+          <a:xfrm rot="0">
+            <a:off x="8743315" y="1438275"/>
+            <a:ext cx="2222500" cy="1336040"/>
+          </a:xfrm>
+          <a:prstGeom prst="roundRect"/>
+          <a:solidFill>
+            <a:srgbClr val="EDEDED"/>
+          </a:solidFill>
+        </p:spPr>
+      </p:pic>
+      <p:sp>
+        <p:nvSpPr>
+          <p:cNvPr id="91" name="Rect 0"/>
+          <p:cNvSpPr txBox="1">
+            <a:spLocks/>
+          </p:cNvSpPr>
+          <p:nvPr/>
+        </p:nvSpPr>
+        <p:spPr>
+          <a:xfrm rot="0">
+            <a:off x="6822440" y="2886710"/>
+            <a:ext cx="4135120" cy="647065"/>
+          </a:xfrm>
+          <a:prstGeom prst="rect"/>
+          <a:noFill/>
+          <a:ln w="0">
+            <a:noFill/>
+            <a:prstDash/>
+          </a:ln>
+        </p:spPr>
+        <p:txBody>
+          <a:bodyPr wrap="square" lIns="89535" tIns="46355" rIns="89535" bIns="46355" numCol="1" vert="horz" anchor="t">
+            <a:spAutoFit/>
+          </a:bodyPr>
+          <a:lstStyle/>
+          <a:p>
+            <a:pPr marL="0" indent="0" rtl="0" algn="l" defTabSz="914400" eaLnBrk="1" latinLnBrk="0" hangingPunct="1">
+              <a:buFontTx/>
+              <a:buNone/>
+            </a:pPr>
+            <a:r>
+              <a:rPr sz="1800" b="1">
+                <a:solidFill>
+                  <a:srgbClr val="0611F2"/>
+                </a:solidFill>
+                <a:latin typeface="맑은 고딕" charset="0"/>
+                <a:ea typeface="맑은 고딕" charset="0"/>
+              </a:rPr>
+              <a:t>2</a:t>
+            </a:r>
+            <a:r>
+              <a:rPr lang="ko-KR" sz="1800" b="1">
+                <a:solidFill>
+                  <a:srgbClr val="0611F2"/>
+                </a:solidFill>
+                <a:latin typeface="맑은 고딕" charset="0"/>
+                <a:ea typeface="맑은 고딕" charset="0"/>
+              </a:rPr>
+              <a:t>9</a:t>
+            </a:r>
+            <a:r>
+              <a:rPr sz="1800" b="1">
+                <a:solidFill>
+                  <a:srgbClr val="0611F2"/>
+                </a:solidFill>
+                <a:latin typeface="맑은 고딕" charset="0"/>
+                <a:ea typeface="맑은 고딕" charset="0"/>
+              </a:rPr>
+              <a:t>.</a:t>
+            </a:r>
+            <a:r>
+              <a:rPr sz="1800">
+                <a:latin typeface="맑은 고딕" charset="0"/>
+                <a:ea typeface="맑은 고딕" charset="0"/>
+              </a:rPr>
+              <a:t> </a:t>
+            </a:r>
+            <a:r>
+              <a:rPr lang="ko-KR" sz="1800">
+                <a:latin typeface="맑은 고딕" charset="0"/>
+                <a:ea typeface="맑은 고딕" charset="0"/>
+              </a:rPr>
+              <a:t>그리고 Character 오브젝트의 </a:t>
+            </a:r>
+            <a:r>
+              <a:rPr lang="ko-KR" sz="1800">
+                <a:latin typeface="맑은 고딕" charset="0"/>
+                <a:ea typeface="맑은 고딕" charset="0"/>
+              </a:rPr>
+              <a:t>Tag를</a:t>
+            </a:r>
+            <a:r>
+              <a:rPr lang="ko-KR" sz="1800">
+                <a:latin typeface="맑은 고딕" charset="0"/>
+                <a:ea typeface="맑은 고딕" charset="0"/>
+              </a:rPr>
+              <a:t> </a:t>
+            </a:r>
+            <a:r>
+              <a:rPr lang="ko-KR" sz="1800">
+                <a:latin typeface="맑은 고딕" charset="0"/>
+                <a:ea typeface="맑은 고딕" charset="0"/>
+              </a:rPr>
+              <a:t>Character로 설정합니다.</a:t>
+            </a:r>
+            <a:endParaRPr lang="ko-KR" altLang="en-US" sz="1800">
+              <a:latin typeface="맑은 고딕" charset="0"/>
+              <a:ea typeface="맑은 고딕" charset="0"/>
+            </a:endParaRPr>
+          </a:p>
+        </p:txBody>
+      </p:sp>
+      <p:pic>
+        <p:nvPicPr>
+          <p:cNvPr id="92" name="그림 12" descr="C:/Users/Admin1/AppData/Roaming/PolarisOffice/ETemp/4640_5818368/fImage34512499169.png"/>
+          <p:cNvPicPr>
+            <a:picLocks noChangeAspect="1"/>
+          </p:cNvPicPr>
+          <p:nvPr/>
+        </p:nvPicPr>
+        <p:blipFill rotWithShape="1">
+          <a:blip r:embed="rId3" cstate="print">
+            <a:extLst>
+              <a:ext uri="{28A0092B-C50C-407E-A947-70E740481C1C}">
+                <a14:useLocalDpi xmlns:a14="http://schemas.microsoft.com/office/drawing/2010/main" val="0"/>
+              </a:ext>
+            </a:extLst>
+          </a:blip>
+          <a:stretch>
+            <a:fillRect/>
+          </a:stretch>
+        </p:blipFill>
+        <p:spPr>
+          <a:xfrm rot="0">
+            <a:off x="1236345" y="4332605"/>
+            <a:ext cx="4130675" cy="999490"/>
+          </a:xfrm>
+          <a:prstGeom prst="roundRect"/>
+          <a:solidFill>
+            <a:srgbClr val="EDEDED"/>
+          </a:solidFill>
+        </p:spPr>
+      </p:pic>
+      <p:pic>
+        <p:nvPicPr>
+          <p:cNvPr id="93" name="그림 16" descr="C:/Users/Admin1/AppData/Roaming/PolarisOffice/ETemp/4640_5818368/fImage122812515724.png"/>
+          <p:cNvPicPr>
+            <a:picLocks noChangeAspect="1"/>
+          </p:cNvPicPr>
+          <p:nvPr/>
+        </p:nvPicPr>
+        <p:blipFill rotWithShape="1">
+          <a:blip r:embed="rId4" cstate="print">
+            <a:extLst>
+              <a:ext uri="{28A0092B-C50C-407E-A947-70E740481C1C}">
+                <a14:useLocalDpi xmlns:a14="http://schemas.microsoft.com/office/drawing/2010/main" val="0"/>
+              </a:ext>
+            </a:extLst>
+          </a:blip>
+          <a:stretch>
+            <a:fillRect/>
+          </a:stretch>
+        </p:blipFill>
+        <p:spPr>
+          <a:xfrm rot="0">
+            <a:off x="1240790" y="1438275"/>
+            <a:ext cx="4135120" cy="1964690"/>
+          </a:xfrm>
+          <a:prstGeom prst="roundRect"/>
+          <a:solidFill>
+            <a:srgbClr val="EDEDED"/>
+          </a:solidFill>
+        </p:spPr>
+      </p:pic>
+      <p:pic>
+        <p:nvPicPr>
+          <p:cNvPr id="94" name="그림 19" descr="C:/Users/Admin1/AppData/Roaming/PolarisOffice/ETemp/4640_5818368/fImage44532521478.png"/>
+          <p:cNvPicPr>
+            <a:picLocks noChangeAspect="1"/>
+          </p:cNvPicPr>
+          <p:nvPr/>
+        </p:nvPicPr>
+        <p:blipFill rotWithShape="1">
+          <a:blip r:embed="rId5" cstate="print">
+            <a:extLst>
+              <a:ext uri="{28A0092B-C50C-407E-A947-70E740481C1C}">
+                <a14:useLocalDpi xmlns:a14="http://schemas.microsoft.com/office/drawing/2010/main" val="0"/>
+              </a:ext>
+            </a:extLst>
+          </a:blip>
+          <a:stretch>
+            <a:fillRect/>
+          </a:stretch>
+        </p:blipFill>
+        <p:spPr>
+          <a:xfrm rot="0">
+            <a:off x="6822440" y="1447165"/>
+            <a:ext cx="1714500" cy="1318260"/>
+          </a:xfrm>
+          <a:prstGeom prst="roundRect"/>
+          <a:solidFill>
+            <a:srgbClr val="EDEDED"/>
+          </a:solidFill>
+        </p:spPr>
+      </p:pic>
+      <p:pic>
+        <p:nvPicPr>
+          <p:cNvPr id="96" name="그림 25" descr="C:/Users/Admin1/AppData/Roaming/PolarisOffice/ETemp/4640_5818368/fImage22592549358.png"/>
+          <p:cNvPicPr>
+            <a:picLocks noChangeAspect="1"/>
+          </p:cNvPicPr>
+          <p:nvPr/>
+        </p:nvPicPr>
+        <p:blipFill rotWithShape="1">
+          <a:blip r:embed="rId6" cstate="print">
+            <a:extLst>
+              <a:ext uri="{28A0092B-C50C-407E-A947-70E740481C1C}">
+                <a14:useLocalDpi xmlns:a14="http://schemas.microsoft.com/office/drawing/2010/main" val="0"/>
+              </a:ext>
+            </a:extLst>
+          </a:blip>
+          <a:stretch>
+            <a:fillRect/>
+          </a:stretch>
+        </p:blipFill>
+        <p:spPr>
+          <a:xfrm rot="0">
+            <a:off x="10207625" y="3971290"/>
+            <a:ext cx="767080" cy="793115"/>
+          </a:xfrm>
+          <a:prstGeom prst="roundRect"/>
+          <a:solidFill>
+            <a:srgbClr val="EDEDED"/>
+          </a:solidFill>
+        </p:spPr>
+      </p:pic>
+      <p:sp>
+        <p:nvSpPr>
+          <p:cNvPr id="97" name="텍스트 상자 28"/>
+          <p:cNvSpPr txBox="1">
+            <a:spLocks/>
+          </p:cNvSpPr>
+          <p:nvPr/>
+        </p:nvSpPr>
+        <p:spPr>
+          <a:xfrm rot="0">
+            <a:off x="6813550" y="5207000"/>
+            <a:ext cx="4143375" cy="923925"/>
+          </a:xfrm>
+          <a:prstGeom prst="rect"/>
+          <a:noFill/>
+          <a:ln w="0">
+            <a:noFill/>
+            <a:prstDash/>
+          </a:ln>
+        </p:spPr>
+        <p:txBody>
+          <a:bodyPr wrap="square" lIns="89535" tIns="46355" rIns="89535" bIns="46355" numCol="1" vert="horz" anchor="t">
+            <a:spAutoFit/>
+          </a:bodyPr>
+          <a:lstStyle/>
+          <a:p>
+            <a:pPr marL="0" indent="0" rtl="0" algn="l" defTabSz="914400" eaLnBrk="1" latinLnBrk="0" hangingPunct="1">
+              <a:buFontTx/>
+              <a:buNone/>
+            </a:pPr>
+            <a:r>
+              <a:rPr lang="ko-KR" sz="1800" b="1">
+                <a:solidFill>
+                  <a:srgbClr val="0611F2"/>
+                </a:solidFill>
+                <a:latin typeface="맑은 고딕" charset="0"/>
+                <a:ea typeface="맑은 고딕" charset="0"/>
+              </a:rPr>
+              <a:t>3</a:t>
+            </a:r>
+            <a:r>
+              <a:rPr lang="ko-KR" sz="1800" b="1">
+                <a:solidFill>
+                  <a:srgbClr val="0611F2"/>
+                </a:solidFill>
+                <a:latin typeface="맑은 고딕" charset="0"/>
+                <a:ea typeface="맑은 고딕" charset="0"/>
+              </a:rPr>
+              <a:t>0</a:t>
+            </a:r>
+            <a:r>
+              <a:rPr sz="1800" b="1">
+                <a:solidFill>
+                  <a:srgbClr val="0611F2"/>
+                </a:solidFill>
+                <a:latin typeface="맑은 고딕" charset="0"/>
+                <a:ea typeface="맑은 고딕" charset="0"/>
+              </a:rPr>
+              <a:t>.</a:t>
+            </a:r>
+            <a:r>
+              <a:rPr sz="1800">
+                <a:latin typeface="맑은 고딕" charset="0"/>
+                <a:ea typeface="맑은 고딕" charset="0"/>
+              </a:rPr>
+              <a:t> </a:t>
+            </a:r>
+            <a:r>
+              <a:rPr lang="ko-KR" sz="1800">
+                <a:latin typeface="맑은 고딕" charset="0"/>
+                <a:ea typeface="맑은 고딕" charset="0"/>
+              </a:rPr>
+              <a:t>그런 다음 CameraShake </a:t>
+            </a:r>
+            <a:r>
+              <a:rPr lang="ko-KR" sz="1800">
+                <a:latin typeface="맑은 고딕" charset="0"/>
+                <a:ea typeface="맑은 고딕" charset="0"/>
+              </a:rPr>
+              <a:t>스크립트를</a:t>
+            </a:r>
+            <a:r>
+              <a:rPr lang="ko-KR" sz="1800">
+                <a:latin typeface="맑은 고딕" charset="0"/>
+                <a:ea typeface="맑은 고딕" charset="0"/>
+              </a:rPr>
+              <a:t> </a:t>
+            </a:r>
+            <a:r>
+              <a:rPr lang="ko-KR" sz="1800">
+                <a:latin typeface="맑은 고딕" charset="0"/>
+                <a:ea typeface="맑은 고딕" charset="0"/>
+              </a:rPr>
+              <a:t>생성한 다음 Main Camera </a:t>
+            </a:r>
+            <a:r>
+              <a:rPr lang="ko-KR" sz="1800">
+                <a:latin typeface="맑은 고딕" charset="0"/>
+                <a:ea typeface="맑은 고딕" charset="0"/>
+              </a:rPr>
+              <a:t>오브젝트</a:t>
+            </a:r>
+            <a:r>
+              <a:rPr lang="ko-KR" sz="1800">
+                <a:latin typeface="맑은 고딕" charset="0"/>
+                <a:ea typeface="맑은 고딕" charset="0"/>
+              </a:rPr>
+              <a:t>에</a:t>
+            </a:r>
+            <a:r>
+              <a:rPr lang="ko-KR" sz="1800">
+                <a:latin typeface="맑은 고딕" charset="0"/>
+                <a:ea typeface="맑은 고딕" charset="0"/>
+              </a:rPr>
+              <a:t> </a:t>
+            </a:r>
+            <a:r>
+              <a:rPr lang="ko-KR" sz="1800">
+                <a:latin typeface="맑은 고딕" charset="0"/>
+                <a:ea typeface="맑은 고딕" charset="0"/>
+              </a:rPr>
+              <a:t>넣어줍니다.</a:t>
+            </a:r>
+            <a:endParaRPr lang="ko-KR" altLang="en-US" sz="1800">
+              <a:latin typeface="맑은 고딕" charset="0"/>
+              <a:ea typeface="맑은 고딕" charset="0"/>
+            </a:endParaRPr>
+          </a:p>
+        </p:txBody>
+      </p:sp>
+      <p:pic>
+        <p:nvPicPr>
+          <p:cNvPr id="98" name="그림 29" descr="C:/Users/Admin1/AppData/Roaming/PolarisOffice/ETemp/4640_5818368/fImage128252566962.png"/>
+          <p:cNvPicPr>
+            <a:picLocks noChangeAspect="1"/>
+          </p:cNvPicPr>
+          <p:nvPr/>
+        </p:nvPicPr>
+        <p:blipFill rotWithShape="1">
+          <a:blip r:embed="rId7" cstate="print">
+            <a:extLst>
+              <a:ext uri="{28A0092B-C50C-407E-A947-70E740481C1C}">
+                <a14:useLocalDpi xmlns:a14="http://schemas.microsoft.com/office/drawing/2010/main" val="0"/>
+              </a:ext>
+            </a:extLst>
+          </a:blip>
+          <a:stretch>
+            <a:fillRect/>
+          </a:stretch>
+        </p:blipFill>
+        <p:spPr>
+          <a:xfrm rot="0">
+            <a:off x="6833870" y="3686810"/>
+            <a:ext cx="3020695" cy="1344295"/>
+          </a:xfrm>
+          <a:prstGeom prst="roundRect"/>
+          <a:solidFill>
+            <a:srgbClr val="EDEDED"/>
+          </a:solidFill>
+        </p:spPr>
+      </p:pic>
+      <p:cxnSp>
+        <p:nvCxnSpPr>
+          <p:cNvPr id="99" name="도형 32"/>
+          <p:cNvCxnSpPr>
+            <a:stCxn id="96" idx="1"/>
+          </p:cNvCxnSpPr>
+          <p:nvPr/>
+        </p:nvCxnSpPr>
+        <p:spPr>
+          <a:xfrm rot="0" flipH="1">
+            <a:off x="8088630" y="4367530"/>
+            <a:ext cx="2119630" cy="482600"/>
+          </a:xfrm>
+          <a:prstGeom prst="straightConnector1"/>
+          <a:ln w="6350" cap="flat" cmpd="sng">
+            <a:prstDash/>
+            <a:headEnd type="none" w="med" len="med"/>
+            <a:tailEnd type="triangle" w="med" len="med"/>
+          </a:ln>
+        </p:spPr>
+        <p:style>
+          <a:lnRef idx="1">
+            <a:schemeClr val="accent1"/>
+          </a:lnRef>
+          <a:fillRef idx="0">
+            <a:schemeClr val="accent1"/>
+          </a:fillRef>
+          <a:effectRef idx="0">
+            <a:schemeClr val="accent1"/>
+          </a:effectRef>
+          <a:fontRef idx="minor">
+            <a:schemeClr val="tx1"/>
+          </a:fontRef>
+        </p:style>
+      </p:cxnSp>
+    </p:spTree>
+  </p:cSld>
+  <p:clrMapOvr>
+    <a:masterClrMapping/>
+  </p:clrMapOvr>
+  <mc:AlternateContent xmlns:mc="http://schemas.openxmlformats.org/markup-compatibility/2006">
+    <mc:Choice xmlns:p14="http://schemas.microsoft.com/office/powerpoint/2010/main" Requires="p14">
+      <p:transition spd="slow" p14:dur="2000"/>
+    </mc:Choice>
+    <mc:Fallback>
+      <p:transition spd="slow"/>
+    </mc:Fallback>
+  </mc:AlternateContent>
+  <p:timing>
+    <p:tnLst>
+      <p:par>
+        <p:cTn id="1" dur="indefinite" restart="never" nodeType="tmRoot"/>
+      </p:par>
+    </p:tnLst>
+  </p:timing>
+</p:sld>
+</file>
+
+<file path=ppt/slides/slide11.xml><?xml version="1.0" encoding="utf-8"?>
+<p:sld xmlns:a="http://schemas.openxmlformats.org/drawingml/2006/main" xmlns:r="http://schemas.openxmlformats.org/officeDocument/2006/relationships" xmlns:p="http://schemas.openxmlformats.org/presentationml/2006/main">
+  <p:cSld>
+    <p:spTree>
+      <p:nvGrpSpPr>
+        <p:cNvPr id="1" name=""/>
+        <p:cNvGrpSpPr/>
+        <p:nvPr/>
+      </p:nvGrpSpPr>
+      <p:grpSpPr>
+        <a:xfrm>
+          <a:off x="0" y="0"/>
+          <a:ext cx="0" cy="0"/>
+          <a:chOff x="0" y="0"/>
+          <a:chExt cx="0" cy="0"/>
+        </a:xfrm>
+      </p:grpSpPr>
+      <p:sp>
+        <p:nvSpPr>
+          <p:cNvPr id="27" name="Rect 0"/>
+          <p:cNvSpPr txBox="1">
+            <a:spLocks/>
+          </p:cNvSpPr>
+          <p:nvPr/>
+        </p:nvSpPr>
+        <p:spPr>
+          <a:xfrm rot="0">
+            <a:off x="4101465" y="407035"/>
+            <a:ext cx="3987165" cy="478155"/>
+          </a:xfrm>
+          <a:prstGeom prst="rect"/>
+          <a:noFill/>
+          <a:ln w="0">
+            <a:noFill/>
+            <a:prstDash/>
+          </a:ln>
+        </p:spPr>
+        <p:txBody>
+          <a:bodyPr wrap="square" lIns="89535" tIns="46355" rIns="89535" bIns="46355" numCol="1" vert="horz" anchor="t">
+            <a:spAutoFit/>
+          </a:bodyPr>
+          <a:lstStyle/>
+          <a:p>
+            <a:pPr marL="0" indent="0" algn="ctr" latinLnBrk="0" hangingPunct="1">
+              <a:buFontTx/>
+              <a:buNone/>
+            </a:pPr>
+            <a:r>
+              <a:rPr lang="ko-KR" sz="2500" b="1">
+                <a:latin typeface="나눔바른고딕" charset="0"/>
+                <a:ea typeface="나눔바른고딕" charset="0"/>
+              </a:rPr>
+              <a:t>열한</a:t>
+            </a:r>
+            <a:r>
+              <a:rPr lang="ko-KR" sz="2500" b="1">
+                <a:latin typeface="나눔바른고딕" charset="0"/>
+                <a:ea typeface="나눔바른고딕" charset="0"/>
+              </a:rPr>
+              <a:t> 번째 튜토리얼</a:t>
+            </a:r>
+            <a:endParaRPr lang="ko-KR" altLang="en-US" sz="2500" b="1">
+              <a:latin typeface="나눔바른고딕" charset="0"/>
+              <a:ea typeface="나눔바른고딕" charset="0"/>
+            </a:endParaRPr>
+          </a:p>
+        </p:txBody>
+      </p:sp>
+      <p:sp>
+        <p:nvSpPr>
+          <p:cNvPr id="81" name="Rect 0"/>
+          <p:cNvSpPr txBox="1">
+            <a:spLocks/>
+          </p:cNvSpPr>
+          <p:nvPr/>
+        </p:nvSpPr>
+        <p:spPr>
+          <a:xfrm rot="0">
+            <a:off x="1238885" y="5186680"/>
+            <a:ext cx="4137025" cy="954405"/>
+          </a:xfrm>
+          <a:prstGeom prst="rect"/>
+          <a:noFill/>
+          <a:ln w="0">
+            <a:noFill/>
+            <a:prstDash/>
+          </a:ln>
+        </p:spPr>
+        <p:txBody>
+          <a:bodyPr wrap="square" lIns="89535" tIns="46355" rIns="89535" bIns="46355" numCol="1" vert="horz" anchor="t">
+            <a:spAutoFit/>
+          </a:bodyPr>
+          <a:lstStyle/>
+          <a:p>
+            <a:pPr marL="0" indent="0" rtl="0" algn="l" defTabSz="914400" eaLnBrk="1" latinLnBrk="0" hangingPunct="1">
+              <a:buFontTx/>
+              <a:buNone/>
+            </a:pPr>
+            <a:r>
+              <a:rPr lang="ko-KR" sz="2000" b="1">
+                <a:solidFill>
+                  <a:srgbClr val="0611F2"/>
+                </a:solidFill>
+                <a:latin typeface="맑은 고딕" charset="0"/>
+                <a:ea typeface="맑은 고딕" charset="0"/>
+              </a:rPr>
+              <a:t>3</a:t>
+            </a:r>
+            <a:r>
+              <a:rPr lang="ko-KR" sz="2000" b="1">
+                <a:solidFill>
+                  <a:srgbClr val="0611F2"/>
+                </a:solidFill>
+                <a:latin typeface="맑은 고딕" charset="0"/>
+                <a:ea typeface="맑은 고딕" charset="0"/>
+              </a:rPr>
+              <a:t>2</a:t>
+            </a:r>
+            <a:r>
+              <a:rPr sz="2000" b="1">
+                <a:solidFill>
+                  <a:srgbClr val="0611F2"/>
+                </a:solidFill>
+                <a:latin typeface="맑은 고딕" charset="0"/>
+                <a:ea typeface="맑은 고딕" charset="0"/>
+              </a:rPr>
+              <a:t>.</a:t>
+            </a:r>
+            <a:r>
+              <a:rPr sz="2000" b="1">
+                <a:solidFill>
+                  <a:srgbClr val="0611F2"/>
+                </a:solidFill>
+                <a:latin typeface="맑은 고딕" charset="0"/>
+                <a:ea typeface="맑은 고딕" charset="0"/>
+              </a:rPr>
+              <a:t> </a:t>
+            </a:r>
+            <a:r>
+              <a:rPr sz="1800">
+                <a:latin typeface="맑은 고딕" charset="0"/>
+                <a:ea typeface="맑은 고딕" charset="0"/>
+              </a:rPr>
+              <a:t>그러고 나서 Start( ) 함수에서 </a:t>
+            </a:r>
+            <a:r>
+              <a:rPr sz="1800">
+                <a:latin typeface="맑은 고딕" charset="0"/>
+                <a:ea typeface="맑은 고딕" charset="0"/>
+              </a:rPr>
+              <a:t>direct</a:t>
+            </a:r>
+            <a:r>
+              <a:rPr sz="1800">
+                <a:latin typeface="맑은 고딕" charset="0"/>
+                <a:ea typeface="맑은 고딕" charset="0"/>
+              </a:rPr>
+              <a:t>i</a:t>
+            </a:r>
+            <a:r>
+              <a:rPr sz="1800">
+                <a:latin typeface="맑은 고딕" charset="0"/>
+                <a:ea typeface="맑은 고딕" charset="0"/>
+              </a:rPr>
+              <a:t>on</a:t>
+            </a:r>
+            <a:r>
+              <a:rPr sz="1800">
+                <a:latin typeface="맑은 고딕" charset="0"/>
+                <a:ea typeface="맑은 고딕" charset="0"/>
+              </a:rPr>
+              <a:t> 변수에 자신의 지역 위치</a:t>
+            </a:r>
+            <a:r>
+              <a:rPr lang="ko-KR" sz="1800">
+                <a:latin typeface="맑은 고딕" charset="0"/>
+                <a:ea typeface="맑은 고딕" charset="0"/>
+              </a:rPr>
+              <a:t> </a:t>
+            </a:r>
+            <a:r>
+              <a:rPr sz="1800">
+                <a:latin typeface="맑은 고딕" charset="0"/>
+                <a:ea typeface="맑은 고딕" charset="0"/>
+              </a:rPr>
+              <a:t>값</a:t>
+            </a:r>
+            <a:r>
+              <a:rPr lang="ko-KR" sz="1800">
+                <a:latin typeface="맑은 고딕" charset="0"/>
+                <a:ea typeface="맑은 고딕" charset="0"/>
+              </a:rPr>
+              <a:t>을</a:t>
+            </a:r>
+            <a:r>
+              <a:rPr lang="ko-KR" sz="1800">
+                <a:latin typeface="맑은 고딕" charset="0"/>
+                <a:ea typeface="맑은 고딕" charset="0"/>
+              </a:rPr>
+              <a:t> </a:t>
+            </a:r>
+            <a:r>
+              <a:rPr lang="ko-KR" sz="1800">
+                <a:latin typeface="맑은 고딕" charset="0"/>
+                <a:ea typeface="맑은 고딕" charset="0"/>
+              </a:rPr>
+              <a:t>저장합니다.</a:t>
+            </a:r>
+            <a:endParaRPr lang="ko-KR" altLang="en-US" sz="1800">
+              <a:latin typeface="맑은 고딕" charset="0"/>
+              <a:ea typeface="맑은 고딕" charset="0"/>
+            </a:endParaRPr>
+          </a:p>
+        </p:txBody>
+      </p:sp>
+      <p:sp>
+        <p:nvSpPr>
+          <p:cNvPr id="85" name="Rect 0"/>
+          <p:cNvSpPr txBox="1">
+            <a:spLocks/>
+          </p:cNvSpPr>
+          <p:nvPr/>
+        </p:nvSpPr>
+        <p:spPr>
+          <a:xfrm rot="0">
+            <a:off x="1241425" y="2957830"/>
+            <a:ext cx="4117340" cy="954405"/>
+          </a:xfrm>
+          <a:prstGeom prst="rect"/>
+          <a:noFill/>
+          <a:ln w="0">
+            <a:noFill/>
+            <a:prstDash/>
+          </a:ln>
+        </p:spPr>
+        <p:txBody>
+          <a:bodyPr wrap="square" lIns="89535" tIns="46355" rIns="89535" bIns="46355" numCol="1" vert="horz" anchor="t">
+            <a:spAutoFit/>
+          </a:bodyPr>
+          <a:lstStyle/>
+          <a:p>
+            <a:pPr marL="0" indent="0" rtl="0" algn="l" defTabSz="914400" eaLnBrk="1" latinLnBrk="0" hangingPunct="1">
+              <a:buFontTx/>
+              <a:buNone/>
+            </a:pPr>
+            <a:r>
+              <a:rPr lang="ko-KR" sz="2000" b="1">
+                <a:solidFill>
+                  <a:srgbClr val="0611F2"/>
+                </a:solidFill>
+                <a:latin typeface="맑은 고딕" charset="0"/>
+                <a:ea typeface="맑은 고딕" charset="0"/>
+              </a:rPr>
+              <a:t>3</a:t>
+            </a:r>
+            <a:r>
+              <a:rPr lang="ko-KR" sz="2000" b="1">
+                <a:solidFill>
+                  <a:srgbClr val="0611F2"/>
+                </a:solidFill>
+                <a:latin typeface="맑은 고딕" charset="0"/>
+                <a:ea typeface="맑은 고딕" charset="0"/>
+              </a:rPr>
+              <a:t>1</a:t>
+            </a:r>
+            <a:r>
+              <a:rPr sz="2000" b="1">
+                <a:solidFill>
+                  <a:srgbClr val="0611F2"/>
+                </a:solidFill>
+                <a:latin typeface="맑은 고딕" charset="0"/>
+                <a:ea typeface="맑은 고딕" charset="0"/>
+              </a:rPr>
+              <a:t>.</a:t>
+            </a:r>
+            <a:r>
+              <a:rPr sz="2000" b="1">
+                <a:solidFill>
+                  <a:srgbClr val="0611F2"/>
+                </a:solidFill>
+                <a:latin typeface="맑은 고딕" charset="0"/>
+                <a:ea typeface="맑은 고딕" charset="0"/>
+              </a:rPr>
+              <a:t> </a:t>
+            </a:r>
+            <a:r>
+              <a:rPr sz="1800">
+                <a:latin typeface="맑은 고딕" charset="0"/>
+                <a:ea typeface="맑은 고딕" charset="0"/>
+              </a:rPr>
+              <a:t>그다음으로 CameraShake </a:t>
+            </a:r>
+            <a:r>
+              <a:rPr sz="1800">
+                <a:latin typeface="맑은 고딕" charset="0"/>
+                <a:ea typeface="맑은 고딕" charset="0"/>
+              </a:rPr>
+              <a:t>스크립트에</a:t>
+            </a:r>
+            <a:r>
+              <a:rPr sz="1800">
+                <a:latin typeface="맑은 고딕" charset="0"/>
+                <a:ea typeface="맑은 고딕" charset="0"/>
+              </a:rPr>
+              <a:t>서</a:t>
+            </a:r>
+            <a:r>
+              <a:rPr sz="1800">
+                <a:latin typeface="맑은 고딕" charset="0"/>
+                <a:ea typeface="맑은 고딕" charset="0"/>
+              </a:rPr>
+              <a:t> float 변수와 Vector3 </a:t>
+            </a:r>
+            <a:r>
+              <a:rPr sz="1800">
+                <a:latin typeface="맑은 고딕" charset="0"/>
+                <a:ea typeface="맑은 고딕" charset="0"/>
+              </a:rPr>
+              <a:t>변수</a:t>
+            </a:r>
+            <a:r>
+              <a:rPr lang="ko-KR" sz="1800">
+                <a:latin typeface="맑은 고딕" charset="0"/>
+                <a:ea typeface="맑은 고딕" charset="0"/>
+              </a:rPr>
+              <a:t>를</a:t>
+            </a:r>
+            <a:r>
+              <a:rPr lang="ko-KR" sz="1800">
+                <a:latin typeface="맑은 고딕" charset="0"/>
+                <a:ea typeface="맑은 고딕" charset="0"/>
+              </a:rPr>
+              <a:t> </a:t>
+            </a:r>
+            <a:r>
+              <a:rPr lang="ko-KR" sz="1800">
+                <a:latin typeface="맑은 고딕" charset="0"/>
+                <a:ea typeface="맑은 고딕" charset="0"/>
+              </a:rPr>
+              <a:t>선언합니다.</a:t>
+            </a:r>
+            <a:endParaRPr lang="ko-KR" altLang="en-US" sz="1800">
+              <a:latin typeface="맑은 고딕" charset="0"/>
+              <a:ea typeface="맑은 고딕" charset="0"/>
+            </a:endParaRPr>
+          </a:p>
+        </p:txBody>
+      </p:sp>
+      <p:sp>
+        <p:nvSpPr>
+          <p:cNvPr id="97" name="Rect 0"/>
+          <p:cNvSpPr txBox="1">
+            <a:spLocks/>
+          </p:cNvSpPr>
+          <p:nvPr/>
+        </p:nvSpPr>
+        <p:spPr>
+          <a:xfrm rot="0">
+            <a:off x="6831330" y="3320415"/>
+            <a:ext cx="4126230" cy="2861945"/>
+          </a:xfrm>
+          <a:prstGeom prst="rect"/>
+          <a:noFill/>
+          <a:ln w="0">
+            <a:noFill/>
+            <a:prstDash/>
+          </a:ln>
+        </p:spPr>
+        <p:txBody>
+          <a:bodyPr wrap="square" lIns="89535" tIns="46355" rIns="89535" bIns="46355" numCol="1" vert="horz" anchor="t">
+            <a:spAutoFit/>
+          </a:bodyPr>
+          <a:lstStyle/>
+          <a:p>
+            <a:pPr marL="0" indent="0" rtl="0" algn="l" defTabSz="914400" eaLnBrk="1" latinLnBrk="0" hangingPunct="1">
+              <a:buFontTx/>
+              <a:buNone/>
+            </a:pPr>
+            <a:r>
+              <a:rPr lang="ko-KR" sz="1800" b="1">
+                <a:solidFill>
+                  <a:srgbClr val="0611F2"/>
+                </a:solidFill>
+                <a:latin typeface="맑은 고딕" charset="0"/>
+                <a:ea typeface="맑은 고딕" charset="0"/>
+              </a:rPr>
+              <a:t>33</a:t>
+            </a:r>
+            <a:r>
+              <a:rPr sz="1800" b="1">
+                <a:solidFill>
+                  <a:srgbClr val="0611F2"/>
+                </a:solidFill>
+                <a:latin typeface="맑은 고딕" charset="0"/>
+                <a:ea typeface="맑은 고딕" charset="0"/>
+              </a:rPr>
+              <a:t>.</a:t>
+            </a:r>
+            <a:r>
+              <a:rPr sz="1800">
+                <a:latin typeface="맑은 고딕" charset="0"/>
+                <a:ea typeface="맑은 고딕" charset="0"/>
+              </a:rPr>
+              <a:t> </a:t>
+            </a:r>
+            <a:r>
+              <a:rPr lang="ko-KR" sz="1800">
+                <a:latin typeface="맑은 고딕" charset="0"/>
+                <a:ea typeface="맑은 고딕" charset="0"/>
+              </a:rPr>
+              <a:t>이제 Shake(float, float) 코루틴 </a:t>
+            </a:r>
+            <a:r>
+              <a:rPr lang="ko-KR" sz="1800">
+                <a:latin typeface="맑은 고딕" charset="0"/>
+                <a:ea typeface="맑은 고딕" charset="0"/>
+              </a:rPr>
+              <a:t>함수를</a:t>
+            </a:r>
+            <a:r>
+              <a:rPr lang="ko-KR" sz="1800">
+                <a:latin typeface="맑은 고딕" charset="0"/>
+                <a:ea typeface="맑은 고딕" charset="0"/>
+              </a:rPr>
+              <a:t> </a:t>
+            </a:r>
+            <a:r>
+              <a:rPr lang="ko-KR" sz="1800">
+                <a:latin typeface="맑은 고딕" charset="0"/>
+                <a:ea typeface="맑은 고딕" charset="0"/>
+              </a:rPr>
+              <a:t>선언합니다.</a:t>
+            </a:r>
+            <a:endParaRPr lang="ko-KR" altLang="en-US" sz="1800">
+              <a:latin typeface="맑은 고딕" charset="0"/>
+              <a:ea typeface="맑은 고딕" charset="0"/>
+            </a:endParaRPr>
+          </a:p>
+          <a:p>
+            <a:pPr marL="0" indent="0" rtl="0" algn="l" defTabSz="914400" eaLnBrk="1" latinLnBrk="0" hangingPunct="1">
+              <a:buFontTx/>
+              <a:buNone/>
+            </a:pPr>
+            <a:endParaRPr lang="ko-KR" altLang="en-US" sz="1800">
+              <a:latin typeface="맑은 고딕" charset="0"/>
+              <a:ea typeface="맑은 고딕" charset="0"/>
+            </a:endParaRPr>
+          </a:p>
+          <a:p>
+            <a:pPr marL="0" indent="0" rtl="0" algn="l" defTabSz="914400" eaLnBrk="1" latinLnBrk="0" hangingPunct="1">
+              <a:buFontTx/>
+              <a:buNone/>
+            </a:pPr>
+            <a:r>
+              <a:rPr lang="ko-KR" sz="1800">
+                <a:latin typeface="맑은 고딕" charset="0"/>
+                <a:ea typeface="맑은 고딕" charset="0"/>
+              </a:rPr>
+              <a:t>그런</a:t>
+            </a:r>
+            <a:r>
+              <a:rPr lang="ko-KR" sz="1800">
+                <a:latin typeface="맑은 고딕" charset="0"/>
+                <a:ea typeface="맑은 고딕" charset="0"/>
+              </a:rPr>
+              <a:t> </a:t>
+            </a:r>
+            <a:r>
+              <a:rPr lang="ko-KR" sz="1800">
+                <a:latin typeface="맑은 고딕" charset="0"/>
+                <a:ea typeface="맑은 고딕" charset="0"/>
+              </a:rPr>
+              <a:t>다음</a:t>
+            </a:r>
+            <a:r>
+              <a:rPr lang="ko-KR" sz="1800">
+                <a:latin typeface="맑은 고딕" charset="0"/>
+                <a:ea typeface="맑은 고딕" charset="0"/>
+              </a:rPr>
+              <a:t> </a:t>
+            </a:r>
+            <a:r>
+              <a:rPr lang="ko-KR" sz="1800">
+                <a:latin typeface="맑은 고딕" charset="0"/>
+                <a:ea typeface="맑은 고딕" charset="0"/>
+              </a:rPr>
+              <a:t>반복문 안에서 자기의 지역 </a:t>
+            </a:r>
+            <a:r>
+              <a:rPr lang="ko-KR" sz="1800">
+                <a:latin typeface="맑은 고딕" charset="0"/>
+                <a:ea typeface="맑은 고딕" charset="0"/>
+              </a:rPr>
+              <a:t>위치</a:t>
+            </a:r>
+            <a:r>
+              <a:rPr lang="ko-KR" sz="1800">
+                <a:latin typeface="맑은 고딕" charset="0"/>
+                <a:ea typeface="맑은 고딕" charset="0"/>
+              </a:rPr>
+              <a:t>를</a:t>
+            </a:r>
+            <a:r>
+              <a:rPr lang="ko-KR" sz="1800">
+                <a:latin typeface="맑은 고딕" charset="0"/>
+                <a:ea typeface="맑은 고딕" charset="0"/>
+              </a:rPr>
+              <a:t> </a:t>
+            </a:r>
+            <a:r>
+              <a:rPr lang="ko-KR" sz="1800">
+                <a:latin typeface="맑은 고딕" charset="0"/>
+                <a:ea typeface="맑은 고딕" charset="0"/>
+              </a:rPr>
+              <a:t>원호의 랜덤 위치로 </a:t>
+            </a:r>
+            <a:r>
+              <a:rPr lang="ko-KR" sz="1800">
+                <a:latin typeface="맑은 고딕" charset="0"/>
+                <a:ea typeface="맑은 고딕" charset="0"/>
+              </a:rPr>
+              <a:t>설정합니</a:t>
+            </a:r>
+            <a:r>
+              <a:rPr lang="ko-KR" sz="1800">
+                <a:latin typeface="맑은 고딕" charset="0"/>
+                <a:ea typeface="맑은 고딕" charset="0"/>
+              </a:rPr>
+              <a:t>다.</a:t>
+            </a:r>
+            <a:endParaRPr lang="ko-KR" altLang="en-US" sz="1800">
+              <a:latin typeface="맑은 고딕" charset="0"/>
+              <a:ea typeface="맑은 고딕" charset="0"/>
+            </a:endParaRPr>
+          </a:p>
+          <a:p>
+            <a:pPr marL="0" indent="0" rtl="0" algn="l" defTabSz="914400" eaLnBrk="1" latinLnBrk="0" hangingPunct="1">
+              <a:buFontTx/>
+              <a:buNone/>
+            </a:pPr>
+            <a:endParaRPr lang="ko-KR" altLang="en-US" sz="1800">
+              <a:latin typeface="맑은 고딕" charset="0"/>
+              <a:ea typeface="맑은 고딕" charset="0"/>
+            </a:endParaRPr>
+          </a:p>
+          <a:p>
+            <a:pPr marL="0" indent="0" rtl="0" algn="l" defTabSz="914400" eaLnBrk="1" latinLnBrk="0" hangingPunct="1">
+              <a:buFontTx/>
+              <a:buNone/>
+            </a:pPr>
+            <a:r>
+              <a:rPr lang="ko-KR" sz="1800">
+                <a:latin typeface="맑은 고딕" charset="0"/>
+                <a:ea typeface="맑은 고딕" charset="0"/>
+              </a:rPr>
+              <a:t>그리고</a:t>
+            </a:r>
+            <a:r>
+              <a:rPr lang="ko-KR" sz="1800">
+                <a:latin typeface="맑은 고딕" charset="0"/>
+                <a:ea typeface="맑은 고딕" charset="0"/>
+              </a:rPr>
+              <a:t> </a:t>
+            </a:r>
+            <a:r>
+              <a:rPr lang="ko-KR" sz="1800">
+                <a:latin typeface="맑은 고딕" charset="0"/>
+                <a:ea typeface="맑은 고딕" charset="0"/>
+              </a:rPr>
+              <a:t>반복문이 끝나면</a:t>
+            </a:r>
+            <a:r>
+              <a:rPr lang="ko-KR" sz="1800">
+                <a:latin typeface="맑은 고딕" charset="0"/>
+                <a:ea typeface="맑은 고딕" charset="0"/>
+              </a:rPr>
+              <a:t> </a:t>
+            </a:r>
+            <a:r>
+              <a:rPr lang="ko-KR" sz="1800">
+                <a:latin typeface="맑은 고딕" charset="0"/>
+                <a:ea typeface="맑은 고딕" charset="0"/>
+              </a:rPr>
+              <a:t>자신의 지역 </a:t>
+            </a:r>
+            <a:r>
+              <a:rPr lang="ko-KR" sz="1800">
+                <a:latin typeface="맑은 고딕" charset="0"/>
+                <a:ea typeface="맑은 고딕" charset="0"/>
+              </a:rPr>
+              <a:t>위치에</a:t>
+            </a:r>
+            <a:r>
+              <a:rPr lang="ko-KR" sz="1800">
+                <a:latin typeface="맑은 고딕" charset="0"/>
+                <a:ea typeface="맑은 고딕" charset="0"/>
+              </a:rPr>
+              <a:t> 다시 direction 변</a:t>
+            </a:r>
+            <a:r>
+              <a:rPr lang="ko-KR" sz="1800">
+                <a:latin typeface="맑은 고딕" charset="0"/>
+                <a:ea typeface="맑은 고딕" charset="0"/>
+              </a:rPr>
+              <a:t>수를 </a:t>
+            </a:r>
+            <a:r>
+              <a:rPr lang="ko-KR" sz="1800">
+                <a:latin typeface="맑은 고딕" charset="0"/>
+                <a:ea typeface="맑은 고딕" charset="0"/>
+              </a:rPr>
+              <a:t>넣어줍니다.</a:t>
+            </a:r>
+            <a:endParaRPr lang="ko-KR" altLang="en-US" sz="1800">
+              <a:latin typeface="맑은 고딕" charset="0"/>
+              <a:ea typeface="맑은 고딕" charset="0"/>
+            </a:endParaRPr>
+          </a:p>
+        </p:txBody>
+      </p:sp>
+      <p:pic>
+        <p:nvPicPr>
+          <p:cNvPr id="100" name="그림 33" descr="C:/Users/Admin1/AppData/Roaming/PolarisOffice/ETemp/4640_5818368/fImage359942734464.png"/>
+          <p:cNvPicPr>
+            <a:picLocks noChangeAspect="1"/>
+          </p:cNvPicPr>
+          <p:nvPr/>
+        </p:nvPicPr>
+        <p:blipFill rotWithShape="1">
+          <a:blip r:embed="rId2" cstate="print">
+            <a:extLst>
+              <a:ext uri="{28A0092B-C50C-407E-A947-70E740481C1C}">
+                <a14:useLocalDpi xmlns:a14="http://schemas.microsoft.com/office/drawing/2010/main" val="0"/>
+              </a:ext>
+            </a:extLst>
+          </a:blip>
+          <a:stretch>
+            <a:fillRect/>
+          </a:stretch>
+        </p:blipFill>
+        <p:spPr>
+          <a:xfrm rot="0">
+            <a:off x="1240790" y="1447165"/>
+            <a:ext cx="4126230" cy="1361440"/>
+          </a:xfrm>
+          <a:prstGeom prst="roundRect"/>
+          <a:solidFill>
+            <a:srgbClr val="EDEDED"/>
+          </a:solidFill>
+        </p:spPr>
+      </p:pic>
+      <p:pic>
+        <p:nvPicPr>
+          <p:cNvPr id="101" name="그림 36" descr="C:/Users/Admin1/AppData/Roaming/PolarisOffice/ETemp/4640_5818368/fImage129632745705.png"/>
+          <p:cNvPicPr>
+            <a:picLocks noChangeAspect="1"/>
+          </p:cNvPicPr>
+          <p:nvPr/>
+        </p:nvPicPr>
+        <p:blipFill rotWithShape="1">
+          <a:blip r:embed="rId3" cstate="print">
+            <a:extLst>
+              <a:ext uri="{28A0092B-C50C-407E-A947-70E740481C1C}">
+                <a14:useLocalDpi xmlns:a14="http://schemas.microsoft.com/office/drawing/2010/main" val="0"/>
+              </a:ext>
+            </a:extLst>
+          </a:blip>
+          <a:stretch>
+            <a:fillRect/>
+          </a:stretch>
+        </p:blipFill>
+        <p:spPr>
+          <a:xfrm rot="0">
+            <a:off x="1236980" y="4074160"/>
+            <a:ext cx="4130040" cy="1025525"/>
+          </a:xfrm>
+          <a:prstGeom prst="roundRect"/>
+          <a:solidFill>
+            <a:srgbClr val="EDEDED"/>
+          </a:solidFill>
+        </p:spPr>
+      </p:pic>
+      <p:pic>
+        <p:nvPicPr>
+          <p:cNvPr id="102" name="그림 42" descr="C:/Users/Admin1/AppData/Roaming/PolarisOffice/ETemp/4640_5818368/fImage630462768145.png"/>
+          <p:cNvPicPr>
+            <a:picLocks noChangeAspect="1"/>
+          </p:cNvPicPr>
+          <p:nvPr/>
+        </p:nvPicPr>
+        <p:blipFill rotWithShape="1">
+          <a:blip r:embed="rId4" cstate="print">
+            <a:extLst>
+              <a:ext uri="{28A0092B-C50C-407E-A947-70E740481C1C}">
+                <a14:useLocalDpi xmlns:a14="http://schemas.microsoft.com/office/drawing/2010/main" val="0"/>
+              </a:ext>
+            </a:extLst>
+          </a:blip>
+          <a:stretch>
+            <a:fillRect/>
+          </a:stretch>
+        </p:blipFill>
+        <p:spPr>
+          <a:xfrm rot="0">
+            <a:off x="6822440" y="1446530"/>
+            <a:ext cx="4135120" cy="1715135"/>
+          </a:xfrm>
+          <a:prstGeom prst="roundRect"/>
+          <a:solidFill>
+            <a:srgbClr val="EDEDED"/>
+          </a:solidFill>
+        </p:spPr>
+      </p:pic>
+    </p:spTree>
+  </p:cSld>
+  <p:clrMapOvr>
+    <a:masterClrMapping/>
+  </p:clrMapOvr>
+  <mc:AlternateContent xmlns:mc="http://schemas.openxmlformats.org/markup-compatibility/2006">
+    <mc:Choice xmlns:p14="http://schemas.microsoft.com/office/powerpoint/2010/main" Requires="p14">
+      <p:transition spd="slow" p14:dur="2000"/>
+    </mc:Choice>
+    <mc:Fallback>
+      <p:transition spd="slow"/>
+    </mc:Fallback>
+  </mc:AlternateContent>
+  <p:timing>
+    <p:tnLst>
+      <p:par>
+        <p:cTn id="1" dur="indefinite" restart="never" nodeType="tmRoot"/>
+      </p:par>
+    </p:tnLst>
+  </p:timing>
+</p:sld>
+</file>
+
+<file path=ppt/slides/slide12.xml><?xml version="1.0" encoding="utf-8"?>
 <p:sld xmlns:a="http://schemas.openxmlformats.org/drawingml/2006/main" xmlns:r="http://schemas.openxmlformats.org/officeDocument/2006/relationships" xmlns:p="http://schemas.openxmlformats.org/presentationml/2006/main" xmlns:p14="http://schemas.microsoft.com/office/powerpoint/2010/main">
   <p:cSld>
     <p:spTree>
@@ -7663,7 +9719,7 @@
         <p:spPr>
           <a:xfrm rot="0">
             <a:off x="4101465" y="407035"/>
-            <a:ext cx="3986530" cy="554990"/>
+            <a:ext cx="3987165" cy="478155"/>
           </a:xfrm>
           <a:prstGeom prst="rect"/>
           <a:noFill/>
@@ -7678,32 +9734,285 @@
           </a:bodyPr>
           <a:lstStyle/>
           <a:p>
-            <a:pPr marL="0" indent="0" algn="l" latinLnBrk="0" hangingPunct="1">
-              <a:buFontTx/>
-              <a:buNone/>
-            </a:pPr>
-            <a:r>
-              <a:rPr lang="ko-KR" sz="3000" b="1">
-                <a:latin typeface="맑은 고딕" charset="0"/>
-                <a:ea typeface="맑은 고딕" charset="0"/>
-              </a:rPr>
-              <a:t>열</a:t>
-            </a:r>
-            <a:r>
-              <a:rPr lang="ko-KR" sz="3000" b="1">
-                <a:latin typeface="맑은 고딕" charset="0"/>
-                <a:ea typeface="맑은 고딕" charset="0"/>
-              </a:rPr>
-              <a:t>일곱</a:t>
-            </a:r>
-            <a:r>
-              <a:rPr lang="ko-KR" sz="3000" b="1">
-                <a:latin typeface="맑은 고딕" charset="0"/>
-                <a:ea typeface="맑은 고딕" charset="0"/>
+            <a:pPr marL="0" indent="0" algn="ctr" latinLnBrk="0" hangingPunct="1">
+              <a:buFontTx/>
+              <a:buNone/>
+            </a:pPr>
+            <a:r>
+              <a:rPr lang="ko-KR" sz="2500" b="1">
+                <a:latin typeface="나눔바른고딕" charset="0"/>
+                <a:ea typeface="나눔바른고딕" charset="0"/>
+              </a:rPr>
+              <a:t>열두</a:t>
+            </a:r>
+            <a:r>
+              <a:rPr lang="ko-KR" sz="2500" b="1">
+                <a:latin typeface="나눔바른고딕" charset="0"/>
+                <a:ea typeface="나눔바른고딕" charset="0"/>
               </a:rPr>
               <a:t> 번째 튜토리얼</a:t>
             </a:r>
-            <a:endParaRPr lang="ko-KR" altLang="en-US" sz="3000" b="1">
+            <a:endParaRPr lang="ko-KR" altLang="en-US" sz="2500" b="1">
+              <a:latin typeface="나눔바른고딕" charset="0"/>
+              <a:ea typeface="나눔바른고딕" charset="0"/>
+            </a:endParaRPr>
+          </a:p>
+        </p:txBody>
+      </p:sp>
+      <p:sp>
+        <p:nvSpPr>
+          <p:cNvPr id="81" name="Rect 0"/>
+          <p:cNvSpPr txBox="1">
+            <a:spLocks/>
+          </p:cNvSpPr>
+          <p:nvPr/>
+        </p:nvSpPr>
+        <p:spPr>
+          <a:xfrm rot="0">
+            <a:off x="1238885" y="5057140"/>
+            <a:ext cx="4145280" cy="954405"/>
+          </a:xfrm>
+          <a:prstGeom prst="rect"/>
+          <a:noFill/>
+          <a:ln w="0">
+            <a:noFill/>
+            <a:prstDash/>
+          </a:ln>
+        </p:spPr>
+        <p:txBody>
+          <a:bodyPr wrap="square" lIns="89535" tIns="46355" rIns="89535" bIns="46355" numCol="1" vert="horz" anchor="t">
+            <a:spAutoFit/>
+          </a:bodyPr>
+          <a:lstStyle/>
+          <a:p>
+            <a:pPr marL="0" indent="0" rtl="0" algn="l" defTabSz="914400" eaLnBrk="1" latinLnBrk="0" hangingPunct="1">
+              <a:buFontTx/>
+              <a:buNone/>
+            </a:pPr>
+            <a:r>
+              <a:rPr lang="ko-KR" sz="2000" b="1">
+                <a:solidFill>
+                  <a:srgbClr val="0611F2"/>
+                </a:solidFill>
+                <a:latin typeface="맑은 고딕" charset="0"/>
+                <a:ea typeface="맑은 고딕" charset="0"/>
+              </a:rPr>
+              <a:t>35</a:t>
+            </a:r>
+            <a:r>
+              <a:rPr sz="2000" b="1">
+                <a:solidFill>
+                  <a:srgbClr val="0611F2"/>
+                </a:solidFill>
+                <a:latin typeface="맑은 고딕" charset="0"/>
+                <a:ea typeface="맑은 고딕" charset="0"/>
+              </a:rPr>
+              <a:t>.</a:t>
+            </a:r>
+            <a:r>
+              <a:rPr sz="2000" b="1">
+                <a:solidFill>
+                  <a:srgbClr val="0611F2"/>
+                </a:solidFill>
+                <a:latin typeface="맑은 고딕" charset="0"/>
+                <a:ea typeface="맑은 고딕" charset="0"/>
+              </a:rPr>
+              <a:t> </a:t>
+            </a:r>
+            <a:r>
+              <a:rPr sz="1800">
+                <a:latin typeface="맑은 고딕" charset="0"/>
+                <a:ea typeface="맑은 고딕" charset="0"/>
+              </a:rPr>
+              <a:t>그러고 나서 Project 폴더 아래에 </a:t>
+            </a:r>
+            <a:r>
+              <a:rPr sz="1800">
+                <a:latin typeface="맑은 고딕" charset="0"/>
+                <a:ea typeface="맑은 고딕" charset="0"/>
+              </a:rPr>
+              <a:t>있는</a:t>
+            </a:r>
+            <a:r>
+              <a:rPr sz="1800">
+                <a:latin typeface="맑은 고딕" charset="0"/>
+                <a:ea typeface="맑은 고딕" charset="0"/>
+              </a:rPr>
+              <a:t> Model 폴더에 Bee </a:t>
+            </a:r>
+            <a:r>
+              <a:rPr sz="1800">
+                <a:latin typeface="맑은 고딕" charset="0"/>
+                <a:ea typeface="맑은 고딕" charset="0"/>
+              </a:rPr>
+              <a:t>모델</a:t>
+            </a:r>
+            <a:r>
+              <a:rPr lang="ko-KR" sz="1800">
+                <a:latin typeface="맑은 고딕" charset="0"/>
+                <a:ea typeface="맑은 고딕" charset="0"/>
+              </a:rPr>
+              <a:t>을</a:t>
+            </a:r>
+            <a:r>
+              <a:rPr lang="ko-KR" sz="1800">
+                <a:latin typeface="맑은 고딕" charset="0"/>
+                <a:ea typeface="맑은 고딕" charset="0"/>
+              </a:rPr>
+              <a:t> 월드 </a:t>
+            </a:r>
+            <a:r>
+              <a:rPr lang="ko-KR" sz="1800">
+                <a:latin typeface="맑은 고딕" charset="0"/>
+                <a:ea typeface="맑은 고딕" charset="0"/>
+              </a:rPr>
+              <a:t>공간에</a:t>
+            </a:r>
+            <a:r>
+              <a:rPr lang="ko-KR" sz="1800">
+                <a:latin typeface="맑은 고딕" charset="0"/>
+                <a:ea typeface="맑은 고딕" charset="0"/>
+              </a:rPr>
+              <a:t> </a:t>
+            </a:r>
+            <a:r>
+              <a:rPr lang="ko-KR" sz="1800">
+                <a:latin typeface="맑은 고딕" charset="0"/>
+                <a:ea typeface="맑은 고딕" charset="0"/>
+              </a:rPr>
+              <a:t>배치합니다.</a:t>
+            </a:r>
+            <a:endParaRPr lang="ko-KR" altLang="en-US" sz="1800">
+              <a:latin typeface="맑은 고딕" charset="0"/>
+              <a:ea typeface="맑은 고딕" charset="0"/>
+            </a:endParaRPr>
+          </a:p>
+        </p:txBody>
+      </p:sp>
+      <p:sp>
+        <p:nvSpPr>
+          <p:cNvPr id="85" name="Rect 0"/>
+          <p:cNvSpPr txBox="1">
+            <a:spLocks/>
+          </p:cNvSpPr>
+          <p:nvPr/>
+        </p:nvSpPr>
+        <p:spPr>
+          <a:xfrm rot="0">
+            <a:off x="1241425" y="2665095"/>
+            <a:ext cx="4134485" cy="954405"/>
+          </a:xfrm>
+          <a:prstGeom prst="rect"/>
+          <a:noFill/>
+          <a:ln w="0">
+            <a:noFill/>
+            <a:prstDash/>
+          </a:ln>
+        </p:spPr>
+        <p:txBody>
+          <a:bodyPr wrap="square" lIns="89535" tIns="46355" rIns="89535" bIns="46355" numCol="1" vert="horz" anchor="t">
+            <a:spAutoFit/>
+          </a:bodyPr>
+          <a:lstStyle/>
+          <a:p>
+            <a:pPr marL="0" indent="0" rtl="0" algn="l" defTabSz="914400" eaLnBrk="1" latinLnBrk="0" hangingPunct="1">
+              <a:buFontTx/>
+              <a:buNone/>
+            </a:pPr>
+            <a:r>
+              <a:rPr lang="ko-KR" sz="2000" b="1">
+                <a:solidFill>
+                  <a:srgbClr val="0611F2"/>
+                </a:solidFill>
+                <a:latin typeface="맑은 고딕" charset="0"/>
+                <a:ea typeface="맑은 고딕" charset="0"/>
+              </a:rPr>
+              <a:t>34</a:t>
+            </a:r>
+            <a:r>
+              <a:rPr sz="2000" b="1">
+                <a:solidFill>
+                  <a:srgbClr val="0611F2"/>
+                </a:solidFill>
+                <a:latin typeface="맑은 고딕" charset="0"/>
+                <a:ea typeface="맑은 고딕" charset="0"/>
+              </a:rPr>
+              <a:t>.</a:t>
+            </a:r>
+            <a:r>
+              <a:rPr sz="2000" b="1">
+                <a:solidFill>
+                  <a:srgbClr val="0611F2"/>
+                </a:solidFill>
+                <a:latin typeface="맑은 고딕" charset="0"/>
+                <a:ea typeface="맑은 고딕" charset="0"/>
+              </a:rPr>
+              <a:t> </a:t>
+            </a:r>
+            <a:r>
+              <a:rPr sz="1800">
+                <a:latin typeface="맑은 고딕" charset="0"/>
+                <a:ea typeface="맑은 고딕" charset="0"/>
+              </a:rPr>
+              <a:t>그다음으로 Project 폴더 아래에 </a:t>
+            </a:r>
+            <a:r>
+              <a:rPr sz="1800">
+                <a:latin typeface="맑은 고딕" charset="0"/>
+                <a:ea typeface="맑은 고딕" charset="0"/>
+              </a:rPr>
+              <a:t>있</a:t>
+            </a:r>
+            <a:r>
+              <a:rPr sz="1800">
+                <a:latin typeface="맑은 고딕" charset="0"/>
+                <a:ea typeface="맑은 고딕" charset="0"/>
+              </a:rPr>
+              <a:t>는</a:t>
+            </a:r>
+            <a:r>
+              <a:rPr sz="1800">
+                <a:latin typeface="맑은 고딕" charset="0"/>
+                <a:ea typeface="맑은 고딕" charset="0"/>
+              </a:rPr>
+              <a:t> </a:t>
+            </a:r>
+            <a:r>
+              <a:rPr sz="1800">
+                <a:latin typeface="맑은 고딕" charset="0"/>
+                <a:ea typeface="맑은 고딕" charset="0"/>
+              </a:rPr>
+              <a:t>Model 폴더에 Grass Ground </a:t>
+            </a:r>
+            <a:r>
+              <a:rPr sz="1800">
+                <a:latin typeface="맑은 고딕" charset="0"/>
+                <a:ea typeface="맑은 고딕" charset="0"/>
+              </a:rPr>
+              <a:t>모델</a:t>
+            </a:r>
+            <a:r>
+              <a:rPr lang="ko-KR" sz="1800">
+                <a:latin typeface="맑은 고딕" charset="0"/>
+                <a:ea typeface="맑은 고딕" charset="0"/>
+              </a:rPr>
+              <a:t>을</a:t>
+            </a:r>
+            <a:r>
+              <a:rPr lang="ko-KR" sz="1800">
+                <a:latin typeface="맑은 고딕" charset="0"/>
+                <a:ea typeface="맑은 고딕" charset="0"/>
+              </a:rPr>
+              <a:t> </a:t>
+            </a:r>
+            <a:r>
+              <a:rPr lang="ko-KR" sz="1800">
+                <a:latin typeface="맑은 고딕" charset="0"/>
+                <a:ea typeface="맑은 고딕" charset="0"/>
+              </a:rPr>
+              <a:t>월드 공간에 배치합니다.</a:t>
+            </a:r>
+            <a:endParaRPr lang="ko-KR" altLang="en-US" sz="1800">
               <a:latin typeface="맑은 고딕" charset="0"/>
               <a:ea typeface="맑은 고딕" charset="0"/>
             </a:endParaRPr>
@@ -7712,7 +10021,1533 @@
       </p:sp>
       <p:pic>
         <p:nvPicPr>
-          <p:cNvPr id="86" name="그림 19"/>
+          <p:cNvPr id="107" name="그림 55"/>
+          <p:cNvPicPr>
+            <a:picLocks noChangeAspect="1"/>
+          </p:cNvPicPr>
+          <p:nvPr/>
+        </p:nvPicPr>
+        <p:blipFill rotWithShape="1">
+          <a:blip r:embed="rId6" cstate="print">
+            <a:extLst>
+              <a:ext uri="{28A0092B-C50C-407E-A947-70E740481C1C}">
+                <a14:useLocalDpi xmlns:a14="http://schemas.microsoft.com/office/drawing/2010/main" val="0"/>
+              </a:ext>
+            </a:extLst>
+          </a:blip>
+          <a:stretch>
+            <a:fillRect/>
+          </a:stretch>
+        </p:blipFill>
+        <p:spPr>
+          <a:xfrm rot="0">
+            <a:off x="6830695" y="1447165"/>
+            <a:ext cx="4126865" cy="1094740"/>
+          </a:xfrm>
+          <a:prstGeom prst="roundRect"/>
+          <a:solidFill>
+            <a:srgbClr val="EDEDED"/>
+          </a:solidFill>
+        </p:spPr>
+      </p:pic>
+      <p:sp>
+        <p:nvSpPr>
+          <p:cNvPr id="108" name="텍스트 상자 58"/>
+          <p:cNvSpPr txBox="1">
+            <a:spLocks/>
+          </p:cNvSpPr>
+          <p:nvPr/>
+        </p:nvSpPr>
+        <p:spPr>
+          <a:xfrm rot="0">
+            <a:off x="6834505" y="2659380"/>
+            <a:ext cx="4123690" cy="677545"/>
+          </a:xfrm>
+          <a:prstGeom prst="rect"/>
+          <a:noFill/>
+          <a:ln w="0">
+            <a:noFill/>
+            <a:prstDash/>
+          </a:ln>
+        </p:spPr>
+        <p:txBody>
+          <a:bodyPr wrap="square" lIns="89535" tIns="46355" rIns="89535" bIns="46355" numCol="1" vert="horz" anchor="t">
+            <a:spAutoFit/>
+          </a:bodyPr>
+          <a:lstStyle/>
+          <a:p>
+            <a:pPr marL="0" indent="0" rtl="0" algn="l" defTabSz="914400" eaLnBrk="1" latinLnBrk="0" hangingPunct="1">
+              <a:buFontTx/>
+              <a:buNone/>
+            </a:pPr>
+            <a:r>
+              <a:rPr lang="ko-KR" sz="2000" b="1">
+                <a:solidFill>
+                  <a:srgbClr val="0611F2"/>
+                </a:solidFill>
+                <a:latin typeface="맑은 고딕" charset="0"/>
+                <a:ea typeface="맑은 고딕" charset="0"/>
+              </a:rPr>
+              <a:t>36</a:t>
+            </a:r>
+            <a:r>
+              <a:rPr sz="2000" b="1">
+                <a:solidFill>
+                  <a:srgbClr val="0611F2"/>
+                </a:solidFill>
+                <a:latin typeface="맑은 고딕" charset="0"/>
+                <a:ea typeface="맑은 고딕" charset="0"/>
+              </a:rPr>
+              <a:t>.</a:t>
+            </a:r>
+            <a:r>
+              <a:rPr sz="2000" b="1">
+                <a:solidFill>
+                  <a:srgbClr val="0611F2"/>
+                </a:solidFill>
+                <a:latin typeface="맑은 고딕" charset="0"/>
+                <a:ea typeface="맑은 고딕" charset="0"/>
+              </a:rPr>
+              <a:t> </a:t>
+            </a:r>
+            <a:r>
+              <a:rPr sz="1800">
+                <a:latin typeface="맑은 고딕" charset="0"/>
+                <a:ea typeface="맑은 고딕" charset="0"/>
+              </a:rPr>
+              <a:t>이제 Terrain 오브젝트에 </a:t>
+            </a:r>
+            <a:r>
+              <a:rPr sz="1800">
+                <a:latin typeface="맑은 고딕" charset="0"/>
+                <a:ea typeface="맑은 고딕" charset="0"/>
+              </a:rPr>
+              <a:t>Mesh</a:t>
+            </a:r>
+            <a:r>
+              <a:rPr sz="1800">
+                <a:latin typeface="맑은 고딕" charset="0"/>
+                <a:ea typeface="맑은 고딕" charset="0"/>
+              </a:rPr>
+              <a:t> </a:t>
+            </a:r>
+            <a:r>
+              <a:rPr sz="1800">
+                <a:latin typeface="맑은 고딕" charset="0"/>
+                <a:ea typeface="맑은 고딕" charset="0"/>
+              </a:rPr>
+              <a:t>Collider</a:t>
+            </a:r>
+            <a:r>
+              <a:rPr sz="1800">
+                <a:latin typeface="맑은 고딕" charset="0"/>
+                <a:ea typeface="맑은 고딕" charset="0"/>
+              </a:rPr>
+              <a:t> </a:t>
+            </a:r>
+            <a:r>
+              <a:rPr sz="1800">
+                <a:latin typeface="맑은 고딕" charset="0"/>
+                <a:ea typeface="맑은 고딕" charset="0"/>
+              </a:rPr>
+              <a:t>컴포넌트를</a:t>
+            </a:r>
+            <a:r>
+              <a:rPr sz="1800">
+                <a:latin typeface="맑은 고딕" charset="0"/>
+                <a:ea typeface="맑은 고딕" charset="0"/>
+              </a:rPr>
+              <a:t> 추가합니다.</a:t>
+            </a:r>
+            <a:endParaRPr lang="ko-KR" altLang="en-US" sz="1800">
+              <a:latin typeface="맑은 고딕" charset="0"/>
+              <a:ea typeface="맑은 고딕" charset="0"/>
+            </a:endParaRPr>
+          </a:p>
+        </p:txBody>
+      </p:sp>
+      <p:pic>
+        <p:nvPicPr>
+          <p:cNvPr id="110" name="그림 4" descr="C:/Users/Admin1/AppData/Roaming/PolarisOffice/ETemp/5240_7992456/fImage437819841.png"/>
+          <p:cNvPicPr>
+            <a:picLocks noChangeAspect="1"/>
+          </p:cNvPicPr>
+          <p:nvPr/>
+        </p:nvPicPr>
+        <p:blipFill rotWithShape="1">
+          <a:blip r:embed="rId8" cstate="print">
+            <a:extLst>
+              <a:ext uri="{28A0092B-C50C-407E-A947-70E740481C1C}">
+                <a14:useLocalDpi xmlns:a14="http://schemas.microsoft.com/office/drawing/2010/main" val="0"/>
+              </a:ext>
+            </a:extLst>
+          </a:blip>
+          <a:stretch>
+            <a:fillRect/>
+          </a:stretch>
+        </p:blipFill>
+        <p:spPr>
+          <a:xfrm rot="0">
+            <a:off x="6827520" y="3496945"/>
+            <a:ext cx="4130040" cy="1421765"/>
+          </a:xfrm>
+          <a:prstGeom prst="roundRect"/>
+          <a:solidFill>
+            <a:srgbClr val="EDEDED"/>
+          </a:solidFill>
+        </p:spPr>
+      </p:pic>
+      <p:sp>
+        <p:nvSpPr>
+          <p:cNvPr id="111" name="텍스트 상자 7"/>
+          <p:cNvSpPr txBox="1">
+            <a:spLocks/>
+          </p:cNvSpPr>
+          <p:nvPr/>
+        </p:nvSpPr>
+        <p:spPr>
+          <a:xfrm rot="0">
+            <a:off x="6840220" y="5052060"/>
+            <a:ext cx="4125595" cy="954405"/>
+          </a:xfrm>
+          <a:prstGeom prst="rect"/>
+          <a:noFill/>
+          <a:ln w="0">
+            <a:noFill/>
+            <a:prstDash/>
+          </a:ln>
+        </p:spPr>
+        <p:txBody>
+          <a:bodyPr wrap="square" lIns="89535" tIns="46355" rIns="89535" bIns="46355" numCol="1" vert="horz" anchor="t">
+            <a:spAutoFit/>
+          </a:bodyPr>
+          <a:lstStyle/>
+          <a:p>
+            <a:pPr marL="0" indent="0" rtl="0" algn="l" defTabSz="914400" eaLnBrk="1" latinLnBrk="0" hangingPunct="1">
+              <a:buFontTx/>
+              <a:buNone/>
+            </a:pPr>
+            <a:r>
+              <a:rPr lang="ko-KR" sz="2000" b="1">
+                <a:solidFill>
+                  <a:srgbClr val="0611F2"/>
+                </a:solidFill>
+                <a:latin typeface="맑은 고딕" charset="0"/>
+                <a:ea typeface="맑은 고딕" charset="0"/>
+              </a:rPr>
+              <a:t>37</a:t>
+            </a:r>
+            <a:r>
+              <a:rPr sz="2000" b="1">
+                <a:solidFill>
+                  <a:srgbClr val="0611F2"/>
+                </a:solidFill>
+                <a:latin typeface="맑은 고딕" charset="0"/>
+                <a:ea typeface="맑은 고딕" charset="0"/>
+              </a:rPr>
+              <a:t>.</a:t>
+            </a:r>
+            <a:r>
+              <a:rPr sz="2000" b="1">
+                <a:solidFill>
+                  <a:srgbClr val="0611F2"/>
+                </a:solidFill>
+                <a:latin typeface="맑은 고딕" charset="0"/>
+                <a:ea typeface="맑은 고딕" charset="0"/>
+              </a:rPr>
+              <a:t> </a:t>
+            </a:r>
+            <a:r>
+              <a:rPr sz="1800">
+                <a:latin typeface="맑은 고딕" charset="0"/>
+                <a:ea typeface="맑은 고딕" charset="0"/>
+              </a:rPr>
+              <a:t>그리고 Character 오브젝트에 </a:t>
+            </a:r>
+            <a:r>
+              <a:rPr sz="1800">
+                <a:latin typeface="맑은 고딕" charset="0"/>
+                <a:ea typeface="맑은 고딕" charset="0"/>
+              </a:rPr>
+              <a:t>Photon</a:t>
+            </a:r>
+            <a:r>
+              <a:rPr sz="1800">
+                <a:latin typeface="맑은 고딕" charset="0"/>
+                <a:ea typeface="맑은 고딕" charset="0"/>
+              </a:rPr>
+              <a:t> Animator View 컴포넌트를 </a:t>
+            </a:r>
+            <a:r>
+              <a:rPr sz="1800">
+                <a:latin typeface="맑은 고딕" charset="0"/>
+                <a:ea typeface="맑은 고딕" charset="0"/>
+              </a:rPr>
+              <a:t>추가합니</a:t>
+            </a:r>
+            <a:r>
+              <a:rPr sz="1800">
+                <a:latin typeface="맑은 고딕" charset="0"/>
+                <a:ea typeface="맑은 고딕" charset="0"/>
+              </a:rPr>
+              <a:t>다.</a:t>
+            </a:r>
+            <a:endParaRPr lang="ko-KR" altLang="en-US" sz="1800">
+              <a:latin typeface="맑은 고딕" charset="0"/>
+              <a:ea typeface="맑은 고딕" charset="0"/>
+            </a:endParaRPr>
+          </a:p>
+        </p:txBody>
+      </p:sp>
+      <p:pic>
+        <p:nvPicPr>
+          <p:cNvPr id="112" name="그림 16" descr="C:/Users/Admin1/AppData/Roaming/PolarisOffice/ETemp/5240_7992456/fImage89892908467.png"/>
+          <p:cNvPicPr>
+            <a:picLocks noChangeAspect="1"/>
+          </p:cNvPicPr>
+          <p:nvPr/>
+        </p:nvPicPr>
+        <p:blipFill rotWithShape="1">
+          <a:blip r:embed="rId9" cstate="print">
+            <a:extLst>
+              <a:ext uri="{28A0092B-C50C-407E-A947-70E740481C1C}">
+                <a14:useLocalDpi xmlns:a14="http://schemas.microsoft.com/office/drawing/2010/main" val="0"/>
+              </a:ext>
+            </a:extLst>
+          </a:blip>
+          <a:stretch>
+            <a:fillRect/>
+          </a:stretch>
+        </p:blipFill>
+        <p:spPr>
+          <a:xfrm rot="0">
+            <a:off x="2801620" y="1445895"/>
+            <a:ext cx="2574290" cy="1124585"/>
+          </a:xfrm>
+          <a:prstGeom prst="roundRect"/>
+          <a:solidFill>
+            <a:srgbClr val="EDEDED"/>
+          </a:solidFill>
+        </p:spPr>
+      </p:pic>
+      <p:pic>
+        <p:nvPicPr>
+          <p:cNvPr id="113" name="그림 19" descr="C:/Users/Admin1/AppData/Roaming/PolarisOffice/ETemp/5240_7992456/fImage53012916334.png"/>
+          <p:cNvPicPr>
+            <a:picLocks noChangeAspect="1"/>
+          </p:cNvPicPr>
+          <p:nvPr/>
+        </p:nvPicPr>
+        <p:blipFill rotWithShape="1">
+          <a:blip r:embed="rId10" cstate="print">
+            <a:extLst>
+              <a:ext uri="{28A0092B-C50C-407E-A947-70E740481C1C}">
+                <a14:useLocalDpi xmlns:a14="http://schemas.microsoft.com/office/drawing/2010/main" val="0"/>
+              </a:ext>
+            </a:extLst>
+          </a:blip>
+          <a:stretch>
+            <a:fillRect/>
+          </a:stretch>
+        </p:blipFill>
+        <p:spPr>
+          <a:xfrm rot="0">
+            <a:off x="1242695" y="1447165"/>
+            <a:ext cx="1393825" cy="1102995"/>
+          </a:xfrm>
+          <a:prstGeom prst="roundRect"/>
+          <a:solidFill>
+            <a:srgbClr val="EDEDED"/>
+          </a:solidFill>
+        </p:spPr>
+      </p:pic>
+      <p:pic>
+        <p:nvPicPr>
+          <p:cNvPr id="105" name="그림 51" descr="C:/Users/Admin1/AppData/Roaming/PolarisOffice/ETemp/5240_7992456/fImage2242172279169.png"/>
+          <p:cNvPicPr>
+            <a:picLocks noChangeAspect="1"/>
+          </p:cNvPicPr>
+          <p:nvPr/>
+        </p:nvPicPr>
+        <p:blipFill rotWithShape="1">
+          <a:blip r:embed="rId4" cstate="hqprint">
+            <a:extLst>
+              <a:ext uri="{28A0092B-C50C-407E-A947-70E740481C1C}">
+                <a14:useLocalDpi xmlns:a14="http://schemas.microsoft.com/office/drawing/2010/main"/>
+              </a:ext>
+            </a:extLst>
+          </a:blip>
+          <a:stretch>
+            <a:fillRect/>
+          </a:stretch>
+        </p:blipFill>
+        <p:spPr>
+          <a:xfrm rot="10800000">
+            <a:off x="2307590" y="1814195"/>
+            <a:ext cx="626745" cy="353060"/>
+          </a:xfrm>
+          <a:prstGeom prst="rect"/>
+          <a:noFill/>
+        </p:spPr>
+      </p:pic>
+      <p:pic>
+        <p:nvPicPr>
+          <p:cNvPr id="114" name="그림 22" descr="C:/Users/Admin1/AppData/Roaming/PolarisOffice/ETemp/5240_7992456/fImage59202926500.png"/>
+          <p:cNvPicPr>
+            <a:picLocks noChangeAspect="1"/>
+          </p:cNvPicPr>
+          <p:nvPr/>
+        </p:nvPicPr>
+        <p:blipFill rotWithShape="1">
+          <a:blip r:embed="rId11" cstate="print">
+            <a:extLst>
+              <a:ext uri="{28A0092B-C50C-407E-A947-70E740481C1C}">
+                <a14:useLocalDpi xmlns:a14="http://schemas.microsoft.com/office/drawing/2010/main" val="0"/>
+              </a:ext>
+            </a:extLst>
+          </a:blip>
+          <a:stretch>
+            <a:fillRect/>
+          </a:stretch>
+        </p:blipFill>
+        <p:spPr>
+          <a:xfrm rot="0">
+            <a:off x="1243965" y="3810635"/>
+            <a:ext cx="1400810" cy="1116965"/>
+          </a:xfrm>
+          <a:prstGeom prst="roundRect"/>
+          <a:solidFill>
+            <a:srgbClr val="EDEDED"/>
+          </a:solidFill>
+        </p:spPr>
+      </p:pic>
+      <p:pic>
+        <p:nvPicPr>
+          <p:cNvPr id="115" name="그림 23" descr="C:/Users/Admin1/AppData/Roaming/PolarisOffice/ETemp/5240_7992456/fImage99672939169.png"/>
+          <p:cNvPicPr>
+            <a:picLocks noChangeAspect="1"/>
+          </p:cNvPicPr>
+          <p:nvPr/>
+        </p:nvPicPr>
+        <p:blipFill rotWithShape="1">
+          <a:blip r:embed="rId12" cstate="print">
+            <a:extLst>
+              <a:ext uri="{28A0092B-C50C-407E-A947-70E740481C1C}">
+                <a14:useLocalDpi xmlns:a14="http://schemas.microsoft.com/office/drawing/2010/main" val="0"/>
+              </a:ext>
+            </a:extLst>
+          </a:blip>
+          <a:stretch>
+            <a:fillRect/>
+          </a:stretch>
+        </p:blipFill>
+        <p:spPr>
+          <a:xfrm rot="0">
+            <a:off x="2821305" y="3791585"/>
+            <a:ext cx="2553335" cy="1153160"/>
+          </a:xfrm>
+          <a:prstGeom prst="roundRect"/>
+          <a:solidFill>
+            <a:srgbClr val="EDEDED"/>
+          </a:solidFill>
+        </p:spPr>
+      </p:pic>
+      <p:pic>
+        <p:nvPicPr>
+          <p:cNvPr id="116" name="그림 29" descr="C:/Users/Admin1/AppData/Roaming/PolarisOffice/ETemp/5240_7992456/fImage2242172279169.png"/>
+          <p:cNvPicPr>
+            <a:picLocks noChangeAspect="1"/>
+          </p:cNvPicPr>
+          <p:nvPr/>
+        </p:nvPicPr>
+        <p:blipFill rotWithShape="1">
+          <a:blip r:embed="rId4" cstate="hqprint">
+            <a:extLst>
+              <a:ext uri="{28A0092B-C50C-407E-A947-70E740481C1C}">
+                <a14:useLocalDpi xmlns:a14="http://schemas.microsoft.com/office/drawing/2010/main"/>
+              </a:ext>
+            </a:extLst>
+          </a:blip>
+          <a:stretch>
+            <a:fillRect/>
+          </a:stretch>
+        </p:blipFill>
+        <p:spPr>
+          <a:xfrm rot="10800000">
+            <a:off x="2301875" y="4203065"/>
+            <a:ext cx="626745" cy="353060"/>
+          </a:xfrm>
+          <a:prstGeom prst="rect"/>
+          <a:noFill/>
+        </p:spPr>
+      </p:pic>
+    </p:spTree>
+  </p:cSld>
+  <p:clrMapOvr>
+    <a:masterClrMapping/>
+  </p:clrMapOvr>
+  <mc:AlternateContent xmlns:mc="http://schemas.openxmlformats.org/markup-compatibility/2006">
+    <mc:Choice xmlns:p14="http://schemas.microsoft.com/office/powerpoint/2010/main" Requires="p14">
+      <p:transition spd="slow" p14:dur="2000"/>
+    </mc:Choice>
+    <mc:Fallback>
+      <p:transition spd="slow"/>
+    </mc:Fallback>
+  </mc:AlternateContent>
+  <p:timing>
+    <p:tnLst>
+      <p:par>
+        <p:cTn id="1" dur="indefinite" restart="never" nodeType="tmRoot"/>
+      </p:par>
+    </p:tnLst>
+  </p:timing>
+</p:sld>
+</file>
+
+<file path=ppt/slides/slide13.xml><?xml version="1.0" encoding="utf-8"?>
+<p:sld xmlns:a="http://schemas.openxmlformats.org/drawingml/2006/main" xmlns:r="http://schemas.openxmlformats.org/officeDocument/2006/relationships" xmlns:p="http://schemas.openxmlformats.org/presentationml/2006/main">
+  <p:cSld>
+    <p:spTree>
+      <p:nvGrpSpPr>
+        <p:cNvPr id="1" name=""/>
+        <p:cNvGrpSpPr/>
+        <p:nvPr/>
+      </p:nvGrpSpPr>
+      <p:grpSpPr>
+        <a:xfrm>
+          <a:off x="0" y="0"/>
+          <a:ext cx="0" cy="0"/>
+          <a:chOff x="0" y="0"/>
+          <a:chExt cx="0" cy="0"/>
+        </a:xfrm>
+      </p:grpSpPr>
+      <p:sp>
+        <p:nvSpPr>
+          <p:cNvPr id="27" name="Rect 0"/>
+          <p:cNvSpPr txBox="1">
+            <a:spLocks/>
+          </p:cNvSpPr>
+          <p:nvPr/>
+        </p:nvSpPr>
+        <p:spPr>
+          <a:xfrm rot="0">
+            <a:off x="4101465" y="407035"/>
+            <a:ext cx="3987800" cy="478155"/>
+          </a:xfrm>
+          <a:prstGeom prst="rect"/>
+          <a:noFill/>
+          <a:ln w="0">
+            <a:noFill/>
+            <a:prstDash/>
+          </a:ln>
+        </p:spPr>
+        <p:txBody>
+          <a:bodyPr wrap="square" lIns="89535" tIns="46355" rIns="89535" bIns="46355" numCol="1" vert="horz" anchor="t">
+            <a:spAutoFit/>
+          </a:bodyPr>
+          <a:lstStyle/>
+          <a:p>
+            <a:pPr marL="0" indent="0" algn="ctr" latinLnBrk="0" hangingPunct="1">
+              <a:buFontTx/>
+              <a:buNone/>
+            </a:pPr>
+            <a:r>
+              <a:rPr lang="ko-KR" sz="2500" b="1">
+                <a:latin typeface="나눔바른고딕" charset="0"/>
+                <a:ea typeface="나눔바른고딕" charset="0"/>
+              </a:rPr>
+              <a:t>열세</a:t>
+            </a:r>
+            <a:r>
+              <a:rPr lang="ko-KR" sz="2500" b="1">
+                <a:latin typeface="나눔바른고딕" charset="0"/>
+                <a:ea typeface="나눔바른고딕" charset="0"/>
+              </a:rPr>
+              <a:t> 번째 튜토리얼</a:t>
+            </a:r>
+            <a:endParaRPr lang="ko-KR" altLang="en-US" sz="2500" b="1">
+              <a:latin typeface="나눔바른고딕" charset="0"/>
+              <a:ea typeface="나눔바른고딕" charset="0"/>
+            </a:endParaRPr>
+          </a:p>
+        </p:txBody>
+      </p:sp>
+      <p:sp>
+        <p:nvSpPr>
+          <p:cNvPr id="81" name="Rect 0"/>
+          <p:cNvSpPr txBox="1">
+            <a:spLocks/>
+          </p:cNvSpPr>
+          <p:nvPr/>
+        </p:nvSpPr>
+        <p:spPr>
+          <a:xfrm rot="0">
+            <a:off x="1238885" y="5057140"/>
+            <a:ext cx="4145280" cy="954405"/>
+          </a:xfrm>
+          <a:prstGeom prst="rect"/>
+          <a:noFill/>
+          <a:ln w="0">
+            <a:noFill/>
+            <a:prstDash/>
+          </a:ln>
+        </p:spPr>
+        <p:txBody>
+          <a:bodyPr wrap="square" lIns="89535" tIns="46355" rIns="89535" bIns="46355" numCol="1" vert="horz" anchor="t">
+            <a:spAutoFit/>
+          </a:bodyPr>
+          <a:lstStyle/>
+          <a:p>
+            <a:pPr marL="0" indent="0" rtl="0" algn="l" defTabSz="914400" eaLnBrk="1" latinLnBrk="0" hangingPunct="1">
+              <a:buFontTx/>
+              <a:buNone/>
+            </a:pPr>
+            <a:r>
+              <a:rPr lang="ko-KR" sz="2000" b="1">
+                <a:solidFill>
+                  <a:srgbClr val="0611F2"/>
+                </a:solidFill>
+                <a:latin typeface="맑은 고딕" charset="0"/>
+                <a:ea typeface="맑은 고딕" charset="0"/>
+              </a:rPr>
+              <a:t>38</a:t>
+            </a:r>
+            <a:r>
+              <a:rPr sz="2000" b="1">
+                <a:solidFill>
+                  <a:srgbClr val="0611F2"/>
+                </a:solidFill>
+                <a:latin typeface="맑은 고딕" charset="0"/>
+                <a:ea typeface="맑은 고딕" charset="0"/>
+              </a:rPr>
+              <a:t>.</a:t>
+            </a:r>
+            <a:r>
+              <a:rPr sz="2000" b="1">
+                <a:solidFill>
+                  <a:srgbClr val="0611F2"/>
+                </a:solidFill>
+                <a:latin typeface="맑은 고딕" charset="0"/>
+                <a:ea typeface="맑은 고딕" charset="0"/>
+              </a:rPr>
+              <a:t> </a:t>
+            </a:r>
+            <a:r>
+              <a:rPr sz="1800">
+                <a:latin typeface="맑은 고딕" charset="0"/>
+                <a:ea typeface="맑은 고딕" charset="0"/>
+              </a:rPr>
+              <a:t>그런 다음 Character 오브젝트에 </a:t>
+            </a:r>
+            <a:r>
+              <a:rPr sz="1800">
+                <a:latin typeface="맑은 고딕" charset="0"/>
+                <a:ea typeface="맑은 고딕" charset="0"/>
+              </a:rPr>
+              <a:t>있</a:t>
+            </a:r>
+            <a:r>
+              <a:rPr sz="1800">
+                <a:latin typeface="맑은 고딕" charset="0"/>
+                <a:ea typeface="맑은 고딕" charset="0"/>
+              </a:rPr>
+              <a:t>는</a:t>
+            </a:r>
+            <a:r>
+              <a:rPr sz="1800">
+                <a:latin typeface="맑은 고딕" charset="0"/>
+                <a:ea typeface="맑은 고딕" charset="0"/>
+              </a:rPr>
+              <a:t> </a:t>
+            </a:r>
+            <a:r>
+              <a:rPr sz="1800">
+                <a:latin typeface="맑은 고딕" charset="0"/>
+                <a:ea typeface="맑은 고딕" charset="0"/>
+              </a:rPr>
+              <a:t>Rigidbody 컴포넌트에 Freeze </a:t>
+            </a:r>
+            <a:r>
+              <a:rPr sz="1800">
+                <a:latin typeface="맑은 고딕" charset="0"/>
+                <a:ea typeface="맑은 고딕" charset="0"/>
+              </a:rPr>
+              <a:t>Ro</a:t>
+            </a:r>
+            <a:r>
+              <a:rPr lang="ko-KR" sz="1800">
+                <a:latin typeface="맑은 고딕" charset="0"/>
+                <a:ea typeface="맑은 고딕" charset="0"/>
+              </a:rPr>
+              <a:t>t</a:t>
+            </a:r>
+            <a:r>
+              <a:rPr lang="ko-KR" sz="1800">
+                <a:latin typeface="맑은 고딕" charset="0"/>
+                <a:ea typeface="맑은 고딕" charset="0"/>
+              </a:rPr>
+              <a:t>ation</a:t>
+            </a:r>
+            <a:r>
+              <a:rPr lang="ko-KR" sz="1800">
+                <a:latin typeface="맑은 고딕" charset="0"/>
+                <a:ea typeface="맑은 고딕" charset="0"/>
+              </a:rPr>
+              <a:t> </a:t>
+            </a:r>
+            <a:r>
+              <a:rPr lang="ko-KR" sz="1800">
+                <a:latin typeface="맑은 고딕" charset="0"/>
+                <a:ea typeface="맑은 고딕" charset="0"/>
+              </a:rPr>
+              <a:t>X, Y, Z 축을 활성화합니다.</a:t>
+            </a:r>
+            <a:endParaRPr lang="ko-KR" altLang="en-US" sz="1800">
+              <a:latin typeface="맑은 고딕" charset="0"/>
+              <a:ea typeface="맑은 고딕" charset="0"/>
+            </a:endParaRPr>
+          </a:p>
+        </p:txBody>
+      </p:sp>
+      <p:sp>
+        <p:nvSpPr>
+          <p:cNvPr id="111" name="Rect 0"/>
+          <p:cNvSpPr txBox="1">
+            <a:spLocks/>
+          </p:cNvSpPr>
+          <p:nvPr/>
+        </p:nvSpPr>
+        <p:spPr>
+          <a:xfrm rot="0">
+            <a:off x="6840220" y="4784725"/>
+            <a:ext cx="4125595" cy="1231265"/>
+          </a:xfrm>
+          <a:prstGeom prst="rect"/>
+          <a:noFill/>
+          <a:ln w="0">
+            <a:noFill/>
+            <a:prstDash/>
+          </a:ln>
+        </p:spPr>
+        <p:txBody>
+          <a:bodyPr wrap="square" lIns="89535" tIns="46355" rIns="89535" bIns="46355" numCol="1" vert="horz" anchor="t">
+            <a:spAutoFit/>
+          </a:bodyPr>
+          <a:lstStyle/>
+          <a:p>
+            <a:pPr marL="0" indent="0" rtl="0" algn="l" defTabSz="914400" eaLnBrk="1" latinLnBrk="0" hangingPunct="1">
+              <a:buFontTx/>
+              <a:buNone/>
+            </a:pPr>
+            <a:r>
+              <a:rPr lang="ko-KR" sz="2000" b="1">
+                <a:solidFill>
+                  <a:srgbClr val="0611F2"/>
+                </a:solidFill>
+                <a:latin typeface="맑은 고딕" charset="0"/>
+                <a:ea typeface="맑은 고딕" charset="0"/>
+              </a:rPr>
+              <a:t>39</a:t>
+            </a:r>
+            <a:r>
+              <a:rPr sz="2000" b="1">
+                <a:solidFill>
+                  <a:srgbClr val="0611F2"/>
+                </a:solidFill>
+                <a:latin typeface="맑은 고딕" charset="0"/>
+                <a:ea typeface="맑은 고딕" charset="0"/>
+              </a:rPr>
+              <a:t>.</a:t>
+            </a:r>
+            <a:r>
+              <a:rPr sz="2000" b="1">
+                <a:solidFill>
+                  <a:srgbClr val="0611F2"/>
+                </a:solidFill>
+                <a:latin typeface="맑은 고딕" charset="0"/>
+                <a:ea typeface="맑은 고딕" charset="0"/>
+              </a:rPr>
+              <a:t> </a:t>
+            </a:r>
+            <a:r>
+              <a:rPr sz="1800">
+                <a:latin typeface="맑은 고딕" charset="0"/>
+                <a:ea typeface="맑은 고딕" charset="0"/>
+              </a:rPr>
+              <a:t>그다음</a:t>
+            </a:r>
+            <a:r>
+              <a:rPr sz="1800">
+                <a:latin typeface="맑은 고딕" charset="0"/>
+                <a:ea typeface="맑은 고딕" charset="0"/>
+              </a:rPr>
+              <a:t>으로 Project 폴더 </a:t>
+            </a:r>
+            <a:r>
+              <a:rPr sz="1800">
+                <a:latin typeface="맑은 고딕" charset="0"/>
+                <a:ea typeface="맑은 고딕" charset="0"/>
+              </a:rPr>
+              <a:t>아래에</a:t>
+            </a:r>
+            <a:r>
+              <a:rPr sz="1800">
+                <a:latin typeface="맑은 고딕" charset="0"/>
+                <a:ea typeface="맑은 고딕" charset="0"/>
+              </a:rPr>
+              <a:t> </a:t>
+            </a:r>
+            <a:r>
+              <a:rPr sz="1800">
+                <a:latin typeface="맑은 고딕" charset="0"/>
+                <a:ea typeface="맑은 고딕" charset="0"/>
+              </a:rPr>
+              <a:t>있는</a:t>
+            </a:r>
+            <a:r>
+              <a:rPr sz="1800">
+                <a:latin typeface="맑은 고딕" charset="0"/>
+                <a:ea typeface="맑은 고딕" charset="0"/>
+              </a:rPr>
+              <a:t> </a:t>
+            </a:r>
+            <a:r>
+              <a:rPr sz="1800">
+                <a:latin typeface="맑은 고딕" charset="0"/>
+                <a:ea typeface="맑은 고딕" charset="0"/>
+              </a:rPr>
+              <a:t>Animator</a:t>
+            </a:r>
+            <a:r>
+              <a:rPr sz="1800">
+                <a:latin typeface="맑은 고딕" charset="0"/>
+                <a:ea typeface="맑은 고딕" charset="0"/>
+              </a:rPr>
+              <a:t> 폴더에 </a:t>
+            </a:r>
+            <a:r>
+              <a:rPr sz="1800">
+                <a:latin typeface="맑은 고딕" charset="0"/>
+                <a:ea typeface="맑은 고딕" charset="0"/>
+              </a:rPr>
+              <a:t>Animator</a:t>
+            </a:r>
+            <a:r>
+              <a:rPr sz="1800">
+                <a:latin typeface="맑은 고딕" charset="0"/>
+                <a:ea typeface="맑은 고딕" charset="0"/>
+              </a:rPr>
+              <a:t> </a:t>
+            </a:r>
+            <a:r>
+              <a:rPr sz="1800">
+                <a:latin typeface="맑은 고딕" charset="0"/>
+                <a:ea typeface="맑은 고딕" charset="0"/>
+              </a:rPr>
+              <a:t>Controller를</a:t>
+            </a:r>
+            <a:r>
+              <a:rPr sz="1800">
+                <a:latin typeface="맑은 고딕" charset="0"/>
+                <a:ea typeface="맑은 고딕" charset="0"/>
+              </a:rPr>
+              <a:t> </a:t>
+            </a:r>
+            <a:r>
+              <a:rPr sz="1800">
+                <a:latin typeface="맑은 고딕" charset="0"/>
+                <a:ea typeface="맑은 고딕" charset="0"/>
+              </a:rPr>
+              <a:t>생성하고 Bee Animator </a:t>
+            </a:r>
+            <a:r>
+              <a:rPr sz="1800">
+                <a:latin typeface="맑은 고딕" charset="0"/>
+                <a:ea typeface="맑은 고딕" charset="0"/>
+              </a:rPr>
+              <a:t>Cont</a:t>
+            </a:r>
+            <a:r>
+              <a:rPr sz="1800">
+                <a:latin typeface="맑은 고딕" charset="0"/>
+                <a:ea typeface="맑은 고딕" charset="0"/>
+              </a:rPr>
+              <a:t>r</a:t>
+            </a:r>
+            <a:r>
+              <a:rPr sz="1800">
+                <a:latin typeface="맑은 고딕" charset="0"/>
+                <a:ea typeface="맑은 고딕" charset="0"/>
+              </a:rPr>
+              <a:t>oller라</a:t>
+            </a:r>
+            <a:r>
+              <a:rPr lang="ko-KR" sz="1800">
+                <a:latin typeface="맑은 고딕" charset="0"/>
+                <a:ea typeface="맑은 고딕" charset="0"/>
+              </a:rPr>
+              <a:t>는</a:t>
+            </a:r>
+            <a:r>
+              <a:rPr lang="ko-KR" sz="1800">
+                <a:latin typeface="맑은 고딕" charset="0"/>
+                <a:ea typeface="맑은 고딕" charset="0"/>
+              </a:rPr>
+              <a:t> </a:t>
+            </a:r>
+            <a:r>
+              <a:rPr lang="ko-KR" sz="1800">
+                <a:latin typeface="맑은 고딕" charset="0"/>
+                <a:ea typeface="맑은 고딕" charset="0"/>
+              </a:rPr>
+              <a:t>이름으로 정의합니다.</a:t>
+            </a:r>
+            <a:endParaRPr lang="ko-KR" altLang="en-US" sz="1800">
+              <a:latin typeface="맑은 고딕" charset="0"/>
+              <a:ea typeface="맑은 고딕" charset="0"/>
+            </a:endParaRPr>
+          </a:p>
+        </p:txBody>
+      </p:sp>
+      <p:pic>
+        <p:nvPicPr>
+          <p:cNvPr id="112" name="그림 30" descr="C:/Users/Admin1/AppData/Roaming/PolarisOffice/ETemp/5240_7992456/fImage158293115724.png"/>
+          <p:cNvPicPr>
+            <a:picLocks noChangeAspect="1"/>
+          </p:cNvPicPr>
+          <p:nvPr/>
+        </p:nvPicPr>
+        <p:blipFill rotWithShape="1">
+          <a:blip r:embed="rId2" cstate="print">
+            <a:extLst>
+              <a:ext uri="{28A0092B-C50C-407E-A947-70E740481C1C}">
+                <a14:useLocalDpi xmlns:a14="http://schemas.microsoft.com/office/drawing/2010/main" val="0"/>
+              </a:ext>
+            </a:extLst>
+          </a:blip>
+          <a:stretch>
+            <a:fillRect/>
+          </a:stretch>
+        </p:blipFill>
+        <p:spPr>
+          <a:xfrm rot="0">
+            <a:off x="1249045" y="1438275"/>
+            <a:ext cx="4131945" cy="3480435"/>
+          </a:xfrm>
+          <a:prstGeom prst="roundRect"/>
+          <a:solidFill>
+            <a:srgbClr val="EDEDED"/>
+          </a:solidFill>
+        </p:spPr>
+      </p:pic>
+      <p:pic>
+        <p:nvPicPr>
+          <p:cNvPr id="113" name="그림 34" descr="C:/Users/Admin1/AppData/Roaming/PolarisOffice/ETemp/5240_7992456/fImage415713141478.png"/>
+          <p:cNvPicPr>
+            <a:picLocks noChangeAspect="1"/>
+          </p:cNvPicPr>
+          <p:nvPr/>
+        </p:nvPicPr>
+        <p:blipFill rotWithShape="1">
+          <a:blip r:embed="rId3" cstate="hqprint">
+            <a:extLst>
+              <a:ext uri="{28A0092B-C50C-407E-A947-70E740481C1C}">
+                <a14:useLocalDpi xmlns:a14="http://schemas.microsoft.com/office/drawing/2010/main"/>
+              </a:ext>
+            </a:extLst>
+          </a:blip>
+          <a:stretch>
+            <a:fillRect/>
+          </a:stretch>
+        </p:blipFill>
+        <p:spPr>
+          <a:xfrm rot="0">
+            <a:off x="6839585" y="1428750"/>
+            <a:ext cx="4126230" cy="3206115"/>
+          </a:xfrm>
+          <a:prstGeom prst="rect"/>
+          <a:noFill/>
+        </p:spPr>
+      </p:pic>
+    </p:spTree>
+  </p:cSld>
+  <p:clrMapOvr>
+    <a:masterClrMapping/>
+  </p:clrMapOvr>
+  <mc:AlternateContent xmlns:mc="http://schemas.openxmlformats.org/markup-compatibility/2006">
+    <mc:Choice xmlns:p14="http://schemas.microsoft.com/office/powerpoint/2010/main" Requires="p14">
+      <p:transition spd="slow" p14:dur="2000"/>
+    </mc:Choice>
+    <mc:Fallback>
+      <p:transition spd="slow"/>
+    </mc:Fallback>
+  </mc:AlternateContent>
+  <p:timing>
+    <p:tnLst>
+      <p:par>
+        <p:cTn id="1" dur="indefinite" restart="never" nodeType="tmRoot"/>
+      </p:par>
+    </p:tnLst>
+  </p:timing>
+</p:sld>
+</file>
+
+<file path=ppt/slides/slide14.xml><?xml version="1.0" encoding="utf-8"?>
+<p:sld xmlns:a="http://schemas.openxmlformats.org/drawingml/2006/main" xmlns:r="http://schemas.openxmlformats.org/officeDocument/2006/relationships" xmlns:p="http://schemas.openxmlformats.org/presentationml/2006/main">
+  <p:cSld>
+    <p:spTree>
+      <p:nvGrpSpPr>
+        <p:cNvPr id="1" name=""/>
+        <p:cNvGrpSpPr/>
+        <p:nvPr/>
+      </p:nvGrpSpPr>
+      <p:grpSpPr>
+        <a:xfrm>
+          <a:off x="0" y="0"/>
+          <a:ext cx="0" cy="0"/>
+          <a:chOff x="0" y="0"/>
+          <a:chExt cx="0" cy="0"/>
+        </a:xfrm>
+      </p:grpSpPr>
+      <p:sp>
+        <p:nvSpPr>
+          <p:cNvPr id="27" name="Rect 0"/>
+          <p:cNvSpPr txBox="1">
+            <a:spLocks/>
+          </p:cNvSpPr>
+          <p:nvPr/>
+        </p:nvSpPr>
+        <p:spPr>
+          <a:xfrm rot="0">
+            <a:off x="4101465" y="407035"/>
+            <a:ext cx="3987800" cy="478155"/>
+          </a:xfrm>
+          <a:prstGeom prst="rect"/>
+          <a:noFill/>
+          <a:ln w="0">
+            <a:noFill/>
+            <a:prstDash/>
+          </a:ln>
+        </p:spPr>
+        <p:txBody>
+          <a:bodyPr wrap="square" lIns="89535" tIns="46355" rIns="89535" bIns="46355" numCol="1" vert="horz" anchor="t">
+            <a:spAutoFit/>
+          </a:bodyPr>
+          <a:lstStyle/>
+          <a:p>
+            <a:pPr marL="0" indent="0" algn="ctr" latinLnBrk="0" hangingPunct="1">
+              <a:buFontTx/>
+              <a:buNone/>
+            </a:pPr>
+            <a:r>
+              <a:rPr lang="ko-KR" sz="2500" b="1">
+                <a:latin typeface="나눔바른고딕" charset="0"/>
+                <a:ea typeface="나눔바른고딕" charset="0"/>
+              </a:rPr>
+              <a:t>열네</a:t>
+            </a:r>
+            <a:r>
+              <a:rPr lang="ko-KR" sz="2500" b="1">
+                <a:latin typeface="나눔바른고딕" charset="0"/>
+                <a:ea typeface="나눔바른고딕" charset="0"/>
+              </a:rPr>
+              <a:t> 번째 튜토리얼</a:t>
+            </a:r>
+            <a:endParaRPr lang="ko-KR" altLang="en-US" sz="2500" b="1">
+              <a:latin typeface="나눔바른고딕" charset="0"/>
+              <a:ea typeface="나눔바른고딕" charset="0"/>
+            </a:endParaRPr>
+          </a:p>
+        </p:txBody>
+      </p:sp>
+      <p:sp>
+        <p:nvSpPr>
+          <p:cNvPr id="81" name="Rect 0"/>
+          <p:cNvSpPr txBox="1">
+            <a:spLocks/>
+          </p:cNvSpPr>
+          <p:nvPr/>
+        </p:nvSpPr>
+        <p:spPr>
+          <a:xfrm rot="0">
+            <a:off x="1247775" y="5057140"/>
+            <a:ext cx="4145280" cy="954405"/>
+          </a:xfrm>
+          <a:prstGeom prst="rect"/>
+          <a:noFill/>
+          <a:ln w="0">
+            <a:noFill/>
+            <a:prstDash/>
+          </a:ln>
+        </p:spPr>
+        <p:txBody>
+          <a:bodyPr wrap="square" lIns="89535" tIns="46355" rIns="89535" bIns="46355" numCol="1" vert="horz" anchor="t">
+            <a:spAutoFit/>
+          </a:bodyPr>
+          <a:lstStyle/>
+          <a:p>
+            <a:pPr marL="0" indent="0" rtl="0" algn="l" defTabSz="914400" eaLnBrk="1" latinLnBrk="0" hangingPunct="1">
+              <a:buFontTx/>
+              <a:buNone/>
+            </a:pPr>
+            <a:r>
+              <a:rPr lang="ko-KR" sz="2000" b="1">
+                <a:solidFill>
+                  <a:srgbClr val="0611F2"/>
+                </a:solidFill>
+                <a:latin typeface="맑은 고딕" charset="0"/>
+                <a:ea typeface="맑은 고딕" charset="0"/>
+              </a:rPr>
+              <a:t>4</a:t>
+            </a:r>
+            <a:r>
+              <a:rPr lang="ko-KR" sz="2000" b="1">
+                <a:solidFill>
+                  <a:srgbClr val="0611F2"/>
+                </a:solidFill>
+                <a:latin typeface="맑은 고딕" charset="0"/>
+                <a:ea typeface="맑은 고딕" charset="0"/>
+              </a:rPr>
+              <a:t>1</a:t>
+            </a:r>
+            <a:r>
+              <a:rPr sz="2000" b="1">
+                <a:solidFill>
+                  <a:srgbClr val="0611F2"/>
+                </a:solidFill>
+                <a:latin typeface="맑은 고딕" charset="0"/>
+                <a:ea typeface="맑은 고딕" charset="0"/>
+              </a:rPr>
+              <a:t>.</a:t>
+            </a:r>
+            <a:r>
+              <a:rPr sz="2000" b="1">
+                <a:solidFill>
+                  <a:srgbClr val="0611F2"/>
+                </a:solidFill>
+                <a:latin typeface="맑은 고딕" charset="0"/>
+                <a:ea typeface="맑은 고딕" charset="0"/>
+              </a:rPr>
+              <a:t> </a:t>
+            </a:r>
+            <a:r>
+              <a:rPr sz="1800">
+                <a:latin typeface="맑은 고딕" charset="0"/>
+                <a:ea typeface="맑은 고딕" charset="0"/>
+              </a:rPr>
+              <a:t>이제 Texture 폴더 아래에 있는 </a:t>
+            </a:r>
+            <a:r>
+              <a:rPr sz="1800">
+                <a:latin typeface="맑은 고딕" charset="0"/>
+                <a:ea typeface="맑은 고딕" charset="0"/>
+              </a:rPr>
+              <a:t>Game</a:t>
+            </a:r>
+            <a:r>
+              <a:rPr sz="1800">
+                <a:latin typeface="맑은 고딕" charset="0"/>
+                <a:ea typeface="맑은 고딕" charset="0"/>
+              </a:rPr>
+              <a:t> Texture 폴더에 Bee 텍스처를 </a:t>
+            </a:r>
+            <a:r>
+              <a:rPr sz="1800">
+                <a:latin typeface="맑은 고딕" charset="0"/>
+                <a:ea typeface="맑은 고딕" charset="0"/>
+              </a:rPr>
+              <a:t>선택</a:t>
+            </a:r>
+            <a:r>
+              <a:rPr lang="ko-KR" sz="1800">
+                <a:latin typeface="맑은 고딕" charset="0"/>
+                <a:ea typeface="맑은 고딕" charset="0"/>
+              </a:rPr>
+              <a:t>하고</a:t>
+            </a:r>
+            <a:r>
+              <a:rPr lang="ko-KR" sz="1800">
+                <a:latin typeface="맑은 고딕" charset="0"/>
+                <a:ea typeface="맑은 고딕" charset="0"/>
+              </a:rPr>
+              <a:t> </a:t>
+            </a:r>
+            <a:r>
+              <a:rPr lang="ko-KR" sz="1800">
+                <a:latin typeface="맑은 고딕" charset="0"/>
+                <a:ea typeface="맑은 고딕" charset="0"/>
+              </a:rPr>
+              <a:t>Bee 오브젝트에 넣어줍니다.</a:t>
+            </a:r>
+            <a:endParaRPr lang="ko-KR" altLang="en-US" sz="1800">
+              <a:latin typeface="맑은 고딕" charset="0"/>
+              <a:ea typeface="맑은 고딕" charset="0"/>
+            </a:endParaRPr>
+          </a:p>
+        </p:txBody>
+      </p:sp>
+      <p:sp>
+        <p:nvSpPr>
+          <p:cNvPr id="111" name="Rect 0"/>
+          <p:cNvSpPr txBox="1">
+            <a:spLocks/>
+          </p:cNvSpPr>
+          <p:nvPr/>
+        </p:nvSpPr>
+        <p:spPr>
+          <a:xfrm rot="0">
+            <a:off x="6822440" y="5335905"/>
+            <a:ext cx="4126230" cy="677545"/>
+          </a:xfrm>
+          <a:prstGeom prst="rect"/>
+          <a:noFill/>
+          <a:ln w="0">
+            <a:noFill/>
+            <a:prstDash/>
+          </a:ln>
+        </p:spPr>
+        <p:txBody>
+          <a:bodyPr wrap="square" lIns="89535" tIns="46355" rIns="89535" bIns="46355" numCol="1" vert="horz" anchor="t">
+            <a:spAutoFit/>
+          </a:bodyPr>
+          <a:lstStyle/>
+          <a:p>
+            <a:pPr marL="0" indent="0" rtl="0" algn="l" defTabSz="914400" eaLnBrk="1" latinLnBrk="0" hangingPunct="1">
+              <a:buFontTx/>
+              <a:buNone/>
+            </a:pPr>
+            <a:r>
+              <a:rPr lang="ko-KR" sz="2000" b="1">
+                <a:solidFill>
+                  <a:srgbClr val="0611F2"/>
+                </a:solidFill>
+                <a:latin typeface="맑은 고딕" charset="0"/>
+                <a:ea typeface="맑은 고딕" charset="0"/>
+              </a:rPr>
+              <a:t>4</a:t>
+            </a:r>
+            <a:r>
+              <a:rPr lang="ko-KR" sz="2000" b="1">
+                <a:solidFill>
+                  <a:srgbClr val="0611F2"/>
+                </a:solidFill>
+                <a:latin typeface="맑은 고딕" charset="0"/>
+                <a:ea typeface="맑은 고딕" charset="0"/>
+              </a:rPr>
+              <a:t>2</a:t>
+            </a:r>
+            <a:r>
+              <a:rPr sz="2000" b="1">
+                <a:solidFill>
+                  <a:srgbClr val="0611F2"/>
+                </a:solidFill>
+                <a:latin typeface="맑은 고딕" charset="0"/>
+                <a:ea typeface="맑은 고딕" charset="0"/>
+              </a:rPr>
+              <a:t>.</a:t>
+            </a:r>
+            <a:r>
+              <a:rPr sz="2000" b="1">
+                <a:solidFill>
+                  <a:srgbClr val="0611F2"/>
+                </a:solidFill>
+                <a:latin typeface="맑은 고딕" charset="0"/>
+                <a:ea typeface="맑은 고딕" charset="0"/>
+              </a:rPr>
+              <a:t> </a:t>
+            </a:r>
+            <a:r>
+              <a:rPr sz="1800">
+                <a:latin typeface="맑은 고딕" charset="0"/>
+                <a:ea typeface="맑은 고딕" charset="0"/>
+              </a:rPr>
+              <a:t>그리고</a:t>
+            </a:r>
+            <a:r>
+              <a:rPr sz="1800">
+                <a:latin typeface="맑은 고딕" charset="0"/>
+                <a:ea typeface="맑은 고딕" charset="0"/>
+              </a:rPr>
+              <a:t> Window의 Rendering을 </a:t>
+            </a:r>
+            <a:r>
+              <a:rPr sz="1800">
+                <a:latin typeface="맑은 고딕" charset="0"/>
+                <a:ea typeface="맑은 고딕" charset="0"/>
+              </a:rPr>
+              <a:t>선택</a:t>
+            </a:r>
+            <a:r>
+              <a:rPr sz="1800">
+                <a:latin typeface="맑은 고딕" charset="0"/>
+                <a:ea typeface="맑은 고딕" charset="0"/>
+              </a:rPr>
+              <a:t>한</a:t>
+            </a:r>
+            <a:r>
+              <a:rPr sz="1800">
+                <a:latin typeface="맑은 고딕" charset="0"/>
+                <a:ea typeface="맑은 고딕" charset="0"/>
+              </a:rPr>
+              <a:t> </a:t>
+            </a:r>
+            <a:r>
+              <a:rPr sz="1800">
+                <a:latin typeface="맑은 고딕" charset="0"/>
+                <a:ea typeface="맑은 고딕" charset="0"/>
+              </a:rPr>
+              <a:t>다음 Lighting을 선택합니다.</a:t>
+            </a:r>
+            <a:endParaRPr lang="ko-KR" altLang="en-US" sz="1800">
+              <a:latin typeface="맑은 고딕" charset="0"/>
+              <a:ea typeface="맑은 고딕" charset="0"/>
+            </a:endParaRPr>
+          </a:p>
+        </p:txBody>
+      </p:sp>
+      <p:pic>
+        <p:nvPicPr>
+          <p:cNvPr id="114" name="그림 39" descr="C:/Users/Admin1/AppData/Roaming/PolarisOffice/ETemp/5240_7992456/fImage59203239358.png"/>
+          <p:cNvPicPr>
+            <a:picLocks noChangeAspect="1"/>
+          </p:cNvPicPr>
+          <p:nvPr/>
+        </p:nvPicPr>
+        <p:blipFill rotWithShape="1">
+          <a:blip r:embed="rId2" cstate="print">
+            <a:extLst>
+              <a:ext uri="{28A0092B-C50C-407E-A947-70E740481C1C}">
+                <a14:useLocalDpi xmlns:a14="http://schemas.microsoft.com/office/drawing/2010/main" val="0"/>
+              </a:ext>
+            </a:extLst>
+          </a:blip>
+          <a:stretch>
+            <a:fillRect/>
+          </a:stretch>
+        </p:blipFill>
+        <p:spPr>
+          <a:xfrm rot="0">
+            <a:off x="1243965" y="1424940"/>
+            <a:ext cx="2900045" cy="1297305"/>
+          </a:xfrm>
+          <a:prstGeom prst="roundRect"/>
+          <a:solidFill>
+            <a:srgbClr val="EDEDED"/>
+          </a:solidFill>
+        </p:spPr>
+      </p:pic>
+      <p:pic>
+        <p:nvPicPr>
+          <p:cNvPr id="115" name="그림 42" descr="C:/Users/Admin1/AppData/Roaming/PolarisOffice/ETemp/5240_7992456/fImage18133246962.png"/>
+          <p:cNvPicPr>
+            <a:picLocks noChangeAspect="1"/>
+          </p:cNvPicPr>
+          <p:nvPr/>
+        </p:nvPicPr>
+        <p:blipFill rotWithShape="1">
+          <a:blip r:embed="rId3" cstate="print">
+            <a:extLst>
+              <a:ext uri="{28A0092B-C50C-407E-A947-70E740481C1C}">
+                <a14:useLocalDpi xmlns:a14="http://schemas.microsoft.com/office/drawing/2010/main" val="0"/>
+              </a:ext>
+            </a:extLst>
+          </a:blip>
+          <a:stretch>
+            <a:fillRect/>
+          </a:stretch>
+        </p:blipFill>
+        <p:spPr>
+          <a:xfrm rot="0">
+            <a:off x="4573905" y="1644650"/>
+            <a:ext cx="814070" cy="829310"/>
+          </a:xfrm>
+          <a:prstGeom prst="roundRect"/>
+          <a:solidFill>
+            <a:srgbClr val="EDEDED"/>
+          </a:solidFill>
+        </p:spPr>
+      </p:pic>
+      <p:cxnSp>
+        <p:nvCxnSpPr>
+          <p:cNvPr id="116" name="도형 45"/>
+          <p:cNvCxnSpPr>
+            <a:stCxn id="115" idx="1"/>
+          </p:cNvCxnSpPr>
+          <p:nvPr/>
+        </p:nvCxnSpPr>
+        <p:spPr>
+          <a:xfrm rot="0" flipH="1">
+            <a:off x="2627630" y="2058670"/>
+            <a:ext cx="1946910" cy="534670"/>
+          </a:xfrm>
+          <a:prstGeom prst="straightConnector1"/>
+          <a:ln w="6350" cap="flat" cmpd="sng">
+            <a:prstDash/>
+            <a:headEnd type="none" w="med" len="med"/>
+            <a:tailEnd type="triangle" w="med" len="med"/>
+          </a:ln>
+        </p:spPr>
+        <p:style>
+          <a:lnRef idx="1">
+            <a:schemeClr val="accent1"/>
+          </a:lnRef>
+          <a:fillRef idx="0">
+            <a:schemeClr val="accent1"/>
+          </a:fillRef>
+          <a:effectRef idx="0">
+            <a:schemeClr val="accent1"/>
+          </a:effectRef>
+          <a:fontRef idx="minor">
+            <a:schemeClr val="tx1"/>
+          </a:fontRef>
+        </p:style>
+      </p:cxnSp>
+      <p:sp>
+        <p:nvSpPr>
+          <p:cNvPr id="117" name="텍스트 상자 46"/>
+          <p:cNvSpPr txBox="1">
+            <a:spLocks/>
+          </p:cNvSpPr>
+          <p:nvPr/>
+        </p:nvSpPr>
+        <p:spPr>
+          <a:xfrm rot="0">
+            <a:off x="1240790" y="2828925"/>
+            <a:ext cx="4145915" cy="677545"/>
+          </a:xfrm>
+          <a:prstGeom prst="rect"/>
+          <a:noFill/>
+          <a:ln w="0">
+            <a:noFill/>
+            <a:prstDash/>
+          </a:ln>
+        </p:spPr>
+        <p:txBody>
+          <a:bodyPr wrap="square" lIns="89535" tIns="46355" rIns="89535" bIns="46355" numCol="1" vert="horz" anchor="t">
+            <a:spAutoFit/>
+          </a:bodyPr>
+          <a:lstStyle/>
+          <a:p>
+            <a:pPr marL="0" indent="0" rtl="0" algn="l" defTabSz="914400" eaLnBrk="1" latinLnBrk="0" hangingPunct="1">
+              <a:buFontTx/>
+              <a:buNone/>
+            </a:pPr>
+            <a:r>
+              <a:rPr lang="ko-KR" sz="2000" b="1">
+                <a:solidFill>
+                  <a:srgbClr val="0611F2"/>
+                </a:solidFill>
+                <a:latin typeface="맑은 고딕" charset="0"/>
+                <a:ea typeface="맑은 고딕" charset="0"/>
+              </a:rPr>
+              <a:t>4</a:t>
+            </a:r>
+            <a:r>
+              <a:rPr lang="ko-KR" sz="2000" b="1">
+                <a:solidFill>
+                  <a:srgbClr val="0611F2"/>
+                </a:solidFill>
+                <a:latin typeface="맑은 고딕" charset="0"/>
+                <a:ea typeface="맑은 고딕" charset="0"/>
+              </a:rPr>
+              <a:t>0</a:t>
+            </a:r>
+            <a:r>
+              <a:rPr sz="2000" b="1">
+                <a:solidFill>
+                  <a:srgbClr val="0611F2"/>
+                </a:solidFill>
+                <a:latin typeface="맑은 고딕" charset="0"/>
+                <a:ea typeface="맑은 고딕" charset="0"/>
+              </a:rPr>
+              <a:t>.</a:t>
+            </a:r>
+            <a:r>
+              <a:rPr sz="2000" b="1">
+                <a:solidFill>
+                  <a:srgbClr val="0611F2"/>
+                </a:solidFill>
+                <a:latin typeface="맑은 고딕" charset="0"/>
+                <a:ea typeface="맑은 고딕" charset="0"/>
+              </a:rPr>
+              <a:t> </a:t>
+            </a:r>
+            <a:r>
+              <a:rPr sz="1800">
+                <a:latin typeface="맑은 고딕" charset="0"/>
+                <a:ea typeface="맑은 고딕" charset="0"/>
+              </a:rPr>
+              <a:t>그러고 나서 Bee 스크립트를 </a:t>
+            </a:r>
+            <a:r>
+              <a:rPr sz="1800">
+                <a:latin typeface="맑은 고딕" charset="0"/>
+                <a:ea typeface="맑은 고딕" charset="0"/>
+              </a:rPr>
+              <a:t>생성하</a:t>
+            </a:r>
+            <a:r>
+              <a:rPr sz="1800">
+                <a:latin typeface="맑은 고딕" charset="0"/>
+                <a:ea typeface="맑은 고딕" charset="0"/>
+              </a:rPr>
+              <a:t>고</a:t>
+            </a:r>
+            <a:r>
+              <a:rPr sz="1800">
+                <a:latin typeface="맑은 고딕" charset="0"/>
+                <a:ea typeface="맑은 고딕" charset="0"/>
+              </a:rPr>
+              <a:t> </a:t>
+            </a:r>
+            <a:r>
+              <a:rPr sz="1800">
+                <a:latin typeface="맑은 고딕" charset="0"/>
+                <a:ea typeface="맑은 고딕" charset="0"/>
+              </a:rPr>
+              <a:t>Bee 오브젝트에 넣어줍니다.</a:t>
+            </a:r>
+            <a:endParaRPr lang="ko-KR" altLang="en-US" sz="1800">
+              <a:latin typeface="맑은 고딕" charset="0"/>
+              <a:ea typeface="맑은 고딕" charset="0"/>
+            </a:endParaRPr>
+          </a:p>
+        </p:txBody>
+      </p:sp>
+      <p:pic>
+        <p:nvPicPr>
+          <p:cNvPr id="118" name="그림 47" descr="C:/Users/Admin1/AppData/Roaming/PolarisOffice/ETemp/5240_7992456/fImage59203274464.png"/>
+          <p:cNvPicPr>
+            <a:picLocks noChangeAspect="1"/>
+          </p:cNvPicPr>
+          <p:nvPr/>
+        </p:nvPicPr>
+        <p:blipFill rotWithShape="1">
+          <a:blip r:embed="rId4" cstate="print">
+            <a:extLst>
+              <a:ext uri="{28A0092B-C50C-407E-A947-70E740481C1C}">
+                <a14:useLocalDpi xmlns:a14="http://schemas.microsoft.com/office/drawing/2010/main" val="0"/>
+              </a:ext>
+            </a:extLst>
+          </a:blip>
+          <a:stretch>
+            <a:fillRect/>
+          </a:stretch>
+        </p:blipFill>
+        <p:spPr>
+          <a:xfrm rot="0">
+            <a:off x="1252855" y="3667125"/>
+            <a:ext cx="1263015" cy="1269365"/>
+          </a:xfrm>
+          <a:prstGeom prst="roundRect"/>
+          <a:solidFill>
+            <a:srgbClr val="EDEDED"/>
+          </a:solidFill>
+        </p:spPr>
+      </p:pic>
+      <p:pic>
+        <p:nvPicPr>
+          <p:cNvPr id="119" name="그림 48" descr="C:/Users/Admin1/AppData/Roaming/PolarisOffice/ETemp/5240_7992456/fImage128983285705.png"/>
           <p:cNvPicPr>
             <a:picLocks noChangeAspect="1"/>
           </p:cNvPicPr>
@@ -7732,8 +11567,8 @@
         </p:blipFill>
         <p:spPr>
           <a:xfrm rot="0">
-            <a:off x="6814185" y="3931920"/>
-            <a:ext cx="4159885" cy="1489075"/>
+            <a:off x="2679065" y="3677920"/>
+            <a:ext cx="2713990" cy="1249680"/>
           </a:xfrm>
           <a:prstGeom prst="roundRect"/>
           <a:solidFill>
@@ -7741,108 +11576,70 @@
           </a:solidFill>
         </p:spPr>
       </p:pic>
-      <p:sp>
-        <p:nvSpPr>
-          <p:cNvPr id="87" name="텍스트 상자 22"/>
-          <p:cNvSpPr txBox="1">
-            <a:spLocks/>
-          </p:cNvSpPr>
+      <p:cxnSp>
+        <p:nvCxnSpPr>
+          <p:cNvPr id="120" name="도형 53"/>
+          <p:cNvCxnSpPr/>
           <p:nvPr/>
-        </p:nvSpPr>
-        <p:spPr>
-          <a:xfrm rot="0">
-            <a:off x="6815455" y="5546090"/>
-            <a:ext cx="4163695" cy="647065"/>
-          </a:xfrm>
-          <a:prstGeom prst="rect"/>
-          <a:noFill/>
-          <a:ln w="0">
-            <a:noFill/>
+        </p:nvCxnSpPr>
+        <p:spPr>
+          <a:xfrm rot="0" flipH="1">
+            <a:off x="1869440" y="4091305"/>
+            <a:ext cx="896620" cy="638175"/>
+          </a:xfrm>
+          <a:prstGeom prst="straightConnector1"/>
+          <a:ln w="6350" cap="flat" cmpd="sng">
             <a:prstDash/>
+            <a:headEnd type="none" w="med" len="med"/>
+            <a:tailEnd type="triangle" w="med" len="med"/>
           </a:ln>
         </p:spPr>
-        <p:txBody>
-          <a:bodyPr wrap="square" lIns="89535" tIns="46355" rIns="89535" bIns="46355" numCol="1" vert="horz" anchor="t">
-            <a:spAutoFit/>
-          </a:bodyPr>
-          <a:lstStyle/>
-          <a:p>
-            <a:pPr marL="0" indent="0" rtl="0" algn="l" defTabSz="914400" eaLnBrk="1" latinLnBrk="0" hangingPunct="1">
-              <a:buFontTx/>
-              <a:buNone/>
-            </a:pPr>
-            <a:r>
-              <a:rPr sz="1800" b="1">
-                <a:solidFill>
-                  <a:srgbClr val="0611F2"/>
-                </a:solidFill>
-                <a:latin typeface="맑은 고딕" charset="0"/>
-                <a:ea typeface="맑은 고딕" charset="0"/>
-              </a:rPr>
-              <a:t>4</a:t>
-            </a:r>
-            <a:r>
-              <a:rPr lang="ko-KR" sz="1800" b="1">
-                <a:solidFill>
-                  <a:srgbClr val="0611F2"/>
-                </a:solidFill>
-                <a:latin typeface="맑은 고딕" charset="0"/>
-                <a:ea typeface="맑은 고딕" charset="0"/>
-              </a:rPr>
-              <a:t>2</a:t>
-            </a:r>
-            <a:r>
-              <a:rPr sz="1800" b="1">
-                <a:solidFill>
-                  <a:srgbClr val="0611F2"/>
-                </a:solidFill>
-                <a:latin typeface="맑은 고딕" charset="0"/>
-                <a:ea typeface="맑은 고딕" charset="0"/>
-              </a:rPr>
-              <a:t>.</a:t>
-            </a:r>
-            <a:r>
-              <a:rPr sz="1800">
-                <a:latin typeface="맑은 고딕" charset="0"/>
-                <a:ea typeface="맑은 고딕" charset="0"/>
-              </a:rPr>
-              <a:t> </a:t>
-            </a:r>
-            <a:r>
-              <a:rPr lang="ko-KR" sz="1800">
-                <a:latin typeface="맑은 고딕" charset="0"/>
-                <a:ea typeface="맑은 고딕" charset="0"/>
-              </a:rPr>
-              <a:t>그</a:t>
-            </a:r>
-            <a:r>
-              <a:rPr lang="ko-KR" sz="1800">
-                <a:latin typeface="맑은 고딕" charset="0"/>
-                <a:ea typeface="맑은 고딕" charset="0"/>
-              </a:rPr>
-              <a:t>다음</a:t>
-            </a:r>
-            <a:r>
-              <a:rPr lang="ko-KR" sz="1800">
-                <a:latin typeface="맑은 고딕" charset="0"/>
-                <a:ea typeface="맑은 고딕" charset="0"/>
-              </a:rPr>
-              <a:t> Character 오브젝트에 </a:t>
-            </a:r>
-            <a:r>
-              <a:rPr lang="ko-KR" sz="1800">
-                <a:latin typeface="맑은 고딕" charset="0"/>
-                <a:ea typeface="맑은 고딕" charset="0"/>
-              </a:rPr>
-              <a:t>Capsule Collider를 추가합니다.</a:t>
-            </a:r>
-            <a:endParaRPr lang="ko-KR" altLang="en-US" sz="1800">
-              <a:latin typeface="맑은 고딕" charset="0"/>
-              <a:ea typeface="맑은 고딕" charset="0"/>
-            </a:endParaRPr>
-          </a:p>
-        </p:txBody>
-      </p:sp>
+        <p:style>
+          <a:lnRef idx="1">
+            <a:schemeClr val="accent1"/>
+          </a:lnRef>
+          <a:fillRef idx="0">
+            <a:schemeClr val="accent1"/>
+          </a:fillRef>
+          <a:effectRef idx="0">
+            <a:schemeClr val="accent1"/>
+          </a:effectRef>
+          <a:fontRef idx="minor">
+            <a:schemeClr val="tx1"/>
+          </a:fontRef>
+        </p:style>
+      </p:cxnSp>
+      <p:pic>
+        <p:nvPicPr>
+          <p:cNvPr id="121" name="그림 54" descr="C:/Users/Admin1/AppData/Roaming/PolarisOffice/ETemp/5240_7992456/fImage228243308145.png"/>
+          <p:cNvPicPr>
+            <a:picLocks noChangeAspect="1"/>
+          </p:cNvPicPr>
+          <p:nvPr/>
+        </p:nvPicPr>
+        <p:blipFill rotWithShape="1">
+          <a:blip r:embed="rId6" cstate="print">
+            <a:extLst>
+              <a:ext uri="{28A0092B-C50C-407E-A947-70E740481C1C}">
+                <a14:useLocalDpi xmlns:a14="http://schemas.microsoft.com/office/drawing/2010/main" val="0"/>
+              </a:ext>
+            </a:extLst>
+          </a:blip>
+          <a:stretch>
+            <a:fillRect/>
+          </a:stretch>
+        </p:blipFill>
+        <p:spPr>
+          <a:xfrm rot="0">
+            <a:off x="6822440" y="1421130"/>
+            <a:ext cx="4135120" cy="3704590"/>
+          </a:xfrm>
+          <a:prstGeom prst="roundRect"/>
+          <a:solidFill>
+            <a:srgbClr val="EDEDED"/>
+          </a:solidFill>
+        </p:spPr>
+      </p:pic>
     </p:spTree>
   </p:cSld>
   <p:clrMapOvr>
@@ -10387,38 +14184,7 @@
       </p:sp>
       <p:pic>
         <p:nvPicPr>
-          <p:cNvPr id="65" name="그림 11" descr="C:/Users/Admin1/AppData/Roaming/PolarisOffice/ETemp/8912_22674152/fImage21742696334.png"/>
-          <p:cNvPicPr>
-            <a:picLocks noChangeAspect="1"/>
-          </p:cNvPicPr>
-          <p:nvPr/>
-        </p:nvPicPr>
-        <p:blipFill rotWithShape="1">
-          <a:blip r:embed="rId3" cstate="hqprint">
-            <a:extLst>
-              <a:ext uri="{28A0092B-C50C-407E-A947-70E740481C1C}">
-                <a14:useLocalDpi xmlns:a14="http://schemas.microsoft.com/office/drawing/2010/main"/>
-              </a:ext>
-            </a:extLst>
-          </a:blip>
-          <a:stretch>
-            <a:fillRect/>
-          </a:stretch>
-        </p:blipFill>
-        <p:spPr>
-          <a:xfrm rot="0">
-            <a:off x="5781040" y="2001520"/>
-            <a:ext cx="704215" cy="791845"/>
-          </a:xfrm>
-          <a:prstGeom prst="roundRect"/>
-          <a:solidFill>
-            <a:srgbClr val="EDEDED"/>
-          </a:solidFill>
-        </p:spPr>
-      </p:pic>
-      <p:pic>
-        <p:nvPicPr>
-          <p:cNvPr id="68" name="그림 18" descr="C:/Users/Admin1/AppData/Roaming/PolarisOffice/ETemp/8912_22674152/fImage168562729169.png"/>
+          <p:cNvPr id="68" name="그림 18"/>
           <p:cNvPicPr>
             <a:picLocks noChangeAspect="1"/>
           </p:cNvPicPr>
@@ -10548,7 +14314,7 @@
       </p:sp>
       <p:pic>
         <p:nvPicPr>
-          <p:cNvPr id="73" name="그림 44" descr="C:/Users/Admin1/AppData/Roaming/PolarisOffice/ETemp/8912_22674152/fImage108793805705.png"/>
+          <p:cNvPr id="73" name="그림 44"/>
           <p:cNvPicPr>
             <a:picLocks noChangeAspect="1"/>
           </p:cNvPicPr>
@@ -10579,36 +14345,7 @@
       </p:pic>
       <p:pic>
         <p:nvPicPr>
-          <p:cNvPr id="72" name="그림 55" descr="C:/Users/Admin1/AppData/Roaming/PolarisOffice/ETemp/8912_22674152/fImage2242172279169.png"/>
-          <p:cNvPicPr>
-            <a:picLocks noChangeAspect="1"/>
-          </p:cNvPicPr>
-          <p:nvPr/>
-        </p:nvPicPr>
-        <p:blipFill rotWithShape="1">
-          <a:blip r:embed="rId9" cstate="hqprint">
-            <a:extLst>
-              <a:ext uri="{28A0092B-C50C-407E-A947-70E740481C1C}">
-                <a14:useLocalDpi xmlns:a14="http://schemas.microsoft.com/office/drawing/2010/main"/>
-              </a:ext>
-            </a:extLst>
-          </a:blip>
-          <a:stretch>
-            <a:fillRect/>
-          </a:stretch>
-        </p:blipFill>
-        <p:spPr>
-          <a:xfrm rot="16200000">
-            <a:off x="6113780" y="3103880"/>
-            <a:ext cx="496570" cy="387350"/>
-          </a:xfrm>
-          <a:prstGeom prst="rect"/>
-          <a:noFill/>
-        </p:spPr>
-      </p:pic>
-      <p:pic>
-        <p:nvPicPr>
-          <p:cNvPr id="74" name="그림 47" descr="C:/Users/Admin1/AppData/Roaming/PolarisOffice/ETemp/8912_22674152/fImage223883818145.png"/>
+          <p:cNvPr id="74" name="그림 47"/>
           <p:cNvPicPr>
             <a:picLocks noChangeAspect="1"/>
           </p:cNvPicPr>
@@ -10639,7 +14376,7 @@
       </p:pic>
       <p:pic>
         <p:nvPicPr>
-          <p:cNvPr id="75" name="그림 50" descr="C:/Users/Admin1/AppData/Roaming/PolarisOffice/ETemp/8912_22674152/fImage112263823281.png"/>
+          <p:cNvPr id="75" name="그림 50"/>
           <p:cNvPicPr>
             <a:picLocks noChangeAspect="1"/>
           </p:cNvPicPr>
@@ -12783,7 +16520,7 @@
       </p:sp>
       <p:pic>
         <p:nvPicPr>
-          <p:cNvPr id="80" name="그림 23" descr="C:/Users/Admin1/AppData/Roaming/PolarisOffice/ETemp/26132_20377648/fImage47032256334.png"/>
+          <p:cNvPr id="80" name="그림 23"/>
           <p:cNvPicPr>
             <a:picLocks noChangeAspect="1"/>
           </p:cNvPicPr>
@@ -12821,9 +16558,9 @@
           <p:nvPr/>
         </p:nvSpPr>
         <p:spPr>
-          <a:xfrm rot="0">
+          <a:xfrm>
             <a:off x="1238885" y="5453380"/>
-            <a:ext cx="4137025" cy="677545"/>
+            <a:ext cx="4137660" cy="677545"/>
           </a:xfrm>
           <a:prstGeom prst="rect"/>
           <a:noFill/>
@@ -12850,7 +16587,17 @@
                 <a:latin typeface="맑은 고딕" charset="0"/>
                 <a:ea typeface="맑은 고딕" charset="0"/>
               </a:rPr>
-              <a:t>38</a:t>
+              <a:t>2</a:t>
+            </a:r>
+            <a:r>
+              <a:rPr lang="ko-KR" sz="2000" b="1">
+                <a:solidFill>
+                  <a:srgbClr val="0611F2"/>
+                </a:solidFill>
+                <a:latin typeface="맑은 고딕" charset="0"/>
+                <a:ea typeface="맑은 고딕" charset="0"/>
+              </a:rPr>
+              <a:t>4</a:t>
             </a:r>
             <a:r>
               <a:rPr sz="2000" b="1">
@@ -12916,7 +16663,7 @@
       </p:sp>
       <p:pic>
         <p:nvPicPr>
-          <p:cNvPr id="83" name="그림 26" descr="C:/Users/Admin1/AppData/Roaming/PolarisOffice/ETemp/26132_20377648/fImage41143168467.png"/>
+          <p:cNvPr id="83" name="그림 26"/>
           <p:cNvPicPr>
             <a:picLocks noChangeAspect="1"/>
           </p:cNvPicPr>
@@ -12947,7 +16694,7 @@
       </p:pic>
       <p:pic>
         <p:nvPicPr>
-          <p:cNvPr id="84" name="그림 28" descr="C:/Users/Admin1/AppData/Roaming/PolarisOffice/ETemp/26132_20377648/fImage27332579169.png"/>
+          <p:cNvPr id="84" name="그림 28"/>
           <p:cNvPicPr>
             <a:picLocks noChangeAspect="1"/>
           </p:cNvPicPr>
@@ -13149,6 +16896,324 @@
           </a:fontRef>
         </p:style>
       </p:cxnSp>
+      <p:pic>
+        <p:nvPicPr>
+          <p:cNvPr id="87" name="그림 1" descr="C:/Users/Admin1/AppData/Roaming/PolarisOffice/ETemp/4640_5818368/fImage622015741.png"/>
+          <p:cNvPicPr>
+            <a:picLocks noChangeAspect="1"/>
+          </p:cNvPicPr>
+          <p:nvPr/>
+        </p:nvPicPr>
+        <p:blipFill rotWithShape="1">
+          <a:blip r:embed="rId11" cstate="print">
+            <a:extLst>
+              <a:ext uri="{28A0092B-C50C-407E-A947-70E740481C1C}">
+                <a14:useLocalDpi xmlns:a14="http://schemas.microsoft.com/office/drawing/2010/main" val="0"/>
+              </a:ext>
+            </a:extLst>
+          </a:blip>
+          <a:stretch>
+            <a:fillRect/>
+          </a:stretch>
+        </p:blipFill>
+        <p:spPr>
+          <a:xfrm rot="0">
+            <a:off x="6822440" y="1449705"/>
+            <a:ext cx="4143375" cy="1126490"/>
+          </a:xfrm>
+          <a:prstGeom prst="roundRect"/>
+          <a:solidFill>
+            <a:srgbClr val="EDEDED"/>
+          </a:solidFill>
+        </p:spPr>
+      </p:pic>
+      <p:sp>
+        <p:nvSpPr>
+          <p:cNvPr id="88" name="텍스트 상자 4"/>
+          <p:cNvSpPr txBox="1">
+            <a:spLocks/>
+          </p:cNvSpPr>
+          <p:nvPr/>
+        </p:nvSpPr>
+        <p:spPr>
+          <a:xfrm rot="0">
+            <a:off x="6824345" y="2694940"/>
+            <a:ext cx="4142105" cy="647065"/>
+          </a:xfrm>
+          <a:prstGeom prst="rect"/>
+          <a:noFill/>
+          <a:ln w="0">
+            <a:noFill/>
+            <a:prstDash/>
+          </a:ln>
+        </p:spPr>
+        <p:txBody>
+          <a:bodyPr wrap="square" lIns="89535" tIns="46355" rIns="89535" bIns="46355" numCol="1" vert="horz" anchor="t">
+            <a:spAutoFit/>
+          </a:bodyPr>
+          <a:lstStyle/>
+          <a:p>
+            <a:pPr marL="0" indent="0" rtl="0" algn="l" defTabSz="914400" eaLnBrk="1" latinLnBrk="0" hangingPunct="1">
+              <a:buFontTx/>
+              <a:buNone/>
+            </a:pPr>
+            <a:r>
+              <a:rPr sz="1800" b="1">
+                <a:solidFill>
+                  <a:srgbClr val="0611F2"/>
+                </a:solidFill>
+                <a:latin typeface="맑은 고딕" charset="0"/>
+                <a:ea typeface="맑은 고딕" charset="0"/>
+              </a:rPr>
+              <a:t>2</a:t>
+            </a:r>
+            <a:r>
+              <a:rPr sz="1800" b="1">
+                <a:solidFill>
+                  <a:srgbClr val="0611F2"/>
+                </a:solidFill>
+                <a:latin typeface="맑은 고딕" charset="0"/>
+                <a:ea typeface="맑은 고딕" charset="0"/>
+              </a:rPr>
+              <a:t>5</a:t>
+            </a:r>
+            <a:r>
+              <a:rPr sz="1800" b="1">
+                <a:solidFill>
+                  <a:srgbClr val="0611F2"/>
+                </a:solidFill>
+                <a:latin typeface="맑은 고딕" charset="0"/>
+                <a:ea typeface="맑은 고딕" charset="0"/>
+              </a:rPr>
+              <a:t>.</a:t>
+            </a:r>
+            <a:r>
+              <a:rPr sz="1800">
+                <a:latin typeface="맑은 고딕" charset="0"/>
+                <a:ea typeface="맑은 고딕" charset="0"/>
+              </a:rPr>
+              <a:t> </a:t>
+            </a:r>
+            <a:r>
+              <a:rPr lang="ko-KR" sz="1800">
+                <a:latin typeface="맑은 고딕" charset="0"/>
+                <a:ea typeface="맑은 고딕" charset="0"/>
+              </a:rPr>
+              <a:t>그다음 Character 오브젝트에 </a:t>
+            </a:r>
+            <a:r>
+              <a:rPr lang="ko-KR" sz="1800">
+                <a:latin typeface="맑은 고딕" charset="0"/>
+                <a:ea typeface="맑은 고딕" charset="0"/>
+              </a:rPr>
+              <a:t>Capsule</a:t>
+            </a:r>
+            <a:r>
+              <a:rPr lang="ko-KR" sz="1800">
+                <a:latin typeface="맑은 고딕" charset="0"/>
+                <a:ea typeface="맑은 고딕" charset="0"/>
+              </a:rPr>
+              <a:t> </a:t>
+            </a:r>
+            <a:r>
+              <a:rPr lang="ko-KR" sz="1800">
+                <a:latin typeface="맑은 고딕" charset="0"/>
+                <a:ea typeface="맑은 고딕" charset="0"/>
+              </a:rPr>
+              <a:t>Collider를</a:t>
+            </a:r>
+            <a:r>
+              <a:rPr lang="ko-KR" sz="1800">
+                <a:latin typeface="맑은 고딕" charset="0"/>
+                <a:ea typeface="맑은 고딕" charset="0"/>
+              </a:rPr>
+              <a:t> 추가합니다.</a:t>
+            </a:r>
+            <a:endParaRPr lang="ko-KR" altLang="en-US" sz="1800">
+              <a:latin typeface="맑은 고딕" charset="0"/>
+              <a:ea typeface="맑은 고딕" charset="0"/>
+            </a:endParaRPr>
+          </a:p>
+        </p:txBody>
+      </p:sp>
+      <p:pic>
+        <p:nvPicPr>
+          <p:cNvPr id="89" name="그림 5" descr="C:/Users/Admin1/AppData/Roaming/PolarisOffice/ETemp/4640_5818368/fImage38391598467.png"/>
+          <p:cNvPicPr>
+            <a:picLocks noChangeAspect="1"/>
+          </p:cNvPicPr>
+          <p:nvPr/>
+        </p:nvPicPr>
+        <p:blipFill rotWithShape="1">
+          <a:blip r:embed="rId12" cstate="print">
+            <a:extLst>
+              <a:ext uri="{28A0092B-C50C-407E-A947-70E740481C1C}">
+                <a14:useLocalDpi xmlns:a14="http://schemas.microsoft.com/office/drawing/2010/main" val="0"/>
+              </a:ext>
+            </a:extLst>
+          </a:blip>
+          <a:stretch>
+            <a:fillRect/>
+          </a:stretch>
+        </p:blipFill>
+        <p:spPr>
+          <a:xfrm rot="0">
+            <a:off x="6826250" y="3583305"/>
+            <a:ext cx="1753870" cy="1723390"/>
+          </a:xfrm>
+          <a:prstGeom prst="roundRect"/>
+          <a:solidFill>
+            <a:srgbClr val="EDEDED"/>
+          </a:solidFill>
+        </p:spPr>
+      </p:pic>
+      <p:pic>
+        <p:nvPicPr>
+          <p:cNvPr id="90" name="그림 8" descr="C:/Users/Admin1/AppData/Roaming/PolarisOffice/ETemp/4640_5818368/fImage109091606334.png"/>
+          <p:cNvPicPr>
+            <a:picLocks noChangeAspect="1"/>
+          </p:cNvPicPr>
+          <p:nvPr/>
+        </p:nvPicPr>
+        <p:blipFill rotWithShape="1">
+          <a:blip r:embed="rId13" cstate="print">
+            <a:extLst>
+              <a:ext uri="{28A0092B-C50C-407E-A947-70E740481C1C}">
+                <a14:useLocalDpi xmlns:a14="http://schemas.microsoft.com/office/drawing/2010/main" val="0"/>
+              </a:ext>
+            </a:extLst>
+          </a:blip>
+          <a:stretch>
+            <a:fillRect/>
+          </a:stretch>
+        </p:blipFill>
+        <p:spPr>
+          <a:xfrm rot="0">
+            <a:off x="8785860" y="3572510"/>
+            <a:ext cx="2179955" cy="1734185"/>
+          </a:xfrm>
+          <a:prstGeom prst="roundRect"/>
+          <a:solidFill>
+            <a:srgbClr val="EDEDED"/>
+          </a:solidFill>
+        </p:spPr>
+      </p:pic>
+      <p:sp>
+        <p:nvSpPr>
+          <p:cNvPr id="91" name="텍스트 상자 11"/>
+          <p:cNvSpPr txBox="1">
+            <a:spLocks/>
+          </p:cNvSpPr>
+          <p:nvPr/>
+        </p:nvSpPr>
+        <p:spPr>
+          <a:xfrm rot="0">
+            <a:off x="6818630" y="5488305"/>
+            <a:ext cx="4142105" cy="647065"/>
+          </a:xfrm>
+          <a:prstGeom prst="rect"/>
+          <a:noFill/>
+          <a:ln w="0">
+            <a:noFill/>
+            <a:prstDash/>
+          </a:ln>
+        </p:spPr>
+        <p:txBody>
+          <a:bodyPr wrap="square" lIns="89535" tIns="46355" rIns="89535" bIns="46355" numCol="1" vert="horz" anchor="t">
+            <a:spAutoFit/>
+          </a:bodyPr>
+          <a:lstStyle/>
+          <a:p>
+            <a:pPr marL="0" indent="0" rtl="0" algn="l" defTabSz="914400" eaLnBrk="1" latinLnBrk="0" hangingPunct="1">
+              <a:buFontTx/>
+              <a:buNone/>
+            </a:pPr>
+            <a:r>
+              <a:rPr sz="1800" b="1">
+                <a:solidFill>
+                  <a:srgbClr val="0611F2"/>
+                </a:solidFill>
+                <a:latin typeface="맑은 고딕" charset="0"/>
+                <a:ea typeface="맑은 고딕" charset="0"/>
+              </a:rPr>
+              <a:t>2</a:t>
+            </a:r>
+            <a:r>
+              <a:rPr lang="ko-KR" sz="1800" b="1">
+                <a:solidFill>
+                  <a:srgbClr val="0611F2"/>
+                </a:solidFill>
+                <a:latin typeface="맑은 고딕" charset="0"/>
+                <a:ea typeface="맑은 고딕" charset="0"/>
+              </a:rPr>
+              <a:t>6</a:t>
+            </a:r>
+            <a:r>
+              <a:rPr sz="1800" b="1">
+                <a:solidFill>
+                  <a:srgbClr val="0611F2"/>
+                </a:solidFill>
+                <a:latin typeface="맑은 고딕" charset="0"/>
+                <a:ea typeface="맑은 고딕" charset="0"/>
+              </a:rPr>
+              <a:t>.</a:t>
+            </a:r>
+            <a:r>
+              <a:rPr sz="1800">
+                <a:latin typeface="맑은 고딕" charset="0"/>
+                <a:ea typeface="맑은 고딕" charset="0"/>
+              </a:rPr>
+              <a:t> </a:t>
+            </a:r>
+            <a:r>
+              <a:rPr lang="ko-KR" sz="1800">
+                <a:latin typeface="맑은 고딕" charset="0"/>
+                <a:ea typeface="맑은 고딕" charset="0"/>
+              </a:rPr>
+              <a:t>그런 다음 Character 오브젝트를 </a:t>
+            </a:r>
+            <a:r>
+              <a:rPr lang="ko-KR" sz="1800">
+                <a:latin typeface="맑은 고딕" charset="0"/>
+                <a:ea typeface="맑은 고딕" charset="0"/>
+              </a:rPr>
+              <a:t>선택하고</a:t>
+            </a:r>
+            <a:r>
+              <a:rPr lang="ko-KR" sz="1800">
+                <a:latin typeface="맑은 고딕" charset="0"/>
+                <a:ea typeface="맑은 고딕" charset="0"/>
+              </a:rPr>
+              <a:t> </a:t>
+            </a:r>
+            <a:r>
+              <a:rPr lang="ko-KR" sz="1800">
+                <a:latin typeface="맑은 고딕" charset="0"/>
+                <a:ea typeface="맑은 고딕" charset="0"/>
+              </a:rPr>
+              <a:t>Add Tag...를</a:t>
+            </a:r>
+            <a:r>
+              <a:rPr lang="ko-KR" sz="1800">
+                <a:latin typeface="맑은 고딕" charset="0"/>
+                <a:ea typeface="맑은 고딕" charset="0"/>
+              </a:rPr>
+              <a:t> </a:t>
+            </a:r>
+            <a:r>
+              <a:rPr lang="ko-KR" sz="1800">
+                <a:latin typeface="맑은 고딕" charset="0"/>
+                <a:ea typeface="맑은 고딕" charset="0"/>
+              </a:rPr>
+              <a:t>선택합니다.</a:t>
+            </a:r>
+            <a:endParaRPr lang="ko-KR" altLang="en-US" sz="1800">
+              <a:latin typeface="맑은 고딕" charset="0"/>
+              <a:ea typeface="맑은 고딕" charset="0"/>
+            </a:endParaRPr>
+          </a:p>
+        </p:txBody>
+      </p:sp>
     </p:spTree>
   </p:cSld>
   <p:clrMapOvr>

--- a/Assets/Class/Photon Server/PPT Data/Photon Game.pptx
+++ b/Assets/Class/Photon Server/PPT Data/Photon Game.pptx
@@ -2,26 +2,28 @@
 <file path=ppt/presentation.xml><?xml version="1.0" encoding="utf-8"?>
 <p:presentation xmlns:a="http://schemas.openxmlformats.org/drawingml/2006/main" xmlns:r="http://schemas.openxmlformats.org/officeDocument/2006/relationships" xmlns:p="http://schemas.openxmlformats.org/presentationml/2006/main" xmlns:p14="http://schemas.microsoft.com/office/powerpoint/2010/main" saveSubsetFonts="1" firstSlideNum="0">
   <p:sldMasterIdLst>
-    <p:sldMasterId id="2147486978" r:id="rId12"/>
+    <p:sldMasterId id="2147486993" r:id="rId12"/>
   </p:sldMasterIdLst>
   <p:notesMasterIdLst>
     <p:notesMasterId r:id="rId14"/>
   </p:notesMasterIdLst>
   <p:sldIdLst>
     <p:sldId id="309" r:id="rId16"/>
-    <p:sldId id="307" r:id="rId18"/>
-    <p:sldId id="327" r:id="rId20"/>
-    <p:sldId id="326" r:id="rId22"/>
-    <p:sldId id="320" r:id="rId24"/>
+    <p:sldId id="307" r:id="rId17"/>
+    <p:sldId id="327" r:id="rId19"/>
+    <p:sldId id="326" r:id="rId21"/>
+    <p:sldId id="320" r:id="rId23"/>
     <p:sldId id="328" r:id="rId25"/>
     <p:sldId id="321" r:id="rId27"/>
     <p:sldId id="329" r:id="rId29"/>
     <p:sldId id="322" r:id="rId31"/>
-    <p:sldId id="330" r:id="rId33"/>
-    <p:sldId id="331" r:id="rId35"/>
-    <p:sldId id="332" r:id="rId37"/>
-    <p:sldId id="333" r:id="rId38"/>
-    <p:sldId id="334" r:id="rId39"/>
+    <p:sldId id="330" r:id="rId32"/>
+    <p:sldId id="331" r:id="rId33"/>
+    <p:sldId id="332" r:id="rId34"/>
+    <p:sldId id="333" r:id="rId35"/>
+    <p:sldId id="334" r:id="rId36"/>
+    <p:sldId id="335" r:id="rId37"/>
+    <p:sldId id="336" r:id="rId38"/>
   </p:sldIdLst>
   <p:sldSz cx="12192000" cy="6858000"/>
   <p:notesSz cx="6858000" cy="9144000"/>
@@ -1332,6 +1334,290 @@
 </p:notes>
 </file>
 
+<file path=ppt/notesSlides/notesSlide15.xml><?xml version="1.0" encoding="utf-8"?>
+<p:notes xmlns:a="http://schemas.openxmlformats.org/drawingml/2006/main" xmlns:r="http://schemas.openxmlformats.org/officeDocument/2006/relationships" xmlns:p="http://schemas.openxmlformats.org/presentationml/2006/main">
+  <p:cSld>
+    <p:spTree>
+      <p:nvGrpSpPr>
+        <p:cNvPr id="1" name=""/>
+        <p:cNvGrpSpPr/>
+        <p:nvPr/>
+      </p:nvGrpSpPr>
+      <p:grpSpPr>
+        <a:xfrm>
+          <a:off x="0" y="0"/>
+          <a:ext cx="0" cy="0"/>
+          <a:chOff x="0" y="0"/>
+          <a:chExt cx="0" cy="0"/>
+        </a:xfrm>
+      </p:grpSpPr>
+      <p:sp>
+        <p:nvSpPr>
+          <p:cNvPr id="2" name="슬라이드 이미지 개체 틀 3"/>
+          <p:cNvSpPr>
+            <a:spLocks noChangeAspect="1"/>
+          </p:cNvSpPr>
+          <p:nvPr>
+            <p:ph type="sldImg" idx="2"/>
+          </p:nvPr>
+        </p:nvSpPr>
+        <p:spPr>
+          <a:xfrm rot="0">
+            <a:off x="685800" y="1143000"/>
+            <a:ext cx="5495925" cy="3095625"/>
+          </a:xfrm>
+          <a:prstGeom prst="rect"/>
+          <a:noFill/>
+          <a:ln w="12700" cap="flat" cmpd="sng">
+            <a:solidFill>
+              <a:srgbClr val="000000">
+                <a:alpha val="100000"/>
+              </a:srgbClr>
+            </a:solidFill>
+            <a:prstDash val="solid"/>
+          </a:ln>
+        </p:spPr>
+        <p:txBody>
+          <a:bodyPr wrap="square" lIns="91440" tIns="45720" rIns="91440" bIns="45720" numCol="1" vert="horz" anchor="ctr">
+            <a:noAutofit/>
+          </a:bodyPr>
+          <a:lstStyle/>
+          <a:p>
+            <a:pPr marL="0" indent="0" latinLnBrk="0">
+              <a:buFontTx/>
+              <a:buNone/>
+            </a:pPr>
+          </a:p>
+        </p:txBody>
+      </p:sp>
+      <p:sp>
+        <p:nvSpPr>
+          <p:cNvPr id="3" name="슬라이드 노트 개체 틀 4"/>
+          <p:cNvSpPr txBox="1">
+            <a:spLocks/>
+          </p:cNvSpPr>
+          <p:nvPr>
+            <p:ph type="body" idx="3"/>
+          </p:nvPr>
+        </p:nvSpPr>
+        <p:spPr>
+          <a:xfrm rot="0">
+            <a:off x="685800" y="4400550"/>
+            <a:ext cx="5495925" cy="3609975"/>
+          </a:xfrm>
+          <a:prstGeom prst="rect"/>
+        </p:spPr>
+        <p:txBody>
+          <a:bodyPr wrap="square" lIns="91440" tIns="45720" rIns="91440" bIns="45720" numCol="1" vert="horz" anchor="t">
+            <a:noAutofit/>
+          </a:bodyPr>
+          <a:lstStyle/>
+          <a:p>
+            <a:pPr marL="0" indent="0" latinLnBrk="0">
+              <a:buFontTx/>
+              <a:buNone/>
+            </a:pPr>
+          </a:p>
+        </p:txBody>
+      </p:sp>
+      <p:sp>
+        <p:nvSpPr>
+          <p:cNvPr id="4" name="슬라이드 번호 개체 틀 6"/>
+          <p:cNvSpPr txBox="1">
+            <a:spLocks/>
+          </p:cNvSpPr>
+          <p:nvPr>
+            <p:ph type="sldNum" idx="5"/>
+          </p:nvPr>
+        </p:nvSpPr>
+        <p:spPr>
+          <a:xfrm rot="0">
+            <a:off x="3884930" y="8685530"/>
+            <a:ext cx="2981325" cy="467995"/>
+          </a:xfrm>
+          <a:prstGeom prst="rect"/>
+        </p:spPr>
+        <p:txBody>
+          <a:bodyPr wrap="square" lIns="91440" tIns="45720" rIns="91440" bIns="45720" numCol="1" vert="horz" anchor="b">
+            <a:noAutofit/>
+          </a:bodyPr>
+          <a:lstStyle>
+            <a:lvl1pPr marL="0" indent="0" algn="r" latinLnBrk="0">
+              <a:buFontTx/>
+              <a:buNone/>
+              <a:defRPr lang="en-GB" altLang="en-US" sz="1200"/>
+            </a:lvl1pPr>
+          </a:lstStyle>
+          <a:p>
+            <a:pPr marL="0" indent="0" latinLnBrk="0">
+              <a:buFontTx/>
+              <a:buNone/>
+            </a:pPr>
+            <a:fld id="{B9320F77-B9A0-41C5-862A-B4B631284C64}" type="slidenum">
+              <a:rPr lang="ko-KR" altLang="en-US"/>
+              <a:t>‹#›</a:t>
+            </a:fld>
+          </a:p>
+        </p:txBody>
+      </p:sp>
+    </p:spTree>
+  </p:cSld>
+  <p:clrMapOvr>
+    <a:masterClrMapping/>
+  </p:clrMapOvr>
+  <mc:AlternateContent xmlns:mc="http://schemas.openxmlformats.org/markup-compatibility/2006">
+    <mc:Choice xmlns:p14="http://schemas.microsoft.com/office/powerpoint/2010/main" Requires="p14">
+      <p:transition spd="slow" p14:dur="0"/>
+    </mc:Choice>
+    <mc:Fallback>
+      <p:transition spd="slow"/>
+    </mc:Fallback>
+  </mc:AlternateContent>
+</p:notes>
+</file>
+
+<file path=ppt/notesSlides/notesSlide16.xml><?xml version="1.0" encoding="utf-8"?>
+<p:notes xmlns:a="http://schemas.openxmlformats.org/drawingml/2006/main" xmlns:r="http://schemas.openxmlformats.org/officeDocument/2006/relationships" xmlns:p="http://schemas.openxmlformats.org/presentationml/2006/main">
+  <p:cSld>
+    <p:spTree>
+      <p:nvGrpSpPr>
+        <p:cNvPr id="1" name=""/>
+        <p:cNvGrpSpPr/>
+        <p:nvPr/>
+      </p:nvGrpSpPr>
+      <p:grpSpPr>
+        <a:xfrm>
+          <a:off x="0" y="0"/>
+          <a:ext cx="0" cy="0"/>
+          <a:chOff x="0" y="0"/>
+          <a:chExt cx="0" cy="0"/>
+        </a:xfrm>
+      </p:grpSpPr>
+      <p:sp>
+        <p:nvSpPr>
+          <p:cNvPr id="2" name="슬라이드 이미지 개체 틀 3"/>
+          <p:cNvSpPr>
+            <a:spLocks noChangeAspect="1"/>
+          </p:cNvSpPr>
+          <p:nvPr>
+            <p:ph type="sldImg" idx="2"/>
+          </p:nvPr>
+        </p:nvSpPr>
+        <p:spPr>
+          <a:xfrm rot="0">
+            <a:off x="685800" y="1143000"/>
+            <a:ext cx="5495925" cy="3095625"/>
+          </a:xfrm>
+          <a:prstGeom prst="rect"/>
+          <a:noFill/>
+          <a:ln w="12700" cap="flat" cmpd="sng">
+            <a:solidFill>
+              <a:srgbClr val="000000">
+                <a:alpha val="100000"/>
+              </a:srgbClr>
+            </a:solidFill>
+            <a:prstDash val="solid"/>
+          </a:ln>
+        </p:spPr>
+        <p:txBody>
+          <a:bodyPr wrap="square" lIns="91440" tIns="45720" rIns="91440" bIns="45720" numCol="1" vert="horz" anchor="ctr">
+            <a:noAutofit/>
+          </a:bodyPr>
+          <a:lstStyle/>
+          <a:p>
+            <a:pPr marL="0" indent="0" latinLnBrk="0">
+              <a:buFontTx/>
+              <a:buNone/>
+            </a:pPr>
+          </a:p>
+        </p:txBody>
+      </p:sp>
+      <p:sp>
+        <p:nvSpPr>
+          <p:cNvPr id="3" name="슬라이드 노트 개체 틀 4"/>
+          <p:cNvSpPr txBox="1">
+            <a:spLocks/>
+          </p:cNvSpPr>
+          <p:nvPr>
+            <p:ph type="body" idx="3"/>
+          </p:nvPr>
+        </p:nvSpPr>
+        <p:spPr>
+          <a:xfrm rot="0">
+            <a:off x="685800" y="4400550"/>
+            <a:ext cx="5495925" cy="3609975"/>
+          </a:xfrm>
+          <a:prstGeom prst="rect"/>
+        </p:spPr>
+        <p:txBody>
+          <a:bodyPr wrap="square" lIns="91440" tIns="45720" rIns="91440" bIns="45720" numCol="1" vert="horz" anchor="t">
+            <a:noAutofit/>
+          </a:bodyPr>
+          <a:lstStyle/>
+          <a:p>
+            <a:pPr marL="0" indent="0" latinLnBrk="0">
+              <a:buFontTx/>
+              <a:buNone/>
+            </a:pPr>
+          </a:p>
+        </p:txBody>
+      </p:sp>
+      <p:sp>
+        <p:nvSpPr>
+          <p:cNvPr id="4" name="슬라이드 번호 개체 틀 6"/>
+          <p:cNvSpPr txBox="1">
+            <a:spLocks/>
+          </p:cNvSpPr>
+          <p:nvPr>
+            <p:ph type="sldNum" idx="5"/>
+          </p:nvPr>
+        </p:nvSpPr>
+        <p:spPr>
+          <a:xfrm rot="0">
+            <a:off x="3884930" y="8685530"/>
+            <a:ext cx="2981325" cy="467995"/>
+          </a:xfrm>
+          <a:prstGeom prst="rect"/>
+        </p:spPr>
+        <p:txBody>
+          <a:bodyPr wrap="square" lIns="91440" tIns="45720" rIns="91440" bIns="45720" numCol="1" vert="horz" anchor="b">
+            <a:noAutofit/>
+          </a:bodyPr>
+          <a:lstStyle>
+            <a:lvl1pPr marL="0" indent="0" algn="r" latinLnBrk="0">
+              <a:buFontTx/>
+              <a:buNone/>
+              <a:defRPr lang="en-GB" altLang="en-US" sz="1200"/>
+            </a:lvl1pPr>
+          </a:lstStyle>
+          <a:p>
+            <a:pPr marL="0" indent="0" latinLnBrk="0">
+              <a:buFontTx/>
+              <a:buNone/>
+            </a:pPr>
+            <a:fld id="{B9320F77-B9A0-41C5-862A-B4B631284C64}" type="slidenum">
+              <a:rPr lang="ko-KR" altLang="en-US"/>
+              <a:t>‹#›</a:t>
+            </a:fld>
+          </a:p>
+        </p:txBody>
+      </p:sp>
+    </p:spTree>
+  </p:cSld>
+  <p:clrMapOvr>
+    <a:masterClrMapping/>
+  </p:clrMapOvr>
+  <mc:AlternateContent xmlns:mc="http://schemas.openxmlformats.org/markup-compatibility/2006">
+    <mc:Choice xmlns:p14="http://schemas.microsoft.com/office/powerpoint/2010/main" Requires="p14">
+      <p:transition spd="slow" p14:dur="0"/>
+    </mc:Choice>
+    <mc:Fallback>
+      <p:transition spd="slow"/>
+    </mc:Fallback>
+  </mc:AlternateContent>
+</p:notes>
+</file>
+
 <file path=ppt/notesSlides/notesSlide2.xml><?xml version="1.0" encoding="utf-8"?>
 <p:notes xmlns:a="http://schemas.openxmlformats.org/drawingml/2006/main" xmlns:r="http://schemas.openxmlformats.org/officeDocument/2006/relationships" xmlns:p="http://schemas.openxmlformats.org/presentationml/2006/main">
   <p:cSld>
@@ -7620,7 +7906,7 @@
       </p:sp>
       <p:pic>
         <p:nvPicPr>
-          <p:cNvPr id="28" name="그림 12" descr="C:/Users/Admin1/AppData/Roaming/PolarisOffice/ETemp/8912_22674152/fImage89511486334.png"/>
+          <p:cNvPr id="28" name="그림 12"/>
           <p:cNvPicPr>
             <a:picLocks noChangeAspect="1"/>
           </p:cNvPicPr>
@@ -7660,7 +7946,7 @@
         <p:spPr>
           <a:xfrm rot="0">
             <a:off x="6813550" y="4319270"/>
-            <a:ext cx="4135120" cy="1784985"/>
+            <a:ext cx="4135755" cy="1785620"/>
           </a:xfrm>
           <a:prstGeom prst="rect"/>
           <a:noFill/>
@@ -7687,7 +7973,7 @@
                 <a:latin typeface="맑은 고딕" charset="0"/>
                 <a:ea typeface="맑은 고딕" charset="0"/>
               </a:rPr>
-              <a:t>3</a:t>
+              <a:t>3.</a:t>
             </a:r>
             <a:r>
               <a:rPr sz="2000" b="1">
@@ -7697,16 +7983,6 @@
                 <a:latin typeface="맑은 고딕" charset="0"/>
                 <a:ea typeface="맑은 고딕" charset="0"/>
               </a:rPr>
-              <a:t>.</a:t>
-            </a:r>
-            <a:r>
-              <a:rPr sz="2000" b="1">
-                <a:solidFill>
-                  <a:srgbClr val="0611F2"/>
-                </a:solidFill>
-                <a:latin typeface="맑은 고딕" charset="0"/>
-                <a:ea typeface="맑은 고딕" charset="0"/>
-              </a:rPr>
               <a:t> </a:t>
             </a:r>
             <a:r>
@@ -7735,28 +8011,7 @@
                 <a:latin typeface="맑은 고딕" charset="0"/>
                 <a:ea typeface="맑은 고딕" charset="0"/>
               </a:rPr>
-              <a:t> </a:t>
-            </a:r>
-            <a:r>
-              <a:rPr lang="ko-KR" sz="1800">
-                <a:latin typeface="맑은 고딕" charset="0"/>
-                <a:ea typeface="맑은 고딕" charset="0"/>
-              </a:rPr>
-              <a:t>View</a:t>
-            </a:r>
-            <a:r>
-              <a:rPr lang="ko-KR" sz="1800">
-                <a:latin typeface="맑은 고딕" charset="0"/>
-                <a:ea typeface="맑은 고딕" charset="0"/>
-              </a:rPr>
-              <a:t> 컴포넌트를 </a:t>
-            </a:r>
-            <a:r>
-              <a:rPr lang="ko-KR" sz="1800">
-                <a:latin typeface="맑은 고딕" charset="0"/>
-                <a:ea typeface="맑은 고딕" charset="0"/>
-              </a:rPr>
-              <a:t>추가합니다.</a:t>
+              <a:t> View 컴포넌트를 추가합니다.</a:t>
             </a:r>
             <a:endParaRPr lang="ko-KR" altLang="en-US" sz="1800">
               <a:latin typeface="맑은 고딕" charset="0"/>
@@ -7790,14 +8045,7 @@
                 <a:latin typeface="맑은 고딕" charset="0"/>
                 <a:ea typeface="맑은 고딕" charset="0"/>
               </a:rPr>
-              <a:t> Photon</a:t>
-            </a:r>
-            <a:r>
-              <a:rPr lang="ko-KR" sz="1800">
-                <a:latin typeface="맑은 고딕" charset="0"/>
-                <a:ea typeface="맑은 고딕" charset="0"/>
-              </a:rPr>
-              <a:t> View를 추가하게 되면 </a:t>
+              <a:t> Photon View를 추가하게 되면 </a:t>
             </a:r>
             <a:r>
               <a:rPr lang="ko-KR" sz="1800">
@@ -7811,21 +8059,7 @@
                 <a:latin typeface="맑은 고딕" charset="0"/>
                 <a:ea typeface="맑은 고딕" charset="0"/>
               </a:rPr>
-              <a:t> </a:t>
-            </a:r>
-            <a:r>
-              <a:rPr lang="ko-KR" sz="1800">
-                <a:latin typeface="맑은 고딕" charset="0"/>
-                <a:ea typeface="맑은 고딕" charset="0"/>
-              </a:rPr>
-              <a:t>네트워크에</a:t>
-            </a:r>
-            <a:r>
-              <a:rPr lang="ko-KR" sz="1800">
-                <a:latin typeface="맑은 고딕" charset="0"/>
-                <a:ea typeface="맑은 고딕" charset="0"/>
-              </a:rPr>
-              <a:t> 연결(동기화)될 수 </a:t>
+              <a:t> 네트워크에 연결(동기화)될 수 </a:t>
             </a:r>
             <a:r>
               <a:rPr lang="ko-KR" sz="1800">
@@ -7839,21 +8073,7 @@
                 <a:latin typeface="맑은 고딕" charset="0"/>
                 <a:ea typeface="맑은 고딕" charset="0"/>
               </a:rPr>
-              <a:t> </a:t>
-            </a:r>
-            <a:r>
-              <a:rPr lang="ko-KR" sz="1800">
-                <a:latin typeface="맑은 고딕" charset="0"/>
-                <a:ea typeface="맑은 고딕" charset="0"/>
-              </a:rPr>
-              <a:t>객체가</a:t>
-            </a:r>
-            <a:r>
-              <a:rPr lang="ko-KR" sz="1800">
-                <a:latin typeface="맑은 고딕" charset="0"/>
-                <a:ea typeface="맑은 고딕" charset="0"/>
-              </a:rPr>
-              <a:t> 됩니다.</a:t>
+              <a:t> 객체가 됩니다.</a:t>
             </a:r>
             <a:endParaRPr lang="ko-KR" altLang="en-US" sz="1800">
               <a:latin typeface="맑은 고딕" charset="0"/>
@@ -7864,7 +8084,7 @@
       </p:sp>
       <p:pic>
         <p:nvPicPr>
-          <p:cNvPr id="33" name="그림 9" descr="C:/Users/Admin1/AppData/Roaming/PolarisOffice/ETemp/8912_22674152/fImage22052236334.png"/>
+          <p:cNvPr id="33" name="그림 9"/>
           <p:cNvPicPr>
             <a:picLocks noChangeAspect="1"/>
           </p:cNvPicPr>
@@ -8029,7 +8249,7 @@
       </p:sp>
       <p:pic>
         <p:nvPicPr>
-          <p:cNvPr id="38" name="그림 1" descr="C:/Users/Admin1/AppData/Roaming/PolarisOffice/ETemp/8912_22674152/fImage764925541.png"/>
+          <p:cNvPr id="38" name="그림 1"/>
           <p:cNvPicPr>
             <a:picLocks noChangeAspect="1"/>
           </p:cNvPicPr>
@@ -8060,7 +8280,7 @@
       </p:pic>
       <p:pic>
         <p:nvPicPr>
-          <p:cNvPr id="39" name="그림 5" descr="C:/Users/Admin1/AppData/Roaming/PolarisOffice/ETemp/8912_22674152/fImage53662568467.png"/>
+          <p:cNvPr id="39" name="그림 5"/>
           <p:cNvPicPr>
             <a:picLocks noChangeAspect="1"/>
           </p:cNvPicPr>
@@ -8091,7 +8311,7 @@
       </p:pic>
       <p:pic>
         <p:nvPicPr>
-          <p:cNvPr id="35" name="그림 14" descr="C:/Users/Admin1/AppData/Roaming/PolarisOffice/ETemp/8912_22674152/fImage2242172279169.png"/>
+          <p:cNvPr id="35" name="그림 14"/>
           <p:cNvPicPr>
             <a:picLocks noChangeAspect="1"/>
           </p:cNvPicPr>
@@ -8120,7 +8340,7 @@
       </p:pic>
       <p:pic>
         <p:nvPicPr>
-          <p:cNvPr id="40" name="그림 8" descr="C:/Users/Admin1/AppData/Roaming/PolarisOffice/ETemp/8912_22674152/fImage53662576334.png"/>
+          <p:cNvPr id="40" name="그림 8"/>
           <p:cNvPicPr>
             <a:picLocks noChangeAspect="1"/>
           </p:cNvPicPr>
@@ -8208,7 +8428,7 @@
 </file>
 
 <file path=ppt/slides/slide10.xml><?xml version="1.0" encoding="utf-8"?>
-<p:sld xmlns:a="http://schemas.openxmlformats.org/drawingml/2006/main" xmlns:r="http://schemas.openxmlformats.org/officeDocument/2006/relationships" xmlns:p="http://schemas.openxmlformats.org/presentationml/2006/main">
+<p:sld xmlns:a="http://schemas.openxmlformats.org/drawingml/2006/main" xmlns:r="http://schemas.openxmlformats.org/officeDocument/2006/relationships" xmlns:p="http://schemas.openxmlformats.org/presentationml/2006/main" xmlns:p14="http://schemas.microsoft.com/office/powerpoint/2010/main">
   <p:cSld>
     <p:spTree>
       <p:nvGrpSpPr>
@@ -8285,8 +8505,8 @@
         </p:nvSpPr>
         <p:spPr>
           <a:xfrm rot="0">
-            <a:off x="1238885" y="5444490"/>
-            <a:ext cx="4137025" cy="677545"/>
+            <a:off x="1238885" y="5177155"/>
+            <a:ext cx="4137660" cy="954405"/>
           </a:xfrm>
           <a:prstGeom prst="rect"/>
           <a:noFill/>
@@ -8313,7 +8533,7 @@
                 <a:latin typeface="맑은 고딕" charset="0"/>
                 <a:ea typeface="맑은 고딕" charset="0"/>
               </a:rPr>
-              <a:t>28</a:t>
+              <a:t>27</a:t>
             </a:r>
             <a:r>
               <a:rPr sz="2000" b="1">
@@ -8340,28 +8560,21 @@
                 <a:latin typeface="맑은 고딕" charset="0"/>
                 <a:ea typeface="맑은 고딕" charset="0"/>
               </a:rPr>
-              <a:t>이제 Character 라는 태그 이름을 </a:t>
+              <a:t>그러고 나서 UI에 Button을 </a:t>
             </a:r>
             <a:r>
               <a:rPr sz="1800">
                 <a:latin typeface="맑은 고딕" charset="0"/>
                 <a:ea typeface="맑은 고딕" charset="0"/>
               </a:rPr>
-              <a:t>정의</a:t>
-            </a:r>
-            <a:r>
-              <a:rPr sz="1800">
-                <a:latin typeface="맑은 고딕" charset="0"/>
-                <a:ea typeface="맑은 고딕" charset="0"/>
-              </a:rPr>
-              <a:t>하</a:t>
-            </a:r>
-            <a:r>
-              <a:rPr lang="ko-KR" sz="1800">
-                <a:latin typeface="맑은 고딕" charset="0"/>
-                <a:ea typeface="맑은 고딕" charset="0"/>
-              </a:rPr>
-              <a:t>고</a:t>
+              <a:t>생성</a:t>
+            </a:r>
+            <a:r>
+              <a:rPr lang="ko-KR" sz="1800">
+                <a:latin typeface="맑은 고딕" charset="0"/>
+                <a:ea typeface="맑은 고딕" charset="0"/>
+              </a:rPr>
+              <a:t>한</a:t>
             </a:r>
             <a:r>
               <a:rPr lang="ko-KR" sz="1800">
@@ -8375,14 +8588,35 @@
                 <a:latin typeface="맑은 고딕" charset="0"/>
                 <a:ea typeface="맑은 고딕" charset="0"/>
               </a:rPr>
-              <a:t>저장합니다</a:t>
-            </a:r>
-            <a:r>
-              <a:rPr sz="1800">
-                <a:latin typeface="맑은 고딕" charset="0"/>
-                <a:ea typeface="맑은 고딕" charset="0"/>
-              </a:rPr>
-              <a:t>.</a:t>
+              <a:t>다음 Hone Button이라는 </a:t>
+            </a:r>
+            <a:r>
+              <a:rPr lang="ko-KR" sz="1800">
+                <a:latin typeface="맑은 고딕" charset="0"/>
+                <a:ea typeface="맑은 고딕" charset="0"/>
+              </a:rPr>
+              <a:t>이름으</a:t>
+            </a:r>
+            <a:r>
+              <a:rPr lang="ko-KR" sz="1800">
+                <a:latin typeface="맑은 고딕" charset="0"/>
+                <a:ea typeface="맑은 고딕" charset="0"/>
+              </a:rPr>
+              <a:t>로</a:t>
+            </a:r>
+            <a:r>
+              <a:rPr lang="ko-KR" sz="1800">
+                <a:latin typeface="맑은 고딕" charset="0"/>
+                <a:ea typeface="맑은 고딕" charset="0"/>
+              </a:rPr>
+              <a:t> </a:t>
+            </a:r>
+            <a:r>
+              <a:rPr lang="ko-KR" sz="1800">
+                <a:latin typeface="맑은 고딕" charset="0"/>
+                <a:ea typeface="맑은 고딕" charset="0"/>
+              </a:rPr>
+              <a:t>정의합니다.</a:t>
             </a:r>
             <a:endParaRPr lang="ko-KR" altLang="en-US" sz="1800">
               <a:latin typeface="맑은 고딕" charset="0"/>
@@ -8391,125 +8625,6 @@
           </a:p>
         </p:txBody>
       </p:sp>
-      <p:sp>
-        <p:nvSpPr>
-          <p:cNvPr id="85" name="Rect 0"/>
-          <p:cNvSpPr txBox="1">
-            <a:spLocks/>
-          </p:cNvSpPr>
-          <p:nvPr/>
-        </p:nvSpPr>
-        <p:spPr>
-          <a:xfrm rot="0">
-            <a:off x="1232535" y="3517900"/>
-            <a:ext cx="4146550" cy="677545"/>
-          </a:xfrm>
-          <a:prstGeom prst="rect"/>
-          <a:noFill/>
-          <a:ln w="0">
-            <a:noFill/>
-            <a:prstDash/>
-          </a:ln>
-        </p:spPr>
-        <p:txBody>
-          <a:bodyPr wrap="square" lIns="89535" tIns="46355" rIns="89535" bIns="46355" numCol="1" vert="horz" anchor="t">
-            <a:spAutoFit/>
-          </a:bodyPr>
-          <a:lstStyle/>
-          <a:p>
-            <a:pPr marL="0" indent="0" rtl="0" algn="l" defTabSz="914400" eaLnBrk="1" latinLnBrk="0" hangingPunct="1">
-              <a:buFontTx/>
-              <a:buNone/>
-            </a:pPr>
-            <a:r>
-              <a:rPr lang="ko-KR" sz="2000" b="1">
-                <a:solidFill>
-                  <a:srgbClr val="0611F2"/>
-                </a:solidFill>
-                <a:latin typeface="맑은 고딕" charset="0"/>
-                <a:ea typeface="맑은 고딕" charset="0"/>
-              </a:rPr>
-              <a:t>27</a:t>
-            </a:r>
-            <a:r>
-              <a:rPr sz="2000" b="1">
-                <a:solidFill>
-                  <a:srgbClr val="0611F2"/>
-                </a:solidFill>
-                <a:latin typeface="맑은 고딕" charset="0"/>
-                <a:ea typeface="맑은 고딕" charset="0"/>
-              </a:rPr>
-              <a:t>.</a:t>
-            </a:r>
-            <a:r>
-              <a:rPr sz="2000" b="1">
-                <a:solidFill>
-                  <a:srgbClr val="0611F2"/>
-                </a:solidFill>
-                <a:latin typeface="맑은 고딕" charset="0"/>
-                <a:ea typeface="맑은 고딕" charset="0"/>
-              </a:rPr>
-              <a:t> </a:t>
-            </a:r>
-            <a:r>
-              <a:rPr sz="1800">
-                <a:latin typeface="맑은 고딕" charset="0"/>
-                <a:ea typeface="맑은 고딕" charset="0"/>
-              </a:rPr>
-              <a:t>그러고 나서 Tags에 태그를 </a:t>
-            </a:r>
-            <a:r>
-              <a:rPr sz="1800">
-                <a:latin typeface="맑은 고딕" charset="0"/>
-                <a:ea typeface="맑은 고딕" charset="0"/>
-              </a:rPr>
-              <a:t>추가</a:t>
-            </a:r>
-            <a:r>
-              <a:rPr lang="ko-KR" sz="1800">
-                <a:latin typeface="맑은 고딕" charset="0"/>
-                <a:ea typeface="맑은 고딕" charset="0"/>
-              </a:rPr>
-              <a:t>합니다.</a:t>
-            </a:r>
-            <a:endParaRPr lang="ko-KR" altLang="en-US" sz="1800">
-              <a:latin typeface="맑은 고딕" charset="0"/>
-              <a:ea typeface="맑은 고딕" charset="0"/>
-            </a:endParaRPr>
-          </a:p>
-        </p:txBody>
-      </p:sp>
-      <p:pic>
-        <p:nvPicPr>
-          <p:cNvPr id="90" name="Picture " descr="C:/Users/Admin1/AppData/Roaming/PolarisOffice/ETemp/4640_5818368/fImage109092446500.png"/>
-          <p:cNvPicPr>
-            <a:picLocks noChangeAspect="1"/>
-          </p:cNvPicPr>
-          <p:nvPr/>
-        </p:nvPicPr>
-        <p:blipFill rotWithShape="1">
-          <a:blip r:embed="rId2" cstate="print">
-            <a:extLst>
-              <a:ext uri="{28A0092B-C50C-407E-A947-70E740481C1C}">
-                <a14:useLocalDpi xmlns:a14="http://schemas.microsoft.com/office/drawing/2010/main" val="0"/>
-              </a:ext>
-            </a:extLst>
-          </a:blip>
-          <a:stretch>
-            <a:fillRect/>
-          </a:stretch>
-        </p:blipFill>
-        <p:spPr>
-          <a:xfrm rot="0">
-            <a:off x="8743315" y="1438275"/>
-            <a:ext cx="2222500" cy="1336040"/>
-          </a:xfrm>
-          <a:prstGeom prst="roundRect"/>
-          <a:solidFill>
-            <a:srgbClr val="EDEDED"/>
-          </a:solidFill>
-        </p:spPr>
-      </p:pic>
       <p:sp>
         <p:nvSpPr>
           <p:cNvPr id="91" name="Rect 0"/>
@@ -8520,8 +8635,8 @@
         </p:nvSpPr>
         <p:spPr>
           <a:xfrm rot="0">
-            <a:off x="6822440" y="2886710"/>
-            <a:ext cx="4135120" cy="647065"/>
+            <a:off x="6839585" y="2912745"/>
+            <a:ext cx="4135755" cy="647065"/>
           </a:xfrm>
           <a:prstGeom prst="rect"/>
           <a:noFill/>
@@ -8558,7 +8673,7 @@
                 <a:latin typeface="맑은 고딕" charset="0"/>
                 <a:ea typeface="맑은 고딕" charset="0"/>
               </a:rPr>
-              <a:t>9</a:t>
+              <a:t>8</a:t>
             </a:r>
             <a:r>
               <a:rPr sz="1800" b="1">
@@ -8582,14 +8697,14 @@
                 <a:latin typeface="맑은 고딕" charset="0"/>
                 <a:ea typeface="맑은 고딕" charset="0"/>
               </a:rPr>
-              <a:t>그리고 Character 오브젝트의 </a:t>
-            </a:r>
-            <a:r>
-              <a:rPr lang="ko-KR" sz="1800">
-                <a:latin typeface="맑은 고딕" charset="0"/>
-                <a:ea typeface="맑은 고딕" charset="0"/>
-              </a:rPr>
-              <a:t>Tag를</a:t>
+              <a:t>이제 Home Button의 앵커를 </a:t>
+            </a:r>
+            <a:r>
+              <a:rPr lang="ko-KR" sz="1800">
+                <a:latin typeface="맑은 고딕" charset="0"/>
+                <a:ea typeface="맑은 고딕" charset="0"/>
+              </a:rPr>
+              <a:t>지정하고</a:t>
             </a:r>
             <a:r>
               <a:rPr lang="ko-KR" sz="1800">
@@ -8603,7 +8718,7 @@
                 <a:latin typeface="맑은 고딕" charset="0"/>
                 <a:ea typeface="맑은 고딕" charset="0"/>
               </a:rPr>
-              <a:t>Character로 설정합니다.</a:t>
+              <a:t>위치와 크기를 설정합니다.</a:t>
             </a:r>
             <a:endParaRPr lang="ko-KR" altLang="en-US" sz="1800">
               <a:latin typeface="맑은 고딕" charset="0"/>
@@ -8614,100 +8729,7 @@
       </p:sp>
       <p:pic>
         <p:nvPicPr>
-          <p:cNvPr id="92" name="그림 12" descr="C:/Users/Admin1/AppData/Roaming/PolarisOffice/ETemp/4640_5818368/fImage34512499169.png"/>
-          <p:cNvPicPr>
-            <a:picLocks noChangeAspect="1"/>
-          </p:cNvPicPr>
-          <p:nvPr/>
-        </p:nvPicPr>
-        <p:blipFill rotWithShape="1">
-          <a:blip r:embed="rId3" cstate="print">
-            <a:extLst>
-              <a:ext uri="{28A0092B-C50C-407E-A947-70E740481C1C}">
-                <a14:useLocalDpi xmlns:a14="http://schemas.microsoft.com/office/drawing/2010/main" val="0"/>
-              </a:ext>
-            </a:extLst>
-          </a:blip>
-          <a:stretch>
-            <a:fillRect/>
-          </a:stretch>
-        </p:blipFill>
-        <p:spPr>
-          <a:xfrm rot="0">
-            <a:off x="1236345" y="4332605"/>
-            <a:ext cx="4130675" cy="999490"/>
-          </a:xfrm>
-          <a:prstGeom prst="roundRect"/>
-          <a:solidFill>
-            <a:srgbClr val="EDEDED"/>
-          </a:solidFill>
-        </p:spPr>
-      </p:pic>
-      <p:pic>
-        <p:nvPicPr>
-          <p:cNvPr id="93" name="그림 16" descr="C:/Users/Admin1/AppData/Roaming/PolarisOffice/ETemp/4640_5818368/fImage122812515724.png"/>
-          <p:cNvPicPr>
-            <a:picLocks noChangeAspect="1"/>
-          </p:cNvPicPr>
-          <p:nvPr/>
-        </p:nvPicPr>
-        <p:blipFill rotWithShape="1">
-          <a:blip r:embed="rId4" cstate="print">
-            <a:extLst>
-              <a:ext uri="{28A0092B-C50C-407E-A947-70E740481C1C}">
-                <a14:useLocalDpi xmlns:a14="http://schemas.microsoft.com/office/drawing/2010/main" val="0"/>
-              </a:ext>
-            </a:extLst>
-          </a:blip>
-          <a:stretch>
-            <a:fillRect/>
-          </a:stretch>
-        </p:blipFill>
-        <p:spPr>
-          <a:xfrm rot="0">
-            <a:off x="1240790" y="1438275"/>
-            <a:ext cx="4135120" cy="1964690"/>
-          </a:xfrm>
-          <a:prstGeom prst="roundRect"/>
-          <a:solidFill>
-            <a:srgbClr val="EDEDED"/>
-          </a:solidFill>
-        </p:spPr>
-      </p:pic>
-      <p:pic>
-        <p:nvPicPr>
-          <p:cNvPr id="94" name="그림 19" descr="C:/Users/Admin1/AppData/Roaming/PolarisOffice/ETemp/4640_5818368/fImage44532521478.png"/>
-          <p:cNvPicPr>
-            <a:picLocks noChangeAspect="1"/>
-          </p:cNvPicPr>
-          <p:nvPr/>
-        </p:nvPicPr>
-        <p:blipFill rotWithShape="1">
-          <a:blip r:embed="rId5" cstate="print">
-            <a:extLst>
-              <a:ext uri="{28A0092B-C50C-407E-A947-70E740481C1C}">
-                <a14:useLocalDpi xmlns:a14="http://schemas.microsoft.com/office/drawing/2010/main" val="0"/>
-              </a:ext>
-            </a:extLst>
-          </a:blip>
-          <a:stretch>
-            <a:fillRect/>
-          </a:stretch>
-        </p:blipFill>
-        <p:spPr>
-          <a:xfrm rot="0">
-            <a:off x="6822440" y="1447165"/>
-            <a:ext cx="1714500" cy="1318260"/>
-          </a:xfrm>
-          <a:prstGeom prst="roundRect"/>
-          <a:solidFill>
-            <a:srgbClr val="EDEDED"/>
-          </a:solidFill>
-        </p:spPr>
-      </p:pic>
-      <p:pic>
-        <p:nvPicPr>
-          <p:cNvPr id="96" name="그림 25" descr="C:/Users/Admin1/AppData/Roaming/PolarisOffice/ETemp/4640_5818368/fImage22592549358.png"/>
+          <p:cNvPr id="96" name="그림 25"/>
           <p:cNvPicPr>
             <a:picLocks noChangeAspect="1"/>
           </p:cNvPicPr>
@@ -8747,7 +8769,7 @@
         <p:spPr>
           <a:xfrm rot="0">
             <a:off x="6813550" y="5207000"/>
-            <a:ext cx="4143375" cy="923925"/>
+            <a:ext cx="4169410" cy="923925"/>
           </a:xfrm>
           <a:prstGeom prst="rect"/>
           <a:noFill/>
@@ -8774,7 +8796,7 @@
                 <a:latin typeface="맑은 고딕" charset="0"/>
                 <a:ea typeface="맑은 고딕" charset="0"/>
               </a:rPr>
-              <a:t>3</a:t>
+              <a:t>2</a:t>
             </a:r>
             <a:r>
               <a:rPr lang="ko-KR" sz="1800" b="1">
@@ -8784,7 +8806,7 @@
                 <a:latin typeface="맑은 고딕" charset="0"/>
                 <a:ea typeface="맑은 고딕" charset="0"/>
               </a:rPr>
-              <a:t>0</a:t>
+              <a:t>9</a:t>
             </a:r>
             <a:r>
               <a:rPr sz="1800" b="1">
@@ -8808,7 +8830,7 @@
                 <a:latin typeface="맑은 고딕" charset="0"/>
                 <a:ea typeface="맑은 고딕" charset="0"/>
               </a:rPr>
-              <a:t>그런 다음 CameraShake </a:t>
+              <a:t>그리고 CameraShake </a:t>
             </a:r>
             <a:r>
               <a:rPr lang="ko-KR" sz="1800">
@@ -8829,21 +8851,35 @@
                 <a:latin typeface="맑은 고딕" charset="0"/>
                 <a:ea typeface="맑은 고딕" charset="0"/>
               </a:rPr>
-              <a:t>생성한 다음 Main Camera </a:t>
-            </a:r>
-            <a:r>
-              <a:rPr lang="ko-KR" sz="1800">
-                <a:latin typeface="맑은 고딕" charset="0"/>
-                <a:ea typeface="맑은 고딕" charset="0"/>
-              </a:rPr>
-              <a:t>오브젝트</a:t>
-            </a:r>
-            <a:r>
-              <a:rPr lang="ko-KR" sz="1800">
-                <a:latin typeface="맑은 고딕" charset="0"/>
-                <a:ea typeface="맑은 고딕" charset="0"/>
-              </a:rPr>
-              <a:t>에</a:t>
+              <a:t>생성한</a:t>
+            </a:r>
+            <a:r>
+              <a:rPr lang="ko-KR" sz="1800">
+                <a:latin typeface="맑은 고딕" charset="0"/>
+                <a:ea typeface="맑은 고딕" charset="0"/>
+              </a:rPr>
+              <a:t> </a:t>
+            </a:r>
+            <a:r>
+              <a:rPr lang="ko-KR" sz="1800">
+                <a:latin typeface="맑은 고딕" charset="0"/>
+                <a:ea typeface="맑은 고딕" charset="0"/>
+              </a:rPr>
+              <a:t>다음</a:t>
+            </a:r>
+            <a:r>
+              <a:rPr lang="ko-KR" sz="1800">
+                <a:latin typeface="맑은 고딕" charset="0"/>
+                <a:ea typeface="맑은 고딕" charset="0"/>
+              </a:rPr>
+              <a:t> Main Camera </a:t>
+            </a:r>
+            <a:r>
+              <a:rPr lang="ko-KR" sz="1800">
+                <a:latin typeface="맑은 고딕" charset="0"/>
+                <a:ea typeface="맑은 고딕" charset="0"/>
+              </a:rPr>
+              <a:t>오브젝트에</a:t>
             </a:r>
             <a:r>
               <a:rPr lang="ko-KR" sz="1800">
@@ -8868,17 +8904,17 @@
       </p:sp>
       <p:pic>
         <p:nvPicPr>
-          <p:cNvPr id="98" name="그림 29" descr="C:/Users/Admin1/AppData/Roaming/PolarisOffice/ETemp/4640_5818368/fImage128252566962.png"/>
+          <p:cNvPr id="98" name="그림 29" descr="C:/Users/Admin1/AppData/Roaming/PolarisOffice/ETemp/27904_14353328/fImage128252566962.png"/>
           <p:cNvPicPr>
             <a:picLocks noChangeAspect="1"/>
           </p:cNvPicPr>
           <p:nvPr/>
         </p:nvPicPr>
         <p:blipFill rotWithShape="1">
-          <a:blip r:embed="rId7" cstate="print">
+          <a:blip r:embed="rId7" cstate="hqprint">
             <a:extLst>
               <a:ext uri="{28A0092B-C50C-407E-A947-70E740481C1C}">
-                <a14:useLocalDpi xmlns:a14="http://schemas.microsoft.com/office/drawing/2010/main" val="0"/>
+                <a14:useLocalDpi xmlns:a14="http://schemas.microsoft.com/office/drawing/2010/main"/>
               </a:ext>
             </a:extLst>
           </a:blip>
@@ -8888,8 +8924,8 @@
         </p:blipFill>
         <p:spPr>
           <a:xfrm rot="0">
-            <a:off x="6833870" y="3686810"/>
-            <a:ext cx="3020695" cy="1344295"/>
+            <a:off x="6833870" y="3677920"/>
+            <a:ext cx="3021330" cy="1344930"/>
           </a:xfrm>
           <a:prstGeom prst="roundRect"/>
           <a:solidFill>
@@ -8932,6 +8968,99 @@
           </a:fontRef>
         </p:style>
       </p:cxnSp>
+      <p:pic>
+        <p:nvPicPr>
+          <p:cNvPr id="100" name="그림 21" descr="C:/Users/Admin1/AppData/Roaming/PolarisOffice/ETemp/27904_14353328/fImage713232441.png"/>
+          <p:cNvPicPr>
+            <a:picLocks noChangeAspect="1"/>
+          </p:cNvPicPr>
+          <p:nvPr/>
+        </p:nvPicPr>
+        <p:blipFill rotWithShape="1">
+          <a:blip r:embed="rId9" cstate="print">
+            <a:extLst>
+              <a:ext uri="{28A0092B-C50C-407E-A947-70E740481C1C}">
+                <a14:useLocalDpi xmlns:a14="http://schemas.microsoft.com/office/drawing/2010/main" val="0"/>
+              </a:ext>
+            </a:extLst>
+          </a:blip>
+          <a:stretch>
+            <a:fillRect/>
+          </a:stretch>
+        </p:blipFill>
+        <p:spPr>
+          <a:xfrm rot="0">
+            <a:off x="4134485" y="2239010"/>
+            <a:ext cx="1241425" cy="1956435"/>
+          </a:xfrm>
+          <a:prstGeom prst="roundRect"/>
+          <a:solidFill>
+            <a:srgbClr val="EDEDED"/>
+          </a:solidFill>
+        </p:spPr>
+      </p:pic>
+      <p:pic>
+        <p:nvPicPr>
+          <p:cNvPr id="101" name="그림 25" descr="C:/Users/Admin1/AppData/Roaming/PolarisOffice/ETemp/27904_14353328/fImage265923278467.png"/>
+          <p:cNvPicPr>
+            <a:picLocks noChangeAspect="1"/>
+          </p:cNvPicPr>
+          <p:nvPr/>
+        </p:nvPicPr>
+        <p:blipFill rotWithShape="1">
+          <a:blip r:embed="rId10" cstate="hqprint">
+            <a:extLst>
+              <a:ext uri="{28A0092B-C50C-407E-A947-70E740481C1C}">
+                <a14:useLocalDpi xmlns:a14="http://schemas.microsoft.com/office/drawing/2010/main"/>
+              </a:ext>
+            </a:extLst>
+          </a:blip>
+          <a:stretch>
+            <a:fillRect/>
+          </a:stretch>
+        </p:blipFill>
+        <p:spPr>
+          <a:xfrm rot="0">
+            <a:off x="1240790" y="1447165"/>
+            <a:ext cx="2766060" cy="3540760"/>
+          </a:xfrm>
+          <a:prstGeom prst="roundRect"/>
+          <a:solidFill>
+            <a:srgbClr val="EDEDED"/>
+          </a:solidFill>
+        </p:spPr>
+      </p:pic>
+      <p:pic>
+        <p:nvPicPr>
+          <p:cNvPr id="102" name="그림 26" descr="C:/Users/Admin1/AppData/Roaming/PolarisOffice/ETemp/27904_14353328/fImage117643286334.png"/>
+          <p:cNvPicPr>
+            <a:picLocks noChangeAspect="1"/>
+          </p:cNvPicPr>
+          <p:nvPr/>
+        </p:nvPicPr>
+        <p:blipFill rotWithShape="1">
+          <a:blip r:embed="rId11" cstate="print">
+            <a:extLst>
+              <a:ext uri="{28A0092B-C50C-407E-A947-70E740481C1C}">
+                <a14:useLocalDpi xmlns:a14="http://schemas.microsoft.com/office/drawing/2010/main" val="0"/>
+              </a:ext>
+            </a:extLst>
+          </a:blip>
+          <a:stretch>
+            <a:fillRect/>
+          </a:stretch>
+        </p:blipFill>
+        <p:spPr>
+          <a:xfrm rot="0">
+            <a:off x="6805295" y="1438275"/>
+            <a:ext cx="4177665" cy="1370330"/>
+          </a:xfrm>
+          <a:prstGeom prst="roundRect"/>
+          <a:solidFill>
+            <a:srgbClr val="EDEDED"/>
+          </a:solidFill>
+        </p:spPr>
+      </p:pic>
     </p:spTree>
   </p:cSld>
   <p:clrMapOvr>
@@ -8956,7 +9085,7 @@
 </file>
 
 <file path=ppt/slides/slide11.xml><?xml version="1.0" encoding="utf-8"?>
-<p:sld xmlns:a="http://schemas.openxmlformats.org/drawingml/2006/main" xmlns:r="http://schemas.openxmlformats.org/officeDocument/2006/relationships" xmlns:p="http://schemas.openxmlformats.org/presentationml/2006/main">
+<p:sld xmlns:a="http://schemas.openxmlformats.org/drawingml/2006/main" xmlns:r="http://schemas.openxmlformats.org/officeDocument/2006/relationships" xmlns:p="http://schemas.openxmlformats.org/presentationml/2006/main" xmlns:p14="http://schemas.microsoft.com/office/powerpoint/2010/main">
   <p:cSld>
     <p:spTree>
       <p:nvGrpSpPr>
@@ -9032,9 +9161,9 @@
           <p:nvPr/>
         </p:nvSpPr>
         <p:spPr>
-          <a:xfrm rot="0">
+          <a:xfrm>
             <a:off x="1238885" y="5186680"/>
-            <a:ext cx="4137025" cy="954405"/>
+            <a:ext cx="4137660" cy="954405"/>
           </a:xfrm>
           <a:prstGeom prst="rect"/>
           <a:noFill/>
@@ -9061,17 +9190,7 @@
                 <a:latin typeface="맑은 고딕" charset="0"/>
                 <a:ea typeface="맑은 고딕" charset="0"/>
               </a:rPr>
-              <a:t>3</a:t>
-            </a:r>
-            <a:r>
-              <a:rPr lang="ko-KR" sz="2000" b="1">
-                <a:solidFill>
-                  <a:srgbClr val="0611F2"/>
-                </a:solidFill>
-                <a:latin typeface="맑은 고딕" charset="0"/>
-                <a:ea typeface="맑은 고딕" charset="0"/>
-              </a:rPr>
-              <a:t>2</a:t>
+              <a:t>31</a:t>
             </a:r>
             <a:r>
               <a:rPr sz="2000" b="1">
@@ -9098,35 +9217,35 @@
                 <a:latin typeface="맑은 고딕" charset="0"/>
                 <a:ea typeface="맑은 고딕" charset="0"/>
               </a:rPr>
-              <a:t>그러고 나서 Start( ) 함수에서 </a:t>
+              <a:t>그다음으로 Start( ) 함수에서 </a:t>
             </a:r>
             <a:r>
               <a:rPr sz="1800">
                 <a:latin typeface="맑은 고딕" charset="0"/>
                 <a:ea typeface="맑은 고딕" charset="0"/>
               </a:rPr>
-              <a:t>direct</a:t>
+              <a:t>direction</a:t>
             </a:r>
             <a:r>
               <a:rPr sz="1800">
                 <a:latin typeface="맑은 고딕" charset="0"/>
                 <a:ea typeface="맑은 고딕" charset="0"/>
               </a:rPr>
-              <a:t>i</a:t>
+              <a:t> </a:t>
             </a:r>
             <a:r>
               <a:rPr sz="1800">
                 <a:latin typeface="맑은 고딕" charset="0"/>
                 <a:ea typeface="맑은 고딕" charset="0"/>
               </a:rPr>
-              <a:t>on</a:t>
+              <a:t>변수에</a:t>
             </a:r>
             <a:r>
               <a:rPr sz="1800">
                 <a:latin typeface="맑은 고딕" charset="0"/>
                 <a:ea typeface="맑은 고딕" charset="0"/>
               </a:rPr>
-              <a:t> 변수에 자신의 지역 위치</a:t>
+              <a:t> 자신의 지역 위치</a:t>
             </a:r>
             <a:r>
               <a:rPr lang="ko-KR" sz="1800">
@@ -9179,9 +9298,9 @@
           <p:nvPr/>
         </p:nvSpPr>
         <p:spPr>
-          <a:xfrm rot="0">
+          <a:xfrm>
             <a:off x="1241425" y="2957830"/>
-            <a:ext cx="4117340" cy="954405"/>
+            <a:ext cx="4117975" cy="954405"/>
           </a:xfrm>
           <a:prstGeom prst="rect"/>
           <a:noFill/>
@@ -9208,17 +9327,7 @@
                 <a:latin typeface="맑은 고딕" charset="0"/>
                 <a:ea typeface="맑은 고딕" charset="0"/>
               </a:rPr>
-              <a:t>3</a:t>
-            </a:r>
-            <a:r>
-              <a:rPr lang="ko-KR" sz="2000" b="1">
-                <a:solidFill>
-                  <a:srgbClr val="0611F2"/>
-                </a:solidFill>
-                <a:latin typeface="맑은 고딕" charset="0"/>
-                <a:ea typeface="맑은 고딕" charset="0"/>
-              </a:rPr>
-              <a:t>1</a:t>
+              <a:t>30</a:t>
             </a:r>
             <a:r>
               <a:rPr sz="2000" b="1">
@@ -9245,34 +9354,41 @@
                 <a:latin typeface="맑은 고딕" charset="0"/>
                 <a:ea typeface="맑은 고딕" charset="0"/>
               </a:rPr>
-              <a:t>그다음으로 CameraShake </a:t>
+              <a:t>그런 다음 CameraShake </a:t>
             </a:r>
             <a:r>
               <a:rPr sz="1800">
                 <a:latin typeface="맑은 고딕" charset="0"/>
                 <a:ea typeface="맑은 고딕" charset="0"/>
               </a:rPr>
-              <a:t>스크립트에</a:t>
+              <a:t>스크립트에서</a:t>
             </a:r>
             <a:r>
               <a:rPr sz="1800">
                 <a:latin typeface="맑은 고딕" charset="0"/>
                 <a:ea typeface="맑은 고딕" charset="0"/>
               </a:rPr>
-              <a:t>서</a:t>
+              <a:t> </a:t>
             </a:r>
             <a:r>
               <a:rPr sz="1800">
                 <a:latin typeface="맑은 고딕" charset="0"/>
                 <a:ea typeface="맑은 고딕" charset="0"/>
               </a:rPr>
-              <a:t> float 변수와 Vector3 </a:t>
+              <a:t>float</a:t>
             </a:r>
             <a:r>
               <a:rPr sz="1800">
                 <a:latin typeface="맑은 고딕" charset="0"/>
                 <a:ea typeface="맑은 고딕" charset="0"/>
               </a:rPr>
+              <a:t> 변수와 Vector3 </a:t>
+            </a:r>
+            <a:r>
+              <a:rPr sz="1800">
+                <a:latin typeface="맑은 고딕" charset="0"/>
+                <a:ea typeface="맑은 고딕" charset="0"/>
+              </a:rPr>
               <a:t>변수</a:t>
             </a:r>
             <a:r>
@@ -9287,14 +9403,7 @@
                 <a:latin typeface="맑은 고딕" charset="0"/>
                 <a:ea typeface="맑은 고딕" charset="0"/>
               </a:rPr>
-              <a:t> </a:t>
-            </a:r>
-            <a:r>
-              <a:rPr lang="ko-KR" sz="1800">
-                <a:latin typeface="맑은 고딕" charset="0"/>
-                <a:ea typeface="맑은 고딕" charset="0"/>
-              </a:rPr>
-              <a:t>선언합니다.</a:t>
+              <a:t> 선언합니다.</a:t>
             </a:r>
             <a:endParaRPr lang="ko-KR" altLang="en-US" sz="1800">
               <a:latin typeface="맑은 고딕" charset="0"/>
@@ -9313,8 +9422,8 @@
         </p:nvSpPr>
         <p:spPr>
           <a:xfrm rot="0">
-            <a:off x="6831330" y="3320415"/>
-            <a:ext cx="4126230" cy="2861945"/>
+            <a:off x="6831330" y="3277235"/>
+            <a:ext cx="4117340" cy="2861945"/>
           </a:xfrm>
           <a:prstGeom prst="rect"/>
           <a:noFill/>
@@ -9341,7 +9450,7 @@
                 <a:latin typeface="맑은 고딕" charset="0"/>
                 <a:ea typeface="맑은 고딕" charset="0"/>
               </a:rPr>
-              <a:t>33</a:t>
+              <a:t>32</a:t>
             </a:r>
             <a:r>
               <a:rPr sz="1800" b="1">
@@ -9365,7 +9474,21 @@
                 <a:latin typeface="맑은 고딕" charset="0"/>
                 <a:ea typeface="맑은 고딕" charset="0"/>
               </a:rPr>
-              <a:t>이제 Shake(float, float) 코루틴 </a:t>
+              <a:t>그러고 나서 Shake(float, float) </a:t>
+            </a:r>
+            <a:r>
+              <a:rPr lang="ko-KR" sz="1800">
+                <a:latin typeface="맑은 고딕" charset="0"/>
+                <a:ea typeface="맑은 고딕" charset="0"/>
+              </a:rPr>
+              <a:t>코루틴</a:t>
+            </a:r>
+            <a:r>
+              <a:rPr lang="ko-KR" sz="1800">
+                <a:latin typeface="맑은 고딕" charset="0"/>
+                <a:ea typeface="맑은 고딕" charset="0"/>
+              </a:rPr>
+              <a:t> </a:t>
             </a:r>
             <a:r>
               <a:rPr lang="ko-KR" sz="1800">
@@ -9413,7 +9536,28 @@
                 <a:latin typeface="맑은 고딕" charset="0"/>
                 <a:ea typeface="맑은 고딕" charset="0"/>
               </a:rPr>
-              <a:t>그런</a:t>
+              <a:t>이제</a:t>
+            </a:r>
+            <a:r>
+              <a:rPr lang="ko-KR" sz="1800">
+                <a:latin typeface="맑은 고딕" charset="0"/>
+                <a:ea typeface="맑은 고딕" charset="0"/>
+              </a:rPr>
+              <a:t> 반복문</a:t>
+            </a:r>
+            <a:r>
+              <a:rPr lang="ko-KR" sz="1800">
+                <a:latin typeface="맑은 고딕" charset="0"/>
+                <a:ea typeface="맑은 고딕" charset="0"/>
+              </a:rPr>
+              <a:t> 안에서 자기의 지역 </a:t>
+            </a:r>
+            <a:r>
+              <a:rPr lang="ko-KR" sz="1800">
+                <a:latin typeface="맑은 고딕" charset="0"/>
+                <a:ea typeface="맑은 고딕" charset="0"/>
+              </a:rPr>
+              <a:t>위치를</a:t>
             </a:r>
             <a:r>
               <a:rPr lang="ko-KR" sz="1800">
@@ -9427,63 +9571,21 @@
                 <a:latin typeface="맑은 고딕" charset="0"/>
                 <a:ea typeface="맑은 고딕" charset="0"/>
               </a:rPr>
-              <a:t>다음</a:t>
-            </a:r>
-            <a:r>
-              <a:rPr lang="ko-KR" sz="1800">
-                <a:latin typeface="맑은 고딕" charset="0"/>
-                <a:ea typeface="맑은 고딕" charset="0"/>
-              </a:rPr>
-              <a:t> </a:t>
-            </a:r>
-            <a:r>
-              <a:rPr lang="ko-KR" sz="1800">
-                <a:latin typeface="맑은 고딕" charset="0"/>
-                <a:ea typeface="맑은 고딕" charset="0"/>
-              </a:rPr>
-              <a:t>반복문 안에서 자기의 지역 </a:t>
-            </a:r>
-            <a:r>
-              <a:rPr lang="ko-KR" sz="1800">
-                <a:latin typeface="맑은 고딕" charset="0"/>
-                <a:ea typeface="맑은 고딕" charset="0"/>
-              </a:rPr>
-              <a:t>위치</a:t>
-            </a:r>
-            <a:r>
-              <a:rPr lang="ko-KR" sz="1800">
-                <a:latin typeface="맑은 고딕" charset="0"/>
-                <a:ea typeface="맑은 고딕" charset="0"/>
-              </a:rPr>
-              <a:t>를</a:t>
-            </a:r>
-            <a:r>
-              <a:rPr lang="ko-KR" sz="1800">
-                <a:latin typeface="맑은 고딕" charset="0"/>
-                <a:ea typeface="맑은 고딕" charset="0"/>
-              </a:rPr>
-              <a:t> </a:t>
-            </a:r>
-            <a:r>
-              <a:rPr lang="ko-KR" sz="1800">
-                <a:latin typeface="맑은 고딕" charset="0"/>
-                <a:ea typeface="맑은 고딕" charset="0"/>
-              </a:rPr>
-              <a:t>원호의 랜덤 위치로 </a:t>
-            </a:r>
-            <a:r>
-              <a:rPr lang="ko-KR" sz="1800">
-                <a:latin typeface="맑은 고딕" charset="0"/>
-                <a:ea typeface="맑은 고딕" charset="0"/>
-              </a:rPr>
-              <a:t>설정합니</a:t>
-            </a:r>
-            <a:r>
-              <a:rPr lang="ko-KR" sz="1800">
-                <a:latin typeface="맑은 고딕" charset="0"/>
-                <a:ea typeface="맑은 고딕" charset="0"/>
-              </a:rPr>
-              <a:t>다.</a:t>
+              <a:t>원호의</a:t>
+            </a:r>
+            <a:r>
+              <a:rPr lang="ko-KR" sz="1800">
+                <a:latin typeface="맑은 고딕" charset="0"/>
+                <a:ea typeface="맑은 고딕" charset="0"/>
+              </a:rPr>
+              <a:t> 랜덤 위치로 </a:t>
+            </a:r>
+            <a:r>
+              <a:rPr lang="ko-KR" sz="1800">
+                <a:latin typeface="맑은 고딕" charset="0"/>
+                <a:ea typeface="맑은 고딕" charset="0"/>
+              </a:rPr>
+              <a:t>설정합니다.</a:t>
             </a:r>
             <a:endParaRPr lang="ko-KR" altLang="en-US" sz="1800">
               <a:latin typeface="맑은 고딕" charset="0"/>
@@ -9517,28 +9619,7 @@
                 <a:latin typeface="맑은 고딕" charset="0"/>
                 <a:ea typeface="맑은 고딕" charset="0"/>
               </a:rPr>
-              <a:t> </a:t>
-            </a:r>
-            <a:r>
-              <a:rPr lang="ko-KR" sz="1800">
-                <a:latin typeface="맑은 고딕" charset="0"/>
-                <a:ea typeface="맑은 고딕" charset="0"/>
-              </a:rPr>
-              <a:t>반복문이 끝나면</a:t>
-            </a:r>
-            <a:r>
-              <a:rPr lang="ko-KR" sz="1800">
-                <a:latin typeface="맑은 고딕" charset="0"/>
-                <a:ea typeface="맑은 고딕" charset="0"/>
-              </a:rPr>
-              <a:t> </a:t>
-            </a:r>
-            <a:r>
-              <a:rPr lang="ko-KR" sz="1800">
-                <a:latin typeface="맑은 고딕" charset="0"/>
-                <a:ea typeface="맑은 고딕" charset="0"/>
-              </a:rPr>
-              <a:t>자신의 지역 </a:t>
+              <a:t> 반복문이 끝나면 자신의 지역 </a:t>
             </a:r>
             <a:r>
               <a:rPr lang="ko-KR" sz="1800">
@@ -9552,14 +9633,7 @@
                 <a:latin typeface="맑은 고딕" charset="0"/>
                 <a:ea typeface="맑은 고딕" charset="0"/>
               </a:rPr>
-              <a:t> 다시 direction 변</a:t>
-            </a:r>
-            <a:r>
-              <a:rPr lang="ko-KR" sz="1800">
-                <a:latin typeface="맑은 고딕" charset="0"/>
-                <a:ea typeface="맑은 고딕" charset="0"/>
-              </a:rPr>
-              <a:t>수를 </a:t>
+              <a:t> 다시 direction 변수를 </a:t>
             </a:r>
             <a:r>
               <a:rPr lang="ko-KR" sz="1800">
@@ -9577,7 +9651,7 @@
       </p:sp>
       <p:pic>
         <p:nvPicPr>
-          <p:cNvPr id="100" name="그림 33" descr="C:/Users/Admin1/AppData/Roaming/PolarisOffice/ETemp/4640_5818368/fImage359942734464.png"/>
+          <p:cNvPr id="100" name="그림 33"/>
           <p:cNvPicPr>
             <a:picLocks noChangeAspect="1"/>
           </p:cNvPicPr>
@@ -9608,7 +9682,7 @@
       </p:pic>
       <p:pic>
         <p:nvPicPr>
-          <p:cNvPr id="101" name="그림 36" descr="C:/Users/Admin1/AppData/Roaming/PolarisOffice/ETemp/4640_5818368/fImage129632745705.png"/>
+          <p:cNvPr id="101" name="그림 36"/>
           <p:cNvPicPr>
             <a:picLocks noChangeAspect="1"/>
           </p:cNvPicPr>
@@ -9639,7 +9713,7 @@
       </p:pic>
       <p:pic>
         <p:nvPicPr>
-          <p:cNvPr id="102" name="그림 42" descr="C:/Users/Admin1/AppData/Roaming/PolarisOffice/ETemp/4640_5818368/fImage630462768145.png"/>
+          <p:cNvPr id="102" name="그림 42"/>
           <p:cNvPicPr>
             <a:picLocks noChangeAspect="1"/>
           </p:cNvPicPr>
@@ -9769,8 +9843,8 @@
         </p:nvSpPr>
         <p:spPr>
           <a:xfrm rot="0">
-            <a:off x="1238885" y="5057140"/>
-            <a:ext cx="4145280" cy="954405"/>
+            <a:off x="1238885" y="5074285"/>
+            <a:ext cx="4145915" cy="954405"/>
           </a:xfrm>
           <a:prstGeom prst="rect"/>
           <a:noFill/>
@@ -9797,7 +9871,7 @@
                 <a:latin typeface="맑은 고딕" charset="0"/>
                 <a:ea typeface="맑은 고딕" charset="0"/>
               </a:rPr>
-              <a:t>35</a:t>
+              <a:t>34</a:t>
             </a:r>
             <a:r>
               <a:rPr sz="2000" b="1">
@@ -9824,7 +9898,7 @@
                 <a:latin typeface="맑은 고딕" charset="0"/>
                 <a:ea typeface="맑은 고딕" charset="0"/>
               </a:rPr>
-              <a:t>그러고 나서 Project 폴더 아래에 </a:t>
+              <a:t>그다음 Project 폴더 아래에 </a:t>
             </a:r>
             <a:r>
               <a:rPr sz="1800">
@@ -9838,28 +9912,28 @@
                 <a:latin typeface="맑은 고딕" charset="0"/>
                 <a:ea typeface="맑은 고딕" charset="0"/>
               </a:rPr>
-              <a:t> Model 폴더에 Bee </a:t>
+              <a:t> </a:t>
             </a:r>
             <a:r>
               <a:rPr sz="1800">
                 <a:latin typeface="맑은 고딕" charset="0"/>
                 <a:ea typeface="맑은 고딕" charset="0"/>
               </a:rPr>
-              <a:t>모델</a:t>
-            </a:r>
-            <a:r>
-              <a:rPr lang="ko-KR" sz="1800">
-                <a:latin typeface="맑은 고딕" charset="0"/>
-                <a:ea typeface="맑은 고딕" charset="0"/>
-              </a:rPr>
-              <a:t>을</a:t>
-            </a:r>
-            <a:r>
-              <a:rPr lang="ko-KR" sz="1800">
-                <a:latin typeface="맑은 고딕" charset="0"/>
-                <a:ea typeface="맑은 고딕" charset="0"/>
-              </a:rPr>
-              <a:t> 월드 </a:t>
+              <a:t>Model</a:t>
+            </a:r>
+            <a:r>
+              <a:rPr sz="1800">
+                <a:latin typeface="맑은 고딕" charset="0"/>
+                <a:ea typeface="맑은 고딕" charset="0"/>
+              </a:rPr>
+              <a:t> 폴더에 Bee 모델</a:t>
+            </a:r>
+            <a:r>
+              <a:rPr lang="ko-KR" sz="1800">
+                <a:latin typeface="맑은 고딕" charset="0"/>
+                <a:ea typeface="맑은 고딕" charset="0"/>
+              </a:rPr>
+              <a:t>을 월드 </a:t>
             </a:r>
             <a:r>
               <a:rPr lang="ko-KR" sz="1800">
@@ -9899,8 +9973,8 @@
         </p:nvSpPr>
         <p:spPr>
           <a:xfrm rot="0">
-            <a:off x="1241425" y="2665095"/>
-            <a:ext cx="4134485" cy="954405"/>
+            <a:off x="1241425" y="2699385"/>
+            <a:ext cx="4135120" cy="954405"/>
           </a:xfrm>
           <a:prstGeom prst="rect"/>
           <a:noFill/>
@@ -9927,7 +10001,7 @@
                 <a:latin typeface="맑은 고딕" charset="0"/>
                 <a:ea typeface="맑은 고딕" charset="0"/>
               </a:rPr>
-              <a:t>34</a:t>
+              <a:t>33</a:t>
             </a:r>
             <a:r>
               <a:rPr sz="2000" b="1">
@@ -9954,27 +10028,34 @@
                 <a:latin typeface="맑은 고딕" charset="0"/>
                 <a:ea typeface="맑은 고딕" charset="0"/>
               </a:rPr>
-              <a:t>그다음으로 Project 폴더 아래에 </a:t>
+              <a:t>그런 다음 Project 폴더 아래에 </a:t>
             </a:r>
             <a:r>
               <a:rPr sz="1800">
                 <a:latin typeface="맑은 고딕" charset="0"/>
                 <a:ea typeface="맑은 고딕" charset="0"/>
               </a:rPr>
-              <a:t>있</a:t>
+              <a:t>있는</a:t>
             </a:r>
             <a:r>
               <a:rPr sz="1800">
                 <a:latin typeface="맑은 고딕" charset="0"/>
                 <a:ea typeface="맑은 고딕" charset="0"/>
               </a:rPr>
-              <a:t>는</a:t>
+              <a:t> </a:t>
             </a:r>
             <a:r>
               <a:rPr sz="1800">
                 <a:latin typeface="맑은 고딕" charset="0"/>
                 <a:ea typeface="맑은 고딕" charset="0"/>
               </a:rPr>
+              <a:t>Model</a:t>
+            </a:r>
+            <a:r>
+              <a:rPr sz="1800">
+                <a:latin typeface="맑은 고딕" charset="0"/>
+                <a:ea typeface="맑은 고딕" charset="0"/>
+              </a:rPr>
               <a:t> </a:t>
             </a:r>
             <a:r>
@@ -9982,13 +10063,20 @@
                 <a:latin typeface="맑은 고딕" charset="0"/>
                 <a:ea typeface="맑은 고딕" charset="0"/>
               </a:rPr>
-              <a:t>Model 폴더에 Grass Ground </a:t>
+              <a:t>폴더에</a:t>
             </a:r>
             <a:r>
               <a:rPr sz="1800">
                 <a:latin typeface="맑은 고딕" charset="0"/>
                 <a:ea typeface="맑은 고딕" charset="0"/>
               </a:rPr>
+              <a:t> Grass Ground </a:t>
+            </a:r>
+            <a:r>
+              <a:rPr sz="1800">
+                <a:latin typeface="맑은 고딕" charset="0"/>
+                <a:ea typeface="맑은 고딕" charset="0"/>
+              </a:rPr>
               <a:t>모델</a:t>
             </a:r>
             <a:r>
@@ -10010,7 +10098,28 @@
                 <a:latin typeface="맑은 고딕" charset="0"/>
                 <a:ea typeface="맑은 고딕" charset="0"/>
               </a:rPr>
-              <a:t>월드 공간에 배치합니다.</a:t>
+              <a:t>월드</a:t>
+            </a:r>
+            <a:r>
+              <a:rPr lang="ko-KR" sz="1800">
+                <a:latin typeface="맑은 고딕" charset="0"/>
+                <a:ea typeface="맑은 고딕" charset="0"/>
+              </a:rPr>
+              <a:t> </a:t>
+            </a:r>
+            <a:r>
+              <a:rPr lang="ko-KR" sz="1800">
+                <a:latin typeface="맑은 고딕" charset="0"/>
+                <a:ea typeface="맑은 고딕" charset="0"/>
+              </a:rPr>
+              <a:t>공간에</a:t>
+            </a:r>
+            <a:r>
+              <a:rPr lang="ko-KR" sz="1800">
+                <a:latin typeface="맑은 고딕" charset="0"/>
+                <a:ea typeface="맑은 고딕" charset="0"/>
+              </a:rPr>
+              <a:t> 배치합니다.</a:t>
             </a:r>
             <a:endParaRPr lang="ko-KR" altLang="en-US" sz="1800">
               <a:latin typeface="맑은 고딕" charset="0"/>
@@ -10021,17 +10130,17 @@
       </p:sp>
       <p:pic>
         <p:nvPicPr>
-          <p:cNvPr id="107" name="그림 55"/>
+          <p:cNvPr id="107" name="그림 55" descr="C:/Users/Admin1/AppData/Roaming/PolarisOffice/ETemp/27904_14353328/fImage3511291491.png"/>
           <p:cNvPicPr>
             <a:picLocks noChangeAspect="1"/>
           </p:cNvPicPr>
           <p:nvPr/>
         </p:nvPicPr>
         <p:blipFill rotWithShape="1">
-          <a:blip r:embed="rId6" cstate="print">
+          <a:blip r:embed="rId6" cstate="hqprint">
             <a:extLst>
               <a:ext uri="{28A0092B-C50C-407E-A947-70E740481C1C}">
-                <a14:useLocalDpi xmlns:a14="http://schemas.microsoft.com/office/drawing/2010/main" val="0"/>
+                <a14:useLocalDpi xmlns:a14="http://schemas.microsoft.com/office/drawing/2010/main"/>
               </a:ext>
             </a:extLst>
           </a:blip>
@@ -10042,7 +10151,7 @@
         <p:spPr>
           <a:xfrm rot="0">
             <a:off x="6830695" y="1447165"/>
-            <a:ext cx="4126865" cy="1094740"/>
+            <a:ext cx="4127500" cy="1499235"/>
           </a:xfrm>
           <a:prstGeom prst="roundRect"/>
           <a:solidFill>
@@ -10060,8 +10169,8 @@
         </p:nvSpPr>
         <p:spPr>
           <a:xfrm rot="0">
-            <a:off x="6834505" y="2659380"/>
-            <a:ext cx="4123690" cy="677545"/>
+            <a:off x="6843395" y="3012440"/>
+            <a:ext cx="4124325" cy="677545"/>
           </a:xfrm>
           <a:prstGeom prst="rect"/>
           <a:noFill/>
@@ -10088,7 +10197,7 @@
                 <a:latin typeface="맑은 고딕" charset="0"/>
                 <a:ea typeface="맑은 고딕" charset="0"/>
               </a:rPr>
-              <a:t>36</a:t>
+              <a:t>35</a:t>
             </a:r>
             <a:r>
               <a:rPr sz="2000" b="1">
@@ -10115,7 +10224,7 @@
                 <a:latin typeface="맑은 고딕" charset="0"/>
                 <a:ea typeface="맑은 고딕" charset="0"/>
               </a:rPr>
-              <a:t>이제 Terrain 오브젝트에 </a:t>
+              <a:t>그러고 나서 Terrain 오브젝트에 </a:t>
             </a:r>
             <a:r>
               <a:rPr sz="1800">
@@ -10168,140 +10277,7 @@
       </p:sp>
       <p:pic>
         <p:nvPicPr>
-          <p:cNvPr id="110" name="그림 4" descr="C:/Users/Admin1/AppData/Roaming/PolarisOffice/ETemp/5240_7992456/fImage437819841.png"/>
-          <p:cNvPicPr>
-            <a:picLocks noChangeAspect="1"/>
-          </p:cNvPicPr>
-          <p:nvPr/>
-        </p:nvPicPr>
-        <p:blipFill rotWithShape="1">
-          <a:blip r:embed="rId8" cstate="print">
-            <a:extLst>
-              <a:ext uri="{28A0092B-C50C-407E-A947-70E740481C1C}">
-                <a14:useLocalDpi xmlns:a14="http://schemas.microsoft.com/office/drawing/2010/main" val="0"/>
-              </a:ext>
-            </a:extLst>
-          </a:blip>
-          <a:stretch>
-            <a:fillRect/>
-          </a:stretch>
-        </p:blipFill>
-        <p:spPr>
-          <a:xfrm rot="0">
-            <a:off x="6827520" y="3496945"/>
-            <a:ext cx="4130040" cy="1421765"/>
-          </a:xfrm>
-          <a:prstGeom prst="roundRect"/>
-          <a:solidFill>
-            <a:srgbClr val="EDEDED"/>
-          </a:solidFill>
-        </p:spPr>
-      </p:pic>
-      <p:sp>
-        <p:nvSpPr>
-          <p:cNvPr id="111" name="텍스트 상자 7"/>
-          <p:cNvSpPr txBox="1">
-            <a:spLocks/>
-          </p:cNvSpPr>
-          <p:nvPr/>
-        </p:nvSpPr>
-        <p:spPr>
-          <a:xfrm rot="0">
-            <a:off x="6840220" y="5052060"/>
-            <a:ext cx="4125595" cy="954405"/>
-          </a:xfrm>
-          <a:prstGeom prst="rect"/>
-          <a:noFill/>
-          <a:ln w="0">
-            <a:noFill/>
-            <a:prstDash/>
-          </a:ln>
-        </p:spPr>
-        <p:txBody>
-          <a:bodyPr wrap="square" lIns="89535" tIns="46355" rIns="89535" bIns="46355" numCol="1" vert="horz" anchor="t">
-            <a:spAutoFit/>
-          </a:bodyPr>
-          <a:lstStyle/>
-          <a:p>
-            <a:pPr marL="0" indent="0" rtl="0" algn="l" defTabSz="914400" eaLnBrk="1" latinLnBrk="0" hangingPunct="1">
-              <a:buFontTx/>
-              <a:buNone/>
-            </a:pPr>
-            <a:r>
-              <a:rPr lang="ko-KR" sz="2000" b="1">
-                <a:solidFill>
-                  <a:srgbClr val="0611F2"/>
-                </a:solidFill>
-                <a:latin typeface="맑은 고딕" charset="0"/>
-                <a:ea typeface="맑은 고딕" charset="0"/>
-              </a:rPr>
-              <a:t>37</a:t>
-            </a:r>
-            <a:r>
-              <a:rPr sz="2000" b="1">
-                <a:solidFill>
-                  <a:srgbClr val="0611F2"/>
-                </a:solidFill>
-                <a:latin typeface="맑은 고딕" charset="0"/>
-                <a:ea typeface="맑은 고딕" charset="0"/>
-              </a:rPr>
-              <a:t>.</a:t>
-            </a:r>
-            <a:r>
-              <a:rPr sz="2000" b="1">
-                <a:solidFill>
-                  <a:srgbClr val="0611F2"/>
-                </a:solidFill>
-                <a:latin typeface="맑은 고딕" charset="0"/>
-                <a:ea typeface="맑은 고딕" charset="0"/>
-              </a:rPr>
-              <a:t> </a:t>
-            </a:r>
-            <a:r>
-              <a:rPr sz="1800">
-                <a:latin typeface="맑은 고딕" charset="0"/>
-                <a:ea typeface="맑은 고딕" charset="0"/>
-              </a:rPr>
-              <a:t>그리고 Character 오브젝트에 </a:t>
-            </a:r>
-            <a:r>
-              <a:rPr sz="1800">
-                <a:latin typeface="맑은 고딕" charset="0"/>
-                <a:ea typeface="맑은 고딕" charset="0"/>
-              </a:rPr>
-              <a:t>Photon</a:t>
-            </a:r>
-            <a:r>
-              <a:rPr sz="1800">
-                <a:latin typeface="맑은 고딕" charset="0"/>
-                <a:ea typeface="맑은 고딕" charset="0"/>
-              </a:rPr>
-              <a:t> Animator View 컴포넌트를 </a:t>
-            </a:r>
-            <a:r>
-              <a:rPr sz="1800">
-                <a:latin typeface="맑은 고딕" charset="0"/>
-                <a:ea typeface="맑은 고딕" charset="0"/>
-              </a:rPr>
-              <a:t>추가합니</a:t>
-            </a:r>
-            <a:r>
-              <a:rPr sz="1800">
-                <a:latin typeface="맑은 고딕" charset="0"/>
-                <a:ea typeface="맑은 고딕" charset="0"/>
-              </a:rPr>
-              <a:t>다.</a:t>
-            </a:r>
-            <a:endParaRPr lang="ko-KR" altLang="en-US" sz="1800">
-              <a:latin typeface="맑은 고딕" charset="0"/>
-              <a:ea typeface="맑은 고딕" charset="0"/>
-            </a:endParaRPr>
-          </a:p>
-        </p:txBody>
-      </p:sp>
-      <p:pic>
-        <p:nvPicPr>
-          <p:cNvPr id="112" name="그림 16" descr="C:/Users/Admin1/AppData/Roaming/PolarisOffice/ETemp/5240_7992456/fImage89892908467.png"/>
+          <p:cNvPr id="112" name="그림 16"/>
           <p:cNvPicPr>
             <a:picLocks noChangeAspect="1"/>
           </p:cNvPicPr>
@@ -10332,7 +10308,7 @@
       </p:pic>
       <p:pic>
         <p:nvPicPr>
-          <p:cNvPr id="113" name="그림 19" descr="C:/Users/Admin1/AppData/Roaming/PolarisOffice/ETemp/5240_7992456/fImage53012916334.png"/>
+          <p:cNvPr id="113" name="그림 19"/>
           <p:cNvPicPr>
             <a:picLocks noChangeAspect="1"/>
           </p:cNvPicPr>
@@ -10363,7 +10339,7 @@
       </p:pic>
       <p:pic>
         <p:nvPicPr>
-          <p:cNvPr id="105" name="그림 51" descr="C:/Users/Admin1/AppData/Roaming/PolarisOffice/ETemp/5240_7992456/fImage2242172279169.png"/>
+          <p:cNvPr id="105" name="그림 51"/>
           <p:cNvPicPr>
             <a:picLocks noChangeAspect="1"/>
           </p:cNvPicPr>
@@ -10392,17 +10368,17 @@
       </p:pic>
       <p:pic>
         <p:nvPicPr>
-          <p:cNvPr id="114" name="그림 22" descr="C:/Users/Admin1/AppData/Roaming/PolarisOffice/ETemp/5240_7992456/fImage59202926500.png"/>
+          <p:cNvPr id="114" name="그림 22" descr="C:/Users/Admin1/AppData/Roaming/PolarisOffice/ETemp/27904_14353328/fImage59202926500.png"/>
           <p:cNvPicPr>
             <a:picLocks noChangeAspect="1"/>
           </p:cNvPicPr>
           <p:nvPr/>
         </p:nvPicPr>
         <p:blipFill rotWithShape="1">
-          <a:blip r:embed="rId11" cstate="print">
+          <a:blip r:embed="rId11" cstate="hqprint">
             <a:extLst>
               <a:ext uri="{28A0092B-C50C-407E-A947-70E740481C1C}">
-                <a14:useLocalDpi xmlns:a14="http://schemas.microsoft.com/office/drawing/2010/main" val="0"/>
+                <a14:useLocalDpi xmlns:a14="http://schemas.microsoft.com/office/drawing/2010/main"/>
               </a:ext>
             </a:extLst>
           </a:blip>
@@ -10412,8 +10388,8 @@
         </p:blipFill>
         <p:spPr>
           <a:xfrm rot="0">
-            <a:off x="1243965" y="3810635"/>
-            <a:ext cx="1400810" cy="1116965"/>
+            <a:off x="1243965" y="3827780"/>
+            <a:ext cx="1401445" cy="1117600"/>
           </a:xfrm>
           <a:prstGeom prst="roundRect"/>
           <a:solidFill>
@@ -10423,17 +10399,17 @@
       </p:pic>
       <p:pic>
         <p:nvPicPr>
-          <p:cNvPr id="115" name="그림 23" descr="C:/Users/Admin1/AppData/Roaming/PolarisOffice/ETemp/5240_7992456/fImage99672939169.png"/>
+          <p:cNvPr id="115" name="그림 23" descr="C:/Users/Admin1/AppData/Roaming/PolarisOffice/ETemp/27904_14353328/fImage99672939169.png"/>
           <p:cNvPicPr>
             <a:picLocks noChangeAspect="1"/>
           </p:cNvPicPr>
           <p:nvPr/>
         </p:nvPicPr>
         <p:blipFill rotWithShape="1">
-          <a:blip r:embed="rId12" cstate="print">
+          <a:blip r:embed="rId12" cstate="hqprint">
             <a:extLst>
               <a:ext uri="{28A0092B-C50C-407E-A947-70E740481C1C}">
-                <a14:useLocalDpi xmlns:a14="http://schemas.microsoft.com/office/drawing/2010/main" val="0"/>
+                <a14:useLocalDpi xmlns:a14="http://schemas.microsoft.com/office/drawing/2010/main"/>
               </a:ext>
             </a:extLst>
           </a:blip>
@@ -10443,8 +10419,8 @@
         </p:blipFill>
         <p:spPr>
           <a:xfrm rot="0">
-            <a:off x="2821305" y="3791585"/>
-            <a:ext cx="2553335" cy="1153160"/>
+            <a:off x="2821305" y="3808730"/>
+            <a:ext cx="2553970" cy="1153795"/>
           </a:xfrm>
           <a:prstGeom prst="roundRect"/>
           <a:solidFill>
@@ -10454,7 +10430,7 @@
       </p:pic>
       <p:pic>
         <p:nvPicPr>
-          <p:cNvPr id="116" name="그림 29" descr="C:/Users/Admin1/AppData/Roaming/PolarisOffice/ETemp/5240_7992456/fImage2242172279169.png"/>
+          <p:cNvPr id="116" name="그림 29" descr="C:/Users/Admin1/AppData/Roaming/PolarisOffice/ETemp/27904_14353328/fImage2242172279169.png"/>
           <p:cNvPicPr>
             <a:picLocks noChangeAspect="1"/>
           </p:cNvPicPr>
@@ -10474,13 +10450,132 @@
         </p:blipFill>
         <p:spPr>
           <a:xfrm rot="10800000">
-            <a:off x="2301875" y="4203065"/>
-            <a:ext cx="626745" cy="353060"/>
+            <a:off x="2301875" y="4220210"/>
+            <a:ext cx="627380" cy="353695"/>
           </a:xfrm>
           <a:prstGeom prst="rect"/>
           <a:noFill/>
         </p:spPr>
       </p:pic>
+      <p:pic>
+        <p:nvPicPr>
+          <p:cNvPr id="117" name="그림 29" descr="C:/Users/Admin1/AppData/Roaming/PolarisOffice/ETemp/27904_14353328/fImage40763296500.png"/>
+          <p:cNvPicPr>
+            <a:picLocks noChangeAspect="1"/>
+          </p:cNvPicPr>
+          <p:nvPr/>
+        </p:nvPicPr>
+        <p:blipFill rotWithShape="1">
+          <a:blip r:embed="rId13" cstate="print">
+            <a:extLst>
+              <a:ext uri="{28A0092B-C50C-407E-A947-70E740481C1C}">
+                <a14:useLocalDpi xmlns:a14="http://schemas.microsoft.com/office/drawing/2010/main" val="0"/>
+              </a:ext>
+            </a:extLst>
+          </a:blip>
+          <a:stretch>
+            <a:fillRect/>
+          </a:stretch>
+        </p:blipFill>
+        <p:spPr>
+          <a:xfrm rot="0">
+            <a:off x="6821805" y="3832860"/>
+            <a:ext cx="4126865" cy="1395730"/>
+          </a:xfrm>
+          <a:prstGeom prst="roundRect"/>
+          <a:solidFill>
+            <a:srgbClr val="EDEDED"/>
+          </a:solidFill>
+        </p:spPr>
+      </p:pic>
+      <p:sp>
+        <p:nvSpPr>
+          <p:cNvPr id="118" name="텍스트 상자 32"/>
+          <p:cNvSpPr txBox="1">
+            <a:spLocks/>
+          </p:cNvSpPr>
+          <p:nvPr/>
+        </p:nvSpPr>
+        <p:spPr>
+          <a:xfrm rot="0">
+            <a:off x="6839585" y="5352415"/>
+            <a:ext cx="4126230" cy="677545"/>
+          </a:xfrm>
+          <a:prstGeom prst="rect"/>
+          <a:noFill/>
+          <a:ln w="0">
+            <a:noFill/>
+            <a:prstDash/>
+          </a:ln>
+        </p:spPr>
+        <p:txBody>
+          <a:bodyPr wrap="square" lIns="89535" tIns="46355" rIns="89535" bIns="46355" numCol="1" vert="horz" anchor="t">
+            <a:spAutoFit/>
+          </a:bodyPr>
+          <a:lstStyle/>
+          <a:p>
+            <a:pPr marL="0" indent="0" rtl="0" algn="l" defTabSz="914400" eaLnBrk="1" latinLnBrk="0" hangingPunct="1">
+              <a:buFontTx/>
+              <a:buNone/>
+            </a:pPr>
+            <a:r>
+              <a:rPr lang="ko-KR" sz="2000" b="1">
+                <a:solidFill>
+                  <a:srgbClr val="0611F2"/>
+                </a:solidFill>
+                <a:latin typeface="맑은 고딕" charset="0"/>
+                <a:ea typeface="맑은 고딕" charset="0"/>
+              </a:rPr>
+              <a:t>36</a:t>
+            </a:r>
+            <a:r>
+              <a:rPr sz="2000" b="1">
+                <a:solidFill>
+                  <a:srgbClr val="0611F2"/>
+                </a:solidFill>
+                <a:latin typeface="맑은 고딕" charset="0"/>
+                <a:ea typeface="맑은 고딕" charset="0"/>
+              </a:rPr>
+              <a:t>.</a:t>
+            </a:r>
+            <a:r>
+              <a:rPr sz="2000" b="1">
+                <a:solidFill>
+                  <a:srgbClr val="0611F2"/>
+                </a:solidFill>
+                <a:latin typeface="맑은 고딕" charset="0"/>
+                <a:ea typeface="맑은 고딕" charset="0"/>
+              </a:rPr>
+              <a:t> </a:t>
+            </a:r>
+            <a:r>
+              <a:rPr sz="1800">
+                <a:latin typeface="맑은 고딕" charset="0"/>
+                <a:ea typeface="맑은 고딕" charset="0"/>
+              </a:rPr>
+              <a:t>이제 Bee 오브젝트에 Sphere </a:t>
+            </a:r>
+            <a:r>
+              <a:rPr sz="1800">
+                <a:latin typeface="맑은 고딕" charset="0"/>
+                <a:ea typeface="맑은 고딕" charset="0"/>
+              </a:rPr>
+              <a:t>Collider</a:t>
+            </a:r>
+            <a:r>
+              <a:rPr sz="1800">
+                <a:latin typeface="맑은 고딕" charset="0"/>
+                <a:ea typeface="맑은 고딕" charset="0"/>
+              </a:rPr>
+              <a:t> 컴포넌트를 추가합니다</a:t>
+            </a:r>
+            <a:endParaRPr lang="ko-KR" altLang="en-US" sz="1800">
+              <a:latin typeface="맑은 고딕" charset="0"/>
+              <a:ea typeface="맑은 고딕" charset="0"/>
+            </a:endParaRPr>
+          </a:p>
+        </p:txBody>
+      </p:sp>
     </p:spTree>
   </p:cSld>
   <p:clrMapOvr>
@@ -10505,7 +10600,7 @@
 </file>
 
 <file path=ppt/slides/slide13.xml><?xml version="1.0" encoding="utf-8"?>
-<p:sld xmlns:a="http://schemas.openxmlformats.org/drawingml/2006/main" xmlns:r="http://schemas.openxmlformats.org/officeDocument/2006/relationships" xmlns:p="http://schemas.openxmlformats.org/presentationml/2006/main">
+<p:sld xmlns:a="http://schemas.openxmlformats.org/drawingml/2006/main" xmlns:r="http://schemas.openxmlformats.org/officeDocument/2006/relationships" xmlns:p="http://schemas.openxmlformats.org/presentationml/2006/main" xmlns:p14="http://schemas.microsoft.com/office/powerpoint/2010/main">
   <p:cSld>
     <p:spTree>
       <p:nvGrpSpPr>
@@ -10581,9 +10676,9 @@
           <p:nvPr/>
         </p:nvSpPr>
         <p:spPr>
-          <a:xfrm rot="0">
+          <a:xfrm>
             <a:off x="1238885" y="5057140"/>
-            <a:ext cx="4145280" cy="954405"/>
+            <a:ext cx="4145915" cy="954405"/>
           </a:xfrm>
           <a:prstGeom prst="rect"/>
           <a:noFill/>
@@ -10610,7 +10705,7 @@
                 <a:latin typeface="맑은 고딕" charset="0"/>
                 <a:ea typeface="맑은 고딕" charset="0"/>
               </a:rPr>
-              <a:t>38</a:t>
+              <a:t>37</a:t>
             </a:r>
             <a:r>
               <a:rPr sz="2000" b="1">
@@ -10637,70 +10732,70 @@
                 <a:latin typeface="맑은 고딕" charset="0"/>
                 <a:ea typeface="맑은 고딕" charset="0"/>
               </a:rPr>
-              <a:t>그런 다음 Character 오브젝트에 </a:t>
+              <a:t>그리고 Character 오브젝트에 </a:t>
             </a:r>
             <a:r>
               <a:rPr sz="1800">
                 <a:latin typeface="맑은 고딕" charset="0"/>
                 <a:ea typeface="맑은 고딕" charset="0"/>
               </a:rPr>
-              <a:t>있</a:t>
+              <a:t>있는</a:t>
             </a:r>
             <a:r>
               <a:rPr sz="1800">
                 <a:latin typeface="맑은 고딕" charset="0"/>
                 <a:ea typeface="맑은 고딕" charset="0"/>
               </a:rPr>
-              <a:t>는</a:t>
+              <a:t> </a:t>
             </a:r>
             <a:r>
               <a:rPr sz="1800">
                 <a:latin typeface="맑은 고딕" charset="0"/>
                 <a:ea typeface="맑은 고딕" charset="0"/>
               </a:rPr>
+              <a:t>Rigidbody</a:t>
+            </a:r>
+            <a:r>
+              <a:rPr sz="1800">
+                <a:latin typeface="맑은 고딕" charset="0"/>
+                <a:ea typeface="맑은 고딕" charset="0"/>
+              </a:rPr>
+              <a:t> 컴포넌트에 Freeze </a:t>
+            </a:r>
+            <a:r>
+              <a:rPr sz="1800">
+                <a:latin typeface="맑은 고딕" charset="0"/>
+                <a:ea typeface="맑은 고딕" charset="0"/>
+              </a:rPr>
+              <a:t>Ro</a:t>
+            </a:r>
+            <a:r>
+              <a:rPr lang="ko-KR" sz="1800">
+                <a:latin typeface="맑은 고딕" charset="0"/>
+                <a:ea typeface="맑은 고딕" charset="0"/>
+              </a:rPr>
+              <a:t>tation</a:t>
+            </a:r>
+            <a:r>
+              <a:rPr lang="ko-KR" sz="1800">
+                <a:latin typeface="맑은 고딕" charset="0"/>
+                <a:ea typeface="맑은 고딕" charset="0"/>
+              </a:rPr>
               <a:t> </a:t>
             </a:r>
             <a:r>
-              <a:rPr sz="1800">
-                <a:latin typeface="맑은 고딕" charset="0"/>
-                <a:ea typeface="맑은 고딕" charset="0"/>
-              </a:rPr>
-              <a:t>Rigidbody 컴포넌트에 Freeze </a:t>
-            </a:r>
-            <a:r>
-              <a:rPr sz="1800">
-                <a:latin typeface="맑은 고딕" charset="0"/>
-                <a:ea typeface="맑은 고딕" charset="0"/>
-              </a:rPr>
-              <a:t>Ro</a:t>
-            </a:r>
-            <a:r>
-              <a:rPr lang="ko-KR" sz="1800">
-                <a:latin typeface="맑은 고딕" charset="0"/>
-                <a:ea typeface="맑은 고딕" charset="0"/>
-              </a:rPr>
-              <a:t>t</a:t>
-            </a:r>
-            <a:r>
-              <a:rPr lang="ko-KR" sz="1800">
-                <a:latin typeface="맑은 고딕" charset="0"/>
-                <a:ea typeface="맑은 고딕" charset="0"/>
-              </a:rPr>
-              <a:t>ation</a:t>
-            </a:r>
-            <a:r>
-              <a:rPr lang="ko-KR" sz="1800">
-                <a:latin typeface="맑은 고딕" charset="0"/>
-                <a:ea typeface="맑은 고딕" charset="0"/>
-              </a:rPr>
-              <a:t> </a:t>
-            </a:r>
-            <a:r>
-              <a:rPr lang="ko-KR" sz="1800">
-                <a:latin typeface="맑은 고딕" charset="0"/>
-                <a:ea typeface="맑은 고딕" charset="0"/>
-              </a:rPr>
-              <a:t>X, Y, Z 축을 활성화합니다.</a:t>
+              <a:rPr lang="ko-KR" sz="1800">
+                <a:latin typeface="맑은 고딕" charset="0"/>
+                <a:ea typeface="맑은 고딕" charset="0"/>
+              </a:rPr>
+              <a:t>X,</a:t>
+            </a:r>
+            <a:r>
+              <a:rPr lang="ko-KR" sz="1800">
+                <a:latin typeface="맑은 고딕" charset="0"/>
+                <a:ea typeface="맑은 고딕" charset="0"/>
+              </a:rPr>
+              <a:t> Y, Z 축을 활성화합니다.</a:t>
             </a:r>
             <a:endParaRPr lang="ko-KR" altLang="en-US" sz="1800">
               <a:latin typeface="맑은 고딕" charset="0"/>
@@ -10718,9 +10813,9 @@
           <p:nvPr/>
         </p:nvSpPr>
         <p:spPr>
-          <a:xfrm rot="0">
+          <a:xfrm>
             <a:off x="6840220" y="4784725"/>
-            <a:ext cx="4125595" cy="1231265"/>
+            <a:ext cx="4126230" cy="1231265"/>
           </a:xfrm>
           <a:prstGeom prst="rect"/>
           <a:noFill/>
@@ -10747,7 +10842,7 @@
                 <a:latin typeface="맑은 고딕" charset="0"/>
                 <a:ea typeface="맑은 고딕" charset="0"/>
               </a:rPr>
-              <a:t>39</a:t>
+              <a:t>38</a:t>
             </a:r>
             <a:r>
               <a:rPr sz="2000" b="1">
@@ -10774,27 +10869,48 @@
                 <a:latin typeface="맑은 고딕" charset="0"/>
                 <a:ea typeface="맑은 고딕" charset="0"/>
               </a:rPr>
-              <a:t>그다음</a:t>
+              <a:t>그리고 Project 폴더 아래에 </a:t>
             </a:r>
             <a:r>
               <a:rPr sz="1800">
                 <a:latin typeface="맑은 고딕" charset="0"/>
                 <a:ea typeface="맑은 고딕" charset="0"/>
               </a:rPr>
-              <a:t>으로 Project 폴더 </a:t>
+              <a:t>있는</a:t>
             </a:r>
             <a:r>
               <a:rPr sz="1800">
                 <a:latin typeface="맑은 고딕" charset="0"/>
                 <a:ea typeface="맑은 고딕" charset="0"/>
               </a:rPr>
-              <a:t>아래에</a:t>
+              <a:t> </a:t>
             </a:r>
             <a:r>
               <a:rPr sz="1800">
                 <a:latin typeface="맑은 고딕" charset="0"/>
                 <a:ea typeface="맑은 고딕" charset="0"/>
               </a:rPr>
+              <a:t>Animator</a:t>
+            </a:r>
+            <a:r>
+              <a:rPr sz="1800">
+                <a:latin typeface="맑은 고딕" charset="0"/>
+                <a:ea typeface="맑은 고딕" charset="0"/>
+              </a:rPr>
+              <a:t> 폴더에 Animator </a:t>
+            </a:r>
+            <a:r>
+              <a:rPr sz="1800">
+                <a:latin typeface="맑은 고딕" charset="0"/>
+                <a:ea typeface="맑은 고딕" charset="0"/>
+              </a:rPr>
+              <a:t>Controller를</a:t>
+            </a:r>
+            <a:r>
+              <a:rPr sz="1800">
+                <a:latin typeface="맑은 고딕" charset="0"/>
+                <a:ea typeface="맑은 고딕" charset="0"/>
+              </a:rPr>
               <a:t> </a:t>
             </a:r>
             <a:r>
@@ -10802,105 +10918,49 @@
                 <a:latin typeface="맑은 고딕" charset="0"/>
                 <a:ea typeface="맑은 고딕" charset="0"/>
               </a:rPr>
-              <a:t>있는</a:t>
+              <a:t>생성하고</a:t>
             </a:r>
             <a:r>
               <a:rPr sz="1800">
                 <a:latin typeface="맑은 고딕" charset="0"/>
                 <a:ea typeface="맑은 고딕" charset="0"/>
               </a:rPr>
+              <a:t> Bee Animator </a:t>
+            </a:r>
+            <a:r>
+              <a:rPr sz="1800">
+                <a:latin typeface="맑은 고딕" charset="0"/>
+                <a:ea typeface="맑은 고딕" charset="0"/>
+              </a:rPr>
+              <a:t>Controller라</a:t>
+            </a:r>
+            <a:r>
+              <a:rPr lang="ko-KR" sz="1800">
+                <a:latin typeface="맑은 고딕" charset="0"/>
+                <a:ea typeface="맑은 고딕" charset="0"/>
+              </a:rPr>
+              <a:t>는</a:t>
+            </a:r>
+            <a:r>
+              <a:rPr lang="ko-KR" sz="1800">
+                <a:latin typeface="맑은 고딕" charset="0"/>
+                <a:ea typeface="맑은 고딕" charset="0"/>
+              </a:rPr>
               <a:t> </a:t>
             </a:r>
             <a:r>
-              <a:rPr sz="1800">
-                <a:latin typeface="맑은 고딕" charset="0"/>
-                <a:ea typeface="맑은 고딕" charset="0"/>
-              </a:rPr>
-              <a:t>Animator</a:t>
-            </a:r>
-            <a:r>
-              <a:rPr sz="1800">
-                <a:latin typeface="맑은 고딕" charset="0"/>
-                <a:ea typeface="맑은 고딕" charset="0"/>
-              </a:rPr>
-              <a:t> 폴더에 </a:t>
-            </a:r>
-            <a:r>
-              <a:rPr sz="1800">
-                <a:latin typeface="맑은 고딕" charset="0"/>
-                <a:ea typeface="맑은 고딕" charset="0"/>
-              </a:rPr>
-              <a:t>Animator</a:t>
-            </a:r>
-            <a:r>
-              <a:rPr sz="1800">
-                <a:latin typeface="맑은 고딕" charset="0"/>
-                <a:ea typeface="맑은 고딕" charset="0"/>
-              </a:rPr>
-              <a:t> </a:t>
-            </a:r>
-            <a:r>
-              <a:rPr sz="1800">
-                <a:latin typeface="맑은 고딕" charset="0"/>
-                <a:ea typeface="맑은 고딕" charset="0"/>
-              </a:rPr>
-              <a:t>Controller를</a:t>
-            </a:r>
-            <a:r>
-              <a:rPr sz="1800">
-                <a:latin typeface="맑은 고딕" charset="0"/>
-                <a:ea typeface="맑은 고딕" charset="0"/>
-              </a:rPr>
-              <a:t> </a:t>
-            </a:r>
-            <a:r>
-              <a:rPr sz="1800">
-                <a:latin typeface="맑은 고딕" charset="0"/>
-                <a:ea typeface="맑은 고딕" charset="0"/>
-              </a:rPr>
-              <a:t>생성하고 Bee Animator </a:t>
-            </a:r>
-            <a:r>
-              <a:rPr sz="1800">
-                <a:latin typeface="맑은 고딕" charset="0"/>
-                <a:ea typeface="맑은 고딕" charset="0"/>
-              </a:rPr>
-              <a:t>Cont</a:t>
-            </a:r>
-            <a:r>
-              <a:rPr sz="1800">
-                <a:latin typeface="맑은 고딕" charset="0"/>
-                <a:ea typeface="맑은 고딕" charset="0"/>
-              </a:rPr>
-              <a:t>r</a:t>
-            </a:r>
-            <a:r>
-              <a:rPr sz="1800">
-                <a:latin typeface="맑은 고딕" charset="0"/>
-                <a:ea typeface="맑은 고딕" charset="0"/>
-              </a:rPr>
-              <a:t>oller라</a:t>
-            </a:r>
-            <a:r>
-              <a:rPr lang="ko-KR" sz="1800">
-                <a:latin typeface="맑은 고딕" charset="0"/>
-                <a:ea typeface="맑은 고딕" charset="0"/>
-              </a:rPr>
-              <a:t>는</a:t>
-            </a:r>
-            <a:r>
-              <a:rPr lang="ko-KR" sz="1800">
-                <a:latin typeface="맑은 고딕" charset="0"/>
-                <a:ea typeface="맑은 고딕" charset="0"/>
-              </a:rPr>
-              <a:t> </a:t>
-            </a:r>
-            <a:r>
-              <a:rPr lang="ko-KR" sz="1800">
-                <a:latin typeface="맑은 고딕" charset="0"/>
-                <a:ea typeface="맑은 고딕" charset="0"/>
-              </a:rPr>
-              <a:t>이름으로 정의합니다.</a:t>
+              <a:rPr lang="ko-KR" sz="1800">
+                <a:latin typeface="맑은 고딕" charset="0"/>
+                <a:ea typeface="맑은 고딕" charset="0"/>
+              </a:rPr>
+              <a:t>이름으로</a:t>
+            </a:r>
+            <a:r>
+              <a:rPr lang="ko-KR" sz="1800">
+                <a:latin typeface="맑은 고딕" charset="0"/>
+                <a:ea typeface="맑은 고딕" charset="0"/>
+              </a:rPr>
+              <a:t> 정의합니다.</a:t>
             </a:r>
             <a:endParaRPr lang="ko-KR" altLang="en-US" sz="1800">
               <a:latin typeface="맑은 고딕" charset="0"/>
@@ -10911,7 +10971,7 @@
       </p:sp>
       <p:pic>
         <p:nvPicPr>
-          <p:cNvPr id="112" name="그림 30" descr="C:/Users/Admin1/AppData/Roaming/PolarisOffice/ETemp/5240_7992456/fImage158293115724.png"/>
+          <p:cNvPr id="112" name="그림 30"/>
           <p:cNvPicPr>
             <a:picLocks noChangeAspect="1"/>
           </p:cNvPicPr>
@@ -10942,7 +11002,7 @@
       </p:pic>
       <p:pic>
         <p:nvPicPr>
-          <p:cNvPr id="113" name="그림 34" descr="C:/Users/Admin1/AppData/Roaming/PolarisOffice/ETemp/5240_7992456/fImage415713141478.png"/>
+          <p:cNvPr id="113" name="그림 34"/>
           <p:cNvPicPr>
             <a:picLocks noChangeAspect="1"/>
           </p:cNvPicPr>
@@ -10993,6 +11053,741 @@
 </file>
 
 <file path=ppt/slides/slide14.xml><?xml version="1.0" encoding="utf-8"?>
+<p:sld xmlns:a="http://schemas.openxmlformats.org/drawingml/2006/main" xmlns:r="http://schemas.openxmlformats.org/officeDocument/2006/relationships" xmlns:p="http://schemas.openxmlformats.org/presentationml/2006/main" xmlns:p14="http://schemas.microsoft.com/office/powerpoint/2010/main">
+  <p:cSld>
+    <p:spTree>
+      <p:nvGrpSpPr>
+        <p:cNvPr id="1" name=""/>
+        <p:cNvGrpSpPr/>
+        <p:nvPr/>
+      </p:nvGrpSpPr>
+      <p:grpSpPr>
+        <a:xfrm>
+          <a:off x="0" y="0"/>
+          <a:ext cx="0" cy="0"/>
+          <a:chOff x="0" y="0"/>
+          <a:chExt cx="0" cy="0"/>
+        </a:xfrm>
+      </p:grpSpPr>
+      <p:sp>
+        <p:nvSpPr>
+          <p:cNvPr id="27" name="Rect 0"/>
+          <p:cNvSpPr txBox="1">
+            <a:spLocks/>
+          </p:cNvSpPr>
+          <p:nvPr/>
+        </p:nvSpPr>
+        <p:spPr>
+          <a:xfrm rot="0">
+            <a:off x="4101465" y="407035"/>
+            <a:ext cx="3987800" cy="478155"/>
+          </a:xfrm>
+          <a:prstGeom prst="rect"/>
+          <a:noFill/>
+          <a:ln w="0">
+            <a:noFill/>
+            <a:prstDash/>
+          </a:ln>
+        </p:spPr>
+        <p:txBody>
+          <a:bodyPr wrap="square" lIns="89535" tIns="46355" rIns="89535" bIns="46355" numCol="1" vert="horz" anchor="t">
+            <a:spAutoFit/>
+          </a:bodyPr>
+          <a:lstStyle/>
+          <a:p>
+            <a:pPr marL="0" indent="0" algn="ctr" latinLnBrk="0" hangingPunct="1">
+              <a:buFontTx/>
+              <a:buNone/>
+            </a:pPr>
+            <a:r>
+              <a:rPr lang="ko-KR" sz="2500" b="1">
+                <a:latin typeface="나눔바른고딕" charset="0"/>
+                <a:ea typeface="나눔바른고딕" charset="0"/>
+              </a:rPr>
+              <a:t>열네</a:t>
+            </a:r>
+            <a:r>
+              <a:rPr lang="ko-KR" sz="2500" b="1">
+                <a:latin typeface="나눔바른고딕" charset="0"/>
+                <a:ea typeface="나눔바른고딕" charset="0"/>
+              </a:rPr>
+              <a:t> 번째 튜토리얼</a:t>
+            </a:r>
+            <a:endParaRPr lang="ko-KR" altLang="en-US" sz="2500" b="1">
+              <a:latin typeface="나눔바른고딕" charset="0"/>
+              <a:ea typeface="나눔바른고딕" charset="0"/>
+            </a:endParaRPr>
+          </a:p>
+        </p:txBody>
+      </p:sp>
+      <p:sp>
+        <p:nvSpPr>
+          <p:cNvPr id="81" name="Rect 0"/>
+          <p:cNvSpPr txBox="1">
+            <a:spLocks/>
+          </p:cNvSpPr>
+          <p:nvPr/>
+        </p:nvSpPr>
+        <p:spPr>
+          <a:xfrm>
+            <a:off x="1247775" y="5057140"/>
+            <a:ext cx="4145915" cy="954405"/>
+          </a:xfrm>
+          <a:prstGeom prst="rect"/>
+          <a:noFill/>
+          <a:ln w="0">
+            <a:noFill/>
+            <a:prstDash/>
+          </a:ln>
+        </p:spPr>
+        <p:txBody>
+          <a:bodyPr wrap="square" lIns="89535" tIns="46355" rIns="89535" bIns="46355" numCol="1" vert="horz" anchor="t">
+            <a:spAutoFit/>
+          </a:bodyPr>
+          <a:lstStyle/>
+          <a:p>
+            <a:pPr marL="0" indent="0" rtl="0" algn="l" defTabSz="914400" eaLnBrk="1" latinLnBrk="0" hangingPunct="1">
+              <a:buFontTx/>
+              <a:buNone/>
+            </a:pPr>
+            <a:r>
+              <a:rPr lang="ko-KR" sz="2000" b="1">
+                <a:solidFill>
+                  <a:srgbClr val="0611F2"/>
+                </a:solidFill>
+                <a:latin typeface="맑은 고딕" charset="0"/>
+                <a:ea typeface="맑은 고딕" charset="0"/>
+              </a:rPr>
+              <a:t>40</a:t>
+            </a:r>
+            <a:r>
+              <a:rPr sz="2000" b="1">
+                <a:solidFill>
+                  <a:srgbClr val="0611F2"/>
+                </a:solidFill>
+                <a:latin typeface="맑은 고딕" charset="0"/>
+                <a:ea typeface="맑은 고딕" charset="0"/>
+              </a:rPr>
+              <a:t>.</a:t>
+            </a:r>
+            <a:r>
+              <a:rPr sz="2000" b="1">
+                <a:solidFill>
+                  <a:srgbClr val="0611F2"/>
+                </a:solidFill>
+                <a:latin typeface="맑은 고딕" charset="0"/>
+                <a:ea typeface="맑은 고딕" charset="0"/>
+              </a:rPr>
+              <a:t> </a:t>
+            </a:r>
+            <a:r>
+              <a:rPr sz="1800">
+                <a:latin typeface="맑은 고딕" charset="0"/>
+                <a:ea typeface="맑은 고딕" charset="0"/>
+              </a:rPr>
+              <a:t>그다음 Texture 폴더 아래에 </a:t>
+            </a:r>
+            <a:r>
+              <a:rPr sz="1800">
+                <a:latin typeface="맑은 고딕" charset="0"/>
+                <a:ea typeface="맑은 고딕" charset="0"/>
+              </a:rPr>
+              <a:t>있는</a:t>
+            </a:r>
+            <a:r>
+              <a:rPr sz="1800">
+                <a:latin typeface="맑은 고딕" charset="0"/>
+                <a:ea typeface="맑은 고딕" charset="0"/>
+              </a:rPr>
+              <a:t> </a:t>
+            </a:r>
+            <a:r>
+              <a:rPr sz="1800">
+                <a:latin typeface="맑은 고딕" charset="0"/>
+                <a:ea typeface="맑은 고딕" charset="0"/>
+              </a:rPr>
+              <a:t>Game</a:t>
+            </a:r>
+            <a:r>
+              <a:rPr sz="1800">
+                <a:latin typeface="맑은 고딕" charset="0"/>
+                <a:ea typeface="맑은 고딕" charset="0"/>
+              </a:rPr>
+              <a:t> </a:t>
+            </a:r>
+            <a:r>
+              <a:rPr sz="1800">
+                <a:latin typeface="맑은 고딕" charset="0"/>
+                <a:ea typeface="맑은 고딕" charset="0"/>
+              </a:rPr>
+              <a:t>Texture</a:t>
+            </a:r>
+            <a:r>
+              <a:rPr sz="1800">
+                <a:latin typeface="맑은 고딕" charset="0"/>
+                <a:ea typeface="맑은 고딕" charset="0"/>
+              </a:rPr>
+              <a:t> 폴더에 Bee </a:t>
+            </a:r>
+            <a:r>
+              <a:rPr sz="1800">
+                <a:latin typeface="맑은 고딕" charset="0"/>
+                <a:ea typeface="맑은 고딕" charset="0"/>
+              </a:rPr>
+              <a:t>텍스처를</a:t>
+            </a:r>
+            <a:r>
+              <a:rPr sz="1800">
+                <a:latin typeface="맑은 고딕" charset="0"/>
+                <a:ea typeface="맑은 고딕" charset="0"/>
+              </a:rPr>
+              <a:t> </a:t>
+            </a:r>
+            <a:r>
+              <a:rPr sz="1800">
+                <a:latin typeface="맑은 고딕" charset="0"/>
+                <a:ea typeface="맑은 고딕" charset="0"/>
+              </a:rPr>
+              <a:t>선택</a:t>
+            </a:r>
+            <a:r>
+              <a:rPr lang="ko-KR" sz="1800">
+                <a:latin typeface="맑은 고딕" charset="0"/>
+                <a:ea typeface="맑은 고딕" charset="0"/>
+              </a:rPr>
+              <a:t>하고</a:t>
+            </a:r>
+            <a:r>
+              <a:rPr lang="ko-KR" sz="1800">
+                <a:latin typeface="맑은 고딕" charset="0"/>
+                <a:ea typeface="맑은 고딕" charset="0"/>
+              </a:rPr>
+              <a:t> </a:t>
+            </a:r>
+            <a:r>
+              <a:rPr lang="ko-KR" sz="1800">
+                <a:latin typeface="맑은 고딕" charset="0"/>
+                <a:ea typeface="맑은 고딕" charset="0"/>
+              </a:rPr>
+              <a:t>Bee</a:t>
+            </a:r>
+            <a:r>
+              <a:rPr lang="ko-KR" sz="1800">
+                <a:latin typeface="맑은 고딕" charset="0"/>
+                <a:ea typeface="맑은 고딕" charset="0"/>
+              </a:rPr>
+              <a:t> 오브젝트에 </a:t>
+            </a:r>
+            <a:r>
+              <a:rPr lang="ko-KR" sz="1800">
+                <a:latin typeface="맑은 고딕" charset="0"/>
+                <a:ea typeface="맑은 고딕" charset="0"/>
+              </a:rPr>
+              <a:t>넣어줍니다.</a:t>
+            </a:r>
+            <a:endParaRPr lang="ko-KR" altLang="en-US" sz="1800">
+              <a:latin typeface="맑은 고딕" charset="0"/>
+              <a:ea typeface="맑은 고딕" charset="0"/>
+            </a:endParaRPr>
+          </a:p>
+        </p:txBody>
+      </p:sp>
+      <p:sp>
+        <p:nvSpPr>
+          <p:cNvPr id="111" name="Rect 0"/>
+          <p:cNvSpPr txBox="1">
+            <a:spLocks/>
+          </p:cNvSpPr>
+          <p:nvPr/>
+        </p:nvSpPr>
+        <p:spPr>
+          <a:xfrm rot="0">
+            <a:off x="6813550" y="5060315"/>
+            <a:ext cx="4144010" cy="954405"/>
+          </a:xfrm>
+          <a:prstGeom prst="rect"/>
+          <a:noFill/>
+          <a:ln w="0">
+            <a:noFill/>
+            <a:prstDash/>
+          </a:ln>
+        </p:spPr>
+        <p:txBody>
+          <a:bodyPr wrap="square" lIns="89535" tIns="46355" rIns="89535" bIns="46355" numCol="1" vert="horz" anchor="t">
+            <a:spAutoFit/>
+          </a:bodyPr>
+          <a:lstStyle/>
+          <a:p>
+            <a:pPr marL="0" indent="0" rtl="0" algn="l" defTabSz="914400" eaLnBrk="1" latinLnBrk="0" hangingPunct="1">
+              <a:buFontTx/>
+              <a:buNone/>
+            </a:pPr>
+            <a:r>
+              <a:rPr lang="ko-KR" sz="2000" b="1">
+                <a:solidFill>
+                  <a:srgbClr val="0611F2"/>
+                </a:solidFill>
+                <a:latin typeface="맑은 고딕" charset="0"/>
+                <a:ea typeface="맑은 고딕" charset="0"/>
+              </a:rPr>
+              <a:t>41</a:t>
+            </a:r>
+            <a:r>
+              <a:rPr sz="2000" b="1">
+                <a:solidFill>
+                  <a:srgbClr val="0611F2"/>
+                </a:solidFill>
+                <a:latin typeface="맑은 고딕" charset="0"/>
+                <a:ea typeface="맑은 고딕" charset="0"/>
+              </a:rPr>
+              <a:t>.</a:t>
+            </a:r>
+            <a:r>
+              <a:rPr sz="2000" b="1">
+                <a:solidFill>
+                  <a:srgbClr val="0611F2"/>
+                </a:solidFill>
+                <a:latin typeface="맑은 고딕" charset="0"/>
+                <a:ea typeface="맑은 고딕" charset="0"/>
+              </a:rPr>
+              <a:t> </a:t>
+            </a:r>
+            <a:r>
+              <a:rPr sz="1800">
+                <a:latin typeface="맑은 고딕" charset="0"/>
+                <a:ea typeface="맑은 고딕" charset="0"/>
+              </a:rPr>
+              <a:t>그러고 나서 Window의 </a:t>
+            </a:r>
+            <a:r>
+              <a:rPr sz="1800">
+                <a:latin typeface="맑은 고딕" charset="0"/>
+                <a:ea typeface="맑은 고딕" charset="0"/>
+              </a:rPr>
+              <a:t>Rendering을</a:t>
+            </a:r>
+            <a:r>
+              <a:rPr sz="1800">
+                <a:latin typeface="맑은 고딕" charset="0"/>
+                <a:ea typeface="맑은 고딕" charset="0"/>
+              </a:rPr>
+              <a:t> </a:t>
+            </a:r>
+            <a:r>
+              <a:rPr sz="1800">
+                <a:latin typeface="맑은 고딕" charset="0"/>
+                <a:ea typeface="맑은 고딕" charset="0"/>
+              </a:rPr>
+              <a:t>선택한</a:t>
+            </a:r>
+            <a:r>
+              <a:rPr sz="1800">
+                <a:latin typeface="맑은 고딕" charset="0"/>
+                <a:ea typeface="맑은 고딕" charset="0"/>
+              </a:rPr>
+              <a:t> </a:t>
+            </a:r>
+            <a:r>
+              <a:rPr sz="1800">
+                <a:latin typeface="맑은 고딕" charset="0"/>
+                <a:ea typeface="맑은 고딕" charset="0"/>
+              </a:rPr>
+              <a:t>다음</a:t>
+            </a:r>
+            <a:r>
+              <a:rPr sz="1800">
+                <a:latin typeface="맑은 고딕" charset="0"/>
+                <a:ea typeface="맑은 고딕" charset="0"/>
+              </a:rPr>
+              <a:t> Lighting을 </a:t>
+            </a:r>
+            <a:r>
+              <a:rPr sz="1800">
+                <a:latin typeface="맑은 고딕" charset="0"/>
+                <a:ea typeface="맑은 고딕" charset="0"/>
+              </a:rPr>
+              <a:t>선택합니다.</a:t>
+            </a:r>
+            <a:endParaRPr lang="ko-KR" altLang="en-US" sz="1800">
+              <a:latin typeface="맑은 고딕" charset="0"/>
+              <a:ea typeface="맑은 고딕" charset="0"/>
+            </a:endParaRPr>
+          </a:p>
+        </p:txBody>
+      </p:sp>
+      <p:pic>
+        <p:nvPicPr>
+          <p:cNvPr id="114" name="그림 39"/>
+          <p:cNvPicPr>
+            <a:picLocks noChangeAspect="1"/>
+          </p:cNvPicPr>
+          <p:nvPr/>
+        </p:nvPicPr>
+        <p:blipFill rotWithShape="1">
+          <a:blip r:embed="rId2" cstate="print">
+            <a:extLst>
+              <a:ext uri="{28A0092B-C50C-407E-A947-70E740481C1C}">
+                <a14:useLocalDpi xmlns:a14="http://schemas.microsoft.com/office/drawing/2010/main" val="0"/>
+              </a:ext>
+            </a:extLst>
+          </a:blip>
+          <a:stretch>
+            <a:fillRect/>
+          </a:stretch>
+        </p:blipFill>
+        <p:spPr>
+          <a:xfrm rot="0">
+            <a:off x="1243965" y="1424940"/>
+            <a:ext cx="2900045" cy="1297305"/>
+          </a:xfrm>
+          <a:prstGeom prst="roundRect"/>
+          <a:solidFill>
+            <a:srgbClr val="EDEDED"/>
+          </a:solidFill>
+        </p:spPr>
+      </p:pic>
+      <p:pic>
+        <p:nvPicPr>
+          <p:cNvPr id="115" name="그림 42"/>
+          <p:cNvPicPr>
+            <a:picLocks noChangeAspect="1"/>
+          </p:cNvPicPr>
+          <p:nvPr/>
+        </p:nvPicPr>
+        <p:blipFill rotWithShape="1">
+          <a:blip r:embed="rId3" cstate="print">
+            <a:extLst>
+              <a:ext uri="{28A0092B-C50C-407E-A947-70E740481C1C}">
+                <a14:useLocalDpi xmlns:a14="http://schemas.microsoft.com/office/drawing/2010/main" val="0"/>
+              </a:ext>
+            </a:extLst>
+          </a:blip>
+          <a:stretch>
+            <a:fillRect/>
+          </a:stretch>
+        </p:blipFill>
+        <p:spPr>
+          <a:xfrm rot="0">
+            <a:off x="4573905" y="1644650"/>
+            <a:ext cx="814070" cy="829310"/>
+          </a:xfrm>
+          <a:prstGeom prst="roundRect"/>
+          <a:solidFill>
+            <a:srgbClr val="EDEDED"/>
+          </a:solidFill>
+        </p:spPr>
+      </p:pic>
+      <p:cxnSp>
+        <p:nvCxnSpPr>
+          <p:cNvPr id="116" name="도형 45"/>
+          <p:cNvCxnSpPr>
+            <a:stCxn id="115" idx="1"/>
+          </p:cNvCxnSpPr>
+          <p:nvPr/>
+        </p:nvCxnSpPr>
+        <p:spPr>
+          <a:xfrm rot="0" flipH="1">
+            <a:off x="2627630" y="2058670"/>
+            <a:ext cx="1946910" cy="534670"/>
+          </a:xfrm>
+          <a:prstGeom prst="straightConnector1"/>
+          <a:ln w="6350" cap="flat" cmpd="sng">
+            <a:prstDash/>
+            <a:headEnd type="none" w="med" len="med"/>
+            <a:tailEnd type="triangle" w="med" len="med"/>
+          </a:ln>
+        </p:spPr>
+        <p:style>
+          <a:lnRef idx="1">
+            <a:schemeClr val="accent1"/>
+          </a:lnRef>
+          <a:fillRef idx="0">
+            <a:schemeClr val="accent1"/>
+          </a:fillRef>
+          <a:effectRef idx="0">
+            <a:schemeClr val="accent1"/>
+          </a:effectRef>
+          <a:fontRef idx="minor">
+            <a:schemeClr val="tx1"/>
+          </a:fontRef>
+        </p:style>
+      </p:cxnSp>
+      <p:sp>
+        <p:nvSpPr>
+          <p:cNvPr id="117" name="텍스트 상자 46"/>
+          <p:cNvSpPr txBox="1">
+            <a:spLocks/>
+          </p:cNvSpPr>
+          <p:nvPr/>
+        </p:nvSpPr>
+        <p:spPr>
+          <a:xfrm>
+            <a:off x="1240790" y="2828925"/>
+            <a:ext cx="4146550" cy="677545"/>
+          </a:xfrm>
+          <a:prstGeom prst="rect"/>
+          <a:noFill/>
+          <a:ln w="0">
+            <a:noFill/>
+            <a:prstDash/>
+          </a:ln>
+        </p:spPr>
+        <p:txBody>
+          <a:bodyPr wrap="square" lIns="89535" tIns="46355" rIns="89535" bIns="46355" numCol="1" vert="horz" anchor="t">
+            <a:spAutoFit/>
+          </a:bodyPr>
+          <a:lstStyle/>
+          <a:p>
+            <a:pPr marL="0" indent="0" rtl="0" algn="l" defTabSz="914400" eaLnBrk="1" latinLnBrk="0" hangingPunct="1">
+              <a:buFontTx/>
+              <a:buNone/>
+            </a:pPr>
+            <a:r>
+              <a:rPr lang="ko-KR" sz="2000" b="1">
+                <a:solidFill>
+                  <a:srgbClr val="0611F2"/>
+                </a:solidFill>
+                <a:latin typeface="맑은 고딕" charset="0"/>
+                <a:ea typeface="맑은 고딕" charset="0"/>
+              </a:rPr>
+              <a:t>3</a:t>
+            </a:r>
+            <a:r>
+              <a:rPr lang="ko-KR" sz="2000" b="1">
+                <a:solidFill>
+                  <a:srgbClr val="0611F2"/>
+                </a:solidFill>
+                <a:latin typeface="맑은 고딕" charset="0"/>
+                <a:ea typeface="맑은 고딕" charset="0"/>
+              </a:rPr>
+              <a:t>9</a:t>
+            </a:r>
+            <a:r>
+              <a:rPr sz="2000" b="1">
+                <a:solidFill>
+                  <a:srgbClr val="0611F2"/>
+                </a:solidFill>
+                <a:latin typeface="맑은 고딕" charset="0"/>
+                <a:ea typeface="맑은 고딕" charset="0"/>
+              </a:rPr>
+              <a:t>.</a:t>
+            </a:r>
+            <a:r>
+              <a:rPr sz="2000" b="1">
+                <a:solidFill>
+                  <a:srgbClr val="0611F2"/>
+                </a:solidFill>
+                <a:latin typeface="맑은 고딕" charset="0"/>
+                <a:ea typeface="맑은 고딕" charset="0"/>
+              </a:rPr>
+              <a:t> </a:t>
+            </a:r>
+            <a:r>
+              <a:rPr sz="1800">
+                <a:latin typeface="맑은 고딕" charset="0"/>
+                <a:ea typeface="맑은 고딕" charset="0"/>
+              </a:rPr>
+              <a:t>그런 다음 Bee 스크립트를 </a:t>
+            </a:r>
+            <a:r>
+              <a:rPr sz="1800">
+                <a:latin typeface="맑은 고딕" charset="0"/>
+                <a:ea typeface="맑은 고딕" charset="0"/>
+              </a:rPr>
+              <a:t>생성하고</a:t>
+            </a:r>
+            <a:r>
+              <a:rPr sz="1800">
+                <a:latin typeface="맑은 고딕" charset="0"/>
+                <a:ea typeface="맑은 고딕" charset="0"/>
+              </a:rPr>
+              <a:t> </a:t>
+            </a:r>
+            <a:r>
+              <a:rPr sz="1800">
+                <a:latin typeface="맑은 고딕" charset="0"/>
+                <a:ea typeface="맑은 고딕" charset="0"/>
+              </a:rPr>
+              <a:t>Bee</a:t>
+            </a:r>
+            <a:r>
+              <a:rPr sz="1800">
+                <a:latin typeface="맑은 고딕" charset="0"/>
+                <a:ea typeface="맑은 고딕" charset="0"/>
+              </a:rPr>
+              <a:t> </a:t>
+            </a:r>
+            <a:r>
+              <a:rPr sz="1800">
+                <a:latin typeface="맑은 고딕" charset="0"/>
+                <a:ea typeface="맑은 고딕" charset="0"/>
+              </a:rPr>
+              <a:t>오브젝트에</a:t>
+            </a:r>
+            <a:r>
+              <a:rPr sz="1800">
+                <a:latin typeface="맑은 고딕" charset="0"/>
+                <a:ea typeface="맑은 고딕" charset="0"/>
+              </a:rPr>
+              <a:t> 넣어줍니다.</a:t>
+            </a:r>
+            <a:endParaRPr lang="ko-KR" altLang="en-US" sz="1800">
+              <a:latin typeface="맑은 고딕" charset="0"/>
+              <a:ea typeface="맑은 고딕" charset="0"/>
+            </a:endParaRPr>
+          </a:p>
+        </p:txBody>
+      </p:sp>
+      <p:pic>
+        <p:nvPicPr>
+          <p:cNvPr id="118" name="그림 47"/>
+          <p:cNvPicPr>
+            <a:picLocks noChangeAspect="1"/>
+          </p:cNvPicPr>
+          <p:nvPr/>
+        </p:nvPicPr>
+        <p:blipFill rotWithShape="1">
+          <a:blip r:embed="rId4" cstate="print">
+            <a:extLst>
+              <a:ext uri="{28A0092B-C50C-407E-A947-70E740481C1C}">
+                <a14:useLocalDpi xmlns:a14="http://schemas.microsoft.com/office/drawing/2010/main" val="0"/>
+              </a:ext>
+            </a:extLst>
+          </a:blip>
+          <a:stretch>
+            <a:fillRect/>
+          </a:stretch>
+        </p:blipFill>
+        <p:spPr>
+          <a:xfrm rot="0">
+            <a:off x="1252855" y="3667125"/>
+            <a:ext cx="1263015" cy="1269365"/>
+          </a:xfrm>
+          <a:prstGeom prst="roundRect"/>
+          <a:solidFill>
+            <a:srgbClr val="EDEDED"/>
+          </a:solidFill>
+        </p:spPr>
+      </p:pic>
+      <p:pic>
+        <p:nvPicPr>
+          <p:cNvPr id="119" name="그림 48"/>
+          <p:cNvPicPr>
+            <a:picLocks noChangeAspect="1"/>
+          </p:cNvPicPr>
+          <p:nvPr/>
+        </p:nvPicPr>
+        <p:blipFill rotWithShape="1">
+          <a:blip r:embed="rId5" cstate="print">
+            <a:extLst>
+              <a:ext uri="{28A0092B-C50C-407E-A947-70E740481C1C}">
+                <a14:useLocalDpi xmlns:a14="http://schemas.microsoft.com/office/drawing/2010/main" val="0"/>
+              </a:ext>
+            </a:extLst>
+          </a:blip>
+          <a:stretch>
+            <a:fillRect/>
+          </a:stretch>
+        </p:blipFill>
+        <p:spPr>
+          <a:xfrm rot="0">
+            <a:off x="2679065" y="3677920"/>
+            <a:ext cx="2713990" cy="1249680"/>
+          </a:xfrm>
+          <a:prstGeom prst="roundRect"/>
+          <a:solidFill>
+            <a:srgbClr val="EDEDED"/>
+          </a:solidFill>
+        </p:spPr>
+      </p:pic>
+      <p:cxnSp>
+        <p:nvCxnSpPr>
+          <p:cNvPr id="120" name="도형 53"/>
+          <p:cNvCxnSpPr/>
+          <p:nvPr/>
+        </p:nvCxnSpPr>
+        <p:spPr>
+          <a:xfrm rot="0" flipH="1">
+            <a:off x="1869440" y="4091305"/>
+            <a:ext cx="896620" cy="638175"/>
+          </a:xfrm>
+          <a:prstGeom prst="straightConnector1"/>
+          <a:ln w="6350" cap="flat" cmpd="sng">
+            <a:prstDash/>
+            <a:headEnd type="none" w="med" len="med"/>
+            <a:tailEnd type="triangle" w="med" len="med"/>
+          </a:ln>
+        </p:spPr>
+        <p:style>
+          <a:lnRef idx="1">
+            <a:schemeClr val="accent1"/>
+          </a:lnRef>
+          <a:fillRef idx="0">
+            <a:schemeClr val="accent1"/>
+          </a:fillRef>
+          <a:effectRef idx="0">
+            <a:schemeClr val="accent1"/>
+          </a:effectRef>
+          <a:fontRef idx="minor">
+            <a:schemeClr val="tx1"/>
+          </a:fontRef>
+        </p:style>
+      </p:cxnSp>
+      <p:pic>
+        <p:nvPicPr>
+          <p:cNvPr id="121" name="그림 54" descr="C:/Users/Admin1/AppData/Roaming/PolarisOffice/ETemp/27904_14353328/fImage228243308145.png"/>
+          <p:cNvPicPr>
+            <a:picLocks noChangeAspect="1"/>
+          </p:cNvPicPr>
+          <p:nvPr/>
+        </p:nvPicPr>
+        <p:blipFill rotWithShape="1">
+          <a:blip r:embed="rId6" cstate="hqprint">
+            <a:extLst>
+              <a:ext uri="{28A0092B-C50C-407E-A947-70E740481C1C}">
+                <a14:useLocalDpi xmlns:a14="http://schemas.microsoft.com/office/drawing/2010/main"/>
+              </a:ext>
+            </a:extLst>
+          </a:blip>
+          <a:stretch>
+            <a:fillRect/>
+          </a:stretch>
+        </p:blipFill>
+        <p:spPr>
+          <a:xfrm rot="0">
+            <a:off x="6822440" y="1421130"/>
+            <a:ext cx="4135755" cy="3506470"/>
+          </a:xfrm>
+          <a:prstGeom prst="roundRect"/>
+          <a:solidFill>
+            <a:srgbClr val="EDEDED"/>
+          </a:solidFill>
+        </p:spPr>
+      </p:pic>
+    </p:spTree>
+  </p:cSld>
+  <p:clrMapOvr>
+    <a:masterClrMapping/>
+  </p:clrMapOvr>
+  <mc:AlternateContent xmlns:mc="http://schemas.openxmlformats.org/markup-compatibility/2006">
+    <mc:Choice xmlns:p14="http://schemas.microsoft.com/office/powerpoint/2010/main" Requires="p14">
+      <p:transition spd="slow" p14:dur="2000"/>
+    </mc:Choice>
+    <mc:Fallback>
+      <p:transition spd="slow"/>
+    </mc:Fallback>
+  </mc:AlternateContent>
+  <p:timing>
+    <p:tnLst>
+      <p:par>
+        <p:cTn id="1" dur="indefinite" restart="never" nodeType="tmRoot"/>
+      </p:par>
+    </p:tnLst>
+  </p:timing>
+</p:sld>
+</file>
+
+<file path=ppt/slides/slide15.xml><?xml version="1.0" encoding="utf-8"?>
 <p:sld xmlns:a="http://schemas.openxmlformats.org/drawingml/2006/main" xmlns:r="http://schemas.openxmlformats.org/officeDocument/2006/relationships" xmlns:p="http://schemas.openxmlformats.org/presentationml/2006/main">
   <p:cSld>
     <p:spTree>
@@ -11020,7 +11815,7 @@
         <p:spPr>
           <a:xfrm rot="0">
             <a:off x="4101465" y="407035"/>
-            <a:ext cx="3987800" cy="478155"/>
+            <a:ext cx="3988435" cy="478155"/>
           </a:xfrm>
           <a:prstGeom prst="rect"/>
           <a:noFill/>
@@ -11044,7 +11839,7 @@
                 <a:latin typeface="나눔바른고딕" charset="0"/>
                 <a:ea typeface="나눔바른고딕" charset="0"/>
               </a:rPr>
-              <a:t>열네</a:t>
+              <a:t>열다섯</a:t>
             </a:r>
             <a:r>
               <a:rPr lang="ko-KR" sz="2500" b="1">
@@ -11070,8 +11865,8 @@
         </p:nvSpPr>
         <p:spPr>
           <a:xfrm rot="0">
-            <a:off x="1247775" y="5057140"/>
-            <a:ext cx="4145280" cy="954405"/>
+            <a:off x="1256030" y="5057140"/>
+            <a:ext cx="4110990" cy="954405"/>
           </a:xfrm>
           <a:prstGeom prst="rect"/>
           <a:noFill/>
@@ -11098,17 +11893,7 @@
                 <a:latin typeface="맑은 고딕" charset="0"/>
                 <a:ea typeface="맑은 고딕" charset="0"/>
               </a:rPr>
-              <a:t>4</a:t>
-            </a:r>
-            <a:r>
-              <a:rPr lang="ko-KR" sz="2000" b="1">
-                <a:solidFill>
-                  <a:srgbClr val="0611F2"/>
-                </a:solidFill>
-                <a:latin typeface="맑은 고딕" charset="0"/>
-                <a:ea typeface="맑은 고딕" charset="0"/>
-              </a:rPr>
-              <a:t>1</a:t>
+              <a:t>42</a:t>
             </a:r>
             <a:r>
               <a:rPr sz="2000" b="1">
@@ -11135,49 +11920,63 @@
                 <a:latin typeface="맑은 고딕" charset="0"/>
                 <a:ea typeface="맑은 고딕" charset="0"/>
               </a:rPr>
-              <a:t>이제 Texture 폴더 아래에 있는 </a:t>
+              <a:t>이제 Project 폴더 아래에 </a:t>
             </a:r>
             <a:r>
               <a:rPr sz="1800">
                 <a:latin typeface="맑은 고딕" charset="0"/>
                 <a:ea typeface="맑은 고딕" charset="0"/>
               </a:rPr>
-              <a:t>Game</a:t>
+              <a:t>있</a:t>
             </a:r>
             <a:r>
               <a:rPr sz="1800">
                 <a:latin typeface="맑은 고딕" charset="0"/>
                 <a:ea typeface="맑은 고딕" charset="0"/>
               </a:rPr>
-              <a:t> Texture 폴더에 Bee 텍스처를 </a:t>
+              <a:t>는 </a:t>
             </a:r>
             <a:r>
               <a:rPr sz="1800">
                 <a:latin typeface="맑은 고딕" charset="0"/>
                 <a:ea typeface="맑은 고딕" charset="0"/>
               </a:rPr>
-              <a:t>선택</a:t>
-            </a:r>
-            <a:r>
-              <a:rPr lang="ko-KR" sz="1800">
-                <a:latin typeface="맑은 고딕" charset="0"/>
-                <a:ea typeface="맑은 고딕" charset="0"/>
-              </a:rPr>
-              <a:t>하고</a:t>
-            </a:r>
-            <a:r>
-              <a:rPr lang="ko-KR" sz="1800">
-                <a:latin typeface="맑은 고딕" charset="0"/>
-                <a:ea typeface="맑은 고딕" charset="0"/>
-              </a:rPr>
-              <a:t> </a:t>
-            </a:r>
-            <a:r>
-              <a:rPr lang="ko-KR" sz="1800">
-                <a:latin typeface="맑은 고딕" charset="0"/>
-                <a:ea typeface="맑은 고딕" charset="0"/>
-              </a:rPr>
-              <a:t>Bee 오브젝트에 넣어줍니다.</a:t>
+              <a:t>Material</a:t>
+            </a:r>
+            <a:r>
+              <a:rPr sz="1800">
+                <a:latin typeface="맑은 고딕" charset="0"/>
+                <a:ea typeface="맑은 고딕" charset="0"/>
+              </a:rPr>
+              <a:t> 폴더에 Sky Box 머터리얼</a:t>
+            </a:r>
+            <a:r>
+              <a:rPr lang="ko-KR" sz="1800">
+                <a:latin typeface="맑은 고딕" charset="0"/>
+                <a:ea typeface="맑은 고딕" charset="0"/>
+              </a:rPr>
+              <a:t>을 </a:t>
+            </a:r>
+            <a:r>
+              <a:rPr lang="ko-KR" sz="1800">
+                <a:latin typeface="맑은 고딕" charset="0"/>
+                <a:ea typeface="맑은 고딕" charset="0"/>
+              </a:rPr>
+              <a:t>SkyBox</a:t>
+            </a:r>
+            <a:r>
+              <a:rPr lang="ko-KR" sz="1800">
+                <a:latin typeface="맑은 고딕" charset="0"/>
+                <a:ea typeface="맑은 고딕" charset="0"/>
+              </a:rPr>
+              <a:t> Material에 넣어줍니</a:t>
+            </a:r>
+            <a:r>
+              <a:rPr lang="ko-KR" sz="1800">
+                <a:latin typeface="맑은 고딕" charset="0"/>
+                <a:ea typeface="맑은 고딕" charset="0"/>
+              </a:rPr>
+              <a:t>다.</a:t>
             </a:r>
             <a:endParaRPr lang="ko-KR" altLang="en-US" sz="1800">
               <a:latin typeface="맑은 고딕" charset="0"/>
@@ -11224,17 +12023,7 @@
                 <a:latin typeface="맑은 고딕" charset="0"/>
                 <a:ea typeface="맑은 고딕" charset="0"/>
               </a:rPr>
-              <a:t>4</a:t>
-            </a:r>
-            <a:r>
-              <a:rPr lang="ko-KR" sz="2000" b="1">
-                <a:solidFill>
-                  <a:srgbClr val="0611F2"/>
-                </a:solidFill>
-                <a:latin typeface="맑은 고딕" charset="0"/>
-                <a:ea typeface="맑은 고딕" charset="0"/>
-              </a:rPr>
-              <a:t>2</a:t>
+              <a:t>44</a:t>
             </a:r>
             <a:r>
               <a:rPr sz="2000" b="1">
@@ -11261,42 +12050,35 @@
                 <a:latin typeface="맑은 고딕" charset="0"/>
                 <a:ea typeface="맑은 고딕" charset="0"/>
               </a:rPr>
-              <a:t>그리고</a:t>
+              <a:t>그런 다음 월드 공간에 있는 </a:t>
             </a:r>
             <a:r>
               <a:rPr sz="1800">
                 <a:latin typeface="맑은 고딕" charset="0"/>
                 <a:ea typeface="맑은 고딕" charset="0"/>
               </a:rPr>
-              <a:t> Window의 Rendering을 </a:t>
+              <a:t>Bee</a:t>
             </a:r>
             <a:r>
               <a:rPr sz="1800">
                 <a:latin typeface="맑은 고딕" charset="0"/>
                 <a:ea typeface="맑은 고딕" charset="0"/>
               </a:rPr>
-              <a:t>선택</a:t>
+              <a:t> </a:t>
             </a:r>
             <a:r>
               <a:rPr sz="1800">
                 <a:latin typeface="맑은 고딕" charset="0"/>
                 <a:ea typeface="맑은 고딕" charset="0"/>
               </a:rPr>
-              <a:t>한</a:t>
+              <a:t>오브젝트를</a:t>
             </a:r>
             <a:r>
               <a:rPr sz="1800">
                 <a:latin typeface="맑은 고딕" charset="0"/>
                 <a:ea typeface="맑은 고딕" charset="0"/>
               </a:rPr>
-              <a:t> </a:t>
-            </a:r>
-            <a:r>
-              <a:rPr sz="1800">
-                <a:latin typeface="맑은 고딕" charset="0"/>
-                <a:ea typeface="맑은 고딕" charset="0"/>
-              </a:rPr>
-              <a:t>다음 Lighting을 선택합니다.</a:t>
+              <a:t> 삭제합니다.</a:t>
             </a:r>
             <a:endParaRPr lang="ko-KR" altLang="en-US" sz="1800">
               <a:latin typeface="맑은 고딕" charset="0"/>
@@ -11307,7 +12089,7 @@
       </p:sp>
       <p:pic>
         <p:nvPicPr>
-          <p:cNvPr id="114" name="그림 39" descr="C:/Users/Admin1/AppData/Roaming/PolarisOffice/ETemp/5240_7992456/fImage59203239358.png"/>
+          <p:cNvPr id="122" name="그림 1" descr="C:/Users/Admin1/AppData/Roaming/PolarisOffice/ETemp/27904_14353328/fImage87483119169.png"/>
           <p:cNvPicPr>
             <a:picLocks noChangeAspect="1"/>
           </p:cNvPicPr>
@@ -11327,8 +12109,8 @@
         </p:blipFill>
         <p:spPr>
           <a:xfrm rot="0">
-            <a:off x="1243965" y="1424940"/>
-            <a:ext cx="2900045" cy="1297305"/>
+            <a:off x="8364220" y="1447165"/>
+            <a:ext cx="2593340" cy="1094105"/>
           </a:xfrm>
           <a:prstGeom prst="roundRect"/>
           <a:solidFill>
@@ -11338,7 +12120,7 @@
       </p:pic>
       <p:pic>
         <p:nvPicPr>
-          <p:cNvPr id="115" name="그림 42" descr="C:/Users/Admin1/AppData/Roaming/PolarisOffice/ETemp/5240_7992456/fImage18133246962.png"/>
+          <p:cNvPr id="123" name="그림 4" descr="C:/Users/Admin1/AppData/Roaming/PolarisOffice/ETemp/27904_14353328/fImage58423125724.png"/>
           <p:cNvPicPr>
             <a:picLocks noChangeAspect="1"/>
           </p:cNvPicPr>
@@ -11358,8 +12140,8 @@
         </p:blipFill>
         <p:spPr>
           <a:xfrm rot="0">
-            <a:off x="4573905" y="1644650"/>
-            <a:ext cx="814070" cy="829310"/>
+            <a:off x="6830695" y="1438275"/>
+            <a:ext cx="1379220" cy="1090930"/>
           </a:xfrm>
           <a:prstGeom prst="roundRect"/>
           <a:solidFill>
@@ -11369,16 +12151,14 @@
       </p:pic>
       <p:cxnSp>
         <p:nvCxnSpPr>
-          <p:cNvPr id="116" name="도형 45"/>
-          <p:cNvCxnSpPr>
-            <a:stCxn id="115" idx="1"/>
-          </p:cNvCxnSpPr>
+          <p:cNvPr id="124" name="도형 7"/>
+          <p:cNvCxnSpPr/>
           <p:nvPr/>
         </p:nvCxnSpPr>
         <p:spPr>
-          <a:xfrm rot="0" flipH="1">
-            <a:off x="2627630" y="2058670"/>
-            <a:ext cx="1946910" cy="534670"/>
+          <a:xfrm rot="0" flipV="1">
+            <a:off x="7537450" y="1816735"/>
+            <a:ext cx="922020" cy="638175"/>
           </a:xfrm>
           <a:prstGeom prst="straightConnector1"/>
           <a:ln w="6350" cap="flat" cmpd="sng">
@@ -11404,7 +12184,7 @@
       </p:cxnSp>
       <p:sp>
         <p:nvSpPr>
-          <p:cNvPr id="117" name="텍스트 상자 46"/>
+          <p:cNvPr id="125" name="텍스트 상자 8"/>
           <p:cNvSpPr txBox="1">
             <a:spLocks/>
           </p:cNvSpPr>
@@ -11412,8 +12192,8 @@
         </p:nvSpPr>
         <p:spPr>
           <a:xfrm rot="0">
-            <a:off x="1240790" y="2828925"/>
-            <a:ext cx="4145915" cy="677545"/>
+            <a:off x="6830695" y="2665095"/>
+            <a:ext cx="4126865" cy="954405"/>
           </a:xfrm>
           <a:prstGeom prst="rect"/>
           <a:noFill/>
@@ -11440,17 +12220,7 @@
                 <a:latin typeface="맑은 고딕" charset="0"/>
                 <a:ea typeface="맑은 고딕" charset="0"/>
               </a:rPr>
-              <a:t>4</a:t>
-            </a:r>
-            <a:r>
-              <a:rPr lang="ko-KR" sz="2000" b="1">
-                <a:solidFill>
-                  <a:srgbClr val="0611F2"/>
-                </a:solidFill>
-                <a:latin typeface="맑은 고딕" charset="0"/>
-                <a:ea typeface="맑은 고딕" charset="0"/>
-              </a:rPr>
-              <a:t>0</a:t>
+              <a:t>43</a:t>
             </a:r>
             <a:r>
               <a:rPr sz="2000" b="1">
@@ -11477,27 +12247,41 @@
                 <a:latin typeface="맑은 고딕" charset="0"/>
                 <a:ea typeface="맑은 고딕" charset="0"/>
               </a:rPr>
-              <a:t>그러고 나서 Bee 스크립트를 </a:t>
+              <a:t>그리고 Bee 오브젝트를 </a:t>
             </a:r>
             <a:r>
               <a:rPr sz="1800">
                 <a:latin typeface="맑은 고딕" charset="0"/>
                 <a:ea typeface="맑은 고딕" charset="0"/>
               </a:rPr>
-              <a:t>생성하</a:t>
+              <a:t>Project</a:t>
             </a:r>
             <a:r>
               <a:rPr sz="1800">
                 <a:latin typeface="맑은 고딕" charset="0"/>
                 <a:ea typeface="맑은 고딕" charset="0"/>
               </a:rPr>
-              <a:t>고</a:t>
+              <a:t> </a:t>
             </a:r>
             <a:r>
               <a:rPr sz="1800">
                 <a:latin typeface="맑은 고딕" charset="0"/>
                 <a:ea typeface="맑은 고딕" charset="0"/>
               </a:rPr>
+              <a:t>폴</a:t>
+            </a:r>
+            <a:r>
+              <a:rPr sz="1800">
+                <a:latin typeface="맑은 고딕" charset="0"/>
+                <a:ea typeface="맑은 고딕" charset="0"/>
+              </a:rPr>
+              <a:t>더</a:t>
+            </a:r>
+            <a:r>
+              <a:rPr sz="1800">
+                <a:latin typeface="맑은 고딕" charset="0"/>
+                <a:ea typeface="맑은 고딕" charset="0"/>
+              </a:rPr>
               <a:t> </a:t>
             </a:r>
             <a:r>
@@ -11505,7 +12289,21 @@
                 <a:latin typeface="맑은 고딕" charset="0"/>
                 <a:ea typeface="맑은 고딕" charset="0"/>
               </a:rPr>
-              <a:t>Bee 오브젝트에 넣어줍니다.</a:t>
+              <a:t>아래에 있는 Resources 폴더에 </a:t>
+            </a:r>
+            <a:r>
+              <a:rPr sz="1800">
+                <a:latin typeface="맑은 고딕" charset="0"/>
+                <a:ea typeface="맑은 고딕" charset="0"/>
+              </a:rPr>
+              <a:t>넣어줍니</a:t>
+            </a:r>
+            <a:r>
+              <a:rPr lang="ko-KR" sz="1800">
+                <a:latin typeface="맑은 고딕" charset="0"/>
+                <a:ea typeface="맑은 고딕" charset="0"/>
+              </a:rPr>
+              <a:t>다.</a:t>
             </a:r>
             <a:endParaRPr lang="ko-KR" altLang="en-US" sz="1800">
               <a:latin typeface="맑은 고딕" charset="0"/>
@@ -11516,7 +12314,7 @@
       </p:sp>
       <p:pic>
         <p:nvPicPr>
-          <p:cNvPr id="118" name="그림 47" descr="C:/Users/Admin1/AppData/Roaming/PolarisOffice/ETemp/5240_7992456/fImage59203274464.png"/>
+          <p:cNvPr id="126" name="그림 9" descr="C:/Users/Admin1/AppData/Roaming/PolarisOffice/ETemp/27904_14353328/fImage215813151478.png"/>
           <p:cNvPicPr>
             <a:picLocks noChangeAspect="1"/>
           </p:cNvPicPr>
@@ -11536,8 +12334,8 @@
         </p:blipFill>
         <p:spPr>
           <a:xfrm rot="0">
-            <a:off x="1252855" y="3667125"/>
-            <a:ext cx="1263015" cy="1269365"/>
+            <a:off x="1249045" y="1438275"/>
+            <a:ext cx="4126865" cy="2352040"/>
           </a:xfrm>
           <a:prstGeom prst="roundRect"/>
           <a:solidFill>
@@ -11547,7 +12345,7 @@
       </p:pic>
       <p:pic>
         <p:nvPicPr>
-          <p:cNvPr id="119" name="그림 48" descr="C:/Users/Admin1/AppData/Roaming/PolarisOffice/ETemp/5240_7992456/fImage128983285705.png"/>
+          <p:cNvPr id="127" name="그림 12" descr="C:/Users/Admin1/AppData/Roaming/PolarisOffice/ETemp/27904_14353328/fImage124303169358.png"/>
           <p:cNvPicPr>
             <a:picLocks noChangeAspect="1"/>
           </p:cNvPicPr>
@@ -11567,8 +12365,8 @@
         </p:blipFill>
         <p:spPr>
           <a:xfrm rot="0">
-            <a:off x="2679065" y="3677920"/>
-            <a:ext cx="2713990" cy="1249680"/>
+            <a:off x="1261745" y="3944620"/>
+            <a:ext cx="4122420" cy="1017270"/>
           </a:xfrm>
           <a:prstGeom prst="roundRect"/>
           <a:solidFill>
@@ -11578,14 +12376,14 @@
       </p:pic>
       <p:cxnSp>
         <p:nvCxnSpPr>
-          <p:cNvPr id="120" name="도형 53"/>
+          <p:cNvPr id="128" name="도형 15"/>
           <p:cNvCxnSpPr/>
           <p:nvPr/>
         </p:nvCxnSpPr>
         <p:spPr>
-          <a:xfrm rot="0" flipH="1">
-            <a:off x="1869440" y="4091305"/>
-            <a:ext cx="896620" cy="638175"/>
+          <a:xfrm rot="0" flipV="1">
+            <a:off x="3695700" y="1688465"/>
+            <a:ext cx="1550670" cy="2541270"/>
           </a:xfrm>
           <a:prstGeom prst="straightConnector1"/>
           <a:ln w="6350" cap="flat" cmpd="sng">
@@ -11611,14 +12409,45 @@
       </p:cxnSp>
       <p:pic>
         <p:nvPicPr>
-          <p:cNvPr id="121" name="그림 54" descr="C:/Users/Admin1/AppData/Roaming/PolarisOffice/ETemp/5240_7992456/fImage228243308145.png"/>
+          <p:cNvPr id="129" name="그림 17" descr="C:/Users/Admin1/AppData/Roaming/PolarisOffice/ETemp/27904_14353328/fImage46363206962.png"/>
           <p:cNvPicPr>
             <a:picLocks noChangeAspect="1"/>
           </p:cNvPicPr>
           <p:nvPr/>
         </p:nvPicPr>
         <p:blipFill rotWithShape="1">
-          <a:blip r:embed="rId6" cstate="print">
+          <a:blip r:embed="rId6" cstate="hqprint">
+            <a:extLst>
+              <a:ext uri="{28A0092B-C50C-407E-A947-70E740481C1C}">
+                <a14:useLocalDpi xmlns:a14="http://schemas.microsoft.com/office/drawing/2010/main"/>
+              </a:ext>
+            </a:extLst>
+          </a:blip>
+          <a:stretch>
+            <a:fillRect/>
+          </a:stretch>
+        </p:blipFill>
+        <p:spPr>
+          <a:xfrm rot="0">
+            <a:off x="8389620" y="3781425"/>
+            <a:ext cx="2559050" cy="1421765"/>
+          </a:xfrm>
+          <a:prstGeom prst="roundRect"/>
+          <a:solidFill>
+            <a:srgbClr val="EDEDED"/>
+          </a:solidFill>
+        </p:spPr>
+      </p:pic>
+      <p:pic>
+        <p:nvPicPr>
+          <p:cNvPr id="130" name="그림 18" descr="C:/Users/Admin1/AppData/Roaming/PolarisOffice/ETemp/27904_14353328/fImage58423214464.png"/>
+          <p:cNvPicPr>
+            <a:picLocks noChangeAspect="1"/>
+          </p:cNvPicPr>
+          <p:nvPr/>
+        </p:nvPicPr>
+        <p:blipFill rotWithShape="1">
+          <a:blip r:embed="rId7" cstate="print">
             <a:extLst>
               <a:ext uri="{28A0092B-C50C-407E-A947-70E740481C1C}">
                 <a14:useLocalDpi xmlns:a14="http://schemas.microsoft.com/office/drawing/2010/main" val="0"/>
@@ -11631,8 +12460,8 @@
         </p:blipFill>
         <p:spPr>
           <a:xfrm rot="0">
-            <a:off x="6822440" y="1421130"/>
-            <a:ext cx="4135120" cy="3704590"/>
+            <a:off x="6824980" y="3784600"/>
+            <a:ext cx="1379220" cy="1418590"/>
           </a:xfrm>
           <a:prstGeom prst="roundRect"/>
           <a:solidFill>
@@ -11640,6 +12469,614 @@
           </a:solidFill>
         </p:spPr>
       </p:pic>
+    </p:spTree>
+  </p:cSld>
+  <p:clrMapOvr>
+    <a:masterClrMapping/>
+  </p:clrMapOvr>
+  <mc:AlternateContent xmlns:mc="http://schemas.openxmlformats.org/markup-compatibility/2006">
+    <mc:Choice xmlns:p14="http://schemas.microsoft.com/office/powerpoint/2010/main" Requires="p14">
+      <p:transition spd="slow" p14:dur="2000"/>
+    </mc:Choice>
+    <mc:Fallback>
+      <p:transition spd="slow"/>
+    </mc:Fallback>
+  </mc:AlternateContent>
+  <p:timing>
+    <p:tnLst>
+      <p:par>
+        <p:cTn id="1" dur="indefinite" restart="never" nodeType="tmRoot"/>
+      </p:par>
+    </p:tnLst>
+  </p:timing>
+</p:sld>
+</file>
+
+<file path=ppt/slides/slide16.xml><?xml version="1.0" encoding="utf-8"?>
+<p:sld xmlns:a="http://schemas.openxmlformats.org/drawingml/2006/main" xmlns:r="http://schemas.openxmlformats.org/officeDocument/2006/relationships" xmlns:p="http://schemas.openxmlformats.org/presentationml/2006/main">
+  <p:cSld>
+    <p:spTree>
+      <p:nvGrpSpPr>
+        <p:cNvPr id="1" name=""/>
+        <p:cNvGrpSpPr/>
+        <p:nvPr/>
+      </p:nvGrpSpPr>
+      <p:grpSpPr>
+        <a:xfrm>
+          <a:off x="0" y="0"/>
+          <a:ext cx="0" cy="0"/>
+          <a:chOff x="0" y="0"/>
+          <a:chExt cx="0" cy="0"/>
+        </a:xfrm>
+      </p:grpSpPr>
+      <p:sp>
+        <p:nvSpPr>
+          <p:cNvPr id="27" name="Rect 0"/>
+          <p:cNvSpPr txBox="1">
+            <a:spLocks/>
+          </p:cNvSpPr>
+          <p:nvPr/>
+        </p:nvSpPr>
+        <p:spPr>
+          <a:xfrm rot="0">
+            <a:off x="4101465" y="407035"/>
+            <a:ext cx="3988435" cy="478155"/>
+          </a:xfrm>
+          <a:prstGeom prst="rect"/>
+          <a:noFill/>
+          <a:ln w="0">
+            <a:noFill/>
+            <a:prstDash/>
+          </a:ln>
+        </p:spPr>
+        <p:txBody>
+          <a:bodyPr wrap="square" lIns="89535" tIns="46355" rIns="89535" bIns="46355" numCol="1" vert="horz" anchor="t">
+            <a:spAutoFit/>
+          </a:bodyPr>
+          <a:lstStyle/>
+          <a:p>
+            <a:pPr marL="0" indent="0" algn="ctr" latinLnBrk="0" hangingPunct="1">
+              <a:buFontTx/>
+              <a:buNone/>
+            </a:pPr>
+            <a:r>
+              <a:rPr lang="ko-KR" sz="2500" b="1">
+                <a:latin typeface="나눔바른고딕" charset="0"/>
+                <a:ea typeface="나눔바른고딕" charset="0"/>
+              </a:rPr>
+              <a:t>열여섯</a:t>
+            </a:r>
+            <a:r>
+              <a:rPr lang="ko-KR" sz="2500" b="1">
+                <a:latin typeface="나눔바른고딕" charset="0"/>
+                <a:ea typeface="나눔바른고딕" charset="0"/>
+              </a:rPr>
+              <a:t> 번째 튜토리얼</a:t>
+            </a:r>
+            <a:endParaRPr lang="ko-KR" altLang="en-US" sz="2500" b="1">
+              <a:latin typeface="나눔바른고딕" charset="0"/>
+              <a:ea typeface="나눔바른고딕" charset="0"/>
+            </a:endParaRPr>
+          </a:p>
+        </p:txBody>
+      </p:sp>
+      <p:sp>
+        <p:nvSpPr>
+          <p:cNvPr id="111" name="Rect 0"/>
+          <p:cNvSpPr txBox="1">
+            <a:spLocks/>
+          </p:cNvSpPr>
+          <p:nvPr/>
+        </p:nvSpPr>
+        <p:spPr>
+          <a:xfrm rot="0">
+            <a:off x="6822440" y="2682875"/>
+            <a:ext cx="4126230" cy="954405"/>
+          </a:xfrm>
+          <a:prstGeom prst="rect"/>
+          <a:noFill/>
+          <a:ln w="0">
+            <a:noFill/>
+            <a:prstDash/>
+          </a:ln>
+        </p:spPr>
+        <p:txBody>
+          <a:bodyPr wrap="square" lIns="89535" tIns="46355" rIns="89535" bIns="46355" numCol="1" vert="horz" anchor="t">
+            <a:spAutoFit/>
+          </a:bodyPr>
+          <a:lstStyle/>
+          <a:p>
+            <a:pPr marL="0" indent="0" rtl="0" algn="l" defTabSz="914400" eaLnBrk="1" latinLnBrk="0" hangingPunct="1">
+              <a:buFontTx/>
+              <a:buNone/>
+            </a:pPr>
+            <a:r>
+              <a:rPr lang="ko-KR" sz="2000" b="1">
+                <a:solidFill>
+                  <a:srgbClr val="0611F2"/>
+                </a:solidFill>
+                <a:latin typeface="맑은 고딕" charset="0"/>
+                <a:ea typeface="맑은 고딕" charset="0"/>
+              </a:rPr>
+              <a:t>46</a:t>
+            </a:r>
+            <a:r>
+              <a:rPr sz="2000" b="1">
+                <a:solidFill>
+                  <a:srgbClr val="0611F2"/>
+                </a:solidFill>
+                <a:latin typeface="맑은 고딕" charset="0"/>
+                <a:ea typeface="맑은 고딕" charset="0"/>
+              </a:rPr>
+              <a:t>.</a:t>
+            </a:r>
+            <a:r>
+              <a:rPr sz="2000" b="1">
+                <a:solidFill>
+                  <a:srgbClr val="0611F2"/>
+                </a:solidFill>
+                <a:latin typeface="맑은 고딕" charset="0"/>
+                <a:ea typeface="맑은 고딕" charset="0"/>
+              </a:rPr>
+              <a:t> </a:t>
+            </a:r>
+            <a:r>
+              <a:rPr sz="1800">
+                <a:latin typeface="맑은 고딕" charset="0"/>
+                <a:ea typeface="맑은 고딕" charset="0"/>
+              </a:rPr>
+              <a:t>그러고 나서 Bee 오브젝트에 있는 </a:t>
+            </a:r>
+            <a:r>
+              <a:rPr sz="1800">
+                <a:latin typeface="맑은 고딕" charset="0"/>
+                <a:ea typeface="맑은 고딕" charset="0"/>
+              </a:rPr>
+              <a:t>Sphere</a:t>
+            </a:r>
+            <a:r>
+              <a:rPr sz="1800">
+                <a:latin typeface="맑은 고딕" charset="0"/>
+                <a:ea typeface="맑은 고딕" charset="0"/>
+              </a:rPr>
+              <a:t> </a:t>
+            </a:r>
+            <a:r>
+              <a:rPr sz="1800">
+                <a:latin typeface="맑은 고딕" charset="0"/>
+                <a:ea typeface="맑은 고딕" charset="0"/>
+              </a:rPr>
+              <a:t>Collider의</a:t>
+            </a:r>
+            <a:r>
+              <a:rPr sz="1800">
+                <a:latin typeface="맑은 고딕" charset="0"/>
+                <a:ea typeface="맑은 고딕" charset="0"/>
+              </a:rPr>
+              <a:t> Center와 Radius를 </a:t>
+            </a:r>
+            <a:r>
+              <a:rPr sz="1800">
+                <a:latin typeface="맑은 고딕" charset="0"/>
+                <a:ea typeface="맑은 고딕" charset="0"/>
+              </a:rPr>
+              <a:t>설정합니</a:t>
+            </a:r>
+            <a:r>
+              <a:rPr sz="1800">
+                <a:latin typeface="맑은 고딕" charset="0"/>
+                <a:ea typeface="맑은 고딕" charset="0"/>
+              </a:rPr>
+              <a:t>다.</a:t>
+            </a:r>
+            <a:endParaRPr lang="ko-KR" altLang="en-US" sz="1800">
+              <a:latin typeface="맑은 고딕" charset="0"/>
+              <a:ea typeface="맑은 고딕" charset="0"/>
+            </a:endParaRPr>
+          </a:p>
+        </p:txBody>
+      </p:sp>
+      <p:pic>
+        <p:nvPicPr>
+          <p:cNvPr id="131" name="그림 33" descr="C:/Users/Admin1/AppData/Roaming/PolarisOffice/ETemp/27904_14353328/fImage89511486334.png"/>
+          <p:cNvPicPr>
+            <a:picLocks noChangeAspect="1"/>
+          </p:cNvPicPr>
+          <p:nvPr/>
+        </p:nvPicPr>
+        <p:blipFill rotWithShape="1">
+          <a:blip r:embed="rId2" cstate="hqprint">
+            <a:extLst>
+              <a:ext uri="{28A0092B-C50C-407E-A947-70E740481C1C}">
+                <a14:useLocalDpi xmlns:a14="http://schemas.microsoft.com/office/drawing/2010/main"/>
+              </a:ext>
+            </a:extLst>
+          </a:blip>
+          <a:stretch>
+            <a:fillRect/>
+          </a:stretch>
+        </p:blipFill>
+        <p:spPr>
+          <a:xfrm rot="0">
+            <a:off x="1257935" y="1437640"/>
+            <a:ext cx="4126865" cy="3765550"/>
+          </a:xfrm>
+          <a:prstGeom prst="roundRect"/>
+          <a:solidFill>
+            <a:srgbClr val="EDEDED"/>
+          </a:solidFill>
+        </p:spPr>
+      </p:pic>
+      <p:sp>
+        <p:nvSpPr>
+          <p:cNvPr id="132" name="텍스트 상자 34"/>
+          <p:cNvSpPr txBox="1">
+            <a:spLocks/>
+          </p:cNvSpPr>
+          <p:nvPr/>
+        </p:nvSpPr>
+        <p:spPr>
+          <a:xfrm rot="0">
+            <a:off x="1249045" y="5335905"/>
+            <a:ext cx="4144645" cy="677545"/>
+          </a:xfrm>
+          <a:prstGeom prst="rect"/>
+          <a:noFill/>
+          <a:ln w="0">
+            <a:noFill/>
+            <a:prstDash/>
+          </a:ln>
+        </p:spPr>
+        <p:txBody>
+          <a:bodyPr wrap="square" lIns="89535" tIns="46355" rIns="89535" bIns="46355" numCol="1" vert="horz" anchor="t">
+            <a:spAutoFit/>
+          </a:bodyPr>
+          <a:lstStyle/>
+          <a:p>
+            <a:pPr marL="0" indent="0" rtl="0" algn="l" defTabSz="914400" eaLnBrk="1" latinLnBrk="0" hangingPunct="1">
+              <a:buFontTx/>
+              <a:buNone/>
+            </a:pPr>
+            <a:r>
+              <a:rPr sz="2000" b="1">
+                <a:solidFill>
+                  <a:srgbClr val="0611F2"/>
+                </a:solidFill>
+                <a:latin typeface="맑은 고딕" charset="0"/>
+                <a:ea typeface="맑은 고딕" charset="0"/>
+              </a:rPr>
+              <a:t>4</a:t>
+            </a:r>
+            <a:r>
+              <a:rPr sz="2000" b="1">
+                <a:solidFill>
+                  <a:srgbClr val="0611F2"/>
+                </a:solidFill>
+                <a:latin typeface="맑은 고딕" charset="0"/>
+                <a:ea typeface="맑은 고딕" charset="0"/>
+              </a:rPr>
+              <a:t>5</a:t>
+            </a:r>
+            <a:r>
+              <a:rPr sz="2000" b="1">
+                <a:solidFill>
+                  <a:srgbClr val="0611F2"/>
+                </a:solidFill>
+                <a:latin typeface="맑은 고딕" charset="0"/>
+                <a:ea typeface="맑은 고딕" charset="0"/>
+              </a:rPr>
+              <a:t>.</a:t>
+            </a:r>
+            <a:r>
+              <a:rPr sz="2000" b="1">
+                <a:solidFill>
+                  <a:srgbClr val="0611F2"/>
+                </a:solidFill>
+                <a:latin typeface="맑은 고딕" charset="0"/>
+                <a:ea typeface="맑은 고딕" charset="0"/>
+              </a:rPr>
+              <a:t> </a:t>
+            </a:r>
+            <a:r>
+              <a:rPr sz="1800">
+                <a:latin typeface="맑은 고딕" charset="0"/>
+                <a:ea typeface="맑은 고딕" charset="0"/>
+              </a:rPr>
+              <a:t>그다음</a:t>
+            </a:r>
+            <a:r>
+              <a:rPr lang="ko-KR" sz="1800">
+                <a:latin typeface="맑은 고딕" charset="0"/>
+                <a:ea typeface="맑은 고딕" charset="0"/>
+              </a:rPr>
+              <a:t> Bee 오브젝트에 </a:t>
+            </a:r>
+            <a:r>
+              <a:rPr lang="ko-KR" sz="1800">
+                <a:latin typeface="맑은 고딕" charset="0"/>
+                <a:ea typeface="맑은 고딕" charset="0"/>
+              </a:rPr>
+              <a:t>Photon</a:t>
+            </a:r>
+            <a:r>
+              <a:rPr lang="ko-KR" sz="1800">
+                <a:latin typeface="맑은 고딕" charset="0"/>
+                <a:ea typeface="맑은 고딕" charset="0"/>
+              </a:rPr>
+              <a:t> </a:t>
+            </a:r>
+            <a:r>
+              <a:rPr lang="ko-KR" sz="1800">
+                <a:latin typeface="맑은 고딕" charset="0"/>
+                <a:ea typeface="맑은 고딕" charset="0"/>
+              </a:rPr>
+              <a:t>View</a:t>
+            </a:r>
+            <a:r>
+              <a:rPr lang="ko-KR" sz="1800">
+                <a:latin typeface="맑은 고딕" charset="0"/>
+                <a:ea typeface="맑은 고딕" charset="0"/>
+              </a:rPr>
+              <a:t> </a:t>
+            </a:r>
+            <a:r>
+              <a:rPr lang="ko-KR" sz="1800">
+                <a:latin typeface="맑은 고딕" charset="0"/>
+                <a:ea typeface="맑은 고딕" charset="0"/>
+              </a:rPr>
+              <a:t>컴포넌트를</a:t>
+            </a:r>
+            <a:r>
+              <a:rPr lang="ko-KR" sz="1800">
+                <a:latin typeface="맑은 고딕" charset="0"/>
+                <a:ea typeface="맑은 고딕" charset="0"/>
+              </a:rPr>
+              <a:t> 추가합니다.</a:t>
+            </a:r>
+            <a:endParaRPr lang="ko-KR" altLang="en-US" sz="1800">
+              <a:latin typeface="맑은 고딕" charset="0"/>
+              <a:ea typeface="맑은 고딕" charset="0"/>
+            </a:endParaRPr>
+          </a:p>
+        </p:txBody>
+      </p:sp>
+      <p:pic>
+        <p:nvPicPr>
+          <p:cNvPr id="133" name="그림 35" descr="C:/Users/Admin1/AppData/Roaming/PolarisOffice/ETemp/27904_14353328/fImage106593485705.png"/>
+          <p:cNvPicPr>
+            <a:picLocks noChangeAspect="1"/>
+          </p:cNvPicPr>
+          <p:nvPr/>
+        </p:nvPicPr>
+        <p:blipFill rotWithShape="1">
+          <a:blip r:embed="rId3" cstate="print">
+            <a:extLst>
+              <a:ext uri="{28A0092B-C50C-407E-A947-70E740481C1C}">
+                <a14:useLocalDpi xmlns:a14="http://schemas.microsoft.com/office/drawing/2010/main" val="0"/>
+              </a:ext>
+            </a:extLst>
+          </a:blip>
+          <a:stretch>
+            <a:fillRect/>
+          </a:stretch>
+        </p:blipFill>
+        <p:spPr>
+          <a:xfrm rot="0">
+            <a:off x="6822440" y="1438275"/>
+            <a:ext cx="4126230" cy="1142365"/>
+          </a:xfrm>
+          <a:prstGeom prst="roundRect"/>
+          <a:solidFill>
+            <a:srgbClr val="EDEDED"/>
+          </a:solidFill>
+        </p:spPr>
+      </p:pic>
+      <p:pic>
+        <p:nvPicPr>
+          <p:cNvPr id="134" name="그림 41" descr="C:/Users/Admin1/AppData/Roaming/PolarisOffice/ETemp/27904_14353328/fImage126673508145.png"/>
+          <p:cNvPicPr>
+            <a:picLocks noChangeAspect="1"/>
+          </p:cNvPicPr>
+          <p:nvPr/>
+        </p:nvPicPr>
+        <p:blipFill rotWithShape="1">
+          <a:blip r:embed="rId4" cstate="print">
+            <a:extLst>
+              <a:ext uri="{28A0092B-C50C-407E-A947-70E740481C1C}">
+                <a14:useLocalDpi xmlns:a14="http://schemas.microsoft.com/office/drawing/2010/main" val="0"/>
+              </a:ext>
+            </a:extLst>
+          </a:blip>
+          <a:stretch>
+            <a:fillRect/>
+          </a:stretch>
+        </p:blipFill>
+        <p:spPr>
+          <a:xfrm rot="0">
+            <a:off x="6828155" y="3731260"/>
+            <a:ext cx="4120515" cy="1247775"/>
+          </a:xfrm>
+          <a:prstGeom prst="roundRect"/>
+          <a:solidFill>
+            <a:srgbClr val="EDEDED"/>
+          </a:solidFill>
+        </p:spPr>
+      </p:pic>
+      <p:sp>
+        <p:nvSpPr>
+          <p:cNvPr id="135" name="텍스트 상자 45"/>
+          <p:cNvSpPr txBox="1">
+            <a:spLocks/>
+          </p:cNvSpPr>
+          <p:nvPr/>
+        </p:nvSpPr>
+        <p:spPr>
+          <a:xfrm rot="0">
+            <a:off x="6815455" y="5062220"/>
+            <a:ext cx="4130675" cy="954405"/>
+          </a:xfrm>
+          <a:prstGeom prst="rect"/>
+          <a:noFill/>
+          <a:ln w="0">
+            <a:noFill/>
+            <a:prstDash/>
+          </a:ln>
+        </p:spPr>
+        <p:txBody>
+          <a:bodyPr wrap="square" lIns="89535" tIns="46355" rIns="89535" bIns="46355" numCol="1" vert="horz" anchor="t">
+            <a:spAutoFit/>
+          </a:bodyPr>
+          <a:lstStyle/>
+          <a:p>
+            <a:pPr marL="0" indent="0" rtl="0" algn="l" defTabSz="914400" eaLnBrk="1" latinLnBrk="0" hangingPunct="1">
+              <a:buFontTx/>
+              <a:buNone/>
+            </a:pPr>
+            <a:r>
+              <a:rPr sz="2000" b="1">
+                <a:solidFill>
+                  <a:srgbClr val="0611F2"/>
+                </a:solidFill>
+                <a:latin typeface="맑은 고딕" charset="0"/>
+                <a:ea typeface="맑은 고딕" charset="0"/>
+              </a:rPr>
+              <a:t>4</a:t>
+            </a:r>
+            <a:r>
+              <a:rPr lang="ko-KR" sz="2000" b="1">
+                <a:solidFill>
+                  <a:srgbClr val="0611F2"/>
+                </a:solidFill>
+                <a:latin typeface="맑은 고딕" charset="0"/>
+                <a:ea typeface="맑은 고딕" charset="0"/>
+              </a:rPr>
+              <a:t>7</a:t>
+            </a:r>
+            <a:r>
+              <a:rPr sz="2000" b="1">
+                <a:solidFill>
+                  <a:srgbClr val="0611F2"/>
+                </a:solidFill>
+                <a:latin typeface="맑은 고딕" charset="0"/>
+                <a:ea typeface="맑은 고딕" charset="0"/>
+              </a:rPr>
+              <a:t>.</a:t>
+            </a:r>
+            <a:r>
+              <a:rPr sz="2000" b="1">
+                <a:solidFill>
+                  <a:srgbClr val="0611F2"/>
+                </a:solidFill>
+                <a:latin typeface="맑은 고딕" charset="0"/>
+                <a:ea typeface="맑은 고딕" charset="0"/>
+              </a:rPr>
+              <a:t> </a:t>
+            </a:r>
+            <a:r>
+              <a:rPr sz="1800">
+                <a:latin typeface="맑은 고딕" charset="0"/>
+                <a:ea typeface="맑은 고딕" charset="0"/>
+              </a:rPr>
+              <a:t>이제</a:t>
+            </a:r>
+            <a:r>
+              <a:rPr lang="ko-KR" sz="1800">
+                <a:latin typeface="맑은 고딕" charset="0"/>
+                <a:ea typeface="맑은 고딕" charset="0"/>
+              </a:rPr>
+              <a:t> Character 오브젝트에 </a:t>
+            </a:r>
+            <a:r>
+              <a:rPr lang="ko-KR" sz="1800">
+                <a:latin typeface="맑은 고딕" charset="0"/>
+                <a:ea typeface="맑은 고딕" charset="0"/>
+              </a:rPr>
+              <a:t>있는 </a:t>
+            </a:r>
+            <a:r>
+              <a:rPr lang="ko-KR" sz="1800">
+                <a:latin typeface="맑은 고딕" charset="0"/>
+                <a:ea typeface="맑은 고딕" charset="0"/>
+              </a:rPr>
+              <a:t>C</a:t>
+            </a:r>
+            <a:r>
+              <a:rPr lang="ko-KR" sz="1800">
+                <a:latin typeface="맑은 고딕" charset="0"/>
+                <a:ea typeface="맑은 고딕" charset="0"/>
+              </a:rPr>
+              <a:t>aps</a:t>
+            </a:r>
+            <a:r>
+              <a:rPr lang="ko-KR" sz="1800">
+                <a:latin typeface="맑은 고딕" charset="0"/>
+                <a:ea typeface="맑은 고딕" charset="0"/>
+              </a:rPr>
+              <a:t>u</a:t>
+            </a:r>
+            <a:r>
+              <a:rPr lang="ko-KR" sz="1800">
+                <a:latin typeface="맑은 고딕" charset="0"/>
+                <a:ea typeface="맑은 고딕" charset="0"/>
+              </a:rPr>
+              <a:t>le</a:t>
+            </a:r>
+            <a:r>
+              <a:rPr sz="1800">
+                <a:latin typeface="맑은 고딕" charset="0"/>
+                <a:ea typeface="맑은 고딕" charset="0"/>
+              </a:rPr>
+              <a:t> </a:t>
+            </a:r>
+            <a:r>
+              <a:rPr sz="1800">
+                <a:latin typeface="맑은 고딕" charset="0"/>
+                <a:ea typeface="맑은 고딕" charset="0"/>
+              </a:rPr>
+              <a:t>Collider의</a:t>
+            </a:r>
+            <a:r>
+              <a:rPr sz="1800">
+                <a:latin typeface="맑은 고딕" charset="0"/>
+                <a:ea typeface="맑은 고딕" charset="0"/>
+              </a:rPr>
+              <a:t> Center와 </a:t>
+            </a:r>
+            <a:r>
+              <a:rPr sz="1800">
+                <a:latin typeface="맑은 고딕" charset="0"/>
+                <a:ea typeface="맑은 고딕" charset="0"/>
+              </a:rPr>
+              <a:t>Height를</a:t>
+            </a:r>
+            <a:r>
+              <a:rPr sz="1800">
+                <a:latin typeface="맑은 고딕" charset="0"/>
+                <a:ea typeface="맑은 고딕" charset="0"/>
+              </a:rPr>
+              <a:t> </a:t>
+            </a:r>
+            <a:r>
+              <a:rPr sz="1800">
+                <a:latin typeface="맑은 고딕" charset="0"/>
+                <a:ea typeface="맑은 고딕" charset="0"/>
+              </a:rPr>
+              <a:t>설정합니</a:t>
+            </a:r>
+            <a:r>
+              <a:rPr sz="1800">
+                <a:latin typeface="맑은 고딕" charset="0"/>
+                <a:ea typeface="맑은 고딕" charset="0"/>
+              </a:rPr>
+              <a:t>다.</a:t>
+            </a:r>
+            <a:endParaRPr lang="ko-KR" altLang="en-US" sz="1800">
+              <a:latin typeface="맑은 고딕" charset="0"/>
+              <a:ea typeface="맑은 고딕" charset="0"/>
+            </a:endParaRPr>
+          </a:p>
+        </p:txBody>
+      </p:sp>
     </p:spTree>
   </p:cSld>
   <p:clrMapOvr>
@@ -16898,7 +18335,7 @@
       </p:cxnSp>
       <p:pic>
         <p:nvPicPr>
-          <p:cNvPr id="87" name="그림 1" descr="C:/Users/Admin1/AppData/Roaming/PolarisOffice/ETemp/4640_5818368/fImage622015741.png"/>
+          <p:cNvPr id="87" name="그림 1"/>
           <p:cNvPicPr>
             <a:picLocks noChangeAspect="1"/>
           </p:cNvPicPr>
@@ -16937,8 +18374,8 @@
         </p:nvSpPr>
         <p:spPr>
           <a:xfrm rot="0">
-            <a:off x="6824345" y="2694940"/>
-            <a:ext cx="4142105" cy="647065"/>
+            <a:off x="6824345" y="2712085"/>
+            <a:ext cx="4142740" cy="647700"/>
           </a:xfrm>
           <a:prstGeom prst="rect"/>
           <a:noFill/>
@@ -16965,27 +18402,7 @@
                 <a:latin typeface="맑은 고딕" charset="0"/>
                 <a:ea typeface="맑은 고딕" charset="0"/>
               </a:rPr>
-              <a:t>2</a:t>
-            </a:r>
-            <a:r>
-              <a:rPr sz="1800" b="1">
-                <a:solidFill>
-                  <a:srgbClr val="0611F2"/>
-                </a:solidFill>
-                <a:latin typeface="맑은 고딕" charset="0"/>
-                <a:ea typeface="맑은 고딕" charset="0"/>
-              </a:rPr>
-              <a:t>5</a:t>
-            </a:r>
-            <a:r>
-              <a:rPr sz="1800" b="1">
-                <a:solidFill>
-                  <a:srgbClr val="0611F2"/>
-                </a:solidFill>
-                <a:latin typeface="맑은 고딕" charset="0"/>
-                <a:ea typeface="맑은 고딕" charset="0"/>
-              </a:rPr>
-              <a:t>.</a:t>
+              <a:t>25.</a:t>
             </a:r>
             <a:r>
               <a:rPr sz="1800">
@@ -17013,21 +18430,7 @@
                 <a:latin typeface="맑은 고딕" charset="0"/>
                 <a:ea typeface="맑은 고딕" charset="0"/>
               </a:rPr>
-              <a:t> </a:t>
-            </a:r>
-            <a:r>
-              <a:rPr lang="ko-KR" sz="1800">
-                <a:latin typeface="맑은 고딕" charset="0"/>
-                <a:ea typeface="맑은 고딕" charset="0"/>
-              </a:rPr>
-              <a:t>Collider를</a:t>
-            </a:r>
-            <a:r>
-              <a:rPr lang="ko-KR" sz="1800">
-                <a:latin typeface="맑은 고딕" charset="0"/>
-                <a:ea typeface="맑은 고딕" charset="0"/>
-              </a:rPr>
-              <a:t> 추가합니다.</a:t>
+              <a:t> Collider를 추가합니다.</a:t>
             </a:r>
             <a:endParaRPr lang="ko-KR" altLang="en-US" sz="1800">
               <a:latin typeface="맑은 고딕" charset="0"/>
@@ -17038,17 +18441,17 @@
       </p:sp>
       <p:pic>
         <p:nvPicPr>
-          <p:cNvPr id="89" name="그림 5" descr="C:/Users/Admin1/AppData/Roaming/PolarisOffice/ETemp/4640_5818368/fImage38391598467.png"/>
+          <p:cNvPr id="89" name="그림 19" descr="C:/Users/Admin1/AppData/Roaming/PolarisOffice/ETemp/27904_14353328/fImage437819841.png"/>
           <p:cNvPicPr>
             <a:picLocks noChangeAspect="1"/>
           </p:cNvPicPr>
           <p:nvPr/>
         </p:nvPicPr>
         <p:blipFill rotWithShape="1">
-          <a:blip r:embed="rId12" cstate="print">
+          <a:blip r:embed="rId14" cstate="hqprint">
             <a:extLst>
               <a:ext uri="{28A0092B-C50C-407E-A947-70E740481C1C}">
-                <a14:useLocalDpi xmlns:a14="http://schemas.microsoft.com/office/drawing/2010/main" val="0"/>
+                <a14:useLocalDpi xmlns:a14="http://schemas.microsoft.com/office/drawing/2010/main"/>
               </a:ext>
             </a:extLst>
           </a:blip>
@@ -17058,8 +18461,8 @@
         </p:blipFill>
         <p:spPr>
           <a:xfrm rot="0">
-            <a:off x="6826250" y="3583305"/>
-            <a:ext cx="1753870" cy="1723390"/>
+            <a:off x="6827520" y="3496945"/>
+            <a:ext cx="4130675" cy="1551305"/>
           </a:xfrm>
           <a:prstGeom prst="roundRect"/>
           <a:solidFill>
@@ -17067,40 +18470,9 @@
           </a:solidFill>
         </p:spPr>
       </p:pic>
-      <p:pic>
-        <p:nvPicPr>
-          <p:cNvPr id="90" name="그림 8" descr="C:/Users/Admin1/AppData/Roaming/PolarisOffice/ETemp/4640_5818368/fImage109091606334.png"/>
-          <p:cNvPicPr>
-            <a:picLocks noChangeAspect="1"/>
-          </p:cNvPicPr>
-          <p:nvPr/>
-        </p:nvPicPr>
-        <p:blipFill rotWithShape="1">
-          <a:blip r:embed="rId13" cstate="print">
-            <a:extLst>
-              <a:ext uri="{28A0092B-C50C-407E-A947-70E740481C1C}">
-                <a14:useLocalDpi xmlns:a14="http://schemas.microsoft.com/office/drawing/2010/main" val="0"/>
-              </a:ext>
-            </a:extLst>
-          </a:blip>
-          <a:stretch>
-            <a:fillRect/>
-          </a:stretch>
-        </p:blipFill>
-        <p:spPr>
-          <a:xfrm rot="0">
-            <a:off x="8785860" y="3572510"/>
-            <a:ext cx="2179955" cy="1734185"/>
-          </a:xfrm>
-          <a:prstGeom prst="roundRect"/>
-          <a:solidFill>
-            <a:srgbClr val="EDEDED"/>
-          </a:solidFill>
-        </p:spPr>
-      </p:pic>
       <p:sp>
         <p:nvSpPr>
-          <p:cNvPr id="91" name="텍스트 상자 11"/>
+          <p:cNvPr id="90" name="텍스트 상자 20"/>
           <p:cNvSpPr txBox="1">
             <a:spLocks/>
           </p:cNvSpPr>
@@ -17108,8 +18480,8 @@
         </p:nvSpPr>
         <p:spPr>
           <a:xfrm rot="0">
-            <a:off x="6818630" y="5488305"/>
-            <a:ext cx="4142105" cy="647065"/>
+            <a:off x="6840220" y="5180965"/>
+            <a:ext cx="4126230" cy="954405"/>
           </a:xfrm>
           <a:prstGeom prst="rect"/>
           <a:noFill/>
@@ -17129,7 +18501,7 @@
               <a:buNone/>
             </a:pPr>
             <a:r>
-              <a:rPr sz="1800" b="1">
+              <a:rPr lang="ko-KR" sz="2000" b="1">
                 <a:solidFill>
                   <a:srgbClr val="0611F2"/>
                 </a:solidFill>
@@ -17139,7 +18511,7 @@
               <a:t>2</a:t>
             </a:r>
             <a:r>
-              <a:rPr lang="ko-KR" sz="1800" b="1">
+              <a:rPr lang="ko-KR" sz="2000" b="1">
                 <a:solidFill>
                   <a:srgbClr val="0611F2"/>
                 </a:solidFill>
@@ -17149,7 +18521,7 @@
               <a:t>6</a:t>
             </a:r>
             <a:r>
-              <a:rPr sz="1800" b="1">
+              <a:rPr sz="2000" b="1">
                 <a:solidFill>
                   <a:srgbClr val="0611F2"/>
                 </a:solidFill>
@@ -17159,53 +18531,84 @@
               <a:t>.</a:t>
             </a:r>
             <a:r>
+              <a:rPr sz="2000" b="1">
+                <a:solidFill>
+                  <a:srgbClr val="0611F2"/>
+                </a:solidFill>
+                <a:latin typeface="맑은 고딕" charset="0"/>
+                <a:ea typeface="맑은 고딕" charset="0"/>
+              </a:rPr>
+              <a:t> </a:t>
+            </a:r>
+            <a:r>
               <a:rPr sz="1800">
                 <a:latin typeface="맑은 고딕" charset="0"/>
                 <a:ea typeface="맑은 고딕" charset="0"/>
               </a:rPr>
+              <a:t>그런 다음 Character </a:t>
+            </a:r>
+            <a:r>
+              <a:rPr sz="1800">
+                <a:latin typeface="맑은 고딕" charset="0"/>
+                <a:ea typeface="맑은 고딕" charset="0"/>
+              </a:rPr>
+              <a:t>오브젝트에</a:t>
+            </a:r>
+            <a:r>
+              <a:rPr sz="1800">
+                <a:latin typeface="맑은 고딕" charset="0"/>
+                <a:ea typeface="맑은 고딕" charset="0"/>
+              </a:rPr>
               <a:t> </a:t>
             </a:r>
             <a:r>
-              <a:rPr lang="ko-KR" sz="1800">
-                <a:latin typeface="맑은 고딕" charset="0"/>
-                <a:ea typeface="맑은 고딕" charset="0"/>
-              </a:rPr>
-              <a:t>그런 다음 Character 오브젝트를 </a:t>
-            </a:r>
-            <a:r>
-              <a:rPr lang="ko-KR" sz="1800">
-                <a:latin typeface="맑은 고딕" charset="0"/>
-                <a:ea typeface="맑은 고딕" charset="0"/>
-              </a:rPr>
-              <a:t>선택하고</a:t>
-            </a:r>
-            <a:r>
-              <a:rPr lang="ko-KR" sz="1800">
+              <a:rPr sz="1800">
+                <a:latin typeface="맑은 고딕" charset="0"/>
+                <a:ea typeface="맑은 고딕" charset="0"/>
+              </a:rPr>
+              <a:t>Photon</a:t>
+            </a:r>
+            <a:r>
+              <a:rPr sz="1800">
                 <a:latin typeface="맑은 고딕" charset="0"/>
                 <a:ea typeface="맑은 고딕" charset="0"/>
               </a:rPr>
               <a:t> </a:t>
             </a:r>
             <a:r>
-              <a:rPr lang="ko-KR" sz="1800">
-                <a:latin typeface="맑은 고딕" charset="0"/>
-                <a:ea typeface="맑은 고딕" charset="0"/>
-              </a:rPr>
-              <a:t>Add Tag...를</a:t>
-            </a:r>
-            <a:r>
-              <a:rPr lang="ko-KR" sz="1800">
+              <a:rPr sz="1800">
+                <a:latin typeface="맑은 고딕" charset="0"/>
+                <a:ea typeface="맑은 고딕" charset="0"/>
+              </a:rPr>
+              <a:t>Animator</a:t>
+            </a:r>
+            <a:r>
+              <a:rPr sz="1800">
+                <a:latin typeface="맑은 고딕" charset="0"/>
+                <a:ea typeface="맑은 고딕" charset="0"/>
+              </a:rPr>
+              <a:t> View </a:t>
+            </a:r>
+            <a:r>
+              <a:rPr sz="1800">
+                <a:latin typeface="맑은 고딕" charset="0"/>
+                <a:ea typeface="맑은 고딕" charset="0"/>
+              </a:rPr>
+              <a:t>컴포넌트를</a:t>
+            </a:r>
+            <a:r>
+              <a:rPr sz="1800">
                 <a:latin typeface="맑은 고딕" charset="0"/>
                 <a:ea typeface="맑은 고딕" charset="0"/>
               </a:rPr>
               <a:t> </a:t>
             </a:r>
             <a:r>
-              <a:rPr lang="ko-KR" sz="1800">
-                <a:latin typeface="맑은 고딕" charset="0"/>
-                <a:ea typeface="맑은 고딕" charset="0"/>
-              </a:rPr>
-              <a:t>선택합니다.</a:t>
+              <a:rPr sz="1800">
+                <a:latin typeface="맑은 고딕" charset="0"/>
+                <a:ea typeface="맑은 고딕" charset="0"/>
+              </a:rPr>
+              <a:t>추가합니다.</a:t>
             </a:r>
             <a:endParaRPr lang="ko-KR" altLang="en-US" sz="1800">
               <a:latin typeface="맑은 고딕" charset="0"/>

--- a/Assets/Class/Photon Server/PPT Data/Photon Game.pptx
+++ b/Assets/Class/Photon Server/PPT Data/Photon Game.pptx
@@ -2,28 +2,31 @@
 <file path=ppt/presentation.xml><?xml version="1.0" encoding="utf-8"?>
 <p:presentation xmlns:a="http://schemas.openxmlformats.org/drawingml/2006/main" xmlns:r="http://schemas.openxmlformats.org/officeDocument/2006/relationships" xmlns:p="http://schemas.openxmlformats.org/presentationml/2006/main" xmlns:p14="http://schemas.microsoft.com/office/powerpoint/2010/main" saveSubsetFonts="1" firstSlideNum="0">
   <p:sldMasterIdLst>
-    <p:sldMasterId id="2147486993" r:id="rId12"/>
+    <p:sldMasterId id="2147487010" r:id="rId12"/>
   </p:sldMasterIdLst>
   <p:notesMasterIdLst>
     <p:notesMasterId r:id="rId14"/>
   </p:notesMasterIdLst>
   <p:sldIdLst>
     <p:sldId id="309" r:id="rId16"/>
-    <p:sldId id="307" r:id="rId17"/>
-    <p:sldId id="327" r:id="rId19"/>
-    <p:sldId id="326" r:id="rId21"/>
-    <p:sldId id="320" r:id="rId23"/>
-    <p:sldId id="328" r:id="rId25"/>
-    <p:sldId id="321" r:id="rId27"/>
-    <p:sldId id="329" r:id="rId29"/>
-    <p:sldId id="322" r:id="rId31"/>
-    <p:sldId id="330" r:id="rId32"/>
-    <p:sldId id="331" r:id="rId33"/>
-    <p:sldId id="332" r:id="rId34"/>
-    <p:sldId id="333" r:id="rId35"/>
-    <p:sldId id="334" r:id="rId36"/>
-    <p:sldId id="335" r:id="rId37"/>
-    <p:sldId id="336" r:id="rId38"/>
+    <p:sldId id="307" r:id="rId18"/>
+    <p:sldId id="327" r:id="rId20"/>
+    <p:sldId id="326" r:id="rId22"/>
+    <p:sldId id="320" r:id="rId24"/>
+    <p:sldId id="328" r:id="rId26"/>
+    <p:sldId id="321" r:id="rId28"/>
+    <p:sldId id="329" r:id="rId30"/>
+    <p:sldId id="322" r:id="rId32"/>
+    <p:sldId id="330" r:id="rId34"/>
+    <p:sldId id="331" r:id="rId35"/>
+    <p:sldId id="332" r:id="rId37"/>
+    <p:sldId id="333" r:id="rId38"/>
+    <p:sldId id="334" r:id="rId39"/>
+    <p:sldId id="335" r:id="rId40"/>
+    <p:sldId id="336" r:id="rId41"/>
+    <p:sldId id="337" r:id="rId42"/>
+    <p:sldId id="338" r:id="rId43"/>
+    <p:sldId id="339" r:id="rId44"/>
   </p:sldIdLst>
   <p:sldSz cx="12192000" cy="6858000"/>
   <p:notesSz cx="6858000" cy="9144000"/>
@@ -1618,6 +1621,432 @@
 </p:notes>
 </file>
 
+<file path=ppt/notesSlides/notesSlide17.xml><?xml version="1.0" encoding="utf-8"?>
+<p:notes xmlns:a="http://schemas.openxmlformats.org/drawingml/2006/main" xmlns:r="http://schemas.openxmlformats.org/officeDocument/2006/relationships" xmlns:p="http://schemas.openxmlformats.org/presentationml/2006/main">
+  <p:cSld>
+    <p:spTree>
+      <p:nvGrpSpPr>
+        <p:cNvPr id="1" name=""/>
+        <p:cNvGrpSpPr/>
+        <p:nvPr/>
+      </p:nvGrpSpPr>
+      <p:grpSpPr>
+        <a:xfrm>
+          <a:off x="0" y="0"/>
+          <a:ext cx="0" cy="0"/>
+          <a:chOff x="0" y="0"/>
+          <a:chExt cx="0" cy="0"/>
+        </a:xfrm>
+      </p:grpSpPr>
+      <p:sp>
+        <p:nvSpPr>
+          <p:cNvPr id="2" name="슬라이드 이미지 개체 틀 3"/>
+          <p:cNvSpPr>
+            <a:spLocks noChangeAspect="1"/>
+          </p:cNvSpPr>
+          <p:nvPr>
+            <p:ph type="sldImg" idx="2"/>
+          </p:nvPr>
+        </p:nvSpPr>
+        <p:spPr>
+          <a:xfrm rot="0">
+            <a:off x="685800" y="1143000"/>
+            <a:ext cx="5496560" cy="3096260"/>
+          </a:xfrm>
+          <a:prstGeom prst="rect"/>
+          <a:noFill/>
+          <a:ln w="12700" cap="flat" cmpd="sng">
+            <a:solidFill>
+              <a:srgbClr val="000000">
+                <a:alpha val="100000"/>
+              </a:srgbClr>
+            </a:solidFill>
+            <a:prstDash val="solid"/>
+          </a:ln>
+        </p:spPr>
+        <p:txBody>
+          <a:bodyPr wrap="square" lIns="91440" tIns="45720" rIns="91440" bIns="45720" numCol="1" vert="horz" anchor="ctr">
+            <a:noAutofit/>
+          </a:bodyPr>
+          <a:lstStyle/>
+          <a:p>
+            <a:pPr marL="0" indent="0" latinLnBrk="0">
+              <a:buFontTx/>
+              <a:buNone/>
+            </a:pPr>
+          </a:p>
+        </p:txBody>
+      </p:sp>
+      <p:sp>
+        <p:nvSpPr>
+          <p:cNvPr id="3" name="슬라이드 노트 개체 틀 4"/>
+          <p:cNvSpPr txBox="1">
+            <a:spLocks/>
+          </p:cNvSpPr>
+          <p:nvPr>
+            <p:ph type="body" idx="3"/>
+          </p:nvPr>
+        </p:nvSpPr>
+        <p:spPr>
+          <a:xfrm rot="0">
+            <a:off x="685800" y="4400550"/>
+            <a:ext cx="5496560" cy="3610610"/>
+          </a:xfrm>
+          <a:prstGeom prst="rect"/>
+        </p:spPr>
+        <p:txBody>
+          <a:bodyPr wrap="square" lIns="91440" tIns="45720" rIns="91440" bIns="45720" numCol="1" vert="horz" anchor="t">
+            <a:noAutofit/>
+          </a:bodyPr>
+          <a:lstStyle/>
+          <a:p>
+            <a:pPr marL="0" indent="0" latinLnBrk="0">
+              <a:buFontTx/>
+              <a:buNone/>
+            </a:pPr>
+          </a:p>
+        </p:txBody>
+      </p:sp>
+      <p:sp>
+        <p:nvSpPr>
+          <p:cNvPr id="4" name="슬라이드 번호 개체 틀 6"/>
+          <p:cNvSpPr txBox="1">
+            <a:spLocks/>
+          </p:cNvSpPr>
+          <p:nvPr>
+            <p:ph type="sldNum" idx="5"/>
+          </p:nvPr>
+        </p:nvSpPr>
+        <p:spPr>
+          <a:xfrm rot="0">
+            <a:off x="3884930" y="8685530"/>
+            <a:ext cx="2981960" cy="468630"/>
+          </a:xfrm>
+          <a:prstGeom prst="rect"/>
+        </p:spPr>
+        <p:txBody>
+          <a:bodyPr wrap="square" lIns="91440" tIns="45720" rIns="91440" bIns="45720" numCol="1" vert="horz" anchor="b">
+            <a:noAutofit/>
+          </a:bodyPr>
+          <a:lstStyle>
+            <a:lvl1pPr marL="0" indent="0" algn="r" latinLnBrk="0">
+              <a:buFontTx/>
+              <a:buNone/>
+              <a:defRPr lang="en-GB" altLang="en-US" sz="1200"/>
+            </a:lvl1pPr>
+          </a:lstStyle>
+          <a:p>
+            <a:pPr marL="0" indent="0" latinLnBrk="0">
+              <a:buFontTx/>
+              <a:buNone/>
+            </a:pPr>
+            <a:fld id="{B9320F77-B9A0-41C5-862A-B4B631284C64}" type="slidenum">
+              <a:rPr lang="ko-KR" altLang="en-US"/>
+              <a:t>‹#›</a:t>
+            </a:fld>
+          </a:p>
+        </p:txBody>
+      </p:sp>
+    </p:spTree>
+  </p:cSld>
+  <p:clrMapOvr>
+    <a:masterClrMapping/>
+  </p:clrMapOvr>
+  <mc:AlternateContent xmlns:mc="http://schemas.openxmlformats.org/markup-compatibility/2006">
+    <mc:Choice xmlns:p14="http://schemas.microsoft.com/office/powerpoint/2010/main" Requires="p14">
+      <p:transition spd="slow" p14:dur="0"/>
+    </mc:Choice>
+    <mc:Fallback>
+      <p:transition spd="slow"/>
+    </mc:Fallback>
+  </mc:AlternateContent>
+</p:notes>
+</file>
+
+<file path=ppt/notesSlides/notesSlide18.xml><?xml version="1.0" encoding="utf-8"?>
+<p:notes xmlns:a="http://schemas.openxmlformats.org/drawingml/2006/main" xmlns:r="http://schemas.openxmlformats.org/officeDocument/2006/relationships" xmlns:p="http://schemas.openxmlformats.org/presentationml/2006/main">
+  <p:cSld>
+    <p:spTree>
+      <p:nvGrpSpPr>
+        <p:cNvPr id="1" name=""/>
+        <p:cNvGrpSpPr/>
+        <p:nvPr/>
+      </p:nvGrpSpPr>
+      <p:grpSpPr>
+        <a:xfrm>
+          <a:off x="0" y="0"/>
+          <a:ext cx="0" cy="0"/>
+          <a:chOff x="0" y="0"/>
+          <a:chExt cx="0" cy="0"/>
+        </a:xfrm>
+      </p:grpSpPr>
+      <p:sp>
+        <p:nvSpPr>
+          <p:cNvPr id="2" name="슬라이드 이미지 개체 틀 3"/>
+          <p:cNvSpPr>
+            <a:spLocks noChangeAspect="1"/>
+          </p:cNvSpPr>
+          <p:nvPr>
+            <p:ph type="sldImg" idx="2"/>
+          </p:nvPr>
+        </p:nvSpPr>
+        <p:spPr>
+          <a:xfrm rot="0">
+            <a:off x="685800" y="1143000"/>
+            <a:ext cx="5496560" cy="3096260"/>
+          </a:xfrm>
+          <a:prstGeom prst="rect"/>
+          <a:noFill/>
+          <a:ln w="12700" cap="flat" cmpd="sng">
+            <a:solidFill>
+              <a:srgbClr val="000000">
+                <a:alpha val="100000"/>
+              </a:srgbClr>
+            </a:solidFill>
+            <a:prstDash val="solid"/>
+          </a:ln>
+        </p:spPr>
+        <p:txBody>
+          <a:bodyPr wrap="square" lIns="91440" tIns="45720" rIns="91440" bIns="45720" numCol="1" vert="horz" anchor="ctr">
+            <a:noAutofit/>
+          </a:bodyPr>
+          <a:lstStyle/>
+          <a:p>
+            <a:pPr marL="0" indent="0" latinLnBrk="0">
+              <a:buFontTx/>
+              <a:buNone/>
+            </a:pPr>
+          </a:p>
+        </p:txBody>
+      </p:sp>
+      <p:sp>
+        <p:nvSpPr>
+          <p:cNvPr id="3" name="슬라이드 노트 개체 틀 4"/>
+          <p:cNvSpPr txBox="1">
+            <a:spLocks/>
+          </p:cNvSpPr>
+          <p:nvPr>
+            <p:ph type="body" idx="3"/>
+          </p:nvPr>
+        </p:nvSpPr>
+        <p:spPr>
+          <a:xfrm rot="0">
+            <a:off x="685800" y="4400550"/>
+            <a:ext cx="5496560" cy="3610610"/>
+          </a:xfrm>
+          <a:prstGeom prst="rect"/>
+        </p:spPr>
+        <p:txBody>
+          <a:bodyPr wrap="square" lIns="91440" tIns="45720" rIns="91440" bIns="45720" numCol="1" vert="horz" anchor="t">
+            <a:noAutofit/>
+          </a:bodyPr>
+          <a:lstStyle/>
+          <a:p>
+            <a:pPr marL="0" indent="0" latinLnBrk="0">
+              <a:buFontTx/>
+              <a:buNone/>
+            </a:pPr>
+          </a:p>
+        </p:txBody>
+      </p:sp>
+      <p:sp>
+        <p:nvSpPr>
+          <p:cNvPr id="4" name="슬라이드 번호 개체 틀 6"/>
+          <p:cNvSpPr txBox="1">
+            <a:spLocks/>
+          </p:cNvSpPr>
+          <p:nvPr>
+            <p:ph type="sldNum" idx="5"/>
+          </p:nvPr>
+        </p:nvSpPr>
+        <p:spPr>
+          <a:xfrm rot="0">
+            <a:off x="3884930" y="8685530"/>
+            <a:ext cx="2981960" cy="468630"/>
+          </a:xfrm>
+          <a:prstGeom prst="rect"/>
+        </p:spPr>
+        <p:txBody>
+          <a:bodyPr wrap="square" lIns="91440" tIns="45720" rIns="91440" bIns="45720" numCol="1" vert="horz" anchor="b">
+            <a:noAutofit/>
+          </a:bodyPr>
+          <a:lstStyle>
+            <a:lvl1pPr marL="0" indent="0" algn="r" latinLnBrk="0">
+              <a:buFontTx/>
+              <a:buNone/>
+              <a:defRPr lang="en-GB" altLang="en-US" sz="1200"/>
+            </a:lvl1pPr>
+          </a:lstStyle>
+          <a:p>
+            <a:pPr marL="0" indent="0" latinLnBrk="0">
+              <a:buFontTx/>
+              <a:buNone/>
+            </a:pPr>
+            <a:fld id="{B9320F77-B9A0-41C5-862A-B4B631284C64}" type="slidenum">
+              <a:rPr lang="ko-KR" altLang="en-US"/>
+              <a:t>‹#›</a:t>
+            </a:fld>
+          </a:p>
+        </p:txBody>
+      </p:sp>
+    </p:spTree>
+  </p:cSld>
+  <p:clrMapOvr>
+    <a:masterClrMapping/>
+  </p:clrMapOvr>
+  <mc:AlternateContent xmlns:mc="http://schemas.openxmlformats.org/markup-compatibility/2006">
+    <mc:Choice xmlns:p14="http://schemas.microsoft.com/office/powerpoint/2010/main" Requires="p14">
+      <p:transition spd="slow" p14:dur="0"/>
+    </mc:Choice>
+    <mc:Fallback>
+      <p:transition spd="slow"/>
+    </mc:Fallback>
+  </mc:AlternateContent>
+</p:notes>
+</file>
+
+<file path=ppt/notesSlides/notesSlide19.xml><?xml version="1.0" encoding="utf-8"?>
+<p:notes xmlns:a="http://schemas.openxmlformats.org/drawingml/2006/main" xmlns:r="http://schemas.openxmlformats.org/officeDocument/2006/relationships" xmlns:p="http://schemas.openxmlformats.org/presentationml/2006/main">
+  <p:cSld>
+    <p:spTree>
+      <p:nvGrpSpPr>
+        <p:cNvPr id="1" name=""/>
+        <p:cNvGrpSpPr/>
+        <p:nvPr/>
+      </p:nvGrpSpPr>
+      <p:grpSpPr>
+        <a:xfrm>
+          <a:off x="0" y="0"/>
+          <a:ext cx="0" cy="0"/>
+          <a:chOff x="0" y="0"/>
+          <a:chExt cx="0" cy="0"/>
+        </a:xfrm>
+      </p:grpSpPr>
+      <p:sp>
+        <p:nvSpPr>
+          <p:cNvPr id="2" name="슬라이드 이미지 개체 틀 3"/>
+          <p:cNvSpPr>
+            <a:spLocks noChangeAspect="1"/>
+          </p:cNvSpPr>
+          <p:nvPr>
+            <p:ph type="sldImg" idx="2"/>
+          </p:nvPr>
+        </p:nvSpPr>
+        <p:spPr>
+          <a:xfrm rot="0">
+            <a:off x="685800" y="1143000"/>
+            <a:ext cx="5496560" cy="3096260"/>
+          </a:xfrm>
+          <a:prstGeom prst="rect"/>
+          <a:noFill/>
+          <a:ln w="12700" cap="flat" cmpd="sng">
+            <a:solidFill>
+              <a:srgbClr val="000000">
+                <a:alpha val="100000"/>
+              </a:srgbClr>
+            </a:solidFill>
+            <a:prstDash val="solid"/>
+          </a:ln>
+        </p:spPr>
+        <p:txBody>
+          <a:bodyPr wrap="square" lIns="91440" tIns="45720" rIns="91440" bIns="45720" numCol="1" vert="horz" anchor="ctr">
+            <a:noAutofit/>
+          </a:bodyPr>
+          <a:lstStyle/>
+          <a:p>
+            <a:pPr marL="0" indent="0" latinLnBrk="0">
+              <a:buFontTx/>
+              <a:buNone/>
+            </a:pPr>
+          </a:p>
+        </p:txBody>
+      </p:sp>
+      <p:sp>
+        <p:nvSpPr>
+          <p:cNvPr id="3" name="슬라이드 노트 개체 틀 4"/>
+          <p:cNvSpPr txBox="1">
+            <a:spLocks/>
+          </p:cNvSpPr>
+          <p:nvPr>
+            <p:ph type="body" idx="3"/>
+          </p:nvPr>
+        </p:nvSpPr>
+        <p:spPr>
+          <a:xfrm rot="0">
+            <a:off x="685800" y="4400550"/>
+            <a:ext cx="5496560" cy="3610610"/>
+          </a:xfrm>
+          <a:prstGeom prst="rect"/>
+        </p:spPr>
+        <p:txBody>
+          <a:bodyPr wrap="square" lIns="91440" tIns="45720" rIns="91440" bIns="45720" numCol="1" vert="horz" anchor="t">
+            <a:noAutofit/>
+          </a:bodyPr>
+          <a:lstStyle/>
+          <a:p>
+            <a:pPr marL="0" indent="0" latinLnBrk="0">
+              <a:buFontTx/>
+              <a:buNone/>
+            </a:pPr>
+          </a:p>
+        </p:txBody>
+      </p:sp>
+      <p:sp>
+        <p:nvSpPr>
+          <p:cNvPr id="4" name="슬라이드 번호 개체 틀 6"/>
+          <p:cNvSpPr txBox="1">
+            <a:spLocks/>
+          </p:cNvSpPr>
+          <p:nvPr>
+            <p:ph type="sldNum" idx="5"/>
+          </p:nvPr>
+        </p:nvSpPr>
+        <p:spPr>
+          <a:xfrm rot="0">
+            <a:off x="3884930" y="8685530"/>
+            <a:ext cx="2981960" cy="468630"/>
+          </a:xfrm>
+          <a:prstGeom prst="rect"/>
+        </p:spPr>
+        <p:txBody>
+          <a:bodyPr wrap="square" lIns="91440" tIns="45720" rIns="91440" bIns="45720" numCol="1" vert="horz" anchor="b">
+            <a:noAutofit/>
+          </a:bodyPr>
+          <a:lstStyle>
+            <a:lvl1pPr marL="0" indent="0" algn="r" latinLnBrk="0">
+              <a:buFontTx/>
+              <a:buNone/>
+              <a:defRPr lang="en-GB" altLang="en-US" sz="1200"/>
+            </a:lvl1pPr>
+          </a:lstStyle>
+          <a:p>
+            <a:pPr marL="0" indent="0" latinLnBrk="0">
+              <a:buFontTx/>
+              <a:buNone/>
+            </a:pPr>
+            <a:fld id="{B9320F77-B9A0-41C5-862A-B4B631284C64}" type="slidenum">
+              <a:rPr lang="ko-KR" altLang="en-US"/>
+              <a:t>‹#›</a:t>
+            </a:fld>
+          </a:p>
+        </p:txBody>
+      </p:sp>
+    </p:spTree>
+  </p:cSld>
+  <p:clrMapOvr>
+    <a:masterClrMapping/>
+  </p:clrMapOvr>
+  <mc:AlternateContent xmlns:mc="http://schemas.openxmlformats.org/markup-compatibility/2006">
+    <mc:Choice xmlns:p14="http://schemas.microsoft.com/office/powerpoint/2010/main" Requires="p14">
+      <p:transition spd="slow" p14:dur="0"/>
+    </mc:Choice>
+    <mc:Fallback>
+      <p:transition spd="slow"/>
+    </mc:Fallback>
+  </mc:AlternateContent>
+</p:notes>
+</file>
+
 <file path=ppt/notesSlides/notesSlide2.xml><?xml version="1.0" encoding="utf-8"?>
 <p:notes xmlns:a="http://schemas.openxmlformats.org/drawingml/2006/main" xmlns:r="http://schemas.openxmlformats.org/officeDocument/2006/relationships" xmlns:p="http://schemas.openxmlformats.org/presentationml/2006/main">
   <p:cSld>
@@ -8495,251 +8924,19 @@
           </a:p>
         </p:txBody>
       </p:sp>
-      <p:sp>
-        <p:nvSpPr>
-          <p:cNvPr id="81" name="Rect 0"/>
-          <p:cNvSpPr txBox="1">
-            <a:spLocks/>
-          </p:cNvSpPr>
-          <p:nvPr/>
-        </p:nvSpPr>
-        <p:spPr>
-          <a:xfrm rot="0">
-            <a:off x="1238885" y="5177155"/>
-            <a:ext cx="4137660" cy="954405"/>
-          </a:xfrm>
-          <a:prstGeom prst="rect"/>
-          <a:noFill/>
-          <a:ln w="0">
-            <a:noFill/>
-            <a:prstDash/>
-          </a:ln>
-        </p:spPr>
-        <p:txBody>
-          <a:bodyPr wrap="square" lIns="89535" tIns="46355" rIns="89535" bIns="46355" numCol="1" vert="horz" anchor="t">
-            <a:spAutoFit/>
-          </a:bodyPr>
-          <a:lstStyle/>
-          <a:p>
-            <a:pPr marL="0" indent="0" rtl="0" algn="l" defTabSz="914400" eaLnBrk="1" latinLnBrk="0" hangingPunct="1">
-              <a:buFontTx/>
-              <a:buNone/>
-            </a:pPr>
-            <a:r>
-              <a:rPr lang="ko-KR" sz="2000" b="1">
-                <a:solidFill>
-                  <a:srgbClr val="0611F2"/>
-                </a:solidFill>
-                <a:latin typeface="맑은 고딕" charset="0"/>
-                <a:ea typeface="맑은 고딕" charset="0"/>
-              </a:rPr>
-              <a:t>27</a:t>
-            </a:r>
-            <a:r>
-              <a:rPr sz="2000" b="1">
-                <a:solidFill>
-                  <a:srgbClr val="0611F2"/>
-                </a:solidFill>
-                <a:latin typeface="맑은 고딕" charset="0"/>
-                <a:ea typeface="맑은 고딕" charset="0"/>
-              </a:rPr>
-              <a:t>.</a:t>
-            </a:r>
-            <a:r>
-              <a:rPr sz="2000" b="1">
-                <a:solidFill>
-                  <a:srgbClr val="0611F2"/>
-                </a:solidFill>
-                <a:latin typeface="맑은 고딕" charset="0"/>
-                <a:ea typeface="맑은 고딕" charset="0"/>
-              </a:rPr>
-              <a:t> </a:t>
-            </a:r>
-            <a:r>
-              <a:rPr sz="1800">
-                <a:latin typeface="맑은 고딕" charset="0"/>
-                <a:ea typeface="맑은 고딕" charset="0"/>
-              </a:rPr>
-              <a:t>그러고 나서 UI에 Button을 </a:t>
-            </a:r>
-            <a:r>
-              <a:rPr sz="1800">
-                <a:latin typeface="맑은 고딕" charset="0"/>
-                <a:ea typeface="맑은 고딕" charset="0"/>
-              </a:rPr>
-              <a:t>생성</a:t>
-            </a:r>
-            <a:r>
-              <a:rPr lang="ko-KR" sz="1800">
-                <a:latin typeface="맑은 고딕" charset="0"/>
-                <a:ea typeface="맑은 고딕" charset="0"/>
-              </a:rPr>
-              <a:t>한</a:t>
-            </a:r>
-            <a:r>
-              <a:rPr lang="ko-KR" sz="1800">
-                <a:latin typeface="맑은 고딕" charset="0"/>
-                <a:ea typeface="맑은 고딕" charset="0"/>
-              </a:rPr>
-              <a:t> </a:t>
-            </a:r>
-            <a:r>
-              <a:rPr lang="ko-KR" sz="1800">
-                <a:latin typeface="맑은 고딕" charset="0"/>
-                <a:ea typeface="맑은 고딕" charset="0"/>
-              </a:rPr>
-              <a:t>다음 Hone Button이라는 </a:t>
-            </a:r>
-            <a:r>
-              <a:rPr lang="ko-KR" sz="1800">
-                <a:latin typeface="맑은 고딕" charset="0"/>
-                <a:ea typeface="맑은 고딕" charset="0"/>
-              </a:rPr>
-              <a:t>이름으</a:t>
-            </a:r>
-            <a:r>
-              <a:rPr lang="ko-KR" sz="1800">
-                <a:latin typeface="맑은 고딕" charset="0"/>
-                <a:ea typeface="맑은 고딕" charset="0"/>
-              </a:rPr>
-              <a:t>로</a:t>
-            </a:r>
-            <a:r>
-              <a:rPr lang="ko-KR" sz="1800">
-                <a:latin typeface="맑은 고딕" charset="0"/>
-                <a:ea typeface="맑은 고딕" charset="0"/>
-              </a:rPr>
-              <a:t> </a:t>
-            </a:r>
-            <a:r>
-              <a:rPr lang="ko-KR" sz="1800">
-                <a:latin typeface="맑은 고딕" charset="0"/>
-                <a:ea typeface="맑은 고딕" charset="0"/>
-              </a:rPr>
-              <a:t>정의합니다.</a:t>
-            </a:r>
-            <a:endParaRPr lang="ko-KR" altLang="en-US" sz="1800">
-              <a:latin typeface="맑은 고딕" charset="0"/>
-              <a:ea typeface="맑은 고딕" charset="0"/>
-            </a:endParaRPr>
-          </a:p>
-        </p:txBody>
-      </p:sp>
-      <p:sp>
-        <p:nvSpPr>
-          <p:cNvPr id="91" name="Rect 0"/>
-          <p:cNvSpPr txBox="1">
-            <a:spLocks/>
-          </p:cNvSpPr>
-          <p:nvPr/>
-        </p:nvSpPr>
-        <p:spPr>
-          <a:xfrm rot="0">
-            <a:off x="6839585" y="2912745"/>
-            <a:ext cx="4135755" cy="647065"/>
-          </a:xfrm>
-          <a:prstGeom prst="rect"/>
-          <a:noFill/>
-          <a:ln w="0">
-            <a:noFill/>
-            <a:prstDash/>
-          </a:ln>
-        </p:spPr>
-        <p:txBody>
-          <a:bodyPr wrap="square" lIns="89535" tIns="46355" rIns="89535" bIns="46355" numCol="1" vert="horz" anchor="t">
-            <a:spAutoFit/>
-          </a:bodyPr>
-          <a:lstStyle/>
-          <a:p>
-            <a:pPr marL="0" indent="0" rtl="0" algn="l" defTabSz="914400" eaLnBrk="1" latinLnBrk="0" hangingPunct="1">
-              <a:buFontTx/>
-              <a:buNone/>
-            </a:pPr>
-            <a:r>
-              <a:rPr sz="1800" b="1">
-                <a:solidFill>
-                  <a:srgbClr val="0611F2"/>
-                </a:solidFill>
-                <a:latin typeface="맑은 고딕" charset="0"/>
-                <a:ea typeface="맑은 고딕" charset="0"/>
-              </a:rPr>
-              <a:t>2</a:t>
-            </a:r>
-            <a:r>
-              <a:rPr lang="ko-KR" sz="1800" b="1">
-                <a:solidFill>
-                  <a:srgbClr val="0611F2"/>
-                </a:solidFill>
-                <a:latin typeface="맑은 고딕" charset="0"/>
-                <a:ea typeface="맑은 고딕" charset="0"/>
-              </a:rPr>
-              <a:t>8</a:t>
-            </a:r>
-            <a:r>
-              <a:rPr sz="1800" b="1">
-                <a:solidFill>
-                  <a:srgbClr val="0611F2"/>
-                </a:solidFill>
-                <a:latin typeface="맑은 고딕" charset="0"/>
-                <a:ea typeface="맑은 고딕" charset="0"/>
-              </a:rPr>
-              <a:t>.</a:t>
-            </a:r>
-            <a:r>
-              <a:rPr sz="1800">
-                <a:latin typeface="맑은 고딕" charset="0"/>
-                <a:ea typeface="맑은 고딕" charset="0"/>
-              </a:rPr>
-              <a:t> </a:t>
-            </a:r>
-            <a:r>
-              <a:rPr lang="ko-KR" sz="1800">
-                <a:latin typeface="맑은 고딕" charset="0"/>
-                <a:ea typeface="맑은 고딕" charset="0"/>
-              </a:rPr>
-              <a:t>이제 Home Button의 앵커를 </a:t>
-            </a:r>
-            <a:r>
-              <a:rPr lang="ko-KR" sz="1800">
-                <a:latin typeface="맑은 고딕" charset="0"/>
-                <a:ea typeface="맑은 고딕" charset="0"/>
-              </a:rPr>
-              <a:t>지정하고</a:t>
-            </a:r>
-            <a:r>
-              <a:rPr lang="ko-KR" sz="1800">
-                <a:latin typeface="맑은 고딕" charset="0"/>
-                <a:ea typeface="맑은 고딕" charset="0"/>
-              </a:rPr>
-              <a:t> </a:t>
-            </a:r>
-            <a:r>
-              <a:rPr lang="ko-KR" sz="1800">
-                <a:latin typeface="맑은 고딕" charset="0"/>
-                <a:ea typeface="맑은 고딕" charset="0"/>
-              </a:rPr>
-              <a:t>위치와 크기를 설정합니다.</a:t>
-            </a:r>
-            <a:endParaRPr lang="ko-KR" altLang="en-US" sz="1800">
-              <a:latin typeface="맑은 고딕" charset="0"/>
-              <a:ea typeface="맑은 고딕" charset="0"/>
-            </a:endParaRPr>
-          </a:p>
-        </p:txBody>
-      </p:sp>
       <p:pic>
         <p:nvPicPr>
-          <p:cNvPr id="96" name="그림 25"/>
+          <p:cNvPr id="96" name="그림 25" descr="C:/Users/Admin1/AppData/Roaming/PolarisOffice/ETemp/19772_10673440/fImage22592549358.png"/>
           <p:cNvPicPr>
             <a:picLocks noChangeAspect="1"/>
           </p:cNvPicPr>
           <p:nvPr/>
         </p:nvPicPr>
         <p:blipFill rotWithShape="1">
-          <a:blip r:embed="rId6" cstate="print">
+          <a:blip r:embed="rId6" cstate="hqprint">
             <a:extLst>
               <a:ext uri="{28A0092B-C50C-407E-A947-70E740481C1C}">
-                <a14:useLocalDpi xmlns:a14="http://schemas.microsoft.com/office/drawing/2010/main" val="0"/>
+                <a14:useLocalDpi xmlns:a14="http://schemas.microsoft.com/office/drawing/2010/main"/>
               </a:ext>
             </a:extLst>
           </a:blip>
@@ -8749,8 +8946,8 @@
         </p:blipFill>
         <p:spPr>
           <a:xfrm rot="0">
-            <a:off x="10207625" y="3971290"/>
-            <a:ext cx="767080" cy="793115"/>
+            <a:off x="10112375" y="2720975"/>
+            <a:ext cx="871855" cy="1001395"/>
           </a:xfrm>
           <a:prstGeom prst="roundRect"/>
           <a:solidFill>
@@ -8904,7 +9101,7 @@
       </p:sp>
       <p:pic>
         <p:nvPicPr>
-          <p:cNvPr id="98" name="그림 29" descr="C:/Users/Admin1/AppData/Roaming/PolarisOffice/ETemp/27904_14353328/fImage128252566962.png"/>
+          <p:cNvPr id="98" name="그림 29" descr="C:/Users/Admin1/AppData/Roaming/PolarisOffice/ETemp/19772_10673440/fImage128252566962.png"/>
           <p:cNvPicPr>
             <a:picLocks noChangeAspect="1"/>
           </p:cNvPicPr>
@@ -8924,8 +9121,8 @@
         </p:blipFill>
         <p:spPr>
           <a:xfrm rot="0">
-            <a:off x="6833870" y="3677920"/>
-            <a:ext cx="3021330" cy="1344930"/>
+            <a:off x="6822440" y="1438275"/>
+            <a:ext cx="3033395" cy="3585210"/>
           </a:xfrm>
           <a:prstGeom prst="roundRect"/>
           <a:solidFill>
@@ -8936,20 +9133,17 @@
       <p:cxnSp>
         <p:nvCxnSpPr>
           <p:cNvPr id="99" name="도형 32"/>
-          <p:cNvCxnSpPr>
-            <a:stCxn id="96" idx="1"/>
-          </p:cNvCxnSpPr>
+          <p:cNvCxnSpPr/>
           <p:nvPr/>
         </p:nvCxnSpPr>
         <p:spPr>
           <a:xfrm rot="0" flipH="1">
-            <a:off x="8088630" y="4367530"/>
-            <a:ext cx="2119630" cy="482600"/>
+            <a:off x="8096885" y="3212465"/>
+            <a:ext cx="2016125" cy="1267460"/>
           </a:xfrm>
           <a:prstGeom prst="straightConnector1"/>
           <a:ln w="6350" cap="flat" cmpd="sng">
             <a:prstDash/>
-            <a:headEnd type="none" w="med" len="med"/>
             <a:tailEnd type="triangle" w="med" len="med"/>
           </a:ln>
         </p:spPr>
@@ -8970,45 +9164,14 @@
       </p:cxnSp>
       <p:pic>
         <p:nvPicPr>
-          <p:cNvPr id="100" name="그림 21" descr="C:/Users/Admin1/AppData/Roaming/PolarisOffice/ETemp/27904_14353328/fImage713232441.png"/>
+          <p:cNvPr id="103" name="그림 37" descr="C:/Users/Admin1/AppData/Roaming/PolarisOffice/ETemp/19772_10673440/fImage89892908467.png"/>
           <p:cNvPicPr>
             <a:picLocks noChangeAspect="1"/>
           </p:cNvPicPr>
           <p:nvPr/>
         </p:nvPicPr>
         <p:blipFill rotWithShape="1">
-          <a:blip r:embed="rId9" cstate="print">
-            <a:extLst>
-              <a:ext uri="{28A0092B-C50C-407E-A947-70E740481C1C}">
-                <a14:useLocalDpi xmlns:a14="http://schemas.microsoft.com/office/drawing/2010/main" val="0"/>
-              </a:ext>
-            </a:extLst>
-          </a:blip>
-          <a:stretch>
-            <a:fillRect/>
-          </a:stretch>
-        </p:blipFill>
-        <p:spPr>
-          <a:xfrm rot="0">
-            <a:off x="4134485" y="2239010"/>
-            <a:ext cx="1241425" cy="1956435"/>
-          </a:xfrm>
-          <a:prstGeom prst="roundRect"/>
-          <a:solidFill>
-            <a:srgbClr val="EDEDED"/>
-          </a:solidFill>
-        </p:spPr>
-      </p:pic>
-      <p:pic>
-        <p:nvPicPr>
-          <p:cNvPr id="101" name="그림 25" descr="C:/Users/Admin1/AppData/Roaming/PolarisOffice/ETemp/27904_14353328/fImage265923278467.png"/>
-          <p:cNvPicPr>
-            <a:picLocks noChangeAspect="1"/>
-          </p:cNvPicPr>
-          <p:nvPr/>
-        </p:nvPicPr>
-        <p:blipFill rotWithShape="1">
-          <a:blip r:embed="rId10" cstate="hqprint">
+          <a:blip r:embed="rId12" cstate="hqprint">
             <a:extLst>
               <a:ext uri="{28A0092B-C50C-407E-A947-70E740481C1C}">
                 <a14:useLocalDpi xmlns:a14="http://schemas.microsoft.com/office/drawing/2010/main"/>
@@ -9021,8 +9184,8 @@
         </p:blipFill>
         <p:spPr>
           <a:xfrm rot="0">
-            <a:off x="1240790" y="1447165"/>
-            <a:ext cx="2766060" cy="3540760"/>
+            <a:off x="2801620" y="1447165"/>
+            <a:ext cx="2574925" cy="1123950"/>
           </a:xfrm>
           <a:prstGeom prst="roundRect"/>
           <a:solidFill>
@@ -9032,17 +9195,17 @@
       </p:pic>
       <p:pic>
         <p:nvPicPr>
-          <p:cNvPr id="102" name="그림 26" descr="C:/Users/Admin1/AppData/Roaming/PolarisOffice/ETemp/27904_14353328/fImage117643286334.png"/>
+          <p:cNvPr id="104" name="그림 38" descr="C:/Users/Admin1/AppData/Roaming/PolarisOffice/ETemp/19772_10673440/fImage53012916334.png"/>
           <p:cNvPicPr>
             <a:picLocks noChangeAspect="1"/>
           </p:cNvPicPr>
           <p:nvPr/>
         </p:nvPicPr>
         <p:blipFill rotWithShape="1">
-          <a:blip r:embed="rId11" cstate="print">
+          <a:blip r:embed="rId13" cstate="hqprint">
             <a:extLst>
               <a:ext uri="{28A0092B-C50C-407E-A947-70E740481C1C}">
-                <a14:useLocalDpi xmlns:a14="http://schemas.microsoft.com/office/drawing/2010/main" val="0"/>
+                <a14:useLocalDpi xmlns:a14="http://schemas.microsoft.com/office/drawing/2010/main"/>
               </a:ext>
             </a:extLst>
           </a:blip>
@@ -9052,8 +9215,8 @@
         </p:blipFill>
         <p:spPr>
           <a:xfrm rot="0">
-            <a:off x="6805295" y="1438275"/>
-            <a:ext cx="4177665" cy="1370330"/>
+            <a:off x="1242695" y="1447165"/>
+            <a:ext cx="1394460" cy="1103630"/>
           </a:xfrm>
           <a:prstGeom prst="roundRect"/>
           <a:solidFill>
@@ -9061,6 +9224,350 @@
           </a:solidFill>
         </p:spPr>
       </p:pic>
+      <p:pic>
+        <p:nvPicPr>
+          <p:cNvPr id="105" name="그림 39" descr="C:/Users/Admin1/AppData/Roaming/PolarisOffice/ETemp/19772_10673440/fImage2242172279169.png"/>
+          <p:cNvPicPr>
+            <a:picLocks noChangeAspect="1"/>
+          </p:cNvPicPr>
+          <p:nvPr/>
+        </p:nvPicPr>
+        <p:blipFill rotWithShape="1">
+          <a:blip r:embed="rId14" cstate="hqprint">
+            <a:extLst>
+              <a:ext uri="{28A0092B-C50C-407E-A947-70E740481C1C}">
+                <a14:useLocalDpi xmlns:a14="http://schemas.microsoft.com/office/drawing/2010/main"/>
+              </a:ext>
+            </a:extLst>
+          </a:blip>
+          <a:stretch>
+            <a:fillRect/>
+          </a:stretch>
+        </p:blipFill>
+        <p:spPr>
+          <a:xfrm rot="10800000">
+            <a:off x="2307590" y="1814195"/>
+            <a:ext cx="627380" cy="353695"/>
+          </a:xfrm>
+          <a:prstGeom prst="rect"/>
+          <a:noFill/>
+        </p:spPr>
+      </p:pic>
+      <p:sp>
+        <p:nvSpPr>
+          <p:cNvPr id="106" name="텍스트 상자 40"/>
+          <p:cNvSpPr txBox="1">
+            <a:spLocks/>
+          </p:cNvSpPr>
+          <p:nvPr/>
+        </p:nvSpPr>
+        <p:spPr>
+          <a:xfrm rot="0">
+            <a:off x="1241425" y="2699385"/>
+            <a:ext cx="4135755" cy="954405"/>
+          </a:xfrm>
+          <a:prstGeom prst="rect"/>
+          <a:noFill/>
+          <a:ln w="0">
+            <a:noFill/>
+            <a:prstDash/>
+          </a:ln>
+        </p:spPr>
+        <p:txBody>
+          <a:bodyPr wrap="square" lIns="89535" tIns="46355" rIns="89535" bIns="46355" numCol="1" vert="horz" anchor="t">
+            <a:spAutoFit/>
+          </a:bodyPr>
+          <a:lstStyle/>
+          <a:p>
+            <a:pPr marL="0" indent="0" rtl="0" algn="l" defTabSz="914400" eaLnBrk="1" latinLnBrk="0" hangingPunct="1">
+              <a:buFontTx/>
+              <a:buNone/>
+            </a:pPr>
+            <a:r>
+              <a:rPr lang="ko-KR" sz="2000" b="1">
+                <a:solidFill>
+                  <a:srgbClr val="0611F2"/>
+                </a:solidFill>
+                <a:latin typeface="맑은 고딕" charset="0"/>
+                <a:ea typeface="맑은 고딕" charset="0"/>
+              </a:rPr>
+              <a:t>27</a:t>
+            </a:r>
+            <a:r>
+              <a:rPr sz="2000" b="1">
+                <a:solidFill>
+                  <a:srgbClr val="0611F2"/>
+                </a:solidFill>
+                <a:latin typeface="맑은 고딕" charset="0"/>
+                <a:ea typeface="맑은 고딕" charset="0"/>
+              </a:rPr>
+              <a:t>.</a:t>
+            </a:r>
+            <a:r>
+              <a:rPr sz="2000" b="1">
+                <a:solidFill>
+                  <a:srgbClr val="0611F2"/>
+                </a:solidFill>
+                <a:latin typeface="맑은 고딕" charset="0"/>
+                <a:ea typeface="맑은 고딕" charset="0"/>
+              </a:rPr>
+              <a:t> </a:t>
+            </a:r>
+            <a:r>
+              <a:rPr sz="1800">
+                <a:latin typeface="맑은 고딕" charset="0"/>
+                <a:ea typeface="맑은 고딕" charset="0"/>
+              </a:rPr>
+              <a:t>그러고 나서 Project 폴더 아래에 </a:t>
+            </a:r>
+            <a:r>
+              <a:rPr sz="1800">
+                <a:latin typeface="맑은 고딕" charset="0"/>
+                <a:ea typeface="맑은 고딕" charset="0"/>
+              </a:rPr>
+              <a:t>있는</a:t>
+            </a:r>
+            <a:r>
+              <a:rPr sz="1800">
+                <a:latin typeface="맑은 고딕" charset="0"/>
+                <a:ea typeface="맑은 고딕" charset="0"/>
+              </a:rPr>
+              <a:t> </a:t>
+            </a:r>
+            <a:r>
+              <a:rPr sz="1800">
+                <a:latin typeface="맑은 고딕" charset="0"/>
+                <a:ea typeface="맑은 고딕" charset="0"/>
+              </a:rPr>
+              <a:t>Model</a:t>
+            </a:r>
+            <a:r>
+              <a:rPr sz="1800">
+                <a:latin typeface="맑은 고딕" charset="0"/>
+                <a:ea typeface="맑은 고딕" charset="0"/>
+              </a:rPr>
+              <a:t> </a:t>
+            </a:r>
+            <a:r>
+              <a:rPr sz="1800">
+                <a:latin typeface="맑은 고딕" charset="0"/>
+                <a:ea typeface="맑은 고딕" charset="0"/>
+              </a:rPr>
+              <a:t>폴더에</a:t>
+            </a:r>
+            <a:r>
+              <a:rPr sz="1800">
+                <a:latin typeface="맑은 고딕" charset="0"/>
+                <a:ea typeface="맑은 고딕" charset="0"/>
+              </a:rPr>
+              <a:t> Grass Ground </a:t>
+            </a:r>
+            <a:r>
+              <a:rPr sz="1800">
+                <a:latin typeface="맑은 고딕" charset="0"/>
+                <a:ea typeface="맑은 고딕" charset="0"/>
+              </a:rPr>
+              <a:t>모델</a:t>
+            </a:r>
+            <a:r>
+              <a:rPr lang="ko-KR" sz="1800">
+                <a:latin typeface="맑은 고딕" charset="0"/>
+                <a:ea typeface="맑은 고딕" charset="0"/>
+              </a:rPr>
+              <a:t>을</a:t>
+            </a:r>
+            <a:r>
+              <a:rPr lang="ko-KR" sz="1800">
+                <a:latin typeface="맑은 고딕" charset="0"/>
+                <a:ea typeface="맑은 고딕" charset="0"/>
+              </a:rPr>
+              <a:t> </a:t>
+            </a:r>
+            <a:r>
+              <a:rPr lang="ko-KR" sz="1800">
+                <a:latin typeface="맑은 고딕" charset="0"/>
+                <a:ea typeface="맑은 고딕" charset="0"/>
+              </a:rPr>
+              <a:t>월드</a:t>
+            </a:r>
+            <a:r>
+              <a:rPr lang="ko-KR" sz="1800">
+                <a:latin typeface="맑은 고딕" charset="0"/>
+                <a:ea typeface="맑은 고딕" charset="0"/>
+              </a:rPr>
+              <a:t> </a:t>
+            </a:r>
+            <a:r>
+              <a:rPr lang="ko-KR" sz="1800">
+                <a:latin typeface="맑은 고딕" charset="0"/>
+                <a:ea typeface="맑은 고딕" charset="0"/>
+              </a:rPr>
+              <a:t>공간에</a:t>
+            </a:r>
+            <a:r>
+              <a:rPr lang="ko-KR" sz="1800">
+                <a:latin typeface="맑은 고딕" charset="0"/>
+                <a:ea typeface="맑은 고딕" charset="0"/>
+              </a:rPr>
+              <a:t> 배치합니다.</a:t>
+            </a:r>
+            <a:endParaRPr lang="ko-KR" altLang="en-US" sz="1800">
+              <a:latin typeface="맑은 고딕" charset="0"/>
+              <a:ea typeface="맑은 고딕" charset="0"/>
+            </a:endParaRPr>
+          </a:p>
+        </p:txBody>
+      </p:sp>
+      <p:pic>
+        <p:nvPicPr>
+          <p:cNvPr id="107" name="그림 41" descr="C:/Users/Admin1/AppData/Roaming/PolarisOffice/ETemp/19772_10673440/fImage3511291491.png"/>
+          <p:cNvPicPr>
+            <a:picLocks noChangeAspect="1"/>
+          </p:cNvPicPr>
+          <p:nvPr/>
+        </p:nvPicPr>
+        <p:blipFill rotWithShape="1">
+          <a:blip r:embed="rId15" cstate="hqprint">
+            <a:extLst>
+              <a:ext uri="{28A0092B-C50C-407E-A947-70E740481C1C}">
+                <a14:useLocalDpi xmlns:a14="http://schemas.microsoft.com/office/drawing/2010/main"/>
+              </a:ext>
+            </a:extLst>
+          </a:blip>
+          <a:stretch>
+            <a:fillRect/>
+          </a:stretch>
+        </p:blipFill>
+        <p:spPr>
+          <a:xfrm rot="0">
+            <a:off x="1231900" y="3798570"/>
+            <a:ext cx="4144010" cy="1516380"/>
+          </a:xfrm>
+          <a:prstGeom prst="roundRect"/>
+          <a:solidFill>
+            <a:srgbClr val="EDEDED"/>
+          </a:solidFill>
+        </p:spPr>
+      </p:pic>
+      <p:sp>
+        <p:nvSpPr>
+          <p:cNvPr id="108" name="텍스트 상자 42"/>
+          <p:cNvSpPr txBox="1">
+            <a:spLocks/>
+          </p:cNvSpPr>
+          <p:nvPr/>
+        </p:nvSpPr>
+        <p:spPr>
+          <a:xfrm rot="0">
+            <a:off x="1231900" y="5458460"/>
+            <a:ext cx="4084320" cy="677545"/>
+          </a:xfrm>
+          <a:prstGeom prst="rect"/>
+          <a:noFill/>
+          <a:ln w="0">
+            <a:noFill/>
+            <a:prstDash/>
+          </a:ln>
+        </p:spPr>
+        <p:txBody>
+          <a:bodyPr wrap="square" lIns="89535" tIns="46355" rIns="89535" bIns="46355" numCol="1" vert="horz" anchor="t">
+            <a:spAutoFit/>
+          </a:bodyPr>
+          <a:lstStyle/>
+          <a:p>
+            <a:pPr marL="0" indent="0" rtl="0" algn="l" defTabSz="914400" eaLnBrk="1" latinLnBrk="0" hangingPunct="1">
+              <a:buFontTx/>
+              <a:buNone/>
+            </a:pPr>
+            <a:r>
+              <a:rPr lang="ko-KR" sz="2000" b="1">
+                <a:solidFill>
+                  <a:srgbClr val="0611F2"/>
+                </a:solidFill>
+                <a:latin typeface="맑은 고딕" charset="0"/>
+                <a:ea typeface="맑은 고딕" charset="0"/>
+              </a:rPr>
+              <a:t>2</a:t>
+            </a:r>
+            <a:r>
+              <a:rPr lang="ko-KR" sz="2000" b="1">
+                <a:solidFill>
+                  <a:srgbClr val="0611F2"/>
+                </a:solidFill>
+                <a:latin typeface="맑은 고딕" charset="0"/>
+                <a:ea typeface="맑은 고딕" charset="0"/>
+              </a:rPr>
+              <a:t>8</a:t>
+            </a:r>
+            <a:r>
+              <a:rPr sz="2000" b="1">
+                <a:solidFill>
+                  <a:srgbClr val="0611F2"/>
+                </a:solidFill>
+                <a:latin typeface="맑은 고딕" charset="0"/>
+                <a:ea typeface="맑은 고딕" charset="0"/>
+              </a:rPr>
+              <a:t>.</a:t>
+            </a:r>
+            <a:r>
+              <a:rPr sz="2000" b="1">
+                <a:solidFill>
+                  <a:srgbClr val="0611F2"/>
+                </a:solidFill>
+                <a:latin typeface="맑은 고딕" charset="0"/>
+                <a:ea typeface="맑은 고딕" charset="0"/>
+              </a:rPr>
+              <a:t> </a:t>
+            </a:r>
+            <a:r>
+              <a:rPr sz="1800">
+                <a:latin typeface="맑은 고딕" charset="0"/>
+                <a:ea typeface="맑은 고딕" charset="0"/>
+              </a:rPr>
+              <a:t>이제 Terrain 오브젝트에 </a:t>
+            </a:r>
+            <a:r>
+              <a:rPr sz="1800">
+                <a:latin typeface="맑은 고딕" charset="0"/>
+                <a:ea typeface="맑은 고딕" charset="0"/>
+              </a:rPr>
+              <a:t>Mesh</a:t>
+            </a:r>
+            <a:r>
+              <a:rPr sz="1800">
+                <a:latin typeface="맑은 고딕" charset="0"/>
+                <a:ea typeface="맑은 고딕" charset="0"/>
+              </a:rPr>
+              <a:t> </a:t>
+            </a:r>
+            <a:r>
+              <a:rPr sz="1800">
+                <a:latin typeface="맑은 고딕" charset="0"/>
+                <a:ea typeface="맑은 고딕" charset="0"/>
+              </a:rPr>
+              <a:t>Collider</a:t>
+            </a:r>
+            <a:r>
+              <a:rPr sz="1800">
+                <a:latin typeface="맑은 고딕" charset="0"/>
+                <a:ea typeface="맑은 고딕" charset="0"/>
+              </a:rPr>
+              <a:t> 컴포넌트를 </a:t>
+            </a:r>
+            <a:r>
+              <a:rPr sz="1800">
+                <a:latin typeface="맑은 고딕" charset="0"/>
+                <a:ea typeface="맑은 고딕" charset="0"/>
+              </a:rPr>
+              <a:t>추가합니다.</a:t>
+            </a:r>
+            <a:endParaRPr lang="ko-KR" altLang="en-US" sz="1800">
+              <a:latin typeface="맑은 고딕" charset="0"/>
+              <a:ea typeface="맑은 고딕" charset="0"/>
+            </a:endParaRPr>
+          </a:p>
+        </p:txBody>
+      </p:sp>
     </p:spTree>
   </p:cSld>
   <p:clrMapOvr>
@@ -9843,8 +10350,8 @@
         </p:nvSpPr>
         <p:spPr>
           <a:xfrm rot="0">
-            <a:off x="1238885" y="5074285"/>
-            <a:ext cx="4145915" cy="954405"/>
+            <a:off x="6820535" y="2645410"/>
+            <a:ext cx="4146550" cy="954405"/>
           </a:xfrm>
           <a:prstGeom prst="rect"/>
           <a:noFill/>
@@ -9898,7 +10405,7 @@
                 <a:latin typeface="맑은 고딕" charset="0"/>
                 <a:ea typeface="맑은 고딕" charset="0"/>
               </a:rPr>
-              <a:t>그다음 Project 폴더 아래에 </a:t>
+              <a:t>그다음으로 Project 폴더 아래에 </a:t>
             </a:r>
             <a:r>
               <a:rPr sz="1800">
@@ -9963,181 +10470,16 @@
           </a:p>
         </p:txBody>
       </p:sp>
-      <p:sp>
-        <p:nvSpPr>
-          <p:cNvPr id="85" name="Rect 0"/>
-          <p:cNvSpPr txBox="1">
-            <a:spLocks/>
-          </p:cNvSpPr>
-          <p:nvPr/>
-        </p:nvSpPr>
-        <p:spPr>
-          <a:xfrm rot="0">
-            <a:off x="1241425" y="2699385"/>
-            <a:ext cx="4135120" cy="954405"/>
-          </a:xfrm>
-          <a:prstGeom prst="rect"/>
-          <a:noFill/>
-          <a:ln w="0">
-            <a:noFill/>
-            <a:prstDash/>
-          </a:ln>
-        </p:spPr>
-        <p:txBody>
-          <a:bodyPr wrap="square" lIns="89535" tIns="46355" rIns="89535" bIns="46355" numCol="1" vert="horz" anchor="t">
-            <a:spAutoFit/>
-          </a:bodyPr>
-          <a:lstStyle/>
-          <a:p>
-            <a:pPr marL="0" indent="0" rtl="0" algn="l" defTabSz="914400" eaLnBrk="1" latinLnBrk="0" hangingPunct="1">
-              <a:buFontTx/>
-              <a:buNone/>
-            </a:pPr>
-            <a:r>
-              <a:rPr lang="ko-KR" sz="2000" b="1">
-                <a:solidFill>
-                  <a:srgbClr val="0611F2"/>
-                </a:solidFill>
-                <a:latin typeface="맑은 고딕" charset="0"/>
-                <a:ea typeface="맑은 고딕" charset="0"/>
-              </a:rPr>
-              <a:t>33</a:t>
-            </a:r>
-            <a:r>
-              <a:rPr sz="2000" b="1">
-                <a:solidFill>
-                  <a:srgbClr val="0611F2"/>
-                </a:solidFill>
-                <a:latin typeface="맑은 고딕" charset="0"/>
-                <a:ea typeface="맑은 고딕" charset="0"/>
-              </a:rPr>
-              <a:t>.</a:t>
-            </a:r>
-            <a:r>
-              <a:rPr sz="2000" b="1">
-                <a:solidFill>
-                  <a:srgbClr val="0611F2"/>
-                </a:solidFill>
-                <a:latin typeface="맑은 고딕" charset="0"/>
-                <a:ea typeface="맑은 고딕" charset="0"/>
-              </a:rPr>
-              <a:t> </a:t>
-            </a:r>
-            <a:r>
-              <a:rPr sz="1800">
-                <a:latin typeface="맑은 고딕" charset="0"/>
-                <a:ea typeface="맑은 고딕" charset="0"/>
-              </a:rPr>
-              <a:t>그런 다음 Project 폴더 아래에 </a:t>
-            </a:r>
-            <a:r>
-              <a:rPr sz="1800">
-                <a:latin typeface="맑은 고딕" charset="0"/>
-                <a:ea typeface="맑은 고딕" charset="0"/>
-              </a:rPr>
-              <a:t>있는</a:t>
-            </a:r>
-            <a:r>
-              <a:rPr sz="1800">
-                <a:latin typeface="맑은 고딕" charset="0"/>
-                <a:ea typeface="맑은 고딕" charset="0"/>
-              </a:rPr>
-              <a:t> </a:t>
-            </a:r>
-            <a:r>
-              <a:rPr sz="1800">
-                <a:latin typeface="맑은 고딕" charset="0"/>
-                <a:ea typeface="맑은 고딕" charset="0"/>
-              </a:rPr>
-              <a:t>Model</a:t>
-            </a:r>
-            <a:r>
-              <a:rPr sz="1800">
-                <a:latin typeface="맑은 고딕" charset="0"/>
-                <a:ea typeface="맑은 고딕" charset="0"/>
-              </a:rPr>
-              <a:t> </a:t>
-            </a:r>
-            <a:r>
-              <a:rPr sz="1800">
-                <a:latin typeface="맑은 고딕" charset="0"/>
-                <a:ea typeface="맑은 고딕" charset="0"/>
-              </a:rPr>
-              <a:t>폴더에</a:t>
-            </a:r>
-            <a:r>
-              <a:rPr sz="1800">
-                <a:latin typeface="맑은 고딕" charset="0"/>
-                <a:ea typeface="맑은 고딕" charset="0"/>
-              </a:rPr>
-              <a:t> Grass Ground </a:t>
-            </a:r>
-            <a:r>
-              <a:rPr sz="1800">
-                <a:latin typeface="맑은 고딕" charset="0"/>
-                <a:ea typeface="맑은 고딕" charset="0"/>
-              </a:rPr>
-              <a:t>모델</a:t>
-            </a:r>
-            <a:r>
-              <a:rPr lang="ko-KR" sz="1800">
-                <a:latin typeface="맑은 고딕" charset="0"/>
-                <a:ea typeface="맑은 고딕" charset="0"/>
-              </a:rPr>
-              <a:t>을</a:t>
-            </a:r>
-            <a:r>
-              <a:rPr lang="ko-KR" sz="1800">
-                <a:latin typeface="맑은 고딕" charset="0"/>
-                <a:ea typeface="맑은 고딕" charset="0"/>
-              </a:rPr>
-              <a:t> </a:t>
-            </a:r>
-            <a:r>
-              <a:rPr lang="ko-KR" sz="1800">
-                <a:latin typeface="맑은 고딕" charset="0"/>
-                <a:ea typeface="맑은 고딕" charset="0"/>
-              </a:rPr>
-              <a:t>월드</a:t>
-            </a:r>
-            <a:r>
-              <a:rPr lang="ko-KR" sz="1800">
-                <a:latin typeface="맑은 고딕" charset="0"/>
-                <a:ea typeface="맑은 고딕" charset="0"/>
-              </a:rPr>
-              <a:t> </a:t>
-            </a:r>
-            <a:r>
-              <a:rPr lang="ko-KR" sz="1800">
-                <a:latin typeface="맑은 고딕" charset="0"/>
-                <a:ea typeface="맑은 고딕" charset="0"/>
-              </a:rPr>
-              <a:t>공간에</a:t>
-            </a:r>
-            <a:r>
-              <a:rPr lang="ko-KR" sz="1800">
-                <a:latin typeface="맑은 고딕" charset="0"/>
-                <a:ea typeface="맑은 고딕" charset="0"/>
-              </a:rPr>
-              <a:t> 배치합니다.</a:t>
-            </a:r>
-            <a:endParaRPr lang="ko-KR" altLang="en-US" sz="1800">
-              <a:latin typeface="맑은 고딕" charset="0"/>
-              <a:ea typeface="맑은 고딕" charset="0"/>
-            </a:endParaRPr>
-          </a:p>
-        </p:txBody>
-      </p:sp>
       <p:pic>
         <p:nvPicPr>
-          <p:cNvPr id="107" name="그림 55" descr="C:/Users/Admin1/AppData/Roaming/PolarisOffice/ETemp/27904_14353328/fImage3511291491.png"/>
+          <p:cNvPr id="114" name="그림 22" descr="C:/Users/Admin1/AppData/Roaming/PolarisOffice/ETemp/19772_10673440/fImage59202926500.png"/>
           <p:cNvPicPr>
             <a:picLocks noChangeAspect="1"/>
           </p:cNvPicPr>
           <p:nvPr/>
         </p:nvPicPr>
         <p:blipFill rotWithShape="1">
-          <a:blip r:embed="rId6" cstate="hqprint">
+          <a:blip r:embed="rId11" cstate="hqprint">
             <a:extLst>
               <a:ext uri="{28A0092B-C50C-407E-A947-70E740481C1C}">
                 <a14:useLocalDpi xmlns:a14="http://schemas.microsoft.com/office/drawing/2010/main"/>
@@ -10150,8 +10492,8 @@
         </p:blipFill>
         <p:spPr>
           <a:xfrm rot="0">
-            <a:off x="6830695" y="1447165"/>
-            <a:ext cx="4127500" cy="1499235"/>
+            <a:off x="6825615" y="1438275"/>
+            <a:ext cx="1402080" cy="1105535"/>
           </a:xfrm>
           <a:prstGeom prst="roundRect"/>
           <a:solidFill>
@@ -10159,135 +10501,19 @@
           </a:solidFill>
         </p:spPr>
       </p:pic>
-      <p:sp>
-        <p:nvSpPr>
-          <p:cNvPr id="108" name="텍스트 상자 58"/>
-          <p:cNvSpPr txBox="1">
-            <a:spLocks/>
-          </p:cNvSpPr>
-          <p:nvPr/>
-        </p:nvSpPr>
-        <p:spPr>
-          <a:xfrm rot="0">
-            <a:off x="6843395" y="3012440"/>
-            <a:ext cx="4124325" cy="677545"/>
-          </a:xfrm>
-          <a:prstGeom prst="rect"/>
-          <a:noFill/>
-          <a:ln w="0">
-            <a:noFill/>
-            <a:prstDash/>
-          </a:ln>
-        </p:spPr>
-        <p:txBody>
-          <a:bodyPr wrap="square" lIns="89535" tIns="46355" rIns="89535" bIns="46355" numCol="1" vert="horz" anchor="t">
-            <a:spAutoFit/>
-          </a:bodyPr>
-          <a:lstStyle/>
-          <a:p>
-            <a:pPr marL="0" indent="0" rtl="0" algn="l" defTabSz="914400" eaLnBrk="1" latinLnBrk="0" hangingPunct="1">
-              <a:buFontTx/>
-              <a:buNone/>
-            </a:pPr>
-            <a:r>
-              <a:rPr lang="ko-KR" sz="2000" b="1">
-                <a:solidFill>
-                  <a:srgbClr val="0611F2"/>
-                </a:solidFill>
-                <a:latin typeface="맑은 고딕" charset="0"/>
-                <a:ea typeface="맑은 고딕" charset="0"/>
-              </a:rPr>
-              <a:t>35</a:t>
-            </a:r>
-            <a:r>
-              <a:rPr sz="2000" b="1">
-                <a:solidFill>
-                  <a:srgbClr val="0611F2"/>
-                </a:solidFill>
-                <a:latin typeface="맑은 고딕" charset="0"/>
-                <a:ea typeface="맑은 고딕" charset="0"/>
-              </a:rPr>
-              <a:t>.</a:t>
-            </a:r>
-            <a:r>
-              <a:rPr sz="2000" b="1">
-                <a:solidFill>
-                  <a:srgbClr val="0611F2"/>
-                </a:solidFill>
-                <a:latin typeface="맑은 고딕" charset="0"/>
-                <a:ea typeface="맑은 고딕" charset="0"/>
-              </a:rPr>
-              <a:t> </a:t>
-            </a:r>
-            <a:r>
-              <a:rPr sz="1800">
-                <a:latin typeface="맑은 고딕" charset="0"/>
-                <a:ea typeface="맑은 고딕" charset="0"/>
-              </a:rPr>
-              <a:t>그러고 나서 Terrain 오브젝트에 </a:t>
-            </a:r>
-            <a:r>
-              <a:rPr sz="1800">
-                <a:latin typeface="맑은 고딕" charset="0"/>
-                <a:ea typeface="맑은 고딕" charset="0"/>
-              </a:rPr>
-              <a:t>Mesh</a:t>
-            </a:r>
-            <a:r>
-              <a:rPr sz="1800">
-                <a:latin typeface="맑은 고딕" charset="0"/>
-                <a:ea typeface="맑은 고딕" charset="0"/>
-              </a:rPr>
-              <a:t> </a:t>
-            </a:r>
-            <a:r>
-              <a:rPr sz="1800">
-                <a:latin typeface="맑은 고딕" charset="0"/>
-                <a:ea typeface="맑은 고딕" charset="0"/>
-              </a:rPr>
-              <a:t>Collider</a:t>
-            </a:r>
-            <a:r>
-              <a:rPr sz="1800">
-                <a:latin typeface="맑은 고딕" charset="0"/>
-                <a:ea typeface="맑은 고딕" charset="0"/>
-              </a:rPr>
-              <a:t> </a:t>
-            </a:r>
-            <a:r>
-              <a:rPr sz="1800">
-                <a:latin typeface="맑은 고딕" charset="0"/>
-                <a:ea typeface="맑은 고딕" charset="0"/>
-              </a:rPr>
-              <a:t>컴포넌트를</a:t>
-            </a:r>
-            <a:r>
-              <a:rPr sz="1800">
-                <a:latin typeface="맑은 고딕" charset="0"/>
-                <a:ea typeface="맑은 고딕" charset="0"/>
-              </a:rPr>
-              <a:t> 추가합니다.</a:t>
-            </a:r>
-            <a:endParaRPr lang="ko-KR" altLang="en-US" sz="1800">
-              <a:latin typeface="맑은 고딕" charset="0"/>
-              <a:ea typeface="맑은 고딕" charset="0"/>
-            </a:endParaRPr>
-          </a:p>
-        </p:txBody>
-      </p:sp>
       <p:pic>
         <p:nvPicPr>
-          <p:cNvPr id="112" name="그림 16"/>
+          <p:cNvPr id="115" name="그림 23" descr="C:/Users/Admin1/AppData/Roaming/PolarisOffice/ETemp/19772_10673440/fImage99672939169.png"/>
           <p:cNvPicPr>
             <a:picLocks noChangeAspect="1"/>
           </p:cNvPicPr>
           <p:nvPr/>
         </p:nvPicPr>
         <p:blipFill rotWithShape="1">
-          <a:blip r:embed="rId9" cstate="print">
+          <a:blip r:embed="rId12" cstate="hqprint">
             <a:extLst>
               <a:ext uri="{28A0092B-C50C-407E-A947-70E740481C1C}">
-                <a14:useLocalDpi xmlns:a14="http://schemas.microsoft.com/office/drawing/2010/main" val="0"/>
+                <a14:useLocalDpi xmlns:a14="http://schemas.microsoft.com/office/drawing/2010/main"/>
               </a:ext>
             </a:extLst>
           </a:blip>
@@ -10297,8 +10523,8 @@
         </p:blipFill>
         <p:spPr>
           <a:xfrm rot="0">
-            <a:off x="2801620" y="1445895"/>
-            <a:ext cx="2574290" cy="1124585"/>
+            <a:off x="8402955" y="1430020"/>
+            <a:ext cx="2554605" cy="1129030"/>
           </a:xfrm>
           <a:prstGeom prst="roundRect"/>
           <a:solidFill>
@@ -10308,38 +10534,7 @@
       </p:pic>
       <p:pic>
         <p:nvPicPr>
-          <p:cNvPr id="113" name="그림 19"/>
-          <p:cNvPicPr>
-            <a:picLocks noChangeAspect="1"/>
-          </p:cNvPicPr>
-          <p:nvPr/>
-        </p:nvPicPr>
-        <p:blipFill rotWithShape="1">
-          <a:blip r:embed="rId10" cstate="print">
-            <a:extLst>
-              <a:ext uri="{28A0092B-C50C-407E-A947-70E740481C1C}">
-                <a14:useLocalDpi xmlns:a14="http://schemas.microsoft.com/office/drawing/2010/main" val="0"/>
-              </a:ext>
-            </a:extLst>
-          </a:blip>
-          <a:stretch>
-            <a:fillRect/>
-          </a:stretch>
-        </p:blipFill>
-        <p:spPr>
-          <a:xfrm rot="0">
-            <a:off x="1242695" y="1447165"/>
-            <a:ext cx="1393825" cy="1102995"/>
-          </a:xfrm>
-          <a:prstGeom prst="roundRect"/>
-          <a:solidFill>
-            <a:srgbClr val="EDEDED"/>
-          </a:solidFill>
-        </p:spPr>
-      </p:pic>
-      <p:pic>
-        <p:nvPicPr>
-          <p:cNvPr id="105" name="그림 51"/>
+          <p:cNvPr id="116" name="그림 29" descr="C:/Users/Admin1/AppData/Roaming/PolarisOffice/ETemp/19772_10673440/fImage2242172279169.png"/>
           <p:cNvPicPr>
             <a:picLocks noChangeAspect="1"/>
           </p:cNvPicPr>
@@ -10359,8 +10554,8 @@
         </p:blipFill>
         <p:spPr>
           <a:xfrm rot="10800000">
-            <a:off x="2307590" y="1814195"/>
-            <a:ext cx="626745" cy="353060"/>
+            <a:off x="7917815" y="1817370"/>
+            <a:ext cx="628015" cy="354330"/>
           </a:xfrm>
           <a:prstGeom prst="rect"/>
           <a:noFill/>
@@ -10368,14 +10563,14 @@
       </p:pic>
       <p:pic>
         <p:nvPicPr>
-          <p:cNvPr id="114" name="그림 22" descr="C:/Users/Admin1/AppData/Roaming/PolarisOffice/ETemp/27904_14353328/fImage59202926500.png"/>
+          <p:cNvPr id="117" name="그림 29" descr="C:/Users/Admin1/AppData/Roaming/PolarisOffice/ETemp/19772_10673440/fImage40763296500.png"/>
           <p:cNvPicPr>
             <a:picLocks noChangeAspect="1"/>
           </p:cNvPicPr>
           <p:nvPr/>
         </p:nvPicPr>
         <p:blipFill rotWithShape="1">
-          <a:blip r:embed="rId11" cstate="hqprint">
+          <a:blip r:embed="rId13" cstate="hqprint">
             <a:extLst>
               <a:ext uri="{28A0092B-C50C-407E-A947-70E740481C1C}">
                 <a14:useLocalDpi xmlns:a14="http://schemas.microsoft.com/office/drawing/2010/main"/>
@@ -10388,8 +10583,8 @@
         </p:blipFill>
         <p:spPr>
           <a:xfrm rot="0">
-            <a:off x="1243965" y="3827780"/>
-            <a:ext cx="1401445" cy="1117600"/>
+            <a:off x="6813550" y="3721100"/>
+            <a:ext cx="4152900" cy="1318260"/>
           </a:xfrm>
           <a:prstGeom prst="roundRect"/>
           <a:solidFill>
@@ -10397,16 +10592,293 @@
           </a:solidFill>
         </p:spPr>
       </p:pic>
+      <p:sp>
+        <p:nvSpPr>
+          <p:cNvPr id="118" name="텍스트 상자 32"/>
+          <p:cNvSpPr txBox="1">
+            <a:spLocks/>
+          </p:cNvSpPr>
+          <p:nvPr/>
+        </p:nvSpPr>
+        <p:spPr>
+          <a:xfrm rot="0">
+            <a:off x="6822440" y="5154295"/>
+            <a:ext cx="4143375" cy="954405"/>
+          </a:xfrm>
+          <a:prstGeom prst="rect"/>
+          <a:noFill/>
+          <a:ln w="0">
+            <a:noFill/>
+            <a:prstDash/>
+          </a:ln>
+        </p:spPr>
+        <p:txBody>
+          <a:bodyPr wrap="square" lIns="89535" tIns="46355" rIns="89535" bIns="46355" numCol="1" vert="horz" anchor="t">
+            <a:spAutoFit/>
+          </a:bodyPr>
+          <a:lstStyle/>
+          <a:p>
+            <a:pPr marL="0" indent="0" rtl="0" algn="l" defTabSz="914400" eaLnBrk="1" latinLnBrk="0" hangingPunct="1">
+              <a:buFontTx/>
+              <a:buNone/>
+            </a:pPr>
+            <a:r>
+              <a:rPr lang="ko-KR" sz="2000" b="1">
+                <a:solidFill>
+                  <a:srgbClr val="0611F2"/>
+                </a:solidFill>
+                <a:latin typeface="맑은 고딕" charset="0"/>
+                <a:ea typeface="맑은 고딕" charset="0"/>
+              </a:rPr>
+              <a:t>35</a:t>
+            </a:r>
+            <a:r>
+              <a:rPr sz="2000" b="1">
+                <a:solidFill>
+                  <a:srgbClr val="0611F2"/>
+                </a:solidFill>
+                <a:latin typeface="맑은 고딕" charset="0"/>
+                <a:ea typeface="맑은 고딕" charset="0"/>
+              </a:rPr>
+              <a:t>.</a:t>
+            </a:r>
+            <a:r>
+              <a:rPr sz="2000" b="1">
+                <a:solidFill>
+                  <a:srgbClr val="0611F2"/>
+                </a:solidFill>
+                <a:latin typeface="맑은 고딕" charset="0"/>
+                <a:ea typeface="맑은 고딕" charset="0"/>
+              </a:rPr>
+              <a:t> </a:t>
+            </a:r>
+            <a:r>
+              <a:rPr sz="1800">
+                <a:latin typeface="맑은 고딕" charset="0"/>
+                <a:ea typeface="맑은 고딕" charset="0"/>
+              </a:rPr>
+              <a:t>그러고 나서 Bee 오브젝트에 </a:t>
+            </a:r>
+            <a:r>
+              <a:rPr sz="1800">
+                <a:latin typeface="맑은 고딕" charset="0"/>
+                <a:ea typeface="맑은 고딕" charset="0"/>
+              </a:rPr>
+              <a:t>Sphere</a:t>
+            </a:r>
+            <a:r>
+              <a:rPr sz="1800">
+                <a:latin typeface="맑은 고딕" charset="0"/>
+                <a:ea typeface="맑은 고딕" charset="0"/>
+              </a:rPr>
+              <a:t> </a:t>
+            </a:r>
+            <a:r>
+              <a:rPr sz="1800">
+                <a:latin typeface="맑은 고딕" charset="0"/>
+                <a:ea typeface="맑은 고딕" charset="0"/>
+              </a:rPr>
+              <a:t>Collider</a:t>
+            </a:r>
+            <a:r>
+              <a:rPr sz="1800">
+                <a:latin typeface="맑은 고딕" charset="0"/>
+                <a:ea typeface="맑은 고딕" charset="0"/>
+              </a:rPr>
+              <a:t> </a:t>
+            </a:r>
+            <a:r>
+              <a:rPr sz="1800">
+                <a:latin typeface="맑은 고딕" charset="0"/>
+                <a:ea typeface="맑은 고딕" charset="0"/>
+              </a:rPr>
+              <a:t>컴포넌트를</a:t>
+            </a:r>
+            <a:r>
+              <a:rPr sz="1800">
+                <a:latin typeface="맑은 고딕" charset="0"/>
+                <a:ea typeface="맑은 고딕" charset="0"/>
+              </a:rPr>
+              <a:t> </a:t>
+            </a:r>
+            <a:r>
+              <a:rPr sz="1800">
+                <a:latin typeface="맑은 고딕" charset="0"/>
+                <a:ea typeface="맑은 고딕" charset="0"/>
+              </a:rPr>
+              <a:t>추가합니다</a:t>
+            </a:r>
+            <a:endParaRPr lang="ko-KR" altLang="en-US" sz="1800">
+              <a:latin typeface="맑은 고딕" charset="0"/>
+              <a:ea typeface="맑은 고딕" charset="0"/>
+            </a:endParaRPr>
+          </a:p>
+        </p:txBody>
+      </p:sp>
+      <p:sp>
+        <p:nvSpPr>
+          <p:cNvPr id="119" name="텍스트 상자 47"/>
+          <p:cNvSpPr txBox="1">
+            <a:spLocks/>
+          </p:cNvSpPr>
+          <p:nvPr/>
+        </p:nvSpPr>
+        <p:spPr>
+          <a:xfrm rot="0">
+            <a:off x="1238885" y="5142865"/>
+            <a:ext cx="4145280" cy="954405"/>
+          </a:xfrm>
+          <a:prstGeom prst="rect"/>
+          <a:noFill/>
+          <a:ln w="0">
+            <a:noFill/>
+            <a:prstDash/>
+          </a:ln>
+        </p:spPr>
+        <p:txBody>
+          <a:bodyPr wrap="square" lIns="89535" tIns="46355" rIns="89535" bIns="46355" numCol="1" vert="horz" anchor="t">
+            <a:spAutoFit/>
+          </a:bodyPr>
+          <a:lstStyle/>
+          <a:p>
+            <a:pPr marL="0" indent="0" rtl="0" algn="l" defTabSz="914400" eaLnBrk="1" latinLnBrk="0" hangingPunct="1">
+              <a:buFontTx/>
+              <a:buNone/>
+            </a:pPr>
+            <a:r>
+              <a:rPr lang="ko-KR" sz="2000" b="1">
+                <a:solidFill>
+                  <a:srgbClr val="0611F2"/>
+                </a:solidFill>
+                <a:latin typeface="맑은 고딕" charset="0"/>
+                <a:ea typeface="맑은 고딕" charset="0"/>
+              </a:rPr>
+              <a:t>3</a:t>
+            </a:r>
+            <a:r>
+              <a:rPr lang="ko-KR" sz="2000" b="1">
+                <a:solidFill>
+                  <a:srgbClr val="0611F2"/>
+                </a:solidFill>
+                <a:latin typeface="맑은 고딕" charset="0"/>
+                <a:ea typeface="맑은 고딕" charset="0"/>
+              </a:rPr>
+              <a:t>3</a:t>
+            </a:r>
+            <a:r>
+              <a:rPr sz="2000" b="1">
+                <a:solidFill>
+                  <a:srgbClr val="0611F2"/>
+                </a:solidFill>
+                <a:latin typeface="맑은 고딕" charset="0"/>
+                <a:ea typeface="맑은 고딕" charset="0"/>
+              </a:rPr>
+              <a:t>.</a:t>
+            </a:r>
+            <a:r>
+              <a:rPr sz="2000" b="1">
+                <a:solidFill>
+                  <a:srgbClr val="0611F2"/>
+                </a:solidFill>
+                <a:latin typeface="맑은 고딕" charset="0"/>
+                <a:ea typeface="맑은 고딕" charset="0"/>
+              </a:rPr>
+              <a:t> </a:t>
+            </a:r>
+            <a:r>
+              <a:rPr sz="1800">
+                <a:latin typeface="맑은 고딕" charset="0"/>
+                <a:ea typeface="맑은 고딕" charset="0"/>
+              </a:rPr>
+              <a:t>그런 다음 나서 UI에 Button을 </a:t>
+            </a:r>
+            <a:r>
+              <a:rPr sz="1800">
+                <a:latin typeface="맑은 고딕" charset="0"/>
+                <a:ea typeface="맑은 고딕" charset="0"/>
+              </a:rPr>
+              <a:t>생성</a:t>
+            </a:r>
+            <a:r>
+              <a:rPr lang="ko-KR" sz="1800">
+                <a:latin typeface="맑은 고딕" charset="0"/>
+                <a:ea typeface="맑은 고딕" charset="0"/>
+              </a:rPr>
+              <a:t>한</a:t>
+            </a:r>
+            <a:r>
+              <a:rPr lang="ko-KR" sz="1800">
+                <a:latin typeface="맑은 고딕" charset="0"/>
+                <a:ea typeface="맑은 고딕" charset="0"/>
+              </a:rPr>
+              <a:t> </a:t>
+            </a:r>
+            <a:r>
+              <a:rPr lang="ko-KR" sz="1800">
+                <a:latin typeface="맑은 고딕" charset="0"/>
+                <a:ea typeface="맑은 고딕" charset="0"/>
+              </a:rPr>
+              <a:t>다음</a:t>
+            </a:r>
+            <a:r>
+              <a:rPr lang="ko-KR" sz="1800">
+                <a:latin typeface="맑은 고딕" charset="0"/>
+                <a:ea typeface="맑은 고딕" charset="0"/>
+              </a:rPr>
+              <a:t> </a:t>
+            </a:r>
+            <a:r>
+              <a:rPr lang="ko-KR" sz="1800">
+                <a:latin typeface="맑은 고딕" charset="0"/>
+                <a:ea typeface="맑은 고딕" charset="0"/>
+              </a:rPr>
+              <a:t>Hone</a:t>
+            </a:r>
+            <a:r>
+              <a:rPr lang="ko-KR" sz="1800">
+                <a:latin typeface="맑은 고딕" charset="0"/>
+                <a:ea typeface="맑은 고딕" charset="0"/>
+              </a:rPr>
+              <a:t> Button이라는 </a:t>
+            </a:r>
+            <a:r>
+              <a:rPr lang="ko-KR" sz="1800">
+                <a:latin typeface="맑은 고딕" charset="0"/>
+                <a:ea typeface="맑은 고딕" charset="0"/>
+              </a:rPr>
+              <a:t>이름으로</a:t>
+            </a:r>
+            <a:r>
+              <a:rPr lang="ko-KR" sz="1800">
+                <a:latin typeface="맑은 고딕" charset="0"/>
+                <a:ea typeface="맑은 고딕" charset="0"/>
+              </a:rPr>
+              <a:t> </a:t>
+            </a:r>
+            <a:r>
+              <a:rPr lang="ko-KR" sz="1800">
+                <a:latin typeface="맑은 고딕" charset="0"/>
+                <a:ea typeface="맑은 고딕" charset="0"/>
+              </a:rPr>
+              <a:t>정의합니다.</a:t>
+            </a:r>
+            <a:endParaRPr lang="ko-KR" altLang="en-US" sz="1800">
+              <a:latin typeface="맑은 고딕" charset="0"/>
+              <a:ea typeface="맑은 고딕" charset="0"/>
+            </a:endParaRPr>
+          </a:p>
+        </p:txBody>
+      </p:sp>
       <p:pic>
         <p:nvPicPr>
-          <p:cNvPr id="115" name="그림 23" descr="C:/Users/Admin1/AppData/Roaming/PolarisOffice/ETemp/27904_14353328/fImage99672939169.png"/>
+          <p:cNvPr id="120" name="그림 48" descr="C:/Users/Admin1/AppData/Roaming/PolarisOffice/ETemp/19772_10673440/fImage265923278467.png"/>
           <p:cNvPicPr>
             <a:picLocks noChangeAspect="1"/>
           </p:cNvPicPr>
           <p:nvPr/>
         </p:nvPicPr>
         <p:blipFill rotWithShape="1">
-          <a:blip r:embed="rId12" cstate="hqprint">
+          <a:blip r:embed="rId14" cstate="hqprint">
             <a:extLst>
               <a:ext uri="{28A0092B-C50C-407E-A947-70E740481C1C}">
                 <a14:useLocalDpi xmlns:a14="http://schemas.microsoft.com/office/drawing/2010/main"/>
@@ -10419,8 +10891,8 @@
         </p:blipFill>
         <p:spPr>
           <a:xfrm rot="0">
-            <a:off x="2821305" y="3808730"/>
-            <a:ext cx="2553970" cy="1153795"/>
+            <a:off x="1240790" y="1438275"/>
+            <a:ext cx="2757805" cy="3533140"/>
           </a:xfrm>
           <a:prstGeom prst="roundRect"/>
           <a:solidFill>
@@ -10430,14 +10902,14 @@
       </p:pic>
       <p:pic>
         <p:nvPicPr>
-          <p:cNvPr id="116" name="그림 29" descr="C:/Users/Admin1/AppData/Roaming/PolarisOffice/ETemp/27904_14353328/fImage2242172279169.png"/>
+          <p:cNvPr id="121" name="그림 49" descr="C:/Users/Admin1/AppData/Roaming/PolarisOffice/ETemp/19772_10673440/fImage713232441.png"/>
           <p:cNvPicPr>
             <a:picLocks noChangeAspect="1"/>
           </p:cNvPicPr>
           <p:nvPr/>
         </p:nvPicPr>
         <p:blipFill rotWithShape="1">
-          <a:blip r:embed="rId4" cstate="hqprint">
+          <a:blip r:embed="rId15" cstate="hqprint">
             <a:extLst>
               <a:ext uri="{28A0092B-C50C-407E-A947-70E740481C1C}">
                 <a14:useLocalDpi xmlns:a14="http://schemas.microsoft.com/office/drawing/2010/main"/>
@@ -10449,38 +10921,9 @@
           </a:stretch>
         </p:blipFill>
         <p:spPr>
-          <a:xfrm rot="10800000">
-            <a:off x="2301875" y="4220210"/>
-            <a:ext cx="627380" cy="353695"/>
-          </a:xfrm>
-          <a:prstGeom prst="rect"/>
-          <a:noFill/>
-        </p:spPr>
-      </p:pic>
-      <p:pic>
-        <p:nvPicPr>
-          <p:cNvPr id="117" name="그림 29" descr="C:/Users/Admin1/AppData/Roaming/PolarisOffice/ETemp/27904_14353328/fImage40763296500.png"/>
-          <p:cNvPicPr>
-            <a:picLocks noChangeAspect="1"/>
-          </p:cNvPicPr>
-          <p:nvPr/>
-        </p:nvPicPr>
-        <p:blipFill rotWithShape="1">
-          <a:blip r:embed="rId13" cstate="print">
-            <a:extLst>
-              <a:ext uri="{28A0092B-C50C-407E-A947-70E740481C1C}">
-                <a14:useLocalDpi xmlns:a14="http://schemas.microsoft.com/office/drawing/2010/main" val="0"/>
-              </a:ext>
-            </a:extLst>
-          </a:blip>
-          <a:stretch>
-            <a:fillRect/>
-          </a:stretch>
-        </p:blipFill>
-        <p:spPr>
-          <a:xfrm rot="0">
-            <a:off x="6821805" y="3832860"/>
-            <a:ext cx="4126865" cy="1395730"/>
+          <a:xfrm rot="0">
+            <a:off x="4100195" y="2308225"/>
+            <a:ext cx="1275715" cy="1818640"/>
           </a:xfrm>
           <a:prstGeom prst="roundRect"/>
           <a:solidFill>
@@ -10488,94 +10931,6 @@
           </a:solidFill>
         </p:spPr>
       </p:pic>
-      <p:sp>
-        <p:nvSpPr>
-          <p:cNvPr id="118" name="텍스트 상자 32"/>
-          <p:cNvSpPr txBox="1">
-            <a:spLocks/>
-          </p:cNvSpPr>
-          <p:nvPr/>
-        </p:nvSpPr>
-        <p:spPr>
-          <a:xfrm rot="0">
-            <a:off x="6839585" y="5352415"/>
-            <a:ext cx="4126230" cy="677545"/>
-          </a:xfrm>
-          <a:prstGeom prst="rect"/>
-          <a:noFill/>
-          <a:ln w="0">
-            <a:noFill/>
-            <a:prstDash/>
-          </a:ln>
-        </p:spPr>
-        <p:txBody>
-          <a:bodyPr wrap="square" lIns="89535" tIns="46355" rIns="89535" bIns="46355" numCol="1" vert="horz" anchor="t">
-            <a:spAutoFit/>
-          </a:bodyPr>
-          <a:lstStyle/>
-          <a:p>
-            <a:pPr marL="0" indent="0" rtl="0" algn="l" defTabSz="914400" eaLnBrk="1" latinLnBrk="0" hangingPunct="1">
-              <a:buFontTx/>
-              <a:buNone/>
-            </a:pPr>
-            <a:r>
-              <a:rPr lang="ko-KR" sz="2000" b="1">
-                <a:solidFill>
-                  <a:srgbClr val="0611F2"/>
-                </a:solidFill>
-                <a:latin typeface="맑은 고딕" charset="0"/>
-                <a:ea typeface="맑은 고딕" charset="0"/>
-              </a:rPr>
-              <a:t>36</a:t>
-            </a:r>
-            <a:r>
-              <a:rPr sz="2000" b="1">
-                <a:solidFill>
-                  <a:srgbClr val="0611F2"/>
-                </a:solidFill>
-                <a:latin typeface="맑은 고딕" charset="0"/>
-                <a:ea typeface="맑은 고딕" charset="0"/>
-              </a:rPr>
-              <a:t>.</a:t>
-            </a:r>
-            <a:r>
-              <a:rPr sz="2000" b="1">
-                <a:solidFill>
-                  <a:srgbClr val="0611F2"/>
-                </a:solidFill>
-                <a:latin typeface="맑은 고딕" charset="0"/>
-                <a:ea typeface="맑은 고딕" charset="0"/>
-              </a:rPr>
-              <a:t> </a:t>
-            </a:r>
-            <a:r>
-              <a:rPr sz="1800">
-                <a:latin typeface="맑은 고딕" charset="0"/>
-                <a:ea typeface="맑은 고딕" charset="0"/>
-              </a:rPr>
-              <a:t>이제 Bee 오브젝트에 Sphere </a:t>
-            </a:r>
-            <a:r>
-              <a:rPr sz="1800">
-                <a:latin typeface="맑은 고딕" charset="0"/>
-                <a:ea typeface="맑은 고딕" charset="0"/>
-              </a:rPr>
-              <a:t>Collider</a:t>
-            </a:r>
-            <a:r>
-              <a:rPr sz="1800">
-                <a:latin typeface="맑은 고딕" charset="0"/>
-                <a:ea typeface="맑은 고딕" charset="0"/>
-              </a:rPr>
-              <a:t> 컴포넌트를 추가합니다</a:t>
-            </a:r>
-            <a:endParaRPr lang="ko-KR" altLang="en-US" sz="1800">
-              <a:latin typeface="맑은 고딕" charset="0"/>
-              <a:ea typeface="맑은 고딕" charset="0"/>
-            </a:endParaRPr>
-          </a:p>
-        </p:txBody>
-      </p:sp>
     </p:spTree>
   </p:cSld>
   <p:clrMapOvr>
@@ -10676,9 +11031,9 @@
           <p:nvPr/>
         </p:nvSpPr>
         <p:spPr>
-          <a:xfrm>
-            <a:off x="1238885" y="5057140"/>
-            <a:ext cx="4145915" cy="954405"/>
+          <a:xfrm rot="0">
+            <a:off x="1238885" y="5194300"/>
+            <a:ext cx="4146550" cy="954405"/>
           </a:xfrm>
           <a:prstGeom prst="rect"/>
           <a:noFill/>
@@ -10705,7 +11060,7 @@
                 <a:latin typeface="맑은 고딕" charset="0"/>
                 <a:ea typeface="맑은 고딕" charset="0"/>
               </a:rPr>
-              <a:t>37</a:t>
+              <a:t>36</a:t>
             </a:r>
             <a:r>
               <a:rPr sz="2000" b="1">
@@ -10732,21 +11087,7 @@
                 <a:latin typeface="맑은 고딕" charset="0"/>
                 <a:ea typeface="맑은 고딕" charset="0"/>
               </a:rPr>
-              <a:t>그리고 Character 오브젝트에 </a:t>
-            </a:r>
-            <a:r>
-              <a:rPr sz="1800">
-                <a:latin typeface="맑은 고딕" charset="0"/>
-                <a:ea typeface="맑은 고딕" charset="0"/>
-              </a:rPr>
-              <a:t>있는</a:t>
-            </a:r>
-            <a:r>
-              <a:rPr sz="1800">
-                <a:latin typeface="맑은 고딕" charset="0"/>
-                <a:ea typeface="맑은 고딕" charset="0"/>
-              </a:rPr>
-              <a:t> </a:t>
+              <a:t>이제 Character 오브젝트에 있는 </a:t>
             </a:r>
             <a:r>
               <a:rPr sz="1800">
@@ -10813,9 +11154,9 @@
           <p:nvPr/>
         </p:nvSpPr>
         <p:spPr>
-          <a:xfrm>
-            <a:off x="6840220" y="4784725"/>
-            <a:ext cx="4126230" cy="1231265"/>
+          <a:xfrm rot="0">
+            <a:off x="6813550" y="4921885"/>
+            <a:ext cx="4153535" cy="1231265"/>
           </a:xfrm>
           <a:prstGeom prst="rect"/>
           <a:noFill/>
@@ -10842,7 +11183,7 @@
                 <a:latin typeface="맑은 고딕" charset="0"/>
                 <a:ea typeface="맑은 고딕" charset="0"/>
               </a:rPr>
-              <a:t>38</a:t>
+              <a:t>37</a:t>
             </a:r>
             <a:r>
               <a:rPr sz="2000" b="1">
@@ -10869,21 +11210,7 @@
                 <a:latin typeface="맑은 고딕" charset="0"/>
                 <a:ea typeface="맑은 고딕" charset="0"/>
               </a:rPr>
-              <a:t>그리고 Project 폴더 아래에 </a:t>
-            </a:r>
-            <a:r>
-              <a:rPr sz="1800">
-                <a:latin typeface="맑은 고딕" charset="0"/>
-                <a:ea typeface="맑은 고딕" charset="0"/>
-              </a:rPr>
-              <a:t>있는</a:t>
-            </a:r>
-            <a:r>
-              <a:rPr sz="1800">
-                <a:latin typeface="맑은 고딕" charset="0"/>
-                <a:ea typeface="맑은 고딕" charset="0"/>
-              </a:rPr>
-              <a:t> </a:t>
+              <a:t>그리고 Project 폴더 아래에 있는 </a:t>
             </a:r>
             <a:r>
               <a:rPr sz="1800">
@@ -10971,17 +11298,17 @@
       </p:sp>
       <p:pic>
         <p:nvPicPr>
-          <p:cNvPr id="112" name="그림 30"/>
+          <p:cNvPr id="112" name="그림 30" descr="C:/Users/Admin1/AppData/Roaming/PolarisOffice/ETemp/19772_10673440/fImage158293115724.png"/>
           <p:cNvPicPr>
             <a:picLocks noChangeAspect="1"/>
           </p:cNvPicPr>
           <p:nvPr/>
         </p:nvPicPr>
         <p:blipFill rotWithShape="1">
-          <a:blip r:embed="rId2" cstate="print">
+          <a:blip r:embed="rId2" cstate="hqprint">
             <a:extLst>
               <a:ext uri="{28A0092B-C50C-407E-A947-70E740481C1C}">
-                <a14:useLocalDpi xmlns:a14="http://schemas.microsoft.com/office/drawing/2010/main" val="0"/>
+                <a14:useLocalDpi xmlns:a14="http://schemas.microsoft.com/office/drawing/2010/main"/>
               </a:ext>
             </a:extLst>
           </a:blip>
@@ -10992,7 +11319,7 @@
         <p:spPr>
           <a:xfrm rot="0">
             <a:off x="1249045" y="1438275"/>
-            <a:ext cx="4131945" cy="3480435"/>
+            <a:ext cx="4132580" cy="3644265"/>
           </a:xfrm>
           <a:prstGeom prst="roundRect"/>
           <a:solidFill>
@@ -11002,7 +11329,7 @@
       </p:pic>
       <p:pic>
         <p:nvPicPr>
-          <p:cNvPr id="113" name="그림 34"/>
+          <p:cNvPr id="113" name="그림 34" descr="C:/Users/Admin1/AppData/Roaming/PolarisOffice/ETemp/19772_10673440/fImage415713141478.png"/>
           <p:cNvPicPr>
             <a:picLocks noChangeAspect="1"/>
           </p:cNvPicPr>
@@ -11022,8 +11349,8 @@
         </p:blipFill>
         <p:spPr>
           <a:xfrm rot="0">
-            <a:off x="6839585" y="1428750"/>
-            <a:ext cx="4126230" cy="3206115"/>
+            <a:off x="6813550" y="1428750"/>
+            <a:ext cx="4152900" cy="3352165"/>
           </a:xfrm>
           <a:prstGeom prst="rect"/>
           <a:noFill/>
@@ -11131,7 +11458,7 @@
         <p:spPr>
           <a:xfrm>
             <a:off x="1247775" y="5057140"/>
-            <a:ext cx="4145915" cy="954405"/>
+            <a:ext cx="4146550" cy="954405"/>
           </a:xfrm>
           <a:prstGeom prst="rect"/>
           <a:noFill/>
@@ -11158,7 +11485,17 @@
                 <a:latin typeface="맑은 고딕" charset="0"/>
                 <a:ea typeface="맑은 고딕" charset="0"/>
               </a:rPr>
-              <a:t>40</a:t>
+              <a:t>3</a:t>
+            </a:r>
+            <a:r>
+              <a:rPr lang="ko-KR" sz="2000" b="1">
+                <a:solidFill>
+                  <a:srgbClr val="0611F2"/>
+                </a:solidFill>
+                <a:latin typeface="맑은 고딕" charset="0"/>
+                <a:ea typeface="맑은 고딕" charset="0"/>
+              </a:rPr>
+              <a:t>9</a:t>
             </a:r>
             <a:r>
               <a:rPr sz="2000" b="1">
@@ -11185,69 +11522,27 @@
                 <a:latin typeface="맑은 고딕" charset="0"/>
                 <a:ea typeface="맑은 고딕" charset="0"/>
               </a:rPr>
-              <a:t>그다음 Texture 폴더 아래에 </a:t>
+              <a:t>그다음 Texture 폴더 아래에 있는 </a:t>
             </a:r>
             <a:r>
               <a:rPr sz="1800">
                 <a:latin typeface="맑은 고딕" charset="0"/>
                 <a:ea typeface="맑은 고딕" charset="0"/>
               </a:rPr>
-              <a:t>있는</a:t>
+              <a:t>Game</a:t>
             </a:r>
             <a:r>
               <a:rPr sz="1800">
                 <a:latin typeface="맑은 고딕" charset="0"/>
                 <a:ea typeface="맑은 고딕" charset="0"/>
               </a:rPr>
-              <a:t> </a:t>
+              <a:t> Texture 폴더에 Bee 텍스처를 </a:t>
             </a:r>
             <a:r>
               <a:rPr sz="1800">
                 <a:latin typeface="맑은 고딕" charset="0"/>
                 <a:ea typeface="맑은 고딕" charset="0"/>
               </a:rPr>
-              <a:t>Game</a:t>
-            </a:r>
-            <a:r>
-              <a:rPr sz="1800">
-                <a:latin typeface="맑은 고딕" charset="0"/>
-                <a:ea typeface="맑은 고딕" charset="0"/>
-              </a:rPr>
-              <a:t> </a:t>
-            </a:r>
-            <a:r>
-              <a:rPr sz="1800">
-                <a:latin typeface="맑은 고딕" charset="0"/>
-                <a:ea typeface="맑은 고딕" charset="0"/>
-              </a:rPr>
-              <a:t>Texture</a:t>
-            </a:r>
-            <a:r>
-              <a:rPr sz="1800">
-                <a:latin typeface="맑은 고딕" charset="0"/>
-                <a:ea typeface="맑은 고딕" charset="0"/>
-              </a:rPr>
-              <a:t> 폴더에 Bee </a:t>
-            </a:r>
-            <a:r>
-              <a:rPr sz="1800">
-                <a:latin typeface="맑은 고딕" charset="0"/>
-                <a:ea typeface="맑은 고딕" charset="0"/>
-              </a:rPr>
-              <a:t>텍스처를</a:t>
-            </a:r>
-            <a:r>
-              <a:rPr sz="1800">
-                <a:latin typeface="맑은 고딕" charset="0"/>
-                <a:ea typeface="맑은 고딕" charset="0"/>
-              </a:rPr>
-              <a:t> </a:t>
-            </a:r>
-            <a:r>
-              <a:rPr sz="1800">
-                <a:latin typeface="맑은 고딕" charset="0"/>
-                <a:ea typeface="맑은 고딕" charset="0"/>
-              </a:rPr>
               <a:t>선택</a:t>
             </a:r>
             <a:r>
@@ -11262,28 +11557,7 @@
                 <a:latin typeface="맑은 고딕" charset="0"/>
                 <a:ea typeface="맑은 고딕" charset="0"/>
               </a:rPr>
-              <a:t> </a:t>
-            </a:r>
-            <a:r>
-              <a:rPr lang="ko-KR" sz="1800">
-                <a:latin typeface="맑은 고딕" charset="0"/>
-                <a:ea typeface="맑은 고딕" charset="0"/>
-              </a:rPr>
-              <a:t>Bee</a:t>
-            </a:r>
-            <a:r>
-              <a:rPr lang="ko-KR" sz="1800">
-                <a:latin typeface="맑은 고딕" charset="0"/>
-                <a:ea typeface="맑은 고딕" charset="0"/>
-              </a:rPr>
-              <a:t> 오브젝트에 </a:t>
-            </a:r>
-            <a:r>
-              <a:rPr lang="ko-KR" sz="1800">
-                <a:latin typeface="맑은 고딕" charset="0"/>
-                <a:ea typeface="맑은 고딕" charset="0"/>
-              </a:rPr>
-              <a:t>넣어줍니다.</a:t>
+              <a:t> Bee 오브젝트에 넣어줍니다.</a:t>
             </a:r>
             <a:endParaRPr lang="ko-KR" altLang="en-US" sz="1800">
               <a:latin typeface="맑은 고딕" charset="0"/>
@@ -11301,9 +11575,9 @@
           <p:nvPr/>
         </p:nvSpPr>
         <p:spPr>
-          <a:xfrm rot="0">
+          <a:xfrm>
             <a:off x="6813550" y="5060315"/>
-            <a:ext cx="4144010" cy="954405"/>
+            <a:ext cx="4144645" cy="954405"/>
           </a:xfrm>
           <a:prstGeom prst="rect"/>
           <a:noFill/>
@@ -11330,7 +11604,7 @@
                 <a:latin typeface="맑은 고딕" charset="0"/>
                 <a:ea typeface="맑은 고딕" charset="0"/>
               </a:rPr>
-              <a:t>41</a:t>
+              <a:t>40</a:t>
             </a:r>
             <a:r>
               <a:rPr sz="2000" b="1">
@@ -11385,21 +11659,7 @@
                 <a:latin typeface="맑은 고딕" charset="0"/>
                 <a:ea typeface="맑은 고딕" charset="0"/>
               </a:rPr>
-              <a:t> </a:t>
-            </a:r>
-            <a:r>
-              <a:rPr sz="1800">
-                <a:latin typeface="맑은 고딕" charset="0"/>
-                <a:ea typeface="맑은 고딕" charset="0"/>
-              </a:rPr>
-              <a:t>다음</a:t>
-            </a:r>
-            <a:r>
-              <a:rPr sz="1800">
-                <a:latin typeface="맑은 고딕" charset="0"/>
-                <a:ea typeface="맑은 고딕" charset="0"/>
-              </a:rPr>
-              <a:t> Lighting을 </a:t>
+              <a:t> 다음 Lighting을 </a:t>
             </a:r>
             <a:r>
               <a:rPr sz="1800">
@@ -11523,7 +11783,7 @@
         <p:spPr>
           <a:xfrm>
             <a:off x="1240790" y="2828925"/>
-            <a:ext cx="4146550" cy="677545"/>
+            <a:ext cx="4147185" cy="677545"/>
           </a:xfrm>
           <a:prstGeom prst="rect"/>
           <a:noFill/>
@@ -11560,7 +11820,7 @@
                 <a:latin typeface="맑은 고딕" charset="0"/>
                 <a:ea typeface="맑은 고딕" charset="0"/>
               </a:rPr>
-              <a:t>9</a:t>
+              <a:t>8</a:t>
             </a:r>
             <a:r>
               <a:rPr sz="2000" b="1">
@@ -11615,21 +11875,7 @@
                 <a:latin typeface="맑은 고딕" charset="0"/>
                 <a:ea typeface="맑은 고딕" charset="0"/>
               </a:rPr>
-              <a:t> </a:t>
-            </a:r>
-            <a:r>
-              <a:rPr sz="1800">
-                <a:latin typeface="맑은 고딕" charset="0"/>
-                <a:ea typeface="맑은 고딕" charset="0"/>
-              </a:rPr>
-              <a:t>오브젝트에</a:t>
-            </a:r>
-            <a:r>
-              <a:rPr sz="1800">
-                <a:latin typeface="맑은 고딕" charset="0"/>
-                <a:ea typeface="맑은 고딕" charset="0"/>
-              </a:rPr>
-              <a:t> 넣어줍니다.</a:t>
+              <a:t> 오브젝트에 넣어줍니다.</a:t>
             </a:r>
             <a:endParaRPr lang="ko-KR" altLang="en-US" sz="1800">
               <a:latin typeface="맑은 고딕" charset="0"/>
@@ -11735,7 +11981,7 @@
       </p:cxnSp>
       <p:pic>
         <p:nvPicPr>
-          <p:cNvPr id="121" name="그림 54" descr="C:/Users/Admin1/AppData/Roaming/PolarisOffice/ETemp/27904_14353328/fImage228243308145.png"/>
+          <p:cNvPr id="121" name="그림 54"/>
           <p:cNvPicPr>
             <a:picLocks noChangeAspect="1"/>
           </p:cNvPicPr>
@@ -11788,7 +12034,7 @@
 </file>
 
 <file path=ppt/slides/slide15.xml><?xml version="1.0" encoding="utf-8"?>
-<p:sld xmlns:a="http://schemas.openxmlformats.org/drawingml/2006/main" xmlns:r="http://schemas.openxmlformats.org/officeDocument/2006/relationships" xmlns:p="http://schemas.openxmlformats.org/presentationml/2006/main">
+<p:sld xmlns:a="http://schemas.openxmlformats.org/drawingml/2006/main" xmlns:r="http://schemas.openxmlformats.org/officeDocument/2006/relationships" xmlns:p="http://schemas.openxmlformats.org/presentationml/2006/main" xmlns:p14="http://schemas.microsoft.com/office/powerpoint/2010/main">
   <p:cSld>
     <p:spTree>
       <p:nvGrpSpPr>
@@ -11864,9 +12110,9 @@
           <p:nvPr/>
         </p:nvSpPr>
         <p:spPr>
-          <a:xfrm rot="0">
+          <a:xfrm>
             <a:off x="1256030" y="5057140"/>
-            <a:ext cx="4110990" cy="954405"/>
+            <a:ext cx="4111625" cy="954405"/>
           </a:xfrm>
           <a:prstGeom prst="rect"/>
           <a:noFill/>
@@ -11893,7 +12139,7 @@
                 <a:latin typeface="맑은 고딕" charset="0"/>
                 <a:ea typeface="맑은 고딕" charset="0"/>
               </a:rPr>
-              <a:t>42</a:t>
+              <a:t>41</a:t>
             </a:r>
             <a:r>
               <a:rPr sz="2000" b="1">
@@ -11920,34 +12166,20 @@
                 <a:latin typeface="맑은 고딕" charset="0"/>
                 <a:ea typeface="맑은 고딕" charset="0"/>
               </a:rPr>
-              <a:t>이제 Project 폴더 아래에 </a:t>
+              <a:t>이제 Project 폴더 아래에 있는 </a:t>
             </a:r>
             <a:r>
               <a:rPr sz="1800">
                 <a:latin typeface="맑은 고딕" charset="0"/>
                 <a:ea typeface="맑은 고딕" charset="0"/>
               </a:rPr>
-              <a:t>있</a:t>
+              <a:t>Material</a:t>
             </a:r>
             <a:r>
               <a:rPr sz="1800">
                 <a:latin typeface="맑은 고딕" charset="0"/>
                 <a:ea typeface="맑은 고딕" charset="0"/>
               </a:rPr>
-              <a:t>는 </a:t>
-            </a:r>
-            <a:r>
-              <a:rPr sz="1800">
-                <a:latin typeface="맑은 고딕" charset="0"/>
-                <a:ea typeface="맑은 고딕" charset="0"/>
-              </a:rPr>
-              <a:t>Material</a:t>
-            </a:r>
-            <a:r>
-              <a:rPr sz="1800">
-                <a:latin typeface="맑은 고딕" charset="0"/>
-                <a:ea typeface="맑은 고딕" charset="0"/>
-              </a:rPr>
               <a:t> 폴더에 Sky Box 머터리얼</a:t>
             </a:r>
             <a:r>
@@ -11969,14 +12201,7 @@
                 <a:latin typeface="맑은 고딕" charset="0"/>
                 <a:ea typeface="맑은 고딕" charset="0"/>
               </a:rPr>
-              <a:t> Material에 넣어줍니</a:t>
-            </a:r>
-            <a:r>
-              <a:rPr lang="ko-KR" sz="1800">
-                <a:latin typeface="맑은 고딕" charset="0"/>
-                <a:ea typeface="맑은 고딕" charset="0"/>
-              </a:rPr>
-              <a:t>다.</a:t>
+              <a:t> Material에 넣어줍니다.</a:t>
             </a:r>
             <a:endParaRPr lang="ko-KR" altLang="en-US" sz="1800">
               <a:latin typeface="맑은 고딕" charset="0"/>
@@ -11994,9 +12219,9 @@
           <p:nvPr/>
         </p:nvSpPr>
         <p:spPr>
-          <a:xfrm rot="0">
+          <a:xfrm>
             <a:off x="6822440" y="5335905"/>
-            <a:ext cx="4126230" cy="677545"/>
+            <a:ext cx="4126865" cy="677545"/>
           </a:xfrm>
           <a:prstGeom prst="rect"/>
           <a:noFill/>
@@ -12023,7 +12248,7 @@
                 <a:latin typeface="맑은 고딕" charset="0"/>
                 <a:ea typeface="맑은 고딕" charset="0"/>
               </a:rPr>
-              <a:t>44</a:t>
+              <a:t>43</a:t>
             </a:r>
             <a:r>
               <a:rPr sz="2000" b="1">
@@ -12050,21 +12275,7 @@
                 <a:latin typeface="맑은 고딕" charset="0"/>
                 <a:ea typeface="맑은 고딕" charset="0"/>
               </a:rPr>
-              <a:t>그런 다음 월드 공간에 있는 </a:t>
-            </a:r>
-            <a:r>
-              <a:rPr sz="1800">
-                <a:latin typeface="맑은 고딕" charset="0"/>
-                <a:ea typeface="맑은 고딕" charset="0"/>
-              </a:rPr>
-              <a:t>Bee</a:t>
-            </a:r>
-            <a:r>
-              <a:rPr sz="1800">
-                <a:latin typeface="맑은 고딕" charset="0"/>
-                <a:ea typeface="맑은 고딕" charset="0"/>
-              </a:rPr>
-              <a:t> </a:t>
+              <a:t>그런 다음 월드 공간에 있는 Bee </a:t>
             </a:r>
             <a:r>
               <a:rPr sz="1800">
@@ -12089,7 +12300,7 @@
       </p:sp>
       <p:pic>
         <p:nvPicPr>
-          <p:cNvPr id="122" name="그림 1" descr="C:/Users/Admin1/AppData/Roaming/PolarisOffice/ETemp/27904_14353328/fImage87483119169.png"/>
+          <p:cNvPr id="122" name="그림 1"/>
           <p:cNvPicPr>
             <a:picLocks noChangeAspect="1"/>
           </p:cNvPicPr>
@@ -12120,7 +12331,7 @@
       </p:pic>
       <p:pic>
         <p:nvPicPr>
-          <p:cNvPr id="123" name="그림 4" descr="C:/Users/Admin1/AppData/Roaming/PolarisOffice/ETemp/27904_14353328/fImage58423125724.png"/>
+          <p:cNvPr id="123" name="그림 4"/>
           <p:cNvPicPr>
             <a:picLocks noChangeAspect="1"/>
           </p:cNvPicPr>
@@ -12191,9 +12402,9 @@
           <p:nvPr/>
         </p:nvSpPr>
         <p:spPr>
-          <a:xfrm rot="0">
+          <a:xfrm>
             <a:off x="6830695" y="2665095"/>
-            <a:ext cx="4126865" cy="954405"/>
+            <a:ext cx="4127500" cy="954405"/>
           </a:xfrm>
           <a:prstGeom prst="rect"/>
           <a:noFill/>
@@ -12220,7 +12431,7 @@
                 <a:latin typeface="맑은 고딕" charset="0"/>
                 <a:ea typeface="맑은 고딕" charset="0"/>
               </a:rPr>
-              <a:t>43</a:t>
+              <a:t>42</a:t>
             </a:r>
             <a:r>
               <a:rPr sz="2000" b="1">
@@ -12247,14 +12458,14 @@
                 <a:latin typeface="맑은 고딕" charset="0"/>
                 <a:ea typeface="맑은 고딕" charset="0"/>
               </a:rPr>
-              <a:t>그리고 Bee 오브젝트를 </a:t>
+              <a:t>그리고 Bee 오브젝트를 Project </a:t>
             </a:r>
             <a:r>
               <a:rPr sz="1800">
                 <a:latin typeface="맑은 고딕" charset="0"/>
                 <a:ea typeface="맑은 고딕" charset="0"/>
               </a:rPr>
-              <a:t>Project</a:t>
+              <a:t>폴더</a:t>
             </a:r>
             <a:r>
               <a:rPr sz="1800">
@@ -12268,28 +12479,14 @@
                 <a:latin typeface="맑은 고딕" charset="0"/>
                 <a:ea typeface="맑은 고딕" charset="0"/>
               </a:rPr>
-              <a:t>폴</a:t>
+              <a:t>아래에</a:t>
             </a:r>
             <a:r>
               <a:rPr sz="1800">
                 <a:latin typeface="맑은 고딕" charset="0"/>
                 <a:ea typeface="맑은 고딕" charset="0"/>
               </a:rPr>
-              <a:t>더</a:t>
-            </a:r>
-            <a:r>
-              <a:rPr sz="1800">
-                <a:latin typeface="맑은 고딕" charset="0"/>
-                <a:ea typeface="맑은 고딕" charset="0"/>
-              </a:rPr>
-              <a:t> </a:t>
-            </a:r>
-            <a:r>
-              <a:rPr sz="1800">
-                <a:latin typeface="맑은 고딕" charset="0"/>
-                <a:ea typeface="맑은 고딕" charset="0"/>
-              </a:rPr>
-              <a:t>아래에 있는 Resources 폴더에 </a:t>
+              <a:t> 있는 Resources 폴더에 </a:t>
             </a:r>
             <a:r>
               <a:rPr sz="1800">
@@ -12314,7 +12511,7 @@
       </p:sp>
       <p:pic>
         <p:nvPicPr>
-          <p:cNvPr id="126" name="그림 9" descr="C:/Users/Admin1/AppData/Roaming/PolarisOffice/ETemp/27904_14353328/fImage215813151478.png"/>
+          <p:cNvPr id="126" name="그림 9"/>
           <p:cNvPicPr>
             <a:picLocks noChangeAspect="1"/>
           </p:cNvPicPr>
@@ -12345,7 +12542,7 @@
       </p:pic>
       <p:pic>
         <p:nvPicPr>
-          <p:cNvPr id="127" name="그림 12" descr="C:/Users/Admin1/AppData/Roaming/PolarisOffice/ETemp/27904_14353328/fImage124303169358.png"/>
+          <p:cNvPr id="127" name="그림 12"/>
           <p:cNvPicPr>
             <a:picLocks noChangeAspect="1"/>
           </p:cNvPicPr>
@@ -12409,7 +12606,7 @@
       </p:cxnSp>
       <p:pic>
         <p:nvPicPr>
-          <p:cNvPr id="129" name="그림 17" descr="C:/Users/Admin1/AppData/Roaming/PolarisOffice/ETemp/27904_14353328/fImage46363206962.png"/>
+          <p:cNvPr id="129" name="그림 17"/>
           <p:cNvPicPr>
             <a:picLocks noChangeAspect="1"/>
           </p:cNvPicPr>
@@ -12440,7 +12637,7 @@
       </p:pic>
       <p:pic>
         <p:nvPicPr>
-          <p:cNvPr id="130" name="그림 18" descr="C:/Users/Admin1/AppData/Roaming/PolarisOffice/ETemp/27904_14353328/fImage58423214464.png"/>
+          <p:cNvPr id="130" name="그림 18"/>
           <p:cNvPicPr>
             <a:picLocks noChangeAspect="1"/>
           </p:cNvPicPr>
@@ -12493,6 +12690,516 @@
 </file>
 
 <file path=ppt/slides/slide16.xml><?xml version="1.0" encoding="utf-8"?>
+<p:sld xmlns:a="http://schemas.openxmlformats.org/drawingml/2006/main" xmlns:r="http://schemas.openxmlformats.org/officeDocument/2006/relationships" xmlns:p="http://schemas.openxmlformats.org/presentationml/2006/main" xmlns:p14="http://schemas.microsoft.com/office/powerpoint/2010/main">
+  <p:cSld>
+    <p:spTree>
+      <p:nvGrpSpPr>
+        <p:cNvPr id="1" name=""/>
+        <p:cNvGrpSpPr/>
+        <p:nvPr/>
+      </p:nvGrpSpPr>
+      <p:grpSpPr>
+        <a:xfrm>
+          <a:off x="0" y="0"/>
+          <a:ext cx="0" cy="0"/>
+          <a:chOff x="0" y="0"/>
+          <a:chExt cx="0" cy="0"/>
+        </a:xfrm>
+      </p:grpSpPr>
+      <p:sp>
+        <p:nvSpPr>
+          <p:cNvPr id="27" name="Rect 0"/>
+          <p:cNvSpPr txBox="1">
+            <a:spLocks/>
+          </p:cNvSpPr>
+          <p:nvPr/>
+        </p:nvSpPr>
+        <p:spPr>
+          <a:xfrm rot="0">
+            <a:off x="4101465" y="407035"/>
+            <a:ext cx="3988435" cy="478155"/>
+          </a:xfrm>
+          <a:prstGeom prst="rect"/>
+          <a:noFill/>
+          <a:ln w="0">
+            <a:noFill/>
+            <a:prstDash/>
+          </a:ln>
+        </p:spPr>
+        <p:txBody>
+          <a:bodyPr wrap="square" lIns="89535" tIns="46355" rIns="89535" bIns="46355" numCol="1" vert="horz" anchor="t">
+            <a:spAutoFit/>
+          </a:bodyPr>
+          <a:lstStyle/>
+          <a:p>
+            <a:pPr marL="0" indent="0" algn="ctr" latinLnBrk="0" hangingPunct="1">
+              <a:buFontTx/>
+              <a:buNone/>
+            </a:pPr>
+            <a:r>
+              <a:rPr lang="ko-KR" sz="2500" b="1">
+                <a:latin typeface="나눔바른고딕" charset="0"/>
+                <a:ea typeface="나눔바른고딕" charset="0"/>
+              </a:rPr>
+              <a:t>열여섯</a:t>
+            </a:r>
+            <a:r>
+              <a:rPr lang="ko-KR" sz="2500" b="1">
+                <a:latin typeface="나눔바른고딕" charset="0"/>
+                <a:ea typeface="나눔바른고딕" charset="0"/>
+              </a:rPr>
+              <a:t> 번째 튜토리얼</a:t>
+            </a:r>
+            <a:endParaRPr lang="ko-KR" altLang="en-US" sz="2500" b="1">
+              <a:latin typeface="나눔바른고딕" charset="0"/>
+              <a:ea typeface="나눔바른고딕" charset="0"/>
+            </a:endParaRPr>
+          </a:p>
+        </p:txBody>
+      </p:sp>
+      <p:sp>
+        <p:nvSpPr>
+          <p:cNvPr id="111" name="Rect 0"/>
+          <p:cNvSpPr txBox="1">
+            <a:spLocks/>
+          </p:cNvSpPr>
+          <p:nvPr/>
+        </p:nvSpPr>
+        <p:spPr>
+          <a:xfrm rot="0">
+            <a:off x="6822440" y="2700020"/>
+            <a:ext cx="4126865" cy="954405"/>
+          </a:xfrm>
+          <a:prstGeom prst="rect"/>
+          <a:noFill/>
+          <a:ln w="0">
+            <a:noFill/>
+            <a:prstDash/>
+          </a:ln>
+        </p:spPr>
+        <p:txBody>
+          <a:bodyPr wrap="square" lIns="89535" tIns="46355" rIns="89535" bIns="46355" numCol="1" vert="horz" anchor="t">
+            <a:spAutoFit/>
+          </a:bodyPr>
+          <a:lstStyle/>
+          <a:p>
+            <a:pPr marL="0" indent="0" rtl="0" algn="l" defTabSz="914400" eaLnBrk="1" latinLnBrk="0" hangingPunct="1">
+              <a:buFontTx/>
+              <a:buNone/>
+            </a:pPr>
+            <a:r>
+              <a:rPr lang="ko-KR" sz="2000" b="1">
+                <a:solidFill>
+                  <a:srgbClr val="0611F2"/>
+                </a:solidFill>
+                <a:latin typeface="맑은 고딕" charset="0"/>
+                <a:ea typeface="맑은 고딕" charset="0"/>
+              </a:rPr>
+              <a:t>45</a:t>
+            </a:r>
+            <a:r>
+              <a:rPr sz="2000" b="1">
+                <a:solidFill>
+                  <a:srgbClr val="0611F2"/>
+                </a:solidFill>
+                <a:latin typeface="맑은 고딕" charset="0"/>
+                <a:ea typeface="맑은 고딕" charset="0"/>
+              </a:rPr>
+              <a:t>.</a:t>
+            </a:r>
+            <a:r>
+              <a:rPr sz="2000" b="1">
+                <a:solidFill>
+                  <a:srgbClr val="0611F2"/>
+                </a:solidFill>
+                <a:latin typeface="맑은 고딕" charset="0"/>
+                <a:ea typeface="맑은 고딕" charset="0"/>
+              </a:rPr>
+              <a:t> </a:t>
+            </a:r>
+            <a:r>
+              <a:rPr sz="1800">
+                <a:latin typeface="맑은 고딕" charset="0"/>
+                <a:ea typeface="맑은 고딕" charset="0"/>
+              </a:rPr>
+              <a:t>그러고 나서 Bee 오브젝트에 있는 </a:t>
+            </a:r>
+            <a:r>
+              <a:rPr sz="1800">
+                <a:latin typeface="맑은 고딕" charset="0"/>
+                <a:ea typeface="맑은 고딕" charset="0"/>
+              </a:rPr>
+              <a:t>Sphere</a:t>
+            </a:r>
+            <a:r>
+              <a:rPr sz="1800">
+                <a:latin typeface="맑은 고딕" charset="0"/>
+                <a:ea typeface="맑은 고딕" charset="0"/>
+              </a:rPr>
+              <a:t> Collider의 Center와 Radius를 </a:t>
+            </a:r>
+            <a:r>
+              <a:rPr sz="1800">
+                <a:latin typeface="맑은 고딕" charset="0"/>
+                <a:ea typeface="맑은 고딕" charset="0"/>
+              </a:rPr>
+              <a:t>설정합니다.</a:t>
+            </a:r>
+            <a:endParaRPr lang="ko-KR" altLang="en-US" sz="1800">
+              <a:latin typeface="맑은 고딕" charset="0"/>
+              <a:ea typeface="맑은 고딕" charset="0"/>
+            </a:endParaRPr>
+          </a:p>
+        </p:txBody>
+      </p:sp>
+      <p:pic>
+        <p:nvPicPr>
+          <p:cNvPr id="131" name="그림 33"/>
+          <p:cNvPicPr>
+            <a:picLocks noChangeAspect="1"/>
+          </p:cNvPicPr>
+          <p:nvPr/>
+        </p:nvPicPr>
+        <p:blipFill rotWithShape="1">
+          <a:blip r:embed="rId2" cstate="hqprint">
+            <a:extLst>
+              <a:ext uri="{28A0092B-C50C-407E-A947-70E740481C1C}">
+                <a14:useLocalDpi xmlns:a14="http://schemas.microsoft.com/office/drawing/2010/main"/>
+              </a:ext>
+            </a:extLst>
+          </a:blip>
+          <a:stretch>
+            <a:fillRect/>
+          </a:stretch>
+        </p:blipFill>
+        <p:spPr>
+          <a:xfrm rot="0">
+            <a:off x="1257935" y="1437640"/>
+            <a:ext cx="4126865" cy="3765550"/>
+          </a:xfrm>
+          <a:prstGeom prst="roundRect"/>
+          <a:solidFill>
+            <a:srgbClr val="EDEDED"/>
+          </a:solidFill>
+        </p:spPr>
+      </p:pic>
+      <p:sp>
+        <p:nvSpPr>
+          <p:cNvPr id="132" name="텍스트 상자 34"/>
+          <p:cNvSpPr txBox="1">
+            <a:spLocks/>
+          </p:cNvSpPr>
+          <p:nvPr/>
+        </p:nvSpPr>
+        <p:spPr>
+          <a:xfrm rot="0">
+            <a:off x="1249045" y="5387340"/>
+            <a:ext cx="4145280" cy="677545"/>
+          </a:xfrm>
+          <a:prstGeom prst="rect"/>
+          <a:noFill/>
+          <a:ln w="0">
+            <a:noFill/>
+            <a:prstDash/>
+          </a:ln>
+        </p:spPr>
+        <p:txBody>
+          <a:bodyPr wrap="square" lIns="89535" tIns="46355" rIns="89535" bIns="46355" numCol="1" vert="horz" anchor="t">
+            <a:spAutoFit/>
+          </a:bodyPr>
+          <a:lstStyle/>
+          <a:p>
+            <a:pPr marL="0" indent="0" rtl="0" algn="l" defTabSz="914400" eaLnBrk="1" latinLnBrk="0" hangingPunct="1">
+              <a:buFontTx/>
+              <a:buNone/>
+            </a:pPr>
+            <a:r>
+              <a:rPr sz="2000" b="1">
+                <a:solidFill>
+                  <a:srgbClr val="0611F2"/>
+                </a:solidFill>
+                <a:latin typeface="맑은 고딕" charset="0"/>
+                <a:ea typeface="맑은 고딕" charset="0"/>
+              </a:rPr>
+              <a:t>4</a:t>
+            </a:r>
+            <a:r>
+              <a:rPr sz="2000" b="1">
+                <a:solidFill>
+                  <a:srgbClr val="0611F2"/>
+                </a:solidFill>
+                <a:latin typeface="맑은 고딕" charset="0"/>
+                <a:ea typeface="맑은 고딕" charset="0"/>
+              </a:rPr>
+              <a:t>4</a:t>
+            </a:r>
+            <a:r>
+              <a:rPr sz="2000" b="1">
+                <a:solidFill>
+                  <a:srgbClr val="0611F2"/>
+                </a:solidFill>
+                <a:latin typeface="맑은 고딕" charset="0"/>
+                <a:ea typeface="맑은 고딕" charset="0"/>
+              </a:rPr>
+              <a:t>.</a:t>
+            </a:r>
+            <a:r>
+              <a:rPr sz="2000" b="1">
+                <a:solidFill>
+                  <a:srgbClr val="0611F2"/>
+                </a:solidFill>
+                <a:latin typeface="맑은 고딕" charset="0"/>
+                <a:ea typeface="맑은 고딕" charset="0"/>
+              </a:rPr>
+              <a:t> </a:t>
+            </a:r>
+            <a:r>
+              <a:rPr sz="1800">
+                <a:latin typeface="맑은 고딕" charset="0"/>
+                <a:ea typeface="맑은 고딕" charset="0"/>
+              </a:rPr>
+              <a:t>그다음</a:t>
+            </a:r>
+            <a:r>
+              <a:rPr lang="ko-KR" sz="1800">
+                <a:latin typeface="맑은 고딕" charset="0"/>
+                <a:ea typeface="맑은 고딕" charset="0"/>
+              </a:rPr>
+              <a:t> Bee 오브젝트에 Photon </a:t>
+            </a:r>
+            <a:r>
+              <a:rPr lang="ko-KR" sz="1800">
+                <a:latin typeface="맑은 고딕" charset="0"/>
+                <a:ea typeface="맑은 고딕" charset="0"/>
+              </a:rPr>
+              <a:t>View</a:t>
+            </a:r>
+            <a:r>
+              <a:rPr lang="ko-KR" sz="1800">
+                <a:latin typeface="맑은 고딕" charset="0"/>
+                <a:ea typeface="맑은 고딕" charset="0"/>
+              </a:rPr>
+              <a:t> </a:t>
+            </a:r>
+            <a:r>
+              <a:rPr lang="ko-KR" sz="1800">
+                <a:latin typeface="맑은 고딕" charset="0"/>
+                <a:ea typeface="맑은 고딕" charset="0"/>
+              </a:rPr>
+              <a:t>컴포넌트를</a:t>
+            </a:r>
+            <a:r>
+              <a:rPr lang="ko-KR" sz="1800">
+                <a:latin typeface="맑은 고딕" charset="0"/>
+                <a:ea typeface="맑은 고딕" charset="0"/>
+              </a:rPr>
+              <a:t> 추가합니다.</a:t>
+            </a:r>
+            <a:endParaRPr lang="ko-KR" altLang="en-US" sz="1800">
+              <a:latin typeface="맑은 고딕" charset="0"/>
+              <a:ea typeface="맑은 고딕" charset="0"/>
+            </a:endParaRPr>
+          </a:p>
+        </p:txBody>
+      </p:sp>
+      <p:pic>
+        <p:nvPicPr>
+          <p:cNvPr id="133" name="그림 35"/>
+          <p:cNvPicPr>
+            <a:picLocks noChangeAspect="1"/>
+          </p:cNvPicPr>
+          <p:nvPr/>
+        </p:nvPicPr>
+        <p:blipFill rotWithShape="1">
+          <a:blip r:embed="rId3" cstate="print">
+            <a:extLst>
+              <a:ext uri="{28A0092B-C50C-407E-A947-70E740481C1C}">
+                <a14:useLocalDpi xmlns:a14="http://schemas.microsoft.com/office/drawing/2010/main" val="0"/>
+              </a:ext>
+            </a:extLst>
+          </a:blip>
+          <a:stretch>
+            <a:fillRect/>
+          </a:stretch>
+        </p:blipFill>
+        <p:spPr>
+          <a:xfrm rot="0">
+            <a:off x="6822440" y="1438275"/>
+            <a:ext cx="4126230" cy="1142365"/>
+          </a:xfrm>
+          <a:prstGeom prst="roundRect"/>
+          <a:solidFill>
+            <a:srgbClr val="EDEDED"/>
+          </a:solidFill>
+        </p:spPr>
+      </p:pic>
+      <p:pic>
+        <p:nvPicPr>
+          <p:cNvPr id="134" name="그림 41" descr="C:/Users/Admin1/AppData/Roaming/PolarisOffice/ETemp/19772_10673440/fImage126673508145.png"/>
+          <p:cNvPicPr>
+            <a:picLocks noChangeAspect="1"/>
+          </p:cNvPicPr>
+          <p:nvPr/>
+        </p:nvPicPr>
+        <p:blipFill rotWithShape="1">
+          <a:blip r:embed="rId4" cstate="hqprint">
+            <a:extLst>
+              <a:ext uri="{28A0092B-C50C-407E-A947-70E740481C1C}">
+                <a14:useLocalDpi xmlns:a14="http://schemas.microsoft.com/office/drawing/2010/main"/>
+              </a:ext>
+            </a:extLst>
+          </a:blip>
+          <a:stretch>
+            <a:fillRect/>
+          </a:stretch>
+        </p:blipFill>
+        <p:spPr>
+          <a:xfrm rot="0">
+            <a:off x="6828155" y="3782695"/>
+            <a:ext cx="4121150" cy="1248410"/>
+          </a:xfrm>
+          <a:prstGeom prst="roundRect"/>
+          <a:solidFill>
+            <a:srgbClr val="EDEDED"/>
+          </a:solidFill>
+        </p:spPr>
+      </p:pic>
+      <p:sp>
+        <p:nvSpPr>
+          <p:cNvPr id="135" name="텍스트 상자 45"/>
+          <p:cNvSpPr txBox="1">
+            <a:spLocks/>
+          </p:cNvSpPr>
+          <p:nvPr/>
+        </p:nvSpPr>
+        <p:spPr>
+          <a:xfrm rot="0">
+            <a:off x="6815455" y="5113655"/>
+            <a:ext cx="4131310" cy="954405"/>
+          </a:xfrm>
+          <a:prstGeom prst="rect"/>
+          <a:noFill/>
+          <a:ln w="0">
+            <a:noFill/>
+            <a:prstDash/>
+          </a:ln>
+        </p:spPr>
+        <p:txBody>
+          <a:bodyPr wrap="square" lIns="89535" tIns="46355" rIns="89535" bIns="46355" numCol="1" vert="horz" anchor="t">
+            <a:spAutoFit/>
+          </a:bodyPr>
+          <a:lstStyle/>
+          <a:p>
+            <a:pPr marL="0" indent="0" rtl="0" algn="l" defTabSz="914400" eaLnBrk="1" latinLnBrk="0" hangingPunct="1">
+              <a:buFontTx/>
+              <a:buNone/>
+            </a:pPr>
+            <a:r>
+              <a:rPr sz="2000" b="1">
+                <a:solidFill>
+                  <a:srgbClr val="0611F2"/>
+                </a:solidFill>
+                <a:latin typeface="맑은 고딕" charset="0"/>
+                <a:ea typeface="맑은 고딕" charset="0"/>
+              </a:rPr>
+              <a:t>4</a:t>
+            </a:r>
+            <a:r>
+              <a:rPr lang="ko-KR" sz="2000" b="1">
+                <a:solidFill>
+                  <a:srgbClr val="0611F2"/>
+                </a:solidFill>
+                <a:latin typeface="맑은 고딕" charset="0"/>
+                <a:ea typeface="맑은 고딕" charset="0"/>
+              </a:rPr>
+              <a:t>6</a:t>
+            </a:r>
+            <a:r>
+              <a:rPr sz="2000" b="1">
+                <a:solidFill>
+                  <a:srgbClr val="0611F2"/>
+                </a:solidFill>
+                <a:latin typeface="맑은 고딕" charset="0"/>
+                <a:ea typeface="맑은 고딕" charset="0"/>
+              </a:rPr>
+              <a:t>.</a:t>
+            </a:r>
+            <a:r>
+              <a:rPr sz="2000" b="1">
+                <a:solidFill>
+                  <a:srgbClr val="0611F2"/>
+                </a:solidFill>
+                <a:latin typeface="맑은 고딕" charset="0"/>
+                <a:ea typeface="맑은 고딕" charset="0"/>
+              </a:rPr>
+              <a:t> </a:t>
+            </a:r>
+            <a:r>
+              <a:rPr sz="1800">
+                <a:latin typeface="맑은 고딕" charset="0"/>
+                <a:ea typeface="맑은 고딕" charset="0"/>
+              </a:rPr>
+              <a:t>이제</a:t>
+            </a:r>
+            <a:r>
+              <a:rPr lang="ko-KR" sz="1800">
+                <a:latin typeface="맑은 고딕" charset="0"/>
+                <a:ea typeface="맑은 고딕" charset="0"/>
+              </a:rPr>
+              <a:t> Character 오브젝트에 있는 </a:t>
+            </a:r>
+            <a:r>
+              <a:rPr lang="ko-KR" sz="1800">
+                <a:latin typeface="맑은 고딕" charset="0"/>
+                <a:ea typeface="맑은 고딕" charset="0"/>
+              </a:rPr>
+              <a:t>Capsule</a:t>
+            </a:r>
+            <a:r>
+              <a:rPr sz="1800">
+                <a:latin typeface="맑은 고딕" charset="0"/>
+                <a:ea typeface="맑은 고딕" charset="0"/>
+              </a:rPr>
+              <a:t> Collider의 Center와 Height를 </a:t>
+            </a:r>
+            <a:r>
+              <a:rPr sz="1800">
+                <a:latin typeface="맑은 고딕" charset="0"/>
+                <a:ea typeface="맑은 고딕" charset="0"/>
+              </a:rPr>
+              <a:t>설정합니다.</a:t>
+            </a:r>
+            <a:endParaRPr lang="ko-KR" altLang="en-US" sz="1800">
+              <a:latin typeface="맑은 고딕" charset="0"/>
+              <a:ea typeface="맑은 고딕" charset="0"/>
+            </a:endParaRPr>
+          </a:p>
+        </p:txBody>
+      </p:sp>
+    </p:spTree>
+  </p:cSld>
+  <p:clrMapOvr>
+    <a:masterClrMapping/>
+  </p:clrMapOvr>
+  <mc:AlternateContent xmlns:mc="http://schemas.openxmlformats.org/markup-compatibility/2006">
+    <mc:Choice xmlns:p14="http://schemas.microsoft.com/office/powerpoint/2010/main" Requires="p14">
+      <p:transition spd="slow" p14:dur="2000"/>
+    </mc:Choice>
+    <mc:Fallback>
+      <p:transition spd="slow"/>
+    </mc:Fallback>
+  </mc:AlternateContent>
+  <p:timing>
+    <p:tnLst>
+      <p:par>
+        <p:cTn id="1" dur="indefinite" restart="never" nodeType="tmRoot"/>
+      </p:par>
+    </p:tnLst>
+  </p:timing>
+</p:sld>
+</file>
+
+<file path=ppt/slides/slide17.xml><?xml version="1.0" encoding="utf-8"?>
 <p:sld xmlns:a="http://schemas.openxmlformats.org/drawingml/2006/main" xmlns:r="http://schemas.openxmlformats.org/officeDocument/2006/relationships" xmlns:p="http://schemas.openxmlformats.org/presentationml/2006/main">
   <p:cSld>
     <p:spTree>
@@ -12520,7 +13227,7 @@
         <p:spPr>
           <a:xfrm rot="0">
             <a:off x="4101465" y="407035"/>
-            <a:ext cx="3988435" cy="478155"/>
+            <a:ext cx="3989070" cy="478155"/>
           </a:xfrm>
           <a:prstGeom prst="rect"/>
           <a:noFill/>
@@ -12544,7 +13251,7 @@
                 <a:latin typeface="나눔바른고딕" charset="0"/>
                 <a:ea typeface="나눔바른고딕" charset="0"/>
               </a:rPr>
-              <a:t>열여섯</a:t>
+              <a:t>열일곱</a:t>
             </a:r>
             <a:r>
               <a:rPr lang="ko-KR" sz="2500" b="1">
@@ -12562,7 +13269,7 @@
       </p:sp>
       <p:sp>
         <p:nvSpPr>
-          <p:cNvPr id="111" name="Rect 0"/>
+          <p:cNvPr id="132" name="Rect 0"/>
           <p:cNvSpPr txBox="1">
             <a:spLocks/>
           </p:cNvSpPr>
@@ -12570,8 +13277,8 @@
         </p:nvSpPr>
         <p:spPr>
           <a:xfrm rot="0">
-            <a:off x="6822440" y="2682875"/>
-            <a:ext cx="4126230" cy="954405"/>
+            <a:off x="1249045" y="5404485"/>
+            <a:ext cx="4135120" cy="677545"/>
           </a:xfrm>
           <a:prstGeom prst="rect"/>
           <a:noFill/>
@@ -12591,6 +13298,16 @@
               <a:buNone/>
             </a:pPr>
             <a:r>
+              <a:rPr sz="2000" b="1">
+                <a:solidFill>
+                  <a:srgbClr val="0611F2"/>
+                </a:solidFill>
+                <a:latin typeface="맑은 고딕" charset="0"/>
+                <a:ea typeface="맑은 고딕" charset="0"/>
+              </a:rPr>
+              <a:t>4</a:t>
+            </a:r>
+            <a:r>
               <a:rPr lang="ko-KR" sz="2000" b="1">
                 <a:solidFill>
                   <a:srgbClr val="0611F2"/>
@@ -12598,7 +13315,7 @@
                 <a:latin typeface="맑은 고딕" charset="0"/>
                 <a:ea typeface="맑은 고딕" charset="0"/>
               </a:rPr>
-              <a:t>46</a:t>
+              <a:t>8</a:t>
             </a:r>
             <a:r>
               <a:rPr sz="2000" b="1">
@@ -12625,49 +13342,21 @@
                 <a:latin typeface="맑은 고딕" charset="0"/>
                 <a:ea typeface="맑은 고딕" charset="0"/>
               </a:rPr>
-              <a:t>그러고 나서 Bee 오브젝트에 있는 </a:t>
-            </a:r>
-            <a:r>
-              <a:rPr sz="1800">
-                <a:latin typeface="맑은 고딕" charset="0"/>
-                <a:ea typeface="맑은 고딕" charset="0"/>
-              </a:rPr>
-              <a:t>Sphere</a:t>
-            </a:r>
-            <a:r>
-              <a:rPr sz="1800">
-                <a:latin typeface="맑은 고딕" charset="0"/>
-                <a:ea typeface="맑은 고딕" charset="0"/>
-              </a:rPr>
-              <a:t> </a:t>
-            </a:r>
-            <a:r>
-              <a:rPr sz="1800">
-                <a:latin typeface="맑은 고딕" charset="0"/>
-                <a:ea typeface="맑은 고딕" charset="0"/>
-              </a:rPr>
-              <a:t>Collider의</a:t>
-            </a:r>
-            <a:r>
-              <a:rPr sz="1800">
-                <a:latin typeface="맑은 고딕" charset="0"/>
-                <a:ea typeface="맑은 고딕" charset="0"/>
-              </a:rPr>
-              <a:t> Center와 Radius를 </a:t>
-            </a:r>
-            <a:r>
-              <a:rPr sz="1800">
-                <a:latin typeface="맑은 고딕" charset="0"/>
-                <a:ea typeface="맑은 고딕" charset="0"/>
-              </a:rPr>
-              <a:t>설정합니</a:t>
-            </a:r>
-            <a:r>
-              <a:rPr sz="1800">
-                <a:latin typeface="맑은 고딕" charset="0"/>
-                <a:ea typeface="맑은 고딕" charset="0"/>
-              </a:rPr>
-              <a:t>다.</a:t>
+              <a:t>그런 다음</a:t>
+            </a:r>
+            <a:r>
+              <a:rPr lang="ko-KR" sz="1800">
+                <a:latin typeface="맑은 고딕" charset="0"/>
+                <a:ea typeface="맑은 고딕" charset="0"/>
+              </a:rPr>
+              <a:t> Tags &amp; Layers에 Tag를 </a:t>
+            </a:r>
+            <a:r>
+              <a:rPr lang="ko-KR" sz="1800">
+                <a:latin typeface="맑은 고딕" charset="0"/>
+                <a:ea typeface="맑은 고딕" charset="0"/>
+              </a:rPr>
+              <a:t>추가합니다.</a:t>
             </a:r>
             <a:endParaRPr lang="ko-KR" altLang="en-US" sz="1800">
               <a:latin typeface="맑은 고딕" charset="0"/>
@@ -12678,17 +13367,17 @@
       </p:sp>
       <p:pic>
         <p:nvPicPr>
-          <p:cNvPr id="131" name="그림 33" descr="C:/Users/Admin1/AppData/Roaming/PolarisOffice/ETemp/27904_14353328/fImage89511486334.png"/>
+          <p:cNvPr id="136" name="그림 1" descr="C:/Users/Admin1/AppData/Roaming/PolarisOffice/ETemp/19772_10673440/fImage381533341.png"/>
           <p:cNvPicPr>
             <a:picLocks noChangeAspect="1"/>
           </p:cNvPicPr>
           <p:nvPr/>
         </p:nvPicPr>
         <p:blipFill rotWithShape="1">
-          <a:blip r:embed="rId2" cstate="hqprint">
+          <a:blip r:embed="rId2" cstate="print">
             <a:extLst>
               <a:ext uri="{28A0092B-C50C-407E-A947-70E740481C1C}">
-                <a14:useLocalDpi xmlns:a14="http://schemas.microsoft.com/office/drawing/2010/main"/>
+                <a14:useLocalDpi xmlns:a14="http://schemas.microsoft.com/office/drawing/2010/main" val="0"/>
               </a:ext>
             </a:extLst>
           </a:blip>
@@ -12698,8 +13387,8 @@
         </p:blipFill>
         <p:spPr>
           <a:xfrm rot="0">
-            <a:off x="1257935" y="1437640"/>
-            <a:ext cx="4126865" cy="3765550"/>
+            <a:off x="1249045" y="1438275"/>
+            <a:ext cx="1447800" cy="1207135"/>
           </a:xfrm>
           <a:prstGeom prst="roundRect"/>
           <a:solidFill>
@@ -12707,142 +13396,9 @@
           </a:solidFill>
         </p:spPr>
       </p:pic>
-      <p:sp>
-        <p:nvSpPr>
-          <p:cNvPr id="132" name="텍스트 상자 34"/>
-          <p:cNvSpPr txBox="1">
-            <a:spLocks/>
-          </p:cNvSpPr>
-          <p:nvPr/>
-        </p:nvSpPr>
-        <p:spPr>
-          <a:xfrm rot="0">
-            <a:off x="1249045" y="5335905"/>
-            <a:ext cx="4144645" cy="677545"/>
-          </a:xfrm>
-          <a:prstGeom prst="rect"/>
-          <a:noFill/>
-          <a:ln w="0">
-            <a:noFill/>
-            <a:prstDash/>
-          </a:ln>
-        </p:spPr>
-        <p:txBody>
-          <a:bodyPr wrap="square" lIns="89535" tIns="46355" rIns="89535" bIns="46355" numCol="1" vert="horz" anchor="t">
-            <a:spAutoFit/>
-          </a:bodyPr>
-          <a:lstStyle/>
-          <a:p>
-            <a:pPr marL="0" indent="0" rtl="0" algn="l" defTabSz="914400" eaLnBrk="1" latinLnBrk="0" hangingPunct="1">
-              <a:buFontTx/>
-              <a:buNone/>
-            </a:pPr>
-            <a:r>
-              <a:rPr sz="2000" b="1">
-                <a:solidFill>
-                  <a:srgbClr val="0611F2"/>
-                </a:solidFill>
-                <a:latin typeface="맑은 고딕" charset="0"/>
-                <a:ea typeface="맑은 고딕" charset="0"/>
-              </a:rPr>
-              <a:t>4</a:t>
-            </a:r>
-            <a:r>
-              <a:rPr sz="2000" b="1">
-                <a:solidFill>
-                  <a:srgbClr val="0611F2"/>
-                </a:solidFill>
-                <a:latin typeface="맑은 고딕" charset="0"/>
-                <a:ea typeface="맑은 고딕" charset="0"/>
-              </a:rPr>
-              <a:t>5</a:t>
-            </a:r>
-            <a:r>
-              <a:rPr sz="2000" b="1">
-                <a:solidFill>
-                  <a:srgbClr val="0611F2"/>
-                </a:solidFill>
-                <a:latin typeface="맑은 고딕" charset="0"/>
-                <a:ea typeface="맑은 고딕" charset="0"/>
-              </a:rPr>
-              <a:t>.</a:t>
-            </a:r>
-            <a:r>
-              <a:rPr sz="2000" b="1">
-                <a:solidFill>
-                  <a:srgbClr val="0611F2"/>
-                </a:solidFill>
-                <a:latin typeface="맑은 고딕" charset="0"/>
-                <a:ea typeface="맑은 고딕" charset="0"/>
-              </a:rPr>
-              <a:t> </a:t>
-            </a:r>
-            <a:r>
-              <a:rPr sz="1800">
-                <a:latin typeface="맑은 고딕" charset="0"/>
-                <a:ea typeface="맑은 고딕" charset="0"/>
-              </a:rPr>
-              <a:t>그다음</a:t>
-            </a:r>
-            <a:r>
-              <a:rPr lang="ko-KR" sz="1800">
-                <a:latin typeface="맑은 고딕" charset="0"/>
-                <a:ea typeface="맑은 고딕" charset="0"/>
-              </a:rPr>
-              <a:t> Bee 오브젝트에 </a:t>
-            </a:r>
-            <a:r>
-              <a:rPr lang="ko-KR" sz="1800">
-                <a:latin typeface="맑은 고딕" charset="0"/>
-                <a:ea typeface="맑은 고딕" charset="0"/>
-              </a:rPr>
-              <a:t>Photon</a:t>
-            </a:r>
-            <a:r>
-              <a:rPr lang="ko-KR" sz="1800">
-                <a:latin typeface="맑은 고딕" charset="0"/>
-                <a:ea typeface="맑은 고딕" charset="0"/>
-              </a:rPr>
-              <a:t> </a:t>
-            </a:r>
-            <a:r>
-              <a:rPr lang="ko-KR" sz="1800">
-                <a:latin typeface="맑은 고딕" charset="0"/>
-                <a:ea typeface="맑은 고딕" charset="0"/>
-              </a:rPr>
-              <a:t>View</a:t>
-            </a:r>
-            <a:r>
-              <a:rPr lang="ko-KR" sz="1800">
-                <a:latin typeface="맑은 고딕" charset="0"/>
-                <a:ea typeface="맑은 고딕" charset="0"/>
-              </a:rPr>
-              <a:t> </a:t>
-            </a:r>
-            <a:r>
-              <a:rPr lang="ko-KR" sz="1800">
-                <a:latin typeface="맑은 고딕" charset="0"/>
-                <a:ea typeface="맑은 고딕" charset="0"/>
-              </a:rPr>
-              <a:t>컴포넌트를</a:t>
-            </a:r>
-            <a:r>
-              <a:rPr lang="ko-KR" sz="1800">
-                <a:latin typeface="맑은 고딕" charset="0"/>
-                <a:ea typeface="맑은 고딕" charset="0"/>
-              </a:rPr>
-              <a:t> 추가합니다.</a:t>
-            </a:r>
-            <a:endParaRPr lang="ko-KR" altLang="en-US" sz="1800">
-              <a:latin typeface="맑은 고딕" charset="0"/>
-              <a:ea typeface="맑은 고딕" charset="0"/>
-            </a:endParaRPr>
-          </a:p>
-        </p:txBody>
-      </p:sp>
       <p:pic>
         <p:nvPicPr>
-          <p:cNvPr id="133" name="그림 35" descr="C:/Users/Admin1/AppData/Roaming/PolarisOffice/ETemp/27904_14353328/fImage106593485705.png"/>
+          <p:cNvPr id="137" name="그림 7" descr="C:/Users/Admin1/AppData/Roaming/PolarisOffice/ETemp/19772_10673440/fImage87713358467.png"/>
           <p:cNvPicPr>
             <a:picLocks noChangeAspect="1"/>
           </p:cNvPicPr>
@@ -12862,8 +13418,8 @@
         </p:blipFill>
         <p:spPr>
           <a:xfrm rot="0">
-            <a:off x="6822440" y="1438275"/>
-            <a:ext cx="4126230" cy="1142365"/>
+            <a:off x="2834005" y="1430020"/>
+            <a:ext cx="2541905" cy="1206500"/>
           </a:xfrm>
           <a:prstGeom prst="roundRect"/>
           <a:solidFill>
@@ -12871,9 +13427,121 @@
           </a:solidFill>
         </p:spPr>
       </p:pic>
+      <p:sp>
+        <p:nvSpPr>
+          <p:cNvPr id="138" name="텍스트 상자 12"/>
+          <p:cNvSpPr txBox="1">
+            <a:spLocks/>
+          </p:cNvSpPr>
+          <p:nvPr/>
+        </p:nvSpPr>
+        <p:spPr>
+          <a:xfrm rot="0">
+            <a:off x="1251585" y="2788920"/>
+            <a:ext cx="4124325" cy="677545"/>
+          </a:xfrm>
+          <a:prstGeom prst="rect"/>
+          <a:noFill/>
+          <a:ln w="0">
+            <a:noFill/>
+            <a:prstDash/>
+          </a:ln>
+        </p:spPr>
+        <p:txBody>
+          <a:bodyPr wrap="square" lIns="89535" tIns="46355" rIns="89535" bIns="46355" numCol="1" vert="horz" anchor="t">
+            <a:spAutoFit/>
+          </a:bodyPr>
+          <a:lstStyle/>
+          <a:p>
+            <a:pPr marL="0" indent="0" rtl="0" algn="l" defTabSz="914400" eaLnBrk="1" latinLnBrk="0" hangingPunct="1">
+              <a:buFontTx/>
+              <a:buNone/>
+            </a:pPr>
+            <a:r>
+              <a:rPr sz="2000" b="1">
+                <a:solidFill>
+                  <a:srgbClr val="0611F2"/>
+                </a:solidFill>
+                <a:latin typeface="맑은 고딕" charset="0"/>
+                <a:ea typeface="맑은 고딕" charset="0"/>
+              </a:rPr>
+              <a:t>4</a:t>
+            </a:r>
+            <a:r>
+              <a:rPr lang="ko-KR" sz="2000" b="1">
+                <a:solidFill>
+                  <a:srgbClr val="0611F2"/>
+                </a:solidFill>
+                <a:latin typeface="맑은 고딕" charset="0"/>
+                <a:ea typeface="맑은 고딕" charset="0"/>
+              </a:rPr>
+              <a:t>7</a:t>
+            </a:r>
+            <a:r>
+              <a:rPr sz="2000" b="1">
+                <a:solidFill>
+                  <a:srgbClr val="0611F2"/>
+                </a:solidFill>
+                <a:latin typeface="맑은 고딕" charset="0"/>
+                <a:ea typeface="맑은 고딕" charset="0"/>
+              </a:rPr>
+              <a:t>.</a:t>
+            </a:r>
+            <a:r>
+              <a:rPr sz="2000" b="1">
+                <a:solidFill>
+                  <a:srgbClr val="0611F2"/>
+                </a:solidFill>
+                <a:latin typeface="맑은 고딕" charset="0"/>
+                <a:ea typeface="맑은 고딕" charset="0"/>
+              </a:rPr>
+              <a:t> </a:t>
+            </a:r>
+            <a:r>
+              <a:rPr sz="1800">
+                <a:latin typeface="맑은 고딕" charset="0"/>
+                <a:ea typeface="맑은 고딕" charset="0"/>
+              </a:rPr>
+              <a:t>그리고</a:t>
+            </a:r>
+            <a:r>
+              <a:rPr lang="ko-KR" sz="1800">
+                <a:latin typeface="맑은 고딕" charset="0"/>
+                <a:ea typeface="맑은 고딕" charset="0"/>
+              </a:rPr>
+              <a:t> Bee 오브젝트를 선택한 </a:t>
+            </a:r>
+            <a:r>
+              <a:rPr lang="ko-KR" sz="1800">
+                <a:latin typeface="맑은 고딕" charset="0"/>
+                <a:ea typeface="맑은 고딕" charset="0"/>
+              </a:rPr>
+              <a:t>다음</a:t>
+            </a:r>
+            <a:r>
+              <a:rPr lang="ko-KR" sz="1800">
+                <a:latin typeface="맑은 고딕" charset="0"/>
+                <a:ea typeface="맑은 고딕" charset="0"/>
+              </a:rPr>
+              <a:t> </a:t>
+            </a:r>
+            <a:r>
+              <a:rPr lang="ko-KR" sz="1800">
+                <a:latin typeface="맑은 고딕" charset="0"/>
+                <a:ea typeface="맑은 고딕" charset="0"/>
+              </a:rPr>
+              <a:t>Add Tag...를 선택합니다.</a:t>
+            </a:r>
+            <a:endParaRPr lang="ko-KR" altLang="en-US" sz="1800">
+              <a:latin typeface="맑은 고딕" charset="0"/>
+              <a:ea typeface="맑은 고딕" charset="0"/>
+            </a:endParaRPr>
+          </a:p>
+        </p:txBody>
+      </p:sp>
       <p:pic>
         <p:nvPicPr>
-          <p:cNvPr id="134" name="그림 41" descr="C:/Users/Admin1/AppData/Roaming/PolarisOffice/ETemp/27904_14353328/fImage126673508145.png"/>
+          <p:cNvPr id="139" name="그림 13" descr="C:/Users/Admin1/AppData/Roaming/PolarisOffice/ETemp/19772_10673440/fImage67583396334.png"/>
           <p:cNvPicPr>
             <a:picLocks noChangeAspect="1"/>
           </p:cNvPicPr>
@@ -12893,8 +13561,8 @@
         </p:blipFill>
         <p:spPr>
           <a:xfrm rot="0">
-            <a:off x="6828155" y="3731260"/>
-            <a:ext cx="4120515" cy="1247775"/>
+            <a:off x="1245235" y="3625850"/>
+            <a:ext cx="4138930" cy="1680845"/>
           </a:xfrm>
           <a:prstGeom prst="roundRect"/>
           <a:solidFill>
@@ -12902,9 +13570,40 @@
           </a:solidFill>
         </p:spPr>
       </p:pic>
+      <p:pic>
+        <p:nvPicPr>
+          <p:cNvPr id="140" name="그림 16" descr="C:/Users/Admin1/AppData/Roaming/PolarisOffice/ETemp/19772_10673440/fImage29023406500.png"/>
+          <p:cNvPicPr>
+            <a:picLocks noChangeAspect="1"/>
+          </p:cNvPicPr>
+          <p:nvPr/>
+        </p:nvPicPr>
+        <p:blipFill rotWithShape="1">
+          <a:blip r:embed="rId5" cstate="print">
+            <a:extLst>
+              <a:ext uri="{28A0092B-C50C-407E-A947-70E740481C1C}">
+                <a14:useLocalDpi xmlns:a14="http://schemas.microsoft.com/office/drawing/2010/main" val="0"/>
+              </a:ext>
+            </a:extLst>
+          </a:blip>
+          <a:stretch>
+            <a:fillRect/>
+          </a:stretch>
+        </p:blipFill>
+        <p:spPr>
+          <a:xfrm rot="0">
+            <a:off x="6822440" y="1442085"/>
+            <a:ext cx="4135120" cy="944245"/>
+          </a:xfrm>
+          <a:prstGeom prst="roundRect"/>
+          <a:solidFill>
+            <a:srgbClr val="EDEDED"/>
+          </a:solidFill>
+        </p:spPr>
+      </p:pic>
       <p:sp>
         <p:nvSpPr>
-          <p:cNvPr id="135" name="텍스트 상자 45"/>
+          <p:cNvPr id="141" name="텍스트 상자 19"/>
           <p:cNvSpPr txBox="1">
             <a:spLocks/>
           </p:cNvSpPr>
@@ -12912,8 +13611,8 @@
         </p:nvSpPr>
         <p:spPr>
           <a:xfrm rot="0">
-            <a:off x="6815455" y="5062220"/>
-            <a:ext cx="4130675" cy="954405"/>
+            <a:off x="6813550" y="2490470"/>
+            <a:ext cx="4135120" cy="677545"/>
           </a:xfrm>
           <a:prstGeom prst="rect"/>
           <a:noFill/>
@@ -12933,6 +13632,26 @@
               <a:buNone/>
             </a:pPr>
             <a:r>
+              <a:rPr lang="ko-KR" sz="2000" b="1">
+                <a:solidFill>
+                  <a:srgbClr val="0611F2"/>
+                </a:solidFill>
+                <a:latin typeface="맑은 고딕" charset="0"/>
+                <a:ea typeface="맑은 고딕" charset="0"/>
+              </a:rPr>
+              <a:t>4</a:t>
+            </a:r>
+            <a:r>
+              <a:rPr lang="ko-KR" sz="2000" b="1">
+                <a:solidFill>
+                  <a:srgbClr val="0611F2"/>
+                </a:solidFill>
+                <a:latin typeface="맑은 고딕" charset="0"/>
+                <a:ea typeface="맑은 고딕" charset="0"/>
+              </a:rPr>
+              <a:t>9</a:t>
+            </a:r>
+            <a:r>
               <a:rPr sz="2000" b="1">
                 <a:solidFill>
                   <a:srgbClr val="0611F2"/>
@@ -12940,7 +13659,130 @@
                 <a:latin typeface="맑은 고딕" charset="0"/>
                 <a:ea typeface="맑은 고딕" charset="0"/>
               </a:rPr>
-              <a:t>4</a:t>
+              <a:t>.</a:t>
+            </a:r>
+            <a:r>
+              <a:rPr sz="2000" b="1">
+                <a:solidFill>
+                  <a:srgbClr val="0611F2"/>
+                </a:solidFill>
+                <a:latin typeface="맑은 고딕" charset="0"/>
+                <a:ea typeface="맑은 고딕" charset="0"/>
+              </a:rPr>
+              <a:t> </a:t>
+            </a:r>
+            <a:r>
+              <a:rPr sz="1800">
+                <a:latin typeface="맑은 고딕" charset="0"/>
+                <a:ea typeface="맑은 고딕" charset="0"/>
+              </a:rPr>
+              <a:t>그다음으로</a:t>
+            </a:r>
+            <a:r>
+              <a:rPr lang="ko-KR" sz="1800">
+                <a:latin typeface="맑은 고딕" charset="0"/>
+                <a:ea typeface="맑은 고딕" charset="0"/>
+              </a:rPr>
+              <a:t> New Tag Name에 </a:t>
+            </a:r>
+            <a:r>
+              <a:rPr lang="ko-KR" sz="1800">
+                <a:latin typeface="맑은 고딕" charset="0"/>
+                <a:ea typeface="맑은 고딕" charset="0"/>
+              </a:rPr>
+              <a:t>Bee라는</a:t>
+            </a:r>
+            <a:r>
+              <a:rPr lang="ko-KR" sz="1800">
+                <a:latin typeface="맑은 고딕" charset="0"/>
+                <a:ea typeface="맑은 고딕" charset="0"/>
+              </a:rPr>
+              <a:t> </a:t>
+            </a:r>
+            <a:r>
+              <a:rPr lang="ko-KR" sz="1800">
+                <a:latin typeface="맑은 고딕" charset="0"/>
+                <a:ea typeface="맑은 고딕" charset="0"/>
+              </a:rPr>
+              <a:t>이름을 정의하고 저장합니다.</a:t>
+            </a:r>
+            <a:endParaRPr lang="ko-KR" altLang="en-US" sz="1800">
+              <a:latin typeface="맑은 고딕" charset="0"/>
+              <a:ea typeface="맑은 고딕" charset="0"/>
+            </a:endParaRPr>
+          </a:p>
+        </p:txBody>
+      </p:sp>
+      <p:pic>
+        <p:nvPicPr>
+          <p:cNvPr id="142" name="그림 25" descr="C:/Users/Admin1/AppData/Roaming/PolarisOffice/ETemp/19772_10673440/fImage119983599169.png"/>
+          <p:cNvPicPr>
+            <a:picLocks noChangeAspect="1"/>
+          </p:cNvPicPr>
+          <p:nvPr/>
+        </p:nvPicPr>
+        <p:blipFill rotWithShape="1">
+          <a:blip r:embed="rId6" cstate="print">
+            <a:extLst>
+              <a:ext uri="{28A0092B-C50C-407E-A947-70E740481C1C}">
+                <a14:useLocalDpi xmlns:a14="http://schemas.microsoft.com/office/drawing/2010/main" val="0"/>
+              </a:ext>
+            </a:extLst>
+          </a:blip>
+          <a:stretch>
+            <a:fillRect/>
+          </a:stretch>
+        </p:blipFill>
+        <p:spPr>
+          <a:xfrm rot="0">
+            <a:off x="6818630" y="3298825"/>
+            <a:ext cx="4147185" cy="1740535"/>
+          </a:xfrm>
+          <a:prstGeom prst="roundRect"/>
+          <a:solidFill>
+            <a:srgbClr val="EDEDED"/>
+          </a:solidFill>
+        </p:spPr>
+      </p:pic>
+      <p:sp>
+        <p:nvSpPr>
+          <p:cNvPr id="143" name="텍스트 상자 28"/>
+          <p:cNvSpPr txBox="1">
+            <a:spLocks/>
+          </p:cNvSpPr>
+          <p:nvPr/>
+        </p:nvSpPr>
+        <p:spPr>
+          <a:xfrm rot="0">
+            <a:off x="6812280" y="5128260"/>
+            <a:ext cx="4153535" cy="954405"/>
+          </a:xfrm>
+          <a:prstGeom prst="rect"/>
+          <a:noFill/>
+          <a:ln w="0">
+            <a:noFill/>
+            <a:prstDash/>
+          </a:ln>
+        </p:spPr>
+        <p:txBody>
+          <a:bodyPr wrap="square" lIns="89535" tIns="46355" rIns="89535" bIns="46355" numCol="1" vert="horz" anchor="t">
+            <a:spAutoFit/>
+          </a:bodyPr>
+          <a:lstStyle/>
+          <a:p>
+            <a:pPr marL="0" indent="0" rtl="0" algn="l" defTabSz="914400" eaLnBrk="1" latinLnBrk="0" hangingPunct="1">
+              <a:buFontTx/>
+              <a:buNone/>
+            </a:pPr>
+            <a:r>
+              <a:rPr sz="2000" b="1">
+                <a:solidFill>
+                  <a:srgbClr val="0611F2"/>
+                </a:solidFill>
+                <a:latin typeface="맑은 고딕" charset="0"/>
+                <a:ea typeface="맑은 고딕" charset="0"/>
+              </a:rPr>
+              <a:t>5</a:t>
             </a:r>
             <a:r>
               <a:rPr lang="ko-KR" sz="2000" b="1">
@@ -12950,7 +13792,7 @@
                 <a:latin typeface="맑은 고딕" charset="0"/>
                 <a:ea typeface="맑은 고딕" charset="0"/>
               </a:rPr>
-              <a:t>7</a:t>
+              <a:t>0</a:t>
             </a:r>
             <a:r>
               <a:rPr sz="2000" b="1">
@@ -12977,94 +13819,45 @@
                 <a:latin typeface="맑은 고딕" charset="0"/>
                 <a:ea typeface="맑은 고딕" charset="0"/>
               </a:rPr>
-              <a:t>이제</a:t>
-            </a:r>
-            <a:r>
-              <a:rPr lang="ko-KR" sz="1800">
-                <a:latin typeface="맑은 고딕" charset="0"/>
-                <a:ea typeface="맑은 고딕" charset="0"/>
-              </a:rPr>
-              <a:t> Character 오브젝트에 </a:t>
-            </a:r>
-            <a:r>
-              <a:rPr lang="ko-KR" sz="1800">
-                <a:latin typeface="맑은 고딕" charset="0"/>
-                <a:ea typeface="맑은 고딕" charset="0"/>
-              </a:rPr>
-              <a:t>있는 </a:t>
-            </a:r>
-            <a:r>
-              <a:rPr lang="ko-KR" sz="1800">
-                <a:latin typeface="맑은 고딕" charset="0"/>
-                <a:ea typeface="맑은 고딕" charset="0"/>
-              </a:rPr>
-              <a:t>C</a:t>
-            </a:r>
-            <a:r>
-              <a:rPr lang="ko-KR" sz="1800">
-                <a:latin typeface="맑은 고딕" charset="0"/>
-                <a:ea typeface="맑은 고딕" charset="0"/>
-              </a:rPr>
-              <a:t>aps</a:t>
-            </a:r>
-            <a:r>
-              <a:rPr lang="ko-KR" sz="1800">
-                <a:latin typeface="맑은 고딕" charset="0"/>
-                <a:ea typeface="맑은 고딕" charset="0"/>
-              </a:rPr>
-              <a:t>u</a:t>
-            </a:r>
-            <a:r>
-              <a:rPr lang="ko-KR" sz="1800">
-                <a:latin typeface="맑은 고딕" charset="0"/>
-                <a:ea typeface="맑은 고딕" charset="0"/>
-              </a:rPr>
-              <a:t>le</a:t>
-            </a:r>
-            <a:r>
-              <a:rPr sz="1800">
+              <a:t>그러고 나서</a:t>
+            </a:r>
+            <a:r>
+              <a:rPr lang="ko-KR" sz="1800">
+                <a:latin typeface="맑은 고딕" charset="0"/>
+                <a:ea typeface="맑은 고딕" charset="0"/>
+              </a:rPr>
+              <a:t> Game Manager </a:t>
+            </a:r>
+            <a:r>
+              <a:rPr lang="ko-KR" sz="1800">
+                <a:latin typeface="맑은 고딕" charset="0"/>
+                <a:ea typeface="맑은 고딕" charset="0"/>
+              </a:rPr>
+              <a:t>오브젝트의</a:t>
+            </a:r>
+            <a:r>
+              <a:rPr lang="ko-KR" sz="1800">
                 <a:latin typeface="맑은 고딕" charset="0"/>
                 <a:ea typeface="맑은 고딕" charset="0"/>
               </a:rPr>
               <a:t> </a:t>
             </a:r>
             <a:r>
-              <a:rPr sz="1800">
-                <a:latin typeface="맑은 고딕" charset="0"/>
-                <a:ea typeface="맑은 고딕" charset="0"/>
-              </a:rPr>
-              <a:t>Collider의</a:t>
-            </a:r>
-            <a:r>
-              <a:rPr sz="1800">
-                <a:latin typeface="맑은 고딕" charset="0"/>
-                <a:ea typeface="맑은 고딕" charset="0"/>
-              </a:rPr>
-              <a:t> Center와 </a:t>
-            </a:r>
-            <a:r>
-              <a:rPr sz="1800">
-                <a:latin typeface="맑은 고딕" charset="0"/>
-                <a:ea typeface="맑은 고딕" charset="0"/>
-              </a:rPr>
-              <a:t>Height를</a:t>
-            </a:r>
-            <a:r>
-              <a:rPr sz="1800">
-                <a:latin typeface="맑은 고딕" charset="0"/>
-                <a:ea typeface="맑은 고딕" charset="0"/>
-              </a:rPr>
-              <a:t> </a:t>
-            </a:r>
-            <a:r>
-              <a:rPr sz="1800">
-                <a:latin typeface="맑은 고딕" charset="0"/>
-                <a:ea typeface="맑은 고딕" charset="0"/>
-              </a:rPr>
-              <a:t>설정합니</a:t>
-            </a:r>
-            <a:r>
-              <a:rPr sz="1800">
+              <a:rPr lang="ko-KR" sz="1800">
+                <a:latin typeface="맑은 고딕" charset="0"/>
+                <a:ea typeface="맑은 고딕" charset="0"/>
+              </a:rPr>
+              <a:t>위치와 회전 값을 </a:t>
+            </a:r>
+            <a:r>
+              <a:rPr lang="ko-KR" sz="1800">
+                <a:latin typeface="맑은 고딕" charset="0"/>
+                <a:ea typeface="맑은 고딕" charset="0"/>
+              </a:rPr>
+              <a:t>초기화합니</a:t>
+            </a:r>
+            <a:r>
+              <a:rPr lang="ko-KR" sz="1800">
                 <a:latin typeface="맑은 고딕" charset="0"/>
                 <a:ea typeface="맑은 고딕" charset="0"/>
               </a:rPr>
@@ -13077,6 +13870,1508 @@
           </a:p>
         </p:txBody>
       </p:sp>
+    </p:spTree>
+  </p:cSld>
+  <p:clrMapOvr>
+    <a:masterClrMapping/>
+  </p:clrMapOvr>
+  <mc:AlternateContent xmlns:mc="http://schemas.openxmlformats.org/markup-compatibility/2006">
+    <mc:Choice xmlns:p14="http://schemas.microsoft.com/office/powerpoint/2010/main" Requires="p14">
+      <p:transition spd="slow" p14:dur="2000"/>
+    </mc:Choice>
+    <mc:Fallback>
+      <p:transition spd="slow"/>
+    </mc:Fallback>
+  </mc:AlternateContent>
+  <p:timing>
+    <p:tnLst>
+      <p:par>
+        <p:cTn id="1" dur="indefinite" restart="never" nodeType="tmRoot"/>
+      </p:par>
+    </p:tnLst>
+  </p:timing>
+</p:sld>
+</file>
+
+<file path=ppt/slides/slide18.xml><?xml version="1.0" encoding="utf-8"?>
+<p:sld xmlns:a="http://schemas.openxmlformats.org/drawingml/2006/main" xmlns:r="http://schemas.openxmlformats.org/officeDocument/2006/relationships" xmlns:p="http://schemas.openxmlformats.org/presentationml/2006/main">
+  <p:cSld>
+    <p:spTree>
+      <p:nvGrpSpPr>
+        <p:cNvPr id="1" name=""/>
+        <p:cNvGrpSpPr/>
+        <p:nvPr/>
+      </p:nvGrpSpPr>
+      <p:grpSpPr>
+        <a:xfrm>
+          <a:off x="0" y="0"/>
+          <a:ext cx="0" cy="0"/>
+          <a:chOff x="0" y="0"/>
+          <a:chExt cx="0" cy="0"/>
+        </a:xfrm>
+      </p:grpSpPr>
+      <p:sp>
+        <p:nvSpPr>
+          <p:cNvPr id="27" name="Rect 0"/>
+          <p:cNvSpPr txBox="1">
+            <a:spLocks/>
+          </p:cNvSpPr>
+          <p:nvPr/>
+        </p:nvSpPr>
+        <p:spPr>
+          <a:xfrm rot="0">
+            <a:off x="4101465" y="407035"/>
+            <a:ext cx="3989070" cy="478155"/>
+          </a:xfrm>
+          <a:prstGeom prst="rect"/>
+          <a:noFill/>
+          <a:ln w="0">
+            <a:noFill/>
+            <a:prstDash/>
+          </a:ln>
+        </p:spPr>
+        <p:txBody>
+          <a:bodyPr wrap="square" lIns="89535" tIns="46355" rIns="89535" bIns="46355" numCol="1" vert="horz" anchor="t">
+            <a:spAutoFit/>
+          </a:bodyPr>
+          <a:lstStyle/>
+          <a:p>
+            <a:pPr marL="0" indent="0" algn="ctr" latinLnBrk="0" hangingPunct="1">
+              <a:buFontTx/>
+              <a:buNone/>
+            </a:pPr>
+            <a:r>
+              <a:rPr lang="ko-KR" sz="2500" b="1">
+                <a:latin typeface="나눔바른고딕" charset="0"/>
+                <a:ea typeface="나눔바른고딕" charset="0"/>
+              </a:rPr>
+              <a:t>열여덟</a:t>
+            </a:r>
+            <a:r>
+              <a:rPr lang="ko-KR" sz="2500" b="1">
+                <a:latin typeface="나눔바른고딕" charset="0"/>
+                <a:ea typeface="나눔바른고딕" charset="0"/>
+              </a:rPr>
+              <a:t> 번째 튜토리얼</a:t>
+            </a:r>
+            <a:endParaRPr lang="ko-KR" altLang="en-US" sz="2500" b="1">
+              <a:latin typeface="나눔바른고딕" charset="0"/>
+              <a:ea typeface="나눔바른고딕" charset="0"/>
+            </a:endParaRPr>
+          </a:p>
+        </p:txBody>
+      </p:sp>
+      <p:sp>
+        <p:nvSpPr>
+          <p:cNvPr id="132" name="Rect 0"/>
+          <p:cNvSpPr txBox="1">
+            <a:spLocks/>
+          </p:cNvSpPr>
+          <p:nvPr/>
+        </p:nvSpPr>
+        <p:spPr>
+          <a:xfrm rot="0">
+            <a:off x="6813550" y="2622550"/>
+            <a:ext cx="4126865" cy="954405"/>
+          </a:xfrm>
+          <a:prstGeom prst="rect"/>
+          <a:noFill/>
+          <a:ln w="0">
+            <a:noFill/>
+            <a:prstDash/>
+          </a:ln>
+        </p:spPr>
+        <p:txBody>
+          <a:bodyPr wrap="square" lIns="89535" tIns="46355" rIns="89535" bIns="46355" numCol="1" vert="horz" anchor="t">
+            <a:spAutoFit/>
+          </a:bodyPr>
+          <a:lstStyle/>
+          <a:p>
+            <a:pPr marL="0" indent="0" rtl="0" algn="l" defTabSz="914400" eaLnBrk="1" latinLnBrk="0" hangingPunct="1">
+              <a:buFontTx/>
+              <a:buNone/>
+            </a:pPr>
+            <a:r>
+              <a:rPr sz="2000" b="1">
+                <a:solidFill>
+                  <a:srgbClr val="0611F2"/>
+                </a:solidFill>
+                <a:latin typeface="맑은 고딕" charset="0"/>
+                <a:ea typeface="맑은 고딕" charset="0"/>
+              </a:rPr>
+              <a:t>5</a:t>
+            </a:r>
+            <a:r>
+              <a:rPr sz="2000" b="1">
+                <a:solidFill>
+                  <a:srgbClr val="0611F2"/>
+                </a:solidFill>
+                <a:latin typeface="맑은 고딕" charset="0"/>
+                <a:ea typeface="맑은 고딕" charset="0"/>
+              </a:rPr>
+              <a:t>3</a:t>
+            </a:r>
+            <a:r>
+              <a:rPr sz="2000" b="1">
+                <a:solidFill>
+                  <a:srgbClr val="0611F2"/>
+                </a:solidFill>
+                <a:latin typeface="맑은 고딕" charset="0"/>
+                <a:ea typeface="맑은 고딕" charset="0"/>
+              </a:rPr>
+              <a:t>.</a:t>
+            </a:r>
+            <a:r>
+              <a:rPr sz="2000" b="1">
+                <a:solidFill>
+                  <a:srgbClr val="0611F2"/>
+                </a:solidFill>
+                <a:latin typeface="맑은 고딕" charset="0"/>
+                <a:ea typeface="맑은 고딕" charset="0"/>
+              </a:rPr>
+              <a:t> </a:t>
+            </a:r>
+            <a:r>
+              <a:rPr sz="1800">
+                <a:latin typeface="맑은 고딕" charset="0"/>
+                <a:ea typeface="맑은 고딕" charset="0"/>
+              </a:rPr>
+              <a:t>그런 다음</a:t>
+            </a:r>
+            <a:r>
+              <a:rPr lang="ko-KR" sz="1800">
+                <a:latin typeface="맑은 고딕" charset="0"/>
+                <a:ea typeface="맑은 고딕" charset="0"/>
+              </a:rPr>
+              <a:t> bee 오브젝트에 </a:t>
+            </a:r>
+            <a:r>
+              <a:rPr lang="ko-KR" sz="1800">
+                <a:latin typeface="맑은 고딕" charset="0"/>
+                <a:ea typeface="맑은 고딕" charset="0"/>
+              </a:rPr>
+              <a:t>Vector3</a:t>
+            </a:r>
+            <a:r>
+              <a:rPr lang="ko-KR" sz="1800">
+                <a:latin typeface="맑은 고딕" charset="0"/>
+                <a:ea typeface="맑은 고딕" charset="0"/>
+              </a:rPr>
+              <a:t> </a:t>
+            </a:r>
+            <a:r>
+              <a:rPr lang="ko-KR" sz="1800">
+                <a:latin typeface="맑은 고딕" charset="0"/>
+                <a:ea typeface="맑은 고딕" charset="0"/>
+              </a:rPr>
+              <a:t>변수와 </a:t>
+            </a:r>
+            <a:r>
+              <a:rPr lang="ko-KR" sz="1800">
+                <a:latin typeface="맑은 고딕" charset="0"/>
+                <a:ea typeface="맑은 고딕" charset="0"/>
+              </a:rPr>
+              <a:t>GameObject 변수 </a:t>
+            </a:r>
+            <a:r>
+              <a:rPr lang="ko-KR" sz="1800">
+                <a:latin typeface="맑은 고딕" charset="0"/>
+                <a:ea typeface="맑은 고딕" charset="0"/>
+              </a:rPr>
+              <a:t>그리고</a:t>
+            </a:r>
+            <a:r>
+              <a:rPr lang="ko-KR" sz="1800">
+                <a:latin typeface="맑은 고딕" charset="0"/>
+                <a:ea typeface="맑은 고딕" charset="0"/>
+              </a:rPr>
+              <a:t> float 변수</a:t>
+            </a:r>
+            <a:r>
+              <a:rPr lang="ko-KR" sz="1800">
+                <a:latin typeface="맑은 고딕" charset="0"/>
+                <a:ea typeface="맑은 고딕" charset="0"/>
+              </a:rPr>
+              <a:t>를 </a:t>
+            </a:r>
+            <a:r>
+              <a:rPr lang="ko-KR" sz="1800">
+                <a:latin typeface="맑은 고딕" charset="0"/>
+                <a:ea typeface="맑은 고딕" charset="0"/>
+              </a:rPr>
+              <a:t>선언합니다.</a:t>
+            </a:r>
+            <a:endParaRPr lang="ko-KR" altLang="en-US" sz="1800">
+              <a:latin typeface="맑은 고딕" charset="0"/>
+              <a:ea typeface="맑은 고딕" charset="0"/>
+            </a:endParaRPr>
+          </a:p>
+        </p:txBody>
+      </p:sp>
+      <p:pic>
+        <p:nvPicPr>
+          <p:cNvPr id="137" name="Picture " descr="C:/Users/Admin1/AppData/Roaming/PolarisOffice/ETemp/19772_10673440/fImage87713485724.png"/>
+          <p:cNvPicPr>
+            <a:picLocks noChangeAspect="1"/>
+          </p:cNvPicPr>
+          <p:nvPr/>
+        </p:nvPicPr>
+        <p:blipFill rotWithShape="1">
+          <a:blip r:embed="rId2" cstate="print">
+            <a:extLst>
+              <a:ext uri="{28A0092B-C50C-407E-A947-70E740481C1C}">
+                <a14:useLocalDpi xmlns:a14="http://schemas.microsoft.com/office/drawing/2010/main" val="0"/>
+              </a:ext>
+            </a:extLst>
+          </a:blip>
+          <a:stretch>
+            <a:fillRect/>
+          </a:stretch>
+        </p:blipFill>
+        <p:spPr>
+          <a:xfrm rot="0">
+            <a:off x="2825115" y="1421130"/>
+            <a:ext cx="2550795" cy="1275080"/>
+          </a:xfrm>
+          <a:prstGeom prst="roundRect"/>
+          <a:solidFill>
+            <a:srgbClr val="EDEDED"/>
+          </a:solidFill>
+        </p:spPr>
+      </p:pic>
+      <p:sp>
+        <p:nvSpPr>
+          <p:cNvPr id="138" name="Rect 0"/>
+          <p:cNvSpPr txBox="1">
+            <a:spLocks/>
+          </p:cNvSpPr>
+          <p:nvPr/>
+        </p:nvSpPr>
+        <p:spPr>
+          <a:xfrm rot="0">
+            <a:off x="1251585" y="2814955"/>
+            <a:ext cx="4115435" cy="677545"/>
+          </a:xfrm>
+          <a:prstGeom prst="rect"/>
+          <a:noFill/>
+          <a:ln w="0">
+            <a:noFill/>
+            <a:prstDash/>
+          </a:ln>
+        </p:spPr>
+        <p:txBody>
+          <a:bodyPr wrap="square" lIns="89535" tIns="46355" rIns="89535" bIns="46355" numCol="1" vert="horz" anchor="t">
+            <a:spAutoFit/>
+          </a:bodyPr>
+          <a:lstStyle/>
+          <a:p>
+            <a:pPr marL="0" indent="0" rtl="0" algn="l" defTabSz="914400" eaLnBrk="1" latinLnBrk="0" hangingPunct="1">
+              <a:buFontTx/>
+              <a:buNone/>
+            </a:pPr>
+            <a:r>
+              <a:rPr sz="2000" b="1">
+                <a:solidFill>
+                  <a:srgbClr val="0611F2"/>
+                </a:solidFill>
+                <a:latin typeface="맑은 고딕" charset="0"/>
+                <a:ea typeface="맑은 고딕" charset="0"/>
+              </a:rPr>
+              <a:t>5</a:t>
+            </a:r>
+            <a:r>
+              <a:rPr lang="ko-KR" sz="2000" b="1">
+                <a:solidFill>
+                  <a:srgbClr val="0611F2"/>
+                </a:solidFill>
+                <a:latin typeface="맑은 고딕" charset="0"/>
+                <a:ea typeface="맑은 고딕" charset="0"/>
+              </a:rPr>
+              <a:t>1</a:t>
+            </a:r>
+            <a:r>
+              <a:rPr sz="2000" b="1">
+                <a:solidFill>
+                  <a:srgbClr val="0611F2"/>
+                </a:solidFill>
+                <a:latin typeface="맑은 고딕" charset="0"/>
+                <a:ea typeface="맑은 고딕" charset="0"/>
+              </a:rPr>
+              <a:t>.</a:t>
+            </a:r>
+            <a:r>
+              <a:rPr sz="2000" b="1">
+                <a:solidFill>
+                  <a:srgbClr val="0611F2"/>
+                </a:solidFill>
+                <a:latin typeface="맑은 고딕" charset="0"/>
+                <a:ea typeface="맑은 고딕" charset="0"/>
+              </a:rPr>
+              <a:t> </a:t>
+            </a:r>
+            <a:r>
+              <a:rPr sz="1800">
+                <a:latin typeface="맑은 고딕" charset="0"/>
+                <a:ea typeface="맑은 고딕" charset="0"/>
+              </a:rPr>
+              <a:t>이제</a:t>
+            </a:r>
+            <a:r>
+              <a:rPr lang="ko-KR" sz="1800">
+                <a:latin typeface="맑은 고딕" charset="0"/>
+                <a:ea typeface="맑은 고딕" charset="0"/>
+              </a:rPr>
+              <a:t> Bee 오브젝트를 선택한 </a:t>
+            </a:r>
+            <a:r>
+              <a:rPr lang="ko-KR" sz="1800">
+                <a:latin typeface="맑은 고딕" charset="0"/>
+                <a:ea typeface="맑은 고딕" charset="0"/>
+              </a:rPr>
+              <a:t>다음 </a:t>
+            </a:r>
+            <a:r>
+              <a:rPr lang="ko-KR" sz="1800">
+                <a:latin typeface="맑은 고딕" charset="0"/>
+                <a:ea typeface="맑은 고딕" charset="0"/>
+              </a:rPr>
+              <a:t>T</a:t>
+            </a:r>
+            <a:r>
+              <a:rPr lang="ko-KR" sz="1800">
+                <a:latin typeface="맑은 고딕" charset="0"/>
+                <a:ea typeface="맑은 고딕" charset="0"/>
+              </a:rPr>
+              <a:t>ag</a:t>
+            </a:r>
+            <a:r>
+              <a:rPr lang="ko-KR" sz="1800">
+                <a:latin typeface="맑은 고딕" charset="0"/>
+                <a:ea typeface="맑은 고딕" charset="0"/>
+              </a:rPr>
+              <a:t>를</a:t>
+            </a:r>
+            <a:r>
+              <a:rPr lang="ko-KR" sz="1800">
+                <a:latin typeface="맑은 고딕" charset="0"/>
+                <a:ea typeface="맑은 고딕" charset="0"/>
+              </a:rPr>
+              <a:t> </a:t>
+            </a:r>
+            <a:r>
+              <a:rPr lang="ko-KR" sz="1800">
+                <a:latin typeface="맑은 고딕" charset="0"/>
+                <a:ea typeface="맑은 고딕" charset="0"/>
+              </a:rPr>
+              <a:t>Bee로 설정합니다.</a:t>
+            </a:r>
+            <a:endParaRPr lang="ko-KR" altLang="en-US" sz="1800">
+              <a:latin typeface="맑은 고딕" charset="0"/>
+              <a:ea typeface="맑은 고딕" charset="0"/>
+            </a:endParaRPr>
+          </a:p>
+        </p:txBody>
+      </p:sp>
+      <p:pic>
+        <p:nvPicPr>
+          <p:cNvPr id="145" name="그림 29" descr="C:/Users/Admin1/AppData/Roaming/PolarisOffice/ETemp/19772_10673440/fImage47393611478.png"/>
+          <p:cNvPicPr>
+            <a:picLocks noChangeAspect="1"/>
+          </p:cNvPicPr>
+          <p:nvPr/>
+        </p:nvPicPr>
+        <p:blipFill rotWithShape="1">
+          <a:blip r:embed="rId3" cstate="print">
+            <a:extLst>
+              <a:ext uri="{28A0092B-C50C-407E-A947-70E740481C1C}">
+                <a14:useLocalDpi xmlns:a14="http://schemas.microsoft.com/office/drawing/2010/main" val="0"/>
+              </a:ext>
+            </a:extLst>
+          </a:blip>
+          <a:stretch>
+            <a:fillRect/>
+          </a:stretch>
+        </p:blipFill>
+        <p:spPr>
+          <a:xfrm rot="0">
+            <a:off x="1252220" y="1421130"/>
+            <a:ext cx="1464945" cy="1283335"/>
+          </a:xfrm>
+          <a:prstGeom prst="roundRect"/>
+          <a:solidFill>
+            <a:srgbClr val="EDEDED"/>
+          </a:solidFill>
+        </p:spPr>
+      </p:pic>
+      <p:pic>
+        <p:nvPicPr>
+          <p:cNvPr id="146" name="그림 31" descr="C:/Users/Admin1/AppData/Roaming/PolarisOffice/ETemp/19772_10673440/fImage334083639358.png"/>
+          <p:cNvPicPr>
+            <a:picLocks noChangeAspect="1"/>
+          </p:cNvPicPr>
+          <p:nvPr/>
+        </p:nvPicPr>
+        <p:blipFill rotWithShape="1">
+          <a:blip r:embed="rId4" cstate="print">
+            <a:extLst>
+              <a:ext uri="{28A0092B-C50C-407E-A947-70E740481C1C}">
+                <a14:useLocalDpi xmlns:a14="http://schemas.microsoft.com/office/drawing/2010/main" val="0"/>
+              </a:ext>
+            </a:extLst>
+          </a:blip>
+          <a:stretch>
+            <a:fillRect/>
+          </a:stretch>
+        </p:blipFill>
+        <p:spPr>
+          <a:xfrm rot="0">
+            <a:off x="6822440" y="1424305"/>
+            <a:ext cx="4126230" cy="1091565"/>
+          </a:xfrm>
+          <a:prstGeom prst="roundRect"/>
+          <a:solidFill>
+            <a:srgbClr val="EDEDED"/>
+          </a:solidFill>
+        </p:spPr>
+      </p:pic>
+      <p:sp>
+        <p:nvSpPr>
+          <p:cNvPr id="150" name="텍스트 상자 43"/>
+          <p:cNvSpPr txBox="1">
+            <a:spLocks/>
+          </p:cNvSpPr>
+          <p:nvPr/>
+        </p:nvSpPr>
+        <p:spPr>
+          <a:xfrm rot="0">
+            <a:off x="1240790" y="5445125"/>
+            <a:ext cx="4136390" cy="647065"/>
+          </a:xfrm>
+          <a:prstGeom prst="rect"/>
+          <a:noFill/>
+          <a:ln w="0">
+            <a:noFill/>
+            <a:prstDash/>
+          </a:ln>
+        </p:spPr>
+        <p:txBody>
+          <a:bodyPr wrap="square" lIns="89535" tIns="46355" rIns="89535" bIns="46355" numCol="1" vert="horz" anchor="t">
+            <a:spAutoFit/>
+          </a:bodyPr>
+          <a:lstStyle/>
+          <a:p>
+            <a:pPr marL="0" indent="0" rtl="0" algn="l" defTabSz="914400" eaLnBrk="1" latinLnBrk="0" hangingPunct="1">
+              <a:buFontTx/>
+              <a:buNone/>
+            </a:pPr>
+            <a:r>
+              <a:rPr sz="1800" b="1">
+                <a:solidFill>
+                  <a:srgbClr val="0611F2"/>
+                </a:solidFill>
+                <a:latin typeface="맑은 고딕" charset="0"/>
+                <a:ea typeface="맑은 고딕" charset="0"/>
+              </a:rPr>
+              <a:t>5</a:t>
+            </a:r>
+            <a:r>
+              <a:rPr sz="1800" b="1">
+                <a:solidFill>
+                  <a:srgbClr val="0611F2"/>
+                </a:solidFill>
+                <a:latin typeface="맑은 고딕" charset="0"/>
+                <a:ea typeface="맑은 고딕" charset="0"/>
+              </a:rPr>
+              <a:t>2</a:t>
+            </a:r>
+            <a:r>
+              <a:rPr sz="1800" b="1">
+                <a:solidFill>
+                  <a:srgbClr val="0611F2"/>
+                </a:solidFill>
+                <a:latin typeface="맑은 고딕" charset="0"/>
+                <a:ea typeface="맑은 고딕" charset="0"/>
+              </a:rPr>
+              <a:t>.</a:t>
+            </a:r>
+            <a:r>
+              <a:rPr sz="1800">
+                <a:latin typeface="맑은 고딕" charset="0"/>
+                <a:ea typeface="맑은 고딕" charset="0"/>
+              </a:rPr>
+              <a:t> </a:t>
+            </a:r>
+            <a:r>
+              <a:rPr lang="ko-KR" sz="1800">
+                <a:latin typeface="맑은 고딕" charset="0"/>
+                <a:ea typeface="맑은 고딕" charset="0"/>
+              </a:rPr>
+              <a:t>그리고 Home Button의 앵커를 </a:t>
+            </a:r>
+            <a:r>
+              <a:rPr lang="ko-KR" sz="1800">
+                <a:latin typeface="맑은 고딕" charset="0"/>
+                <a:ea typeface="맑은 고딕" charset="0"/>
+              </a:rPr>
+              <a:t>지정하고</a:t>
+            </a:r>
+            <a:r>
+              <a:rPr lang="ko-KR" sz="1800">
+                <a:latin typeface="맑은 고딕" charset="0"/>
+                <a:ea typeface="맑은 고딕" charset="0"/>
+              </a:rPr>
+              <a:t> </a:t>
+            </a:r>
+            <a:r>
+              <a:rPr lang="ko-KR" sz="1800">
+                <a:latin typeface="맑은 고딕" charset="0"/>
+                <a:ea typeface="맑은 고딕" charset="0"/>
+              </a:rPr>
+              <a:t>위치와</a:t>
+            </a:r>
+            <a:r>
+              <a:rPr lang="ko-KR" sz="1800">
+                <a:latin typeface="맑은 고딕" charset="0"/>
+                <a:ea typeface="맑은 고딕" charset="0"/>
+              </a:rPr>
+              <a:t> 크기를 설정합니다.</a:t>
+            </a:r>
+            <a:endParaRPr lang="ko-KR" altLang="en-US" sz="1800">
+              <a:latin typeface="맑은 고딕" charset="0"/>
+              <a:ea typeface="맑은 고딕" charset="0"/>
+            </a:endParaRPr>
+          </a:p>
+        </p:txBody>
+      </p:sp>
+      <p:pic>
+        <p:nvPicPr>
+          <p:cNvPr id="151" name="그림 44" descr="C:/Users/Admin1/AppData/Roaming/PolarisOffice/ETemp/19772_10673440/fImage117643286334.png"/>
+          <p:cNvPicPr>
+            <a:picLocks noChangeAspect="1"/>
+          </p:cNvPicPr>
+          <p:nvPr/>
+        </p:nvPicPr>
+        <p:blipFill rotWithShape="1">
+          <a:blip r:embed="rId5" cstate="hqprint">
+            <a:extLst>
+              <a:ext uri="{28A0092B-C50C-407E-A947-70E740481C1C}">
+                <a14:useLocalDpi xmlns:a14="http://schemas.microsoft.com/office/drawing/2010/main"/>
+              </a:ext>
+            </a:extLst>
+          </a:blip>
+          <a:stretch>
+            <a:fillRect/>
+          </a:stretch>
+        </p:blipFill>
+        <p:spPr>
+          <a:xfrm rot="0">
+            <a:off x="1249045" y="3660775"/>
+            <a:ext cx="4126865" cy="1637030"/>
+          </a:xfrm>
+          <a:prstGeom prst="roundRect"/>
+          <a:solidFill>
+            <a:srgbClr val="EDEDED"/>
+          </a:solidFill>
+        </p:spPr>
+      </p:pic>
+      <p:sp>
+        <p:nvSpPr>
+          <p:cNvPr id="153" name="텍스트 상자 55"/>
+          <p:cNvSpPr txBox="1">
+            <a:spLocks/>
+          </p:cNvSpPr>
+          <p:nvPr/>
+        </p:nvSpPr>
+        <p:spPr>
+          <a:xfrm rot="0">
+            <a:off x="6816090" y="5140325"/>
+            <a:ext cx="4124325" cy="954405"/>
+          </a:xfrm>
+          <a:prstGeom prst="rect"/>
+          <a:noFill/>
+          <a:ln w="0">
+            <a:noFill/>
+            <a:prstDash/>
+          </a:ln>
+        </p:spPr>
+        <p:txBody>
+          <a:bodyPr wrap="square" lIns="89535" tIns="46355" rIns="89535" bIns="46355" numCol="1" vert="horz" anchor="t">
+            <a:spAutoFit/>
+          </a:bodyPr>
+          <a:lstStyle/>
+          <a:p>
+            <a:pPr marL="0" indent="0" rtl="0" algn="l" defTabSz="914400" eaLnBrk="1" latinLnBrk="0" hangingPunct="1">
+              <a:buFontTx/>
+              <a:buNone/>
+            </a:pPr>
+            <a:r>
+              <a:rPr sz="2000" b="1">
+                <a:solidFill>
+                  <a:srgbClr val="0611F2"/>
+                </a:solidFill>
+                <a:latin typeface="맑은 고딕" charset="0"/>
+                <a:ea typeface="맑은 고딕" charset="0"/>
+              </a:rPr>
+              <a:t>5</a:t>
+            </a:r>
+            <a:r>
+              <a:rPr lang="ko-KR" sz="2000" b="1">
+                <a:solidFill>
+                  <a:srgbClr val="0611F2"/>
+                </a:solidFill>
+                <a:latin typeface="맑은 고딕" charset="0"/>
+                <a:ea typeface="맑은 고딕" charset="0"/>
+              </a:rPr>
+              <a:t>4</a:t>
+            </a:r>
+            <a:r>
+              <a:rPr sz="2000" b="1">
+                <a:solidFill>
+                  <a:srgbClr val="0611F2"/>
+                </a:solidFill>
+                <a:latin typeface="맑은 고딕" charset="0"/>
+                <a:ea typeface="맑은 고딕" charset="0"/>
+              </a:rPr>
+              <a:t>.</a:t>
+            </a:r>
+            <a:r>
+              <a:rPr sz="2000" b="1">
+                <a:solidFill>
+                  <a:srgbClr val="0611F2"/>
+                </a:solidFill>
+                <a:latin typeface="맑은 고딕" charset="0"/>
+                <a:ea typeface="맑은 고딕" charset="0"/>
+              </a:rPr>
+              <a:t> </a:t>
+            </a:r>
+            <a:r>
+              <a:rPr sz="1800">
+                <a:latin typeface="맑은 고딕" charset="0"/>
+                <a:ea typeface="맑은 고딕" charset="0"/>
+              </a:rPr>
+              <a:t>그다음으로 target 변수에 월드 </a:t>
+            </a:r>
+            <a:r>
+              <a:rPr sz="1800">
+                <a:latin typeface="맑은 고딕" charset="0"/>
+                <a:ea typeface="맑은 고딕" charset="0"/>
+              </a:rPr>
+              <a:t>공간에</a:t>
+            </a:r>
+            <a:r>
+              <a:rPr sz="1800">
+                <a:latin typeface="맑은 고딕" charset="0"/>
+                <a:ea typeface="맑은 고딕" charset="0"/>
+              </a:rPr>
+              <a:t> </a:t>
+            </a:r>
+            <a:r>
+              <a:rPr sz="1800">
+                <a:latin typeface="맑은 고딕" charset="0"/>
+                <a:ea typeface="맑은 고딕" charset="0"/>
+              </a:rPr>
+              <a:t>있</a:t>
+            </a:r>
+            <a:r>
+              <a:rPr lang="ko-KR" sz="1800">
+                <a:latin typeface="맑은 고딕" charset="0"/>
+                <a:ea typeface="맑은 고딕" charset="0"/>
+              </a:rPr>
+              <a:t>는 </a:t>
+            </a:r>
+            <a:r>
+              <a:rPr lang="ko-KR" sz="1800">
+                <a:latin typeface="맑은 고딕" charset="0"/>
+                <a:ea typeface="맑은 고딕" charset="0"/>
+              </a:rPr>
+              <a:t>캐릭터를 찾은 다음 </a:t>
+            </a:r>
+            <a:r>
+              <a:rPr lang="ko-KR" sz="1800">
+                <a:latin typeface="맑은 고딕" charset="0"/>
+                <a:ea typeface="맑은 고딕" charset="0"/>
+              </a:rPr>
+              <a:t>방향을</a:t>
+            </a:r>
+            <a:r>
+              <a:rPr lang="ko-KR" sz="1800">
+                <a:latin typeface="맑은 고딕" charset="0"/>
+                <a:ea typeface="맑은 고딕" charset="0"/>
+              </a:rPr>
+              <a:t> 설정합니</a:t>
+            </a:r>
+            <a:r>
+              <a:rPr lang="ko-KR" sz="1800">
+                <a:latin typeface="맑은 고딕" charset="0"/>
+                <a:ea typeface="맑은 고딕" charset="0"/>
+              </a:rPr>
+              <a:t>다.</a:t>
+            </a:r>
+            <a:endParaRPr lang="ko-KR" altLang="en-US" sz="1800">
+              <a:latin typeface="맑은 고딕" charset="0"/>
+              <a:ea typeface="맑은 고딕" charset="0"/>
+            </a:endParaRPr>
+          </a:p>
+        </p:txBody>
+      </p:sp>
+      <p:pic>
+        <p:nvPicPr>
+          <p:cNvPr id="154" name="그림 56" descr="C:/Users/Admin1/AppData/Roaming/PolarisOffice/ETemp/19772_10673440/fImage386593846962.png"/>
+          <p:cNvPicPr>
+            <a:picLocks noChangeAspect="1"/>
+          </p:cNvPicPr>
+          <p:nvPr/>
+        </p:nvPicPr>
+        <p:blipFill rotWithShape="1">
+          <a:blip r:embed="rId6" cstate="print">
+            <a:extLst>
+              <a:ext uri="{28A0092B-C50C-407E-A947-70E740481C1C}">
+                <a14:useLocalDpi xmlns:a14="http://schemas.microsoft.com/office/drawing/2010/main" val="0"/>
+              </a:ext>
+            </a:extLst>
+          </a:blip>
+          <a:stretch>
+            <a:fillRect/>
+          </a:stretch>
+        </p:blipFill>
+        <p:spPr>
+          <a:xfrm rot="0">
+            <a:off x="6814185" y="3686175"/>
+            <a:ext cx="4134485" cy="1362075"/>
+          </a:xfrm>
+          <a:prstGeom prst="roundRect"/>
+          <a:solidFill>
+            <a:srgbClr val="EDEDED"/>
+          </a:solidFill>
+        </p:spPr>
+      </p:pic>
+    </p:spTree>
+  </p:cSld>
+  <p:clrMapOvr>
+    <a:masterClrMapping/>
+  </p:clrMapOvr>
+  <mc:AlternateContent xmlns:mc="http://schemas.openxmlformats.org/markup-compatibility/2006">
+    <mc:Choice xmlns:p14="http://schemas.microsoft.com/office/powerpoint/2010/main" Requires="p14">
+      <p:transition spd="slow" p14:dur="2000"/>
+    </mc:Choice>
+    <mc:Fallback>
+      <p:transition spd="slow"/>
+    </mc:Fallback>
+  </mc:AlternateContent>
+  <p:timing>
+    <p:tnLst>
+      <p:par>
+        <p:cTn id="1" dur="indefinite" restart="never" nodeType="tmRoot"/>
+      </p:par>
+    </p:tnLst>
+  </p:timing>
+</p:sld>
+</file>
+
+<file path=ppt/slides/slide19.xml><?xml version="1.0" encoding="utf-8"?>
+<p:sld xmlns:a="http://schemas.openxmlformats.org/drawingml/2006/main" xmlns:r="http://schemas.openxmlformats.org/officeDocument/2006/relationships" xmlns:p="http://schemas.openxmlformats.org/presentationml/2006/main">
+  <p:cSld>
+    <p:spTree>
+      <p:nvGrpSpPr>
+        <p:cNvPr id="1" name=""/>
+        <p:cNvGrpSpPr/>
+        <p:nvPr/>
+      </p:nvGrpSpPr>
+      <p:grpSpPr>
+        <a:xfrm>
+          <a:off x="0" y="0"/>
+          <a:ext cx="0" cy="0"/>
+          <a:chOff x="0" y="0"/>
+          <a:chExt cx="0" cy="0"/>
+        </a:xfrm>
+      </p:grpSpPr>
+      <p:sp>
+        <p:nvSpPr>
+          <p:cNvPr id="27" name="Rect 0"/>
+          <p:cNvSpPr txBox="1">
+            <a:spLocks/>
+          </p:cNvSpPr>
+          <p:nvPr/>
+        </p:nvSpPr>
+        <p:spPr>
+          <a:xfrm rot="0">
+            <a:off x="4101465" y="407035"/>
+            <a:ext cx="3989070" cy="478155"/>
+          </a:xfrm>
+          <a:prstGeom prst="rect"/>
+          <a:noFill/>
+          <a:ln w="0">
+            <a:noFill/>
+            <a:prstDash/>
+          </a:ln>
+        </p:spPr>
+        <p:txBody>
+          <a:bodyPr wrap="square" lIns="89535" tIns="46355" rIns="89535" bIns="46355" numCol="1" vert="horz" anchor="t">
+            <a:spAutoFit/>
+          </a:bodyPr>
+          <a:lstStyle/>
+          <a:p>
+            <a:pPr marL="0" indent="0" algn="ctr" latinLnBrk="0" hangingPunct="1">
+              <a:buFontTx/>
+              <a:buNone/>
+            </a:pPr>
+            <a:r>
+              <a:rPr lang="ko-KR" sz="2500" b="1">
+                <a:latin typeface="나눔바른고딕" charset="0"/>
+                <a:ea typeface="나눔바른고딕" charset="0"/>
+              </a:rPr>
+              <a:t>열아홉</a:t>
+            </a:r>
+            <a:r>
+              <a:rPr lang="ko-KR" sz="2500" b="1">
+                <a:latin typeface="나눔바른고딕" charset="0"/>
+                <a:ea typeface="나눔바른고딕" charset="0"/>
+              </a:rPr>
+              <a:t> 번째 튜토리얼</a:t>
+            </a:r>
+            <a:endParaRPr lang="ko-KR" altLang="en-US" sz="2500" b="1">
+              <a:latin typeface="나눔바른고딕" charset="0"/>
+              <a:ea typeface="나눔바른고딕" charset="0"/>
+            </a:endParaRPr>
+          </a:p>
+        </p:txBody>
+      </p:sp>
+      <p:sp>
+        <p:nvSpPr>
+          <p:cNvPr id="138" name="Rect 0"/>
+          <p:cNvSpPr txBox="1">
+            <a:spLocks/>
+          </p:cNvSpPr>
+          <p:nvPr/>
+        </p:nvSpPr>
+        <p:spPr>
+          <a:xfrm rot="0">
+            <a:off x="1251585" y="2616835"/>
+            <a:ext cx="4115435" cy="954405"/>
+          </a:xfrm>
+          <a:prstGeom prst="rect"/>
+          <a:noFill/>
+          <a:ln w="0">
+            <a:noFill/>
+            <a:prstDash/>
+          </a:ln>
+        </p:spPr>
+        <p:txBody>
+          <a:bodyPr wrap="square" lIns="89535" tIns="46355" rIns="89535" bIns="46355" numCol="1" vert="horz" anchor="t">
+            <a:spAutoFit/>
+          </a:bodyPr>
+          <a:lstStyle/>
+          <a:p>
+            <a:pPr marL="0" indent="0" rtl="0" algn="l" defTabSz="914400" eaLnBrk="1" latinLnBrk="0" hangingPunct="1">
+              <a:buFontTx/>
+              <a:buNone/>
+            </a:pPr>
+            <a:r>
+              <a:rPr sz="2000" b="1">
+                <a:solidFill>
+                  <a:srgbClr val="0611F2"/>
+                </a:solidFill>
+                <a:latin typeface="맑은 고딕" charset="0"/>
+                <a:ea typeface="맑은 고딕" charset="0"/>
+              </a:rPr>
+              <a:t>5</a:t>
+            </a:r>
+            <a:r>
+              <a:rPr lang="ko-KR" sz="2000" b="1">
+                <a:solidFill>
+                  <a:srgbClr val="0611F2"/>
+                </a:solidFill>
+                <a:latin typeface="맑은 고딕" charset="0"/>
+                <a:ea typeface="맑은 고딕" charset="0"/>
+              </a:rPr>
+              <a:t>5</a:t>
+            </a:r>
+            <a:r>
+              <a:rPr sz="2000" b="1">
+                <a:solidFill>
+                  <a:srgbClr val="0611F2"/>
+                </a:solidFill>
+                <a:latin typeface="맑은 고딕" charset="0"/>
+                <a:ea typeface="맑은 고딕" charset="0"/>
+              </a:rPr>
+              <a:t>.</a:t>
+            </a:r>
+            <a:r>
+              <a:rPr sz="2000" b="1">
+                <a:solidFill>
+                  <a:srgbClr val="0611F2"/>
+                </a:solidFill>
+                <a:latin typeface="맑은 고딕" charset="0"/>
+                <a:ea typeface="맑은 고딕" charset="0"/>
+              </a:rPr>
+              <a:t> </a:t>
+            </a:r>
+            <a:r>
+              <a:rPr sz="1800">
+                <a:latin typeface="맑은 고딕" charset="0"/>
+                <a:ea typeface="맑은 고딕" charset="0"/>
+              </a:rPr>
+              <a:t>그러고 나서</a:t>
+            </a:r>
+            <a:r>
+              <a:rPr lang="ko-KR" sz="1800">
+                <a:latin typeface="맑은 고딕" charset="0"/>
+                <a:ea typeface="맑은 고딕" charset="0"/>
+              </a:rPr>
+              <a:t> Start( )</a:t>
+            </a:r>
+            <a:r>
+              <a:rPr lang="ko-KR" sz="1800">
+                <a:latin typeface="맑은 고딕" charset="0"/>
+                <a:ea typeface="맑은 고딕" charset="0"/>
+              </a:rPr>
+              <a:t> 함수에서 </a:t>
+            </a:r>
+            <a:r>
+              <a:rPr lang="ko-KR" sz="1800">
+                <a:latin typeface="맑은 고딕" charset="0"/>
+                <a:ea typeface="맑은 고딕" charset="0"/>
+              </a:rPr>
+              <a:t>방</a:t>
+            </a:r>
+            <a:r>
+              <a:rPr lang="ko-KR" sz="1800">
+                <a:latin typeface="맑은 고딕" charset="0"/>
+                <a:ea typeface="맑은 고딕" charset="0"/>
+              </a:rPr>
+              <a:t>향</a:t>
+            </a:r>
+            <a:r>
+              <a:rPr lang="ko-KR" sz="1800">
+                <a:latin typeface="맑은 고딕" charset="0"/>
+                <a:ea typeface="맑은 고딕" charset="0"/>
+              </a:rPr>
+              <a:t> </a:t>
+            </a:r>
+            <a:r>
+              <a:rPr lang="ko-KR" sz="1800">
+                <a:latin typeface="맑은 고딕" charset="0"/>
+                <a:ea typeface="맑은 고딕" charset="0"/>
+              </a:rPr>
+              <a:t>변수와 속도를 계산한 다음 </a:t>
+            </a:r>
+            <a:r>
+              <a:rPr lang="ko-KR" sz="1800">
+                <a:latin typeface="맑은 고딕" charset="0"/>
+                <a:ea typeface="맑은 고딕" charset="0"/>
+              </a:rPr>
+              <a:t>자신</a:t>
+            </a:r>
+            <a:r>
+              <a:rPr lang="ko-KR" sz="1800">
+                <a:latin typeface="맑은 고딕" charset="0"/>
+                <a:ea typeface="맑은 고딕" charset="0"/>
+              </a:rPr>
+              <a:t>의</a:t>
+            </a:r>
+            <a:r>
+              <a:rPr lang="ko-KR" sz="1800">
+                <a:latin typeface="맑은 고딕" charset="0"/>
+                <a:ea typeface="맑은 고딕" charset="0"/>
+              </a:rPr>
+              <a:t> </a:t>
+            </a:r>
+            <a:r>
+              <a:rPr lang="ko-KR" sz="1800">
+                <a:latin typeface="맑은 고딕" charset="0"/>
+                <a:ea typeface="맑은 고딕" charset="0"/>
+              </a:rPr>
+              <a:t>위치 값으로 넣어줍니다.</a:t>
+            </a:r>
+            <a:endParaRPr lang="ko-KR" altLang="en-US" sz="1800">
+              <a:latin typeface="맑은 고딕" charset="0"/>
+              <a:ea typeface="맑은 고딕" charset="0"/>
+            </a:endParaRPr>
+          </a:p>
+        </p:txBody>
+      </p:sp>
+      <p:sp>
+        <p:nvSpPr>
+          <p:cNvPr id="150" name="Rect 0"/>
+          <p:cNvSpPr txBox="1">
+            <a:spLocks/>
+          </p:cNvSpPr>
+          <p:nvPr/>
+        </p:nvSpPr>
+        <p:spPr>
+          <a:xfrm rot="0">
+            <a:off x="1249680" y="5194935"/>
+            <a:ext cx="4126230" cy="923925"/>
+          </a:xfrm>
+          <a:prstGeom prst="rect"/>
+          <a:noFill/>
+          <a:ln w="0">
+            <a:noFill/>
+            <a:prstDash/>
+          </a:ln>
+        </p:spPr>
+        <p:txBody>
+          <a:bodyPr wrap="square" lIns="89535" tIns="46355" rIns="89535" bIns="46355" numCol="1" vert="horz" anchor="t">
+            <a:spAutoFit/>
+          </a:bodyPr>
+          <a:lstStyle/>
+          <a:p>
+            <a:pPr marL="0" indent="0" rtl="0" algn="l" defTabSz="914400" eaLnBrk="1" latinLnBrk="0" hangingPunct="1">
+              <a:buFontTx/>
+              <a:buNone/>
+            </a:pPr>
+            <a:r>
+              <a:rPr sz="1800" b="1">
+                <a:solidFill>
+                  <a:srgbClr val="0611F2"/>
+                </a:solidFill>
+                <a:latin typeface="맑은 고딕" charset="0"/>
+                <a:ea typeface="맑은 고딕" charset="0"/>
+              </a:rPr>
+              <a:t>5</a:t>
+            </a:r>
+            <a:r>
+              <a:rPr lang="ko-KR" sz="1800" b="1">
+                <a:solidFill>
+                  <a:srgbClr val="0611F2"/>
+                </a:solidFill>
+                <a:latin typeface="맑은 고딕" charset="0"/>
+                <a:ea typeface="맑은 고딕" charset="0"/>
+              </a:rPr>
+              <a:t>6</a:t>
+            </a:r>
+            <a:r>
+              <a:rPr sz="1800" b="1">
+                <a:solidFill>
+                  <a:srgbClr val="0611F2"/>
+                </a:solidFill>
+                <a:latin typeface="맑은 고딕" charset="0"/>
+                <a:ea typeface="맑은 고딕" charset="0"/>
+              </a:rPr>
+              <a:t>.</a:t>
+            </a:r>
+            <a:r>
+              <a:rPr sz="1800">
+                <a:latin typeface="맑은 고딕" charset="0"/>
+                <a:ea typeface="맑은 고딕" charset="0"/>
+              </a:rPr>
+              <a:t> </a:t>
+            </a:r>
+            <a:r>
+              <a:rPr lang="ko-KR" sz="1800">
+                <a:latin typeface="맑은 고딕" charset="0"/>
+                <a:ea typeface="맑은 고딕" charset="0"/>
+              </a:rPr>
+              <a:t>이제 Resoureces 폴더에 있는 Bee </a:t>
+            </a:r>
+            <a:r>
+              <a:rPr lang="ko-KR" sz="1800">
+                <a:latin typeface="맑은 고딕" charset="0"/>
+                <a:ea typeface="맑은 고딕" charset="0"/>
+              </a:rPr>
+              <a:t>오브젝트에</a:t>
+            </a:r>
+            <a:r>
+              <a:rPr lang="ko-KR" sz="1800">
+                <a:latin typeface="맑은 고딕" charset="0"/>
+                <a:ea typeface="맑은 고딕" charset="0"/>
+              </a:rPr>
+              <a:t> </a:t>
+            </a:r>
+            <a:r>
+              <a:rPr lang="ko-KR" sz="1800">
+                <a:latin typeface="맑은 고딕" charset="0"/>
+                <a:ea typeface="맑은 고딕" charset="0"/>
+              </a:rPr>
+              <a:t>Animator</a:t>
+            </a:r>
+            <a:r>
+              <a:rPr lang="ko-KR" sz="1800">
+                <a:latin typeface="맑은 고딕" charset="0"/>
+                <a:ea typeface="맑은 고딕" charset="0"/>
+              </a:rPr>
+              <a:t> </a:t>
+            </a:r>
+            <a:r>
+              <a:rPr lang="ko-KR" sz="1800">
+                <a:latin typeface="맑은 고딕" charset="0"/>
+                <a:ea typeface="맑은 고딕" charset="0"/>
+              </a:rPr>
+              <a:t>컴포넌트를 </a:t>
+            </a:r>
+            <a:r>
+              <a:rPr lang="ko-KR" sz="1800">
+                <a:latin typeface="맑은 고딕" charset="0"/>
+                <a:ea typeface="맑은 고딕" charset="0"/>
+              </a:rPr>
+              <a:t>추가합니다.</a:t>
+            </a:r>
+            <a:endParaRPr lang="ko-KR" altLang="en-US" sz="1800">
+              <a:latin typeface="맑은 고딕" charset="0"/>
+              <a:ea typeface="맑은 고딕" charset="0"/>
+            </a:endParaRPr>
+          </a:p>
+        </p:txBody>
+      </p:sp>
+      <p:sp>
+        <p:nvSpPr>
+          <p:cNvPr id="153" name="Rect 0"/>
+          <p:cNvSpPr txBox="1">
+            <a:spLocks/>
+          </p:cNvSpPr>
+          <p:nvPr/>
+        </p:nvSpPr>
+        <p:spPr>
+          <a:xfrm rot="0">
+            <a:off x="6824980" y="4330065"/>
+            <a:ext cx="4115435" cy="1784985"/>
+          </a:xfrm>
+          <a:prstGeom prst="rect"/>
+          <a:noFill/>
+          <a:ln w="0">
+            <a:noFill/>
+            <a:prstDash/>
+          </a:ln>
+        </p:spPr>
+        <p:txBody>
+          <a:bodyPr wrap="square" lIns="89535" tIns="46355" rIns="89535" bIns="46355" numCol="1" vert="horz" anchor="t">
+            <a:spAutoFit/>
+          </a:bodyPr>
+          <a:lstStyle/>
+          <a:p>
+            <a:pPr marL="0" indent="0" rtl="0" algn="l" defTabSz="914400" eaLnBrk="1" latinLnBrk="0" hangingPunct="1">
+              <a:buFontTx/>
+              <a:buNone/>
+            </a:pPr>
+            <a:r>
+              <a:rPr sz="2000" b="1">
+                <a:solidFill>
+                  <a:srgbClr val="0611F2"/>
+                </a:solidFill>
+                <a:latin typeface="맑은 고딕" charset="0"/>
+                <a:ea typeface="맑은 고딕" charset="0"/>
+              </a:rPr>
+              <a:t>5</a:t>
+            </a:r>
+            <a:r>
+              <a:rPr lang="ko-KR" sz="2000" b="1">
+                <a:solidFill>
+                  <a:srgbClr val="0611F2"/>
+                </a:solidFill>
+                <a:latin typeface="맑은 고딕" charset="0"/>
+                <a:ea typeface="맑은 고딕" charset="0"/>
+              </a:rPr>
+              <a:t>7</a:t>
+            </a:r>
+            <a:r>
+              <a:rPr sz="2000" b="1">
+                <a:solidFill>
+                  <a:srgbClr val="0611F2"/>
+                </a:solidFill>
+                <a:latin typeface="맑은 고딕" charset="0"/>
+                <a:ea typeface="맑은 고딕" charset="0"/>
+              </a:rPr>
+              <a:t>.</a:t>
+            </a:r>
+            <a:r>
+              <a:rPr sz="2000" b="1">
+                <a:solidFill>
+                  <a:srgbClr val="0611F2"/>
+                </a:solidFill>
+                <a:latin typeface="맑은 고딕" charset="0"/>
+                <a:ea typeface="맑은 고딕" charset="0"/>
+              </a:rPr>
+              <a:t> </a:t>
+            </a:r>
+            <a:r>
+              <a:rPr sz="1800">
+                <a:latin typeface="맑은 고딕" charset="0"/>
+                <a:ea typeface="맑은 고딕" charset="0"/>
+              </a:rPr>
+              <a:t>그리고 Project 폴더 아래에 있는 </a:t>
+            </a:r>
+            <a:r>
+              <a:rPr sz="1800">
+                <a:latin typeface="맑은 고딕" charset="0"/>
+                <a:ea typeface="맑은 고딕" charset="0"/>
+              </a:rPr>
+              <a:t>Anim</a:t>
+            </a:r>
+            <a:r>
+              <a:rPr lang="ko-KR" sz="1800">
+                <a:latin typeface="맑은 고딕" charset="0"/>
+                <a:ea typeface="맑은 고딕" charset="0"/>
+              </a:rPr>
+              <a:t>a</a:t>
+            </a:r>
+            <a:r>
+              <a:rPr lang="ko-KR" sz="1800">
+                <a:latin typeface="맑은 고딕" charset="0"/>
+                <a:ea typeface="맑은 고딕" charset="0"/>
+              </a:rPr>
+              <a:t>tor</a:t>
+            </a:r>
+            <a:r>
+              <a:rPr lang="ko-KR" sz="1800">
+                <a:latin typeface="맑은 고딕" charset="0"/>
+                <a:ea typeface="맑은 고딕" charset="0"/>
+              </a:rPr>
+              <a:t> 폴더에 Bee Animator를 </a:t>
+            </a:r>
+            <a:r>
+              <a:rPr lang="ko-KR" sz="1800">
+                <a:latin typeface="맑은 고딕" charset="0"/>
+                <a:ea typeface="맑은 고딕" charset="0"/>
+              </a:rPr>
+              <a:t>선택합니</a:t>
+            </a:r>
+            <a:r>
+              <a:rPr lang="ko-KR" sz="1800">
+                <a:latin typeface="맑은 고딕" charset="0"/>
+                <a:ea typeface="맑은 고딕" charset="0"/>
+              </a:rPr>
+              <a:t>다.</a:t>
+            </a:r>
+            <a:endParaRPr lang="ko-KR" altLang="en-US" sz="1800">
+              <a:latin typeface="맑은 고딕" charset="0"/>
+              <a:ea typeface="맑은 고딕" charset="0"/>
+            </a:endParaRPr>
+          </a:p>
+          <a:p>
+            <a:pPr marL="0" indent="0" rtl="0" algn="l" defTabSz="914400" eaLnBrk="1" latinLnBrk="0" hangingPunct="1">
+              <a:buFontTx/>
+              <a:buNone/>
+            </a:pPr>
+            <a:endParaRPr lang="ko-KR" altLang="en-US" sz="1800">
+              <a:latin typeface="맑은 고딕" charset="0"/>
+              <a:ea typeface="맑은 고딕" charset="0"/>
+            </a:endParaRPr>
+          </a:p>
+          <a:p>
+            <a:pPr marL="0" indent="0" rtl="0" algn="l" defTabSz="914400" eaLnBrk="1" latinLnBrk="0" hangingPunct="1">
+              <a:buFontTx/>
+              <a:buNone/>
+            </a:pPr>
+            <a:r>
+              <a:rPr lang="ko-KR" sz="1800">
+                <a:latin typeface="맑은 고딕" charset="0"/>
+                <a:ea typeface="맑은 고딕" charset="0"/>
+              </a:rPr>
+              <a:t>그</a:t>
+            </a:r>
+            <a:r>
+              <a:rPr lang="ko-KR" sz="1800">
+                <a:latin typeface="맑은 고딕" charset="0"/>
+                <a:ea typeface="맑은 고딕" charset="0"/>
+              </a:rPr>
+              <a:t>런</a:t>
+            </a:r>
+            <a:r>
+              <a:rPr lang="ko-KR" sz="1800">
+                <a:latin typeface="맑은 고딕" charset="0"/>
+                <a:ea typeface="맑은 고딕" charset="0"/>
+              </a:rPr>
+              <a:t> </a:t>
+            </a:r>
+            <a:r>
+              <a:rPr lang="ko-KR" sz="1800">
+                <a:latin typeface="맑은 고딕" charset="0"/>
+                <a:ea typeface="맑은 고딕" charset="0"/>
+              </a:rPr>
+              <a:t>다음 Bee 애니메이터 컴포넌트</a:t>
+            </a:r>
+            <a:r>
+              <a:rPr lang="ko-KR" sz="1800">
+                <a:latin typeface="맑은 고딕" charset="0"/>
+                <a:ea typeface="맑은 고딕" charset="0"/>
+              </a:rPr>
+              <a:t>에</a:t>
+            </a:r>
+            <a:r>
+              <a:rPr lang="ko-KR" sz="1800">
+                <a:latin typeface="맑은 고딕" charset="0"/>
+                <a:ea typeface="맑은 고딕" charset="0"/>
+              </a:rPr>
+              <a:t> </a:t>
+            </a:r>
+            <a:r>
+              <a:rPr lang="ko-KR" sz="1800">
+                <a:latin typeface="맑은 고딕" charset="0"/>
+                <a:ea typeface="맑은 고딕" charset="0"/>
+              </a:rPr>
+              <a:t>넣어줍니</a:t>
+            </a:r>
+            <a:r>
+              <a:rPr lang="ko-KR" sz="1800">
+                <a:latin typeface="맑은 고딕" charset="0"/>
+                <a:ea typeface="맑은 고딕" charset="0"/>
+              </a:rPr>
+              <a:t>다.</a:t>
+            </a:r>
+            <a:endParaRPr lang="ko-KR" altLang="en-US" sz="1800">
+              <a:latin typeface="맑은 고딕" charset="0"/>
+              <a:ea typeface="맑은 고딕" charset="0"/>
+            </a:endParaRPr>
+          </a:p>
+        </p:txBody>
+      </p:sp>
+      <p:pic>
+        <p:nvPicPr>
+          <p:cNvPr id="155" name="그림 59" descr="C:/Users/Admin1/AppData/Roaming/PolarisOffice/ETemp/19772_10673440/fImage191513984464.png"/>
+          <p:cNvPicPr>
+            <a:picLocks noChangeAspect="1"/>
+          </p:cNvPicPr>
+          <p:nvPr/>
+        </p:nvPicPr>
+        <p:blipFill rotWithShape="1">
+          <a:blip r:embed="rId2" cstate="print">
+            <a:extLst>
+              <a:ext uri="{28A0092B-C50C-407E-A947-70E740481C1C}">
+                <a14:useLocalDpi xmlns:a14="http://schemas.microsoft.com/office/drawing/2010/main" val="0"/>
+              </a:ext>
+            </a:extLst>
+          </a:blip>
+          <a:stretch>
+            <a:fillRect/>
+          </a:stretch>
+        </p:blipFill>
+        <p:spPr>
+          <a:xfrm rot="0">
+            <a:off x="1250950" y="1430020"/>
+            <a:ext cx="4124960" cy="1068705"/>
+          </a:xfrm>
+          <a:prstGeom prst="roundRect"/>
+          <a:solidFill>
+            <a:srgbClr val="EDEDED"/>
+          </a:solidFill>
+        </p:spPr>
+      </p:pic>
+      <p:pic>
+        <p:nvPicPr>
+          <p:cNvPr id="156" name="그림 63" descr="C:/Users/Admin1/AppData/Roaming/PolarisOffice/ETemp/19772_10673440/fImage44924005705.png"/>
+          <p:cNvPicPr>
+            <a:picLocks noChangeAspect="1"/>
+          </p:cNvPicPr>
+          <p:nvPr/>
+        </p:nvPicPr>
+        <p:blipFill rotWithShape="1">
+          <a:blip r:embed="rId3" cstate="print">
+            <a:extLst>
+              <a:ext uri="{28A0092B-C50C-407E-A947-70E740481C1C}">
+                <a14:useLocalDpi xmlns:a14="http://schemas.microsoft.com/office/drawing/2010/main" val="0"/>
+              </a:ext>
+            </a:extLst>
+          </a:blip>
+          <a:stretch>
+            <a:fillRect/>
+          </a:stretch>
+        </p:blipFill>
+        <p:spPr>
+          <a:xfrm rot="0">
+            <a:off x="1258570" y="3718560"/>
+            <a:ext cx="4108450" cy="1286510"/>
+          </a:xfrm>
+          <a:prstGeom prst="roundRect"/>
+          <a:solidFill>
+            <a:srgbClr val="EDEDED"/>
+          </a:solidFill>
+        </p:spPr>
+      </p:pic>
+      <p:pic>
+        <p:nvPicPr>
+          <p:cNvPr id="157" name="그림 66" descr="C:/Users/Admin1/AppData/Roaming/PolarisOffice/ETemp/19772_10673440/fImage173184018145.png"/>
+          <p:cNvPicPr>
+            <a:picLocks noChangeAspect="1"/>
+          </p:cNvPicPr>
+          <p:nvPr/>
+        </p:nvPicPr>
+        <p:blipFill rotWithShape="1">
+          <a:blip r:embed="rId4" cstate="print">
+            <a:extLst>
+              <a:ext uri="{28A0092B-C50C-407E-A947-70E740481C1C}">
+                <a14:useLocalDpi xmlns:a14="http://schemas.microsoft.com/office/drawing/2010/main" val="0"/>
+              </a:ext>
+            </a:extLst>
+          </a:blip>
+          <a:stretch>
+            <a:fillRect/>
+          </a:stretch>
+        </p:blipFill>
+        <p:spPr>
+          <a:xfrm rot="0">
+            <a:off x="6809740" y="1426210"/>
+            <a:ext cx="4130675" cy="1692275"/>
+          </a:xfrm>
+          <a:prstGeom prst="roundRect"/>
+          <a:solidFill>
+            <a:srgbClr val="EDEDED"/>
+          </a:solidFill>
+        </p:spPr>
+      </p:pic>
+      <p:pic>
+        <p:nvPicPr>
+          <p:cNvPr id="158" name="그림 69" descr="C:/Users/Admin1/AppData/Roaming/PolarisOffice/ETemp/19772_10673440/fImage46944023281.png"/>
+          <p:cNvPicPr>
+            <a:picLocks noChangeAspect="1"/>
+          </p:cNvPicPr>
+          <p:nvPr/>
+        </p:nvPicPr>
+        <p:blipFill rotWithShape="1">
+          <a:blip r:embed="rId5" cstate="print">
+            <a:extLst>
+              <a:ext uri="{28A0092B-C50C-407E-A947-70E740481C1C}">
+                <a14:useLocalDpi xmlns:a14="http://schemas.microsoft.com/office/drawing/2010/main" val="0"/>
+              </a:ext>
+            </a:extLst>
+          </a:blip>
+          <a:stretch>
+            <a:fillRect/>
+          </a:stretch>
+        </p:blipFill>
+        <p:spPr>
+          <a:xfrm rot="0">
+            <a:off x="6822440" y="3298825"/>
+            <a:ext cx="4126230" cy="922020"/>
+          </a:xfrm>
+          <a:prstGeom prst="roundRect"/>
+          <a:solidFill>
+            <a:srgbClr val="EDEDED"/>
+          </a:solidFill>
+        </p:spPr>
+      </p:pic>
+      <p:cxnSp>
+        <p:nvCxnSpPr>
+          <p:cNvPr id="159" name="도형 72"/>
+          <p:cNvCxnSpPr/>
+          <p:nvPr/>
+        </p:nvCxnSpPr>
+        <p:spPr>
+          <a:xfrm rot="0" flipV="1">
+            <a:off x="8096885" y="1739900"/>
+            <a:ext cx="2731135" cy="1844040"/>
+          </a:xfrm>
+          <a:prstGeom prst="straightConnector1"/>
+          <a:ln w="6350" cap="flat" cmpd="sng">
+            <a:prstDash/>
+            <a:headEnd type="none" w="med" len="med"/>
+            <a:tailEnd type="triangle" w="med" len="med"/>
+          </a:ln>
+        </p:spPr>
+        <p:style>
+          <a:lnRef idx="1">
+            <a:schemeClr val="accent1"/>
+          </a:lnRef>
+          <a:fillRef idx="0">
+            <a:schemeClr val="accent1"/>
+          </a:fillRef>
+          <a:effectRef idx="0">
+            <a:schemeClr val="accent1"/>
+          </a:effectRef>
+          <a:fontRef idx="minor">
+            <a:schemeClr val="tx1"/>
+          </a:fontRef>
+        </p:style>
+      </p:cxnSp>
     </p:spTree>
   </p:cSld>
   <p:clrMapOvr>
